--- a/MineThesis new struct/other/流程图.pptx
+++ b/MineThesis new struct/other/流程图.pptx
@@ -8,6 +8,7 @@
     <p:sldId id="256" r:id="rId2"/>
     <p:sldId id="257" r:id="rId3"/>
     <p:sldId id="258" r:id="rId4"/>
+    <p:sldId id="259" r:id="rId5"/>
   </p:sldIdLst>
   <p:sldSz cx="12192000" cy="6858000"/>
   <p:notesSz cx="6858000" cy="9144000"/>
@@ -273,7 +274,7 @@
           <a:p>
             <a:fld id="{CC7B9DFA-7254-46D5-8843-3EC702C2F19D}" type="datetimeFigureOut">
               <a:rPr lang="zh-CN" altLang="en-US" smtClean="0"/>
-              <a:t>20.12.26</a:t>
+              <a:t>20.12.31</a:t>
             </a:fld>
             <a:endParaRPr lang="zh-CN" altLang="en-US"/>
           </a:p>
@@ -471,7 +472,7 @@
           <a:p>
             <a:fld id="{CC7B9DFA-7254-46D5-8843-3EC702C2F19D}" type="datetimeFigureOut">
               <a:rPr lang="zh-CN" altLang="en-US" smtClean="0"/>
-              <a:t>20.12.26</a:t>
+              <a:t>20.12.31</a:t>
             </a:fld>
             <a:endParaRPr lang="zh-CN" altLang="en-US"/>
           </a:p>
@@ -679,7 +680,7 @@
           <a:p>
             <a:fld id="{CC7B9DFA-7254-46D5-8843-3EC702C2F19D}" type="datetimeFigureOut">
               <a:rPr lang="zh-CN" altLang="en-US" smtClean="0"/>
-              <a:t>20.12.26</a:t>
+              <a:t>20.12.31</a:t>
             </a:fld>
             <a:endParaRPr lang="zh-CN" altLang="en-US"/>
           </a:p>
@@ -877,7 +878,7 @@
           <a:p>
             <a:fld id="{CC7B9DFA-7254-46D5-8843-3EC702C2F19D}" type="datetimeFigureOut">
               <a:rPr lang="zh-CN" altLang="en-US" smtClean="0"/>
-              <a:t>20.12.26</a:t>
+              <a:t>20.12.31</a:t>
             </a:fld>
             <a:endParaRPr lang="zh-CN" altLang="en-US"/>
           </a:p>
@@ -1152,7 +1153,7 @@
           <a:p>
             <a:fld id="{CC7B9DFA-7254-46D5-8843-3EC702C2F19D}" type="datetimeFigureOut">
               <a:rPr lang="zh-CN" altLang="en-US" smtClean="0"/>
-              <a:t>20.12.26</a:t>
+              <a:t>20.12.31</a:t>
             </a:fld>
             <a:endParaRPr lang="zh-CN" altLang="en-US"/>
           </a:p>
@@ -1417,7 +1418,7 @@
           <a:p>
             <a:fld id="{CC7B9DFA-7254-46D5-8843-3EC702C2F19D}" type="datetimeFigureOut">
               <a:rPr lang="zh-CN" altLang="en-US" smtClean="0"/>
-              <a:t>20.12.26</a:t>
+              <a:t>20.12.31</a:t>
             </a:fld>
             <a:endParaRPr lang="zh-CN" altLang="en-US"/>
           </a:p>
@@ -1829,7 +1830,7 @@
           <a:p>
             <a:fld id="{CC7B9DFA-7254-46D5-8843-3EC702C2F19D}" type="datetimeFigureOut">
               <a:rPr lang="zh-CN" altLang="en-US" smtClean="0"/>
-              <a:t>20.12.26</a:t>
+              <a:t>20.12.31</a:t>
             </a:fld>
             <a:endParaRPr lang="zh-CN" altLang="en-US"/>
           </a:p>
@@ -1970,7 +1971,7 @@
           <a:p>
             <a:fld id="{CC7B9DFA-7254-46D5-8843-3EC702C2F19D}" type="datetimeFigureOut">
               <a:rPr lang="zh-CN" altLang="en-US" smtClean="0"/>
-              <a:t>20.12.26</a:t>
+              <a:t>20.12.31</a:t>
             </a:fld>
             <a:endParaRPr lang="zh-CN" altLang="en-US"/>
           </a:p>
@@ -2083,7 +2084,7 @@
           <a:p>
             <a:fld id="{CC7B9DFA-7254-46D5-8843-3EC702C2F19D}" type="datetimeFigureOut">
               <a:rPr lang="zh-CN" altLang="en-US" smtClean="0"/>
-              <a:t>20.12.26</a:t>
+              <a:t>20.12.31</a:t>
             </a:fld>
             <a:endParaRPr lang="zh-CN" altLang="en-US"/>
           </a:p>
@@ -2394,7 +2395,7 @@
           <a:p>
             <a:fld id="{CC7B9DFA-7254-46D5-8843-3EC702C2F19D}" type="datetimeFigureOut">
               <a:rPr lang="zh-CN" altLang="en-US" smtClean="0"/>
-              <a:t>20.12.26</a:t>
+              <a:t>20.12.31</a:t>
             </a:fld>
             <a:endParaRPr lang="zh-CN" altLang="en-US"/>
           </a:p>
@@ -2682,7 +2683,7 @@
           <a:p>
             <a:fld id="{CC7B9DFA-7254-46D5-8843-3EC702C2F19D}" type="datetimeFigureOut">
               <a:rPr lang="zh-CN" altLang="en-US" smtClean="0"/>
-              <a:t>20.12.26</a:t>
+              <a:t>20.12.31</a:t>
             </a:fld>
             <a:endParaRPr lang="zh-CN" altLang="en-US"/>
           </a:p>
@@ -2923,7 +2924,7 @@
           <a:p>
             <a:fld id="{CC7B9DFA-7254-46D5-8843-3EC702C2F19D}" type="datetimeFigureOut">
               <a:rPr lang="zh-CN" altLang="en-US" smtClean="0"/>
-              <a:t>20.12.26</a:t>
+              <a:t>20.12.31</a:t>
             </a:fld>
             <a:endParaRPr lang="zh-CN" altLang="en-US"/>
           </a:p>
@@ -4762,10 +4763,10 @@
       </p:grpSpPr>
       <p:sp>
         <p:nvSpPr>
-          <p:cNvPr id="3" name="椭圆 2">
-            <a:extLst>
-              <a:ext uri="{FF2B5EF4-FFF2-40B4-BE49-F238E27FC236}">
-                <a16:creationId xmlns:a16="http://schemas.microsoft.com/office/drawing/2014/main" id="{35B0E0CA-030C-450E-9700-33E4380B30A8}"/>
+          <p:cNvPr id="51" name="箭头: 右 50">
+            <a:extLst>
+              <a:ext uri="{FF2B5EF4-FFF2-40B4-BE49-F238E27FC236}">
+                <a16:creationId xmlns:a16="http://schemas.microsoft.com/office/drawing/2014/main" id="{BA8C8B56-7D86-476C-B767-F51F61A820F6}"/>
               </a:ext>
             </a:extLst>
           </p:cNvPr>
@@ -4774,437 +4775,8 @@
         </p:nvSpPr>
         <p:spPr>
           <a:xfrm>
-            <a:off x="945502" y="1486678"/>
-            <a:ext cx="93306" cy="93306"/>
-          </a:xfrm>
-          <a:prstGeom prst="ellipse">
-            <a:avLst/>
-          </a:prstGeom>
-        </p:spPr>
-        <p:style>
-          <a:lnRef idx="2">
-            <a:schemeClr val="accent1">
-              <a:shade val="50000"/>
-            </a:schemeClr>
-          </a:lnRef>
-          <a:fillRef idx="1">
-            <a:schemeClr val="accent1"/>
-          </a:fillRef>
-          <a:effectRef idx="0">
-            <a:schemeClr val="accent1"/>
-          </a:effectRef>
-          <a:fontRef idx="minor">
-            <a:schemeClr val="lt1"/>
-          </a:fontRef>
-        </p:style>
-        <p:txBody>
-          <a:bodyPr rtlCol="0" anchor="ctr"/>
-          <a:lstStyle/>
-          <a:p>
-            <a:pPr algn="ctr"/>
-            <a:endParaRPr lang="zh-CN" altLang="en-US"/>
-          </a:p>
-        </p:txBody>
-      </p:sp>
-      <p:sp>
-        <p:nvSpPr>
-          <p:cNvPr id="33" name="椭圆 32">
-            <a:extLst>
-              <a:ext uri="{FF2B5EF4-FFF2-40B4-BE49-F238E27FC236}">
-                <a16:creationId xmlns:a16="http://schemas.microsoft.com/office/drawing/2014/main" id="{0EF6B1DF-23E8-402C-8076-98BB56C08DA0}"/>
-              </a:ext>
-            </a:extLst>
-          </p:cNvPr>
-          <p:cNvSpPr/>
-          <p:nvPr/>
-        </p:nvSpPr>
-        <p:spPr>
-          <a:xfrm>
-            <a:off x="1300065" y="2351315"/>
-            <a:ext cx="93306" cy="93306"/>
-          </a:xfrm>
-          <a:prstGeom prst="ellipse">
-            <a:avLst/>
-          </a:prstGeom>
-        </p:spPr>
-        <p:style>
-          <a:lnRef idx="2">
-            <a:schemeClr val="accent1">
-              <a:shade val="50000"/>
-            </a:schemeClr>
-          </a:lnRef>
-          <a:fillRef idx="1">
-            <a:schemeClr val="accent1"/>
-          </a:fillRef>
-          <a:effectRef idx="0">
-            <a:schemeClr val="accent1"/>
-          </a:effectRef>
-          <a:fontRef idx="minor">
-            <a:schemeClr val="lt1"/>
-          </a:fontRef>
-        </p:style>
-        <p:txBody>
-          <a:bodyPr rtlCol="0" anchor="ctr"/>
-          <a:lstStyle/>
-          <a:p>
-            <a:pPr algn="ctr"/>
-            <a:endParaRPr lang="zh-CN" altLang="en-US"/>
-          </a:p>
-        </p:txBody>
-      </p:sp>
-      <p:sp>
-        <p:nvSpPr>
-          <p:cNvPr id="34" name="椭圆 33">
-            <a:extLst>
-              <a:ext uri="{FF2B5EF4-FFF2-40B4-BE49-F238E27FC236}">
-                <a16:creationId xmlns:a16="http://schemas.microsoft.com/office/drawing/2014/main" id="{3195ECA6-2B61-41B5-8774-17702FDDD128}"/>
-              </a:ext>
-            </a:extLst>
-          </p:cNvPr>
-          <p:cNvSpPr/>
-          <p:nvPr/>
-        </p:nvSpPr>
-        <p:spPr>
-          <a:xfrm>
-            <a:off x="1492898" y="1785258"/>
-            <a:ext cx="93306" cy="93306"/>
-          </a:xfrm>
-          <a:prstGeom prst="ellipse">
-            <a:avLst/>
-          </a:prstGeom>
-        </p:spPr>
-        <p:style>
-          <a:lnRef idx="2">
-            <a:schemeClr val="accent1">
-              <a:shade val="50000"/>
-            </a:schemeClr>
-          </a:lnRef>
-          <a:fillRef idx="1">
-            <a:schemeClr val="accent1"/>
-          </a:fillRef>
-          <a:effectRef idx="0">
-            <a:schemeClr val="accent1"/>
-          </a:effectRef>
-          <a:fontRef idx="minor">
-            <a:schemeClr val="lt1"/>
-          </a:fontRef>
-        </p:style>
-        <p:txBody>
-          <a:bodyPr rtlCol="0" anchor="ctr"/>
-          <a:lstStyle/>
-          <a:p>
-            <a:pPr algn="ctr"/>
-            <a:endParaRPr lang="zh-CN" altLang="en-US"/>
-          </a:p>
-        </p:txBody>
-      </p:sp>
-      <p:sp>
-        <p:nvSpPr>
-          <p:cNvPr id="36" name="椭圆 35">
-            <a:extLst>
-              <a:ext uri="{FF2B5EF4-FFF2-40B4-BE49-F238E27FC236}">
-                <a16:creationId xmlns:a16="http://schemas.microsoft.com/office/drawing/2014/main" id="{04B61B94-FBEC-43EA-A462-C0148641E70D}"/>
-              </a:ext>
-            </a:extLst>
-          </p:cNvPr>
-          <p:cNvSpPr/>
-          <p:nvPr/>
-        </p:nvSpPr>
-        <p:spPr>
-          <a:xfrm>
-            <a:off x="1138334" y="1959430"/>
-            <a:ext cx="93306" cy="93306"/>
-          </a:xfrm>
-          <a:prstGeom prst="ellipse">
-            <a:avLst/>
-          </a:prstGeom>
-        </p:spPr>
-        <p:style>
-          <a:lnRef idx="2">
-            <a:schemeClr val="accent1">
-              <a:shade val="50000"/>
-            </a:schemeClr>
-          </a:lnRef>
-          <a:fillRef idx="1">
-            <a:schemeClr val="accent1"/>
-          </a:fillRef>
-          <a:effectRef idx="0">
-            <a:schemeClr val="accent1"/>
-          </a:effectRef>
-          <a:fontRef idx="minor">
-            <a:schemeClr val="lt1"/>
-          </a:fontRef>
-        </p:style>
-        <p:txBody>
-          <a:bodyPr rtlCol="0" anchor="ctr"/>
-          <a:lstStyle/>
-          <a:p>
-            <a:pPr algn="ctr"/>
-            <a:endParaRPr lang="zh-CN" altLang="en-US"/>
-          </a:p>
-        </p:txBody>
-      </p:sp>
-      <p:sp>
-        <p:nvSpPr>
-          <p:cNvPr id="39" name="椭圆 38">
-            <a:extLst>
-              <a:ext uri="{FF2B5EF4-FFF2-40B4-BE49-F238E27FC236}">
-                <a16:creationId xmlns:a16="http://schemas.microsoft.com/office/drawing/2014/main" id="{BE3080E9-8AA7-466D-962B-5F301E861CE4}"/>
-              </a:ext>
-            </a:extLst>
-          </p:cNvPr>
-          <p:cNvSpPr/>
-          <p:nvPr/>
-        </p:nvSpPr>
-        <p:spPr>
-          <a:xfrm>
-            <a:off x="783771" y="2397968"/>
-            <a:ext cx="93306" cy="93306"/>
-          </a:xfrm>
-          <a:prstGeom prst="ellipse">
-            <a:avLst/>
-          </a:prstGeom>
-        </p:spPr>
-        <p:style>
-          <a:lnRef idx="2">
-            <a:schemeClr val="accent1">
-              <a:shade val="50000"/>
-            </a:schemeClr>
-          </a:lnRef>
-          <a:fillRef idx="1">
-            <a:schemeClr val="accent1"/>
-          </a:fillRef>
-          <a:effectRef idx="0">
-            <a:schemeClr val="accent1"/>
-          </a:effectRef>
-          <a:fontRef idx="minor">
-            <a:schemeClr val="lt1"/>
-          </a:fontRef>
-        </p:style>
-        <p:txBody>
-          <a:bodyPr rtlCol="0" anchor="ctr"/>
-          <a:lstStyle/>
-          <a:p>
-            <a:pPr algn="ctr"/>
-            <a:endParaRPr lang="zh-CN" altLang="en-US"/>
-          </a:p>
-        </p:txBody>
-      </p:sp>
-      <p:cxnSp>
-        <p:nvCxnSpPr>
-          <p:cNvPr id="16" name="直接连接符 15">
-            <a:extLst>
-              <a:ext uri="{FF2B5EF4-FFF2-40B4-BE49-F238E27FC236}">
-                <a16:creationId xmlns:a16="http://schemas.microsoft.com/office/drawing/2014/main" id="{60058B54-B6C8-4FE0-8F6C-DDD4DF299D7E}"/>
-              </a:ext>
-            </a:extLst>
-          </p:cNvPr>
-          <p:cNvCxnSpPr>
-            <a:stCxn id="3" idx="4"/>
-            <a:endCxn id="36" idx="1"/>
-          </p:cNvCxnSpPr>
-          <p:nvPr/>
-        </p:nvCxnSpPr>
-        <p:spPr>
-          <a:xfrm>
-            <a:off x="992155" y="1579984"/>
-            <a:ext cx="159843" cy="393110"/>
-          </a:xfrm>
-          <a:prstGeom prst="line">
-            <a:avLst/>
-          </a:prstGeom>
-        </p:spPr>
-        <p:style>
-          <a:lnRef idx="1">
-            <a:schemeClr val="accent1"/>
-          </a:lnRef>
-          <a:fillRef idx="0">
-            <a:schemeClr val="accent1"/>
-          </a:fillRef>
-          <a:effectRef idx="0">
-            <a:schemeClr val="accent1"/>
-          </a:effectRef>
-          <a:fontRef idx="minor">
-            <a:schemeClr val="tx1"/>
-          </a:fontRef>
-        </p:style>
-      </p:cxnSp>
-      <p:cxnSp>
-        <p:nvCxnSpPr>
-          <p:cNvPr id="47" name="直接连接符 46">
-            <a:extLst>
-              <a:ext uri="{FF2B5EF4-FFF2-40B4-BE49-F238E27FC236}">
-                <a16:creationId xmlns:a16="http://schemas.microsoft.com/office/drawing/2014/main" id="{738844C0-D418-4740-8FB0-7170AEF30B6D}"/>
-              </a:ext>
-            </a:extLst>
-          </p:cNvPr>
-          <p:cNvCxnSpPr>
-            <a:cxnSpLocks/>
-            <a:stCxn id="36" idx="5"/>
-            <a:endCxn id="33" idx="0"/>
-          </p:cNvCxnSpPr>
-          <p:nvPr/>
-        </p:nvCxnSpPr>
-        <p:spPr>
-          <a:xfrm>
-            <a:off x="1217976" y="2039072"/>
-            <a:ext cx="128742" cy="312243"/>
-          </a:xfrm>
-          <a:prstGeom prst="line">
-            <a:avLst/>
-          </a:prstGeom>
-        </p:spPr>
-        <p:style>
-          <a:lnRef idx="1">
-            <a:schemeClr val="accent1"/>
-          </a:lnRef>
-          <a:fillRef idx="0">
-            <a:schemeClr val="accent1"/>
-          </a:fillRef>
-          <a:effectRef idx="0">
-            <a:schemeClr val="accent1"/>
-          </a:effectRef>
-          <a:fontRef idx="minor">
-            <a:schemeClr val="tx1"/>
-          </a:fontRef>
-        </p:style>
-      </p:cxnSp>
-      <p:cxnSp>
-        <p:nvCxnSpPr>
-          <p:cNvPr id="48" name="直接连接符 47">
-            <a:extLst>
-              <a:ext uri="{FF2B5EF4-FFF2-40B4-BE49-F238E27FC236}">
-                <a16:creationId xmlns:a16="http://schemas.microsoft.com/office/drawing/2014/main" id="{557E9F34-8C47-4C70-90C1-B8E0C8232941}"/>
-              </a:ext>
-            </a:extLst>
-          </p:cNvPr>
-          <p:cNvCxnSpPr>
-            <a:cxnSpLocks/>
-            <a:stCxn id="34" idx="3"/>
-            <a:endCxn id="33" idx="7"/>
-          </p:cNvCxnSpPr>
-          <p:nvPr/>
-        </p:nvCxnSpPr>
-        <p:spPr>
-          <a:xfrm flipH="1">
-            <a:off x="1379707" y="1864900"/>
-            <a:ext cx="126855" cy="500079"/>
-          </a:xfrm>
-          <a:prstGeom prst="line">
-            <a:avLst/>
-          </a:prstGeom>
-        </p:spPr>
-        <p:style>
-          <a:lnRef idx="1">
-            <a:schemeClr val="accent1"/>
-          </a:lnRef>
-          <a:fillRef idx="0">
-            <a:schemeClr val="accent1"/>
-          </a:fillRef>
-          <a:effectRef idx="0">
-            <a:schemeClr val="accent1"/>
-          </a:effectRef>
-          <a:fontRef idx="minor">
-            <a:schemeClr val="tx1"/>
-          </a:fontRef>
-        </p:style>
-      </p:cxnSp>
-      <p:cxnSp>
-        <p:nvCxnSpPr>
-          <p:cNvPr id="49" name="直接连接符 48">
-            <a:extLst>
-              <a:ext uri="{FF2B5EF4-FFF2-40B4-BE49-F238E27FC236}">
-                <a16:creationId xmlns:a16="http://schemas.microsoft.com/office/drawing/2014/main" id="{A52A5884-5AF8-40DD-BF4A-4030176D7512}"/>
-              </a:ext>
-            </a:extLst>
-          </p:cNvPr>
-          <p:cNvCxnSpPr>
-            <a:cxnSpLocks/>
-            <a:stCxn id="36" idx="3"/>
-            <a:endCxn id="39" idx="7"/>
-          </p:cNvCxnSpPr>
-          <p:nvPr/>
-        </p:nvCxnSpPr>
-        <p:spPr>
-          <a:xfrm flipH="1">
-            <a:off x="863413" y="2039072"/>
-            <a:ext cx="288585" cy="372560"/>
-          </a:xfrm>
-          <a:prstGeom prst="line">
-            <a:avLst/>
-          </a:prstGeom>
-        </p:spPr>
-        <p:style>
-          <a:lnRef idx="1">
-            <a:schemeClr val="accent1"/>
-          </a:lnRef>
-          <a:fillRef idx="0">
-            <a:schemeClr val="accent1"/>
-          </a:fillRef>
-          <a:effectRef idx="0">
-            <a:schemeClr val="accent1"/>
-          </a:effectRef>
-          <a:fontRef idx="minor">
-            <a:schemeClr val="tx1"/>
-          </a:fontRef>
-        </p:style>
-      </p:cxnSp>
-      <p:cxnSp>
-        <p:nvCxnSpPr>
-          <p:cNvPr id="50" name="直接连接符 49">
-            <a:extLst>
-              <a:ext uri="{FF2B5EF4-FFF2-40B4-BE49-F238E27FC236}">
-                <a16:creationId xmlns:a16="http://schemas.microsoft.com/office/drawing/2014/main" id="{11EA9028-B918-482B-A32E-D549560152CB}"/>
-              </a:ext>
-            </a:extLst>
-          </p:cNvPr>
-          <p:cNvCxnSpPr>
-            <a:cxnSpLocks/>
-            <a:stCxn id="34" idx="3"/>
-            <a:endCxn id="36" idx="6"/>
-          </p:cNvCxnSpPr>
-          <p:nvPr/>
-        </p:nvCxnSpPr>
-        <p:spPr>
-          <a:xfrm flipH="1">
-            <a:off x="1231640" y="1864900"/>
-            <a:ext cx="274922" cy="141183"/>
-          </a:xfrm>
-          <a:prstGeom prst="line">
-            <a:avLst/>
-          </a:prstGeom>
-        </p:spPr>
-        <p:style>
-          <a:lnRef idx="1">
-            <a:schemeClr val="accent1"/>
-          </a:lnRef>
-          <a:fillRef idx="0">
-            <a:schemeClr val="accent1"/>
-          </a:fillRef>
-          <a:effectRef idx="0">
-            <a:schemeClr val="accent1"/>
-          </a:effectRef>
-          <a:fontRef idx="minor">
-            <a:schemeClr val="tx1"/>
-          </a:fontRef>
-        </p:style>
-      </p:cxnSp>
-      <p:sp>
-        <p:nvSpPr>
-          <p:cNvPr id="51" name="箭头: 右 50">
-            <a:extLst>
-              <a:ext uri="{FF2B5EF4-FFF2-40B4-BE49-F238E27FC236}">
-                <a16:creationId xmlns:a16="http://schemas.microsoft.com/office/drawing/2014/main" id="{BA8C8B56-7D86-476C-B767-F51F61A820F6}"/>
-              </a:ext>
-            </a:extLst>
-          </p:cNvPr>
-          <p:cNvSpPr/>
-          <p:nvPr/>
-        </p:nvSpPr>
-        <p:spPr>
-          <a:xfrm>
-            <a:off x="1704392" y="2006083"/>
-            <a:ext cx="783771" cy="141183"/>
+            <a:off x="1631241" y="2006083"/>
+            <a:ext cx="573318" cy="108155"/>
           </a:xfrm>
           <a:prstGeom prst="rightArrow">
             <a:avLst/>
@@ -5212,18 +4784,16 @@
         </p:spPr>
         <p:style>
           <a:lnRef idx="2">
-            <a:schemeClr val="accent1">
-              <a:shade val="50000"/>
-            </a:schemeClr>
+            <a:schemeClr val="dk1"/>
           </a:lnRef>
           <a:fillRef idx="1">
-            <a:schemeClr val="accent1"/>
+            <a:schemeClr val="lt1"/>
           </a:fillRef>
           <a:effectRef idx="0">
-            <a:schemeClr val="accent1"/>
+            <a:schemeClr val="dk1"/>
           </a:effectRef>
           <a:fontRef idx="minor">
-            <a:schemeClr val="lt1"/>
+            <a:schemeClr val="dk1"/>
           </a:fontRef>
         </p:style>
         <p:txBody>
@@ -5249,14 +4819,31 @@
         </p:nvSpPr>
         <p:spPr>
           <a:xfrm>
-            <a:off x="1738603" y="1792851"/>
+            <a:off x="1530984" y="1792850"/>
             <a:ext cx="715347" cy="246221"/>
           </a:xfrm>
           <a:prstGeom prst="rect">
             <a:avLst/>
           </a:prstGeom>
           <a:noFill/>
+          <a:ln>
+            <a:noFill/>
+          </a:ln>
         </p:spPr>
+        <p:style>
+          <a:lnRef idx="2">
+            <a:schemeClr val="dk1"/>
+          </a:lnRef>
+          <a:fillRef idx="1">
+            <a:schemeClr val="lt1"/>
+          </a:fillRef>
+          <a:effectRef idx="0">
+            <a:schemeClr val="dk1"/>
+          </a:effectRef>
+          <a:fontRef idx="minor">
+            <a:schemeClr val="dk1"/>
+          </a:fontRef>
+        </p:style>
         <p:txBody>
           <a:bodyPr wrap="square" rtlCol="0">
             <a:spAutoFit/>
@@ -5284,25 +4871,25 @@
         </p:nvSpPr>
         <p:spPr>
           <a:xfrm>
-            <a:off x="2534815" y="1319952"/>
-            <a:ext cx="211493" cy="1654628"/>
+            <a:off x="2266911" y="1319952"/>
+            <a:ext cx="944972" cy="1654628"/>
           </a:xfrm>
           <a:prstGeom prst="bracketPair">
             <a:avLst/>
           </a:prstGeom>
         </p:spPr>
         <p:style>
-          <a:lnRef idx="1">
-            <a:schemeClr val="accent1"/>
+          <a:lnRef idx="2">
+            <a:schemeClr val="dk1"/>
           </a:lnRef>
-          <a:fillRef idx="0">
-            <a:schemeClr val="accent1"/>
+          <a:fillRef idx="1">
+            <a:schemeClr val="lt1"/>
           </a:fillRef>
           <a:effectRef idx="0">
-            <a:schemeClr val="accent1"/>
+            <a:schemeClr val="dk1"/>
           </a:effectRef>
           <a:fontRef idx="minor">
-            <a:schemeClr val="tx1"/>
+            <a:schemeClr val="dk1"/>
           </a:fontRef>
         </p:style>
         <p:txBody>
@@ -5314,282 +4901,300 @@
           </a:p>
         </p:txBody>
       </p:sp>
-      <p:sp>
-        <p:nvSpPr>
-          <p:cNvPr id="56" name="矩形 55">
-            <a:extLst>
-              <a:ext uri="{FF2B5EF4-FFF2-40B4-BE49-F238E27FC236}">
-                <a16:creationId xmlns:a16="http://schemas.microsoft.com/office/drawing/2014/main" id="{D715A615-82D5-4277-8276-75AE78B1C351}"/>
-              </a:ext>
-            </a:extLst>
-          </p:cNvPr>
-          <p:cNvSpPr/>
+      <p:grpSp>
+        <p:nvGrpSpPr>
+          <p:cNvPr id="4" name="组合 3">
+            <a:extLst>
+              <a:ext uri="{FF2B5EF4-FFF2-40B4-BE49-F238E27FC236}">
+                <a16:creationId xmlns:a16="http://schemas.microsoft.com/office/drawing/2014/main" id="{C7D98892-30AA-4B42-8433-8344C3BE4BF6}"/>
+              </a:ext>
+            </a:extLst>
+          </p:cNvPr>
+          <p:cNvGrpSpPr/>
           <p:nvPr/>
-        </p:nvSpPr>
-        <p:spPr>
+        </p:nvGrpSpPr>
+        <p:grpSpPr>
           <a:xfrm>
-            <a:off x="2569026" y="1365379"/>
-            <a:ext cx="143070" cy="143070"/>
+            <a:off x="2301517" y="1365379"/>
+            <a:ext cx="849069" cy="1565620"/>
+            <a:chOff x="2569026" y="1365379"/>
+            <a:chExt cx="143070" cy="1565620"/>
           </a:xfrm>
-          <a:prstGeom prst="rect">
-            <a:avLst/>
-          </a:prstGeom>
-        </p:spPr>
-        <p:style>
-          <a:lnRef idx="2">
-            <a:schemeClr val="accent2">
-              <a:shade val="50000"/>
-            </a:schemeClr>
-          </a:lnRef>
-          <a:fillRef idx="1">
-            <a:schemeClr val="accent2"/>
-          </a:fillRef>
-          <a:effectRef idx="0">
-            <a:schemeClr val="accent2"/>
-          </a:effectRef>
-          <a:fontRef idx="minor">
-            <a:schemeClr val="lt1"/>
-          </a:fontRef>
-        </p:style>
-        <p:txBody>
-          <a:bodyPr rtlCol="0" anchor="ctr"/>
-          <a:lstStyle/>
-          <a:p>
-            <a:pPr algn="ctr"/>
-            <a:endParaRPr lang="zh-CN" altLang="en-US"/>
-          </a:p>
-        </p:txBody>
-      </p:sp>
-      <p:sp>
-        <p:nvSpPr>
-          <p:cNvPr id="57" name="矩形 56">
-            <a:extLst>
-              <a:ext uri="{FF2B5EF4-FFF2-40B4-BE49-F238E27FC236}">
-                <a16:creationId xmlns:a16="http://schemas.microsoft.com/office/drawing/2014/main" id="{C41AEF1A-555D-4DD4-BE08-2D3BF3FC26FD}"/>
-              </a:ext>
-            </a:extLst>
-          </p:cNvPr>
-          <p:cNvSpPr/>
-          <p:nvPr/>
-        </p:nvSpPr>
-        <p:spPr>
-          <a:xfrm>
-            <a:off x="2569026" y="1570654"/>
-            <a:ext cx="143070" cy="143070"/>
-          </a:xfrm>
-          <a:prstGeom prst="rect">
-            <a:avLst/>
-          </a:prstGeom>
-        </p:spPr>
-        <p:style>
-          <a:lnRef idx="2">
-            <a:schemeClr val="accent2">
-              <a:shade val="50000"/>
-            </a:schemeClr>
-          </a:lnRef>
-          <a:fillRef idx="1">
-            <a:schemeClr val="accent2"/>
-          </a:fillRef>
-          <a:effectRef idx="0">
-            <a:schemeClr val="accent2"/>
-          </a:effectRef>
-          <a:fontRef idx="minor">
-            <a:schemeClr val="lt1"/>
-          </a:fontRef>
-        </p:style>
-        <p:txBody>
-          <a:bodyPr rtlCol="0" anchor="ctr"/>
-          <a:lstStyle/>
-          <a:p>
-            <a:pPr algn="ctr"/>
-            <a:endParaRPr lang="zh-CN" altLang="en-US"/>
-          </a:p>
-        </p:txBody>
-      </p:sp>
-      <p:sp>
-        <p:nvSpPr>
-          <p:cNvPr id="58" name="矩形 57">
-            <a:extLst>
-              <a:ext uri="{FF2B5EF4-FFF2-40B4-BE49-F238E27FC236}">
-                <a16:creationId xmlns:a16="http://schemas.microsoft.com/office/drawing/2014/main" id="{8F00A984-22D1-48D4-A783-1A9BD2A762D8}"/>
-              </a:ext>
-            </a:extLst>
-          </p:cNvPr>
-          <p:cNvSpPr/>
-          <p:nvPr/>
-        </p:nvSpPr>
-        <p:spPr>
-          <a:xfrm>
-            <a:off x="2569026" y="1772891"/>
-            <a:ext cx="143070" cy="143070"/>
-          </a:xfrm>
-          <a:prstGeom prst="rect">
-            <a:avLst/>
-          </a:prstGeom>
-        </p:spPr>
-        <p:style>
-          <a:lnRef idx="2">
-            <a:schemeClr val="accent2">
-              <a:shade val="50000"/>
-            </a:schemeClr>
-          </a:lnRef>
-          <a:fillRef idx="1">
-            <a:schemeClr val="accent2"/>
-          </a:fillRef>
-          <a:effectRef idx="0">
-            <a:schemeClr val="accent2"/>
-          </a:effectRef>
-          <a:fontRef idx="minor">
-            <a:schemeClr val="lt1"/>
-          </a:fontRef>
-        </p:style>
-        <p:txBody>
-          <a:bodyPr rtlCol="0" anchor="ctr"/>
-          <a:lstStyle/>
-          <a:p>
-            <a:pPr algn="ctr"/>
-            <a:endParaRPr lang="zh-CN" altLang="en-US"/>
-          </a:p>
-        </p:txBody>
-      </p:sp>
-      <p:sp>
-        <p:nvSpPr>
-          <p:cNvPr id="60" name="矩形 59">
-            <a:extLst>
-              <a:ext uri="{FF2B5EF4-FFF2-40B4-BE49-F238E27FC236}">
-                <a16:creationId xmlns:a16="http://schemas.microsoft.com/office/drawing/2014/main" id="{D9A072F1-42FA-4042-B51C-F6D330109F21}"/>
-              </a:ext>
-            </a:extLst>
-          </p:cNvPr>
-          <p:cNvSpPr/>
-          <p:nvPr/>
-        </p:nvSpPr>
-        <p:spPr>
-          <a:xfrm>
-            <a:off x="2569026" y="1971869"/>
-            <a:ext cx="143070" cy="143070"/>
-          </a:xfrm>
-          <a:prstGeom prst="rect">
-            <a:avLst/>
-          </a:prstGeom>
-        </p:spPr>
-        <p:style>
-          <a:lnRef idx="2">
-            <a:schemeClr val="accent2">
-              <a:shade val="50000"/>
-            </a:schemeClr>
-          </a:lnRef>
-          <a:fillRef idx="1">
-            <a:schemeClr val="accent2"/>
-          </a:fillRef>
-          <a:effectRef idx="0">
-            <a:schemeClr val="accent2"/>
-          </a:effectRef>
-          <a:fontRef idx="minor">
-            <a:schemeClr val="lt1"/>
-          </a:fontRef>
-        </p:style>
-        <p:txBody>
-          <a:bodyPr rtlCol="0" anchor="ctr"/>
-          <a:lstStyle/>
-          <a:p>
-            <a:pPr algn="ctr"/>
-            <a:endParaRPr lang="zh-CN" altLang="en-US"/>
-          </a:p>
-        </p:txBody>
-      </p:sp>
-      <p:sp>
-        <p:nvSpPr>
-          <p:cNvPr id="61" name="矩形 60">
-            <a:extLst>
-              <a:ext uri="{FF2B5EF4-FFF2-40B4-BE49-F238E27FC236}">
-                <a16:creationId xmlns:a16="http://schemas.microsoft.com/office/drawing/2014/main" id="{5A124901-8A90-4E4E-968E-879D0B55E853}"/>
-              </a:ext>
-            </a:extLst>
-          </p:cNvPr>
-          <p:cNvSpPr/>
-          <p:nvPr/>
-        </p:nvSpPr>
-        <p:spPr>
-          <a:xfrm>
-            <a:off x="2569026" y="2170847"/>
-            <a:ext cx="143070" cy="143070"/>
-          </a:xfrm>
-          <a:prstGeom prst="rect">
-            <a:avLst/>
-          </a:prstGeom>
-        </p:spPr>
-        <p:style>
-          <a:lnRef idx="2">
-            <a:schemeClr val="accent2">
-              <a:shade val="50000"/>
-            </a:schemeClr>
-          </a:lnRef>
-          <a:fillRef idx="1">
-            <a:schemeClr val="accent2"/>
-          </a:fillRef>
-          <a:effectRef idx="0">
-            <a:schemeClr val="accent2"/>
-          </a:effectRef>
-          <a:fontRef idx="minor">
-            <a:schemeClr val="lt1"/>
-          </a:fontRef>
-        </p:style>
-        <p:txBody>
-          <a:bodyPr rtlCol="0" anchor="ctr"/>
-          <a:lstStyle/>
-          <a:p>
-            <a:pPr algn="ctr"/>
-            <a:endParaRPr lang="zh-CN" altLang="en-US"/>
-          </a:p>
-        </p:txBody>
-      </p:sp>
-      <p:sp>
-        <p:nvSpPr>
-          <p:cNvPr id="62" name="矩形 61">
-            <a:extLst>
-              <a:ext uri="{FF2B5EF4-FFF2-40B4-BE49-F238E27FC236}">
-                <a16:creationId xmlns:a16="http://schemas.microsoft.com/office/drawing/2014/main" id="{345614F4-0DDB-4527-8E61-08F025D43E07}"/>
-              </a:ext>
-            </a:extLst>
-          </p:cNvPr>
-          <p:cNvSpPr/>
-          <p:nvPr/>
-        </p:nvSpPr>
-        <p:spPr>
-          <a:xfrm>
-            <a:off x="2569026" y="2787929"/>
-            <a:ext cx="143070" cy="143070"/>
-          </a:xfrm>
-          <a:prstGeom prst="rect">
-            <a:avLst/>
-          </a:prstGeom>
-        </p:spPr>
-        <p:style>
-          <a:lnRef idx="2">
-            <a:schemeClr val="accent2">
-              <a:shade val="50000"/>
-            </a:schemeClr>
-          </a:lnRef>
-          <a:fillRef idx="1">
-            <a:schemeClr val="accent2"/>
-          </a:fillRef>
-          <a:effectRef idx="0">
-            <a:schemeClr val="accent2"/>
-          </a:effectRef>
-          <a:fontRef idx="minor">
-            <a:schemeClr val="lt1"/>
-          </a:fontRef>
-        </p:style>
-        <p:txBody>
-          <a:bodyPr rtlCol="0" anchor="ctr"/>
-          <a:lstStyle/>
-          <a:p>
-            <a:pPr algn="ctr"/>
-            <a:endParaRPr lang="zh-CN" altLang="en-US"/>
-          </a:p>
-        </p:txBody>
-      </p:sp>
+        </p:grpSpPr>
+        <p:sp>
+          <p:nvSpPr>
+            <p:cNvPr id="56" name="矩形 55">
+              <a:extLst>
+                <a:ext uri="{FF2B5EF4-FFF2-40B4-BE49-F238E27FC236}">
+                  <a16:creationId xmlns:a16="http://schemas.microsoft.com/office/drawing/2014/main" id="{D715A615-82D5-4277-8276-75AE78B1C351}"/>
+                </a:ext>
+              </a:extLst>
+            </p:cNvPr>
+            <p:cNvSpPr/>
+            <p:nvPr/>
+          </p:nvSpPr>
+          <p:spPr>
+            <a:xfrm>
+              <a:off x="2569026" y="1365379"/>
+              <a:ext cx="143070" cy="143070"/>
+            </a:xfrm>
+            <a:prstGeom prst="rect">
+              <a:avLst/>
+            </a:prstGeom>
+          </p:spPr>
+          <p:style>
+            <a:lnRef idx="2">
+              <a:schemeClr val="dk1"/>
+            </a:lnRef>
+            <a:fillRef idx="1">
+              <a:schemeClr val="lt1"/>
+            </a:fillRef>
+            <a:effectRef idx="0">
+              <a:schemeClr val="dk1"/>
+            </a:effectRef>
+            <a:fontRef idx="minor">
+              <a:schemeClr val="dk1"/>
+            </a:fontRef>
+          </p:style>
+          <p:txBody>
+            <a:bodyPr rtlCol="0" anchor="ctr"/>
+            <a:lstStyle/>
+            <a:p>
+              <a:pPr algn="ctr"/>
+              <a:r>
+                <a:rPr lang="zh-CN" altLang="en-US" sz="1050" dirty="0"/>
+                <a:t>结点个数</a:t>
+              </a:r>
+            </a:p>
+          </p:txBody>
+        </p:sp>
+        <p:sp>
+          <p:nvSpPr>
+            <p:cNvPr id="57" name="矩形 56">
+              <a:extLst>
+                <a:ext uri="{FF2B5EF4-FFF2-40B4-BE49-F238E27FC236}">
+                  <a16:creationId xmlns:a16="http://schemas.microsoft.com/office/drawing/2014/main" id="{C41AEF1A-555D-4DD4-BE08-2D3BF3FC26FD}"/>
+                </a:ext>
+              </a:extLst>
+            </p:cNvPr>
+            <p:cNvSpPr/>
+            <p:nvPr/>
+          </p:nvSpPr>
+          <p:spPr>
+            <a:xfrm>
+              <a:off x="2569026" y="1570654"/>
+              <a:ext cx="143070" cy="143070"/>
+            </a:xfrm>
+            <a:prstGeom prst="rect">
+              <a:avLst/>
+            </a:prstGeom>
+          </p:spPr>
+          <p:style>
+            <a:lnRef idx="2">
+              <a:schemeClr val="dk1"/>
+            </a:lnRef>
+            <a:fillRef idx="1">
+              <a:schemeClr val="lt1"/>
+            </a:fillRef>
+            <a:effectRef idx="0">
+              <a:schemeClr val="dk1"/>
+            </a:effectRef>
+            <a:fontRef idx="minor">
+              <a:schemeClr val="dk1"/>
+            </a:fontRef>
+          </p:style>
+          <p:txBody>
+            <a:bodyPr rtlCol="0" anchor="ctr"/>
+            <a:lstStyle/>
+            <a:p>
+              <a:pPr algn="ctr"/>
+              <a:r>
+                <a:rPr lang="zh-CN" altLang="en-US" sz="1050" dirty="0"/>
+                <a:t>聚类系数</a:t>
+              </a:r>
+            </a:p>
+          </p:txBody>
+        </p:sp>
+        <p:sp>
+          <p:nvSpPr>
+            <p:cNvPr id="58" name="矩形 57">
+              <a:extLst>
+                <a:ext uri="{FF2B5EF4-FFF2-40B4-BE49-F238E27FC236}">
+                  <a16:creationId xmlns:a16="http://schemas.microsoft.com/office/drawing/2014/main" id="{8F00A984-22D1-48D4-A783-1A9BD2A762D8}"/>
+                </a:ext>
+              </a:extLst>
+            </p:cNvPr>
+            <p:cNvSpPr/>
+            <p:nvPr/>
+          </p:nvSpPr>
+          <p:spPr>
+            <a:xfrm>
+              <a:off x="2569026" y="1772891"/>
+              <a:ext cx="143070" cy="143070"/>
+            </a:xfrm>
+            <a:prstGeom prst="rect">
+              <a:avLst/>
+            </a:prstGeom>
+          </p:spPr>
+          <p:style>
+            <a:lnRef idx="2">
+              <a:schemeClr val="dk1"/>
+            </a:lnRef>
+            <a:fillRef idx="1">
+              <a:schemeClr val="lt1"/>
+            </a:fillRef>
+            <a:effectRef idx="0">
+              <a:schemeClr val="dk1"/>
+            </a:effectRef>
+            <a:fontRef idx="minor">
+              <a:schemeClr val="dk1"/>
+            </a:fontRef>
+          </p:style>
+          <p:txBody>
+            <a:bodyPr rtlCol="0" anchor="ctr"/>
+            <a:lstStyle/>
+            <a:p>
+              <a:pPr algn="ctr"/>
+              <a:r>
+                <a:rPr lang="zh-CN" altLang="en-US" sz="1050" dirty="0"/>
+                <a:t>图密度</a:t>
+              </a:r>
+            </a:p>
+          </p:txBody>
+        </p:sp>
+        <p:sp>
+          <p:nvSpPr>
+            <p:cNvPr id="60" name="矩形 59">
+              <a:extLst>
+                <a:ext uri="{FF2B5EF4-FFF2-40B4-BE49-F238E27FC236}">
+                  <a16:creationId xmlns:a16="http://schemas.microsoft.com/office/drawing/2014/main" id="{D9A072F1-42FA-4042-B51C-F6D330109F21}"/>
+                </a:ext>
+              </a:extLst>
+            </p:cNvPr>
+            <p:cNvSpPr/>
+            <p:nvPr/>
+          </p:nvSpPr>
+          <p:spPr>
+            <a:xfrm>
+              <a:off x="2569026" y="1971869"/>
+              <a:ext cx="143070" cy="143070"/>
+            </a:xfrm>
+            <a:prstGeom prst="rect">
+              <a:avLst/>
+            </a:prstGeom>
+          </p:spPr>
+          <p:style>
+            <a:lnRef idx="2">
+              <a:schemeClr val="dk1"/>
+            </a:lnRef>
+            <a:fillRef idx="1">
+              <a:schemeClr val="lt1"/>
+            </a:fillRef>
+            <a:effectRef idx="0">
+              <a:schemeClr val="dk1"/>
+            </a:effectRef>
+            <a:fontRef idx="minor">
+              <a:schemeClr val="dk1"/>
+            </a:fontRef>
+          </p:style>
+          <p:txBody>
+            <a:bodyPr rtlCol="0" anchor="ctr"/>
+            <a:lstStyle/>
+            <a:p>
+              <a:pPr algn="ctr"/>
+              <a:endParaRPr lang="zh-CN" altLang="en-US" sz="1050"/>
+            </a:p>
+          </p:txBody>
+        </p:sp>
+        <p:sp>
+          <p:nvSpPr>
+            <p:cNvPr id="61" name="矩形 60">
+              <a:extLst>
+                <a:ext uri="{FF2B5EF4-FFF2-40B4-BE49-F238E27FC236}">
+                  <a16:creationId xmlns:a16="http://schemas.microsoft.com/office/drawing/2014/main" id="{5A124901-8A90-4E4E-968E-879D0B55E853}"/>
+                </a:ext>
+              </a:extLst>
+            </p:cNvPr>
+            <p:cNvSpPr/>
+            <p:nvPr/>
+          </p:nvSpPr>
+          <p:spPr>
+            <a:xfrm>
+              <a:off x="2569026" y="2170847"/>
+              <a:ext cx="143070" cy="143070"/>
+            </a:xfrm>
+            <a:prstGeom prst="rect">
+              <a:avLst/>
+            </a:prstGeom>
+          </p:spPr>
+          <p:style>
+            <a:lnRef idx="2">
+              <a:schemeClr val="dk1"/>
+            </a:lnRef>
+            <a:fillRef idx="1">
+              <a:schemeClr val="lt1"/>
+            </a:fillRef>
+            <a:effectRef idx="0">
+              <a:schemeClr val="dk1"/>
+            </a:effectRef>
+            <a:fontRef idx="minor">
+              <a:schemeClr val="dk1"/>
+            </a:fontRef>
+          </p:style>
+          <p:txBody>
+            <a:bodyPr rtlCol="0" anchor="ctr"/>
+            <a:lstStyle/>
+            <a:p>
+              <a:pPr algn="ctr"/>
+              <a:endParaRPr lang="zh-CN" altLang="en-US" sz="1050"/>
+            </a:p>
+          </p:txBody>
+        </p:sp>
+        <p:sp>
+          <p:nvSpPr>
+            <p:cNvPr id="62" name="矩形 61">
+              <a:extLst>
+                <a:ext uri="{FF2B5EF4-FFF2-40B4-BE49-F238E27FC236}">
+                  <a16:creationId xmlns:a16="http://schemas.microsoft.com/office/drawing/2014/main" id="{345614F4-0DDB-4527-8E61-08F025D43E07}"/>
+                </a:ext>
+              </a:extLst>
+            </p:cNvPr>
+            <p:cNvSpPr/>
+            <p:nvPr/>
+          </p:nvSpPr>
+          <p:spPr>
+            <a:xfrm>
+              <a:off x="2569026" y="2787929"/>
+              <a:ext cx="143070" cy="143070"/>
+            </a:xfrm>
+            <a:prstGeom prst="rect">
+              <a:avLst/>
+            </a:prstGeom>
+          </p:spPr>
+          <p:style>
+            <a:lnRef idx="2">
+              <a:schemeClr val="dk1"/>
+            </a:lnRef>
+            <a:fillRef idx="1">
+              <a:schemeClr val="lt1"/>
+            </a:fillRef>
+            <a:effectRef idx="0">
+              <a:schemeClr val="dk1"/>
+            </a:effectRef>
+            <a:fontRef idx="minor">
+              <a:schemeClr val="dk1"/>
+            </a:fontRef>
+          </p:style>
+          <p:txBody>
+            <a:bodyPr rtlCol="0" anchor="ctr"/>
+            <a:lstStyle/>
+            <a:p>
+              <a:pPr algn="ctr"/>
+              <a:endParaRPr lang="zh-CN" altLang="en-US" sz="1050"/>
+            </a:p>
+          </p:txBody>
+        </p:sp>
+      </p:grpSp>
       <p:sp>
         <p:nvSpPr>
           <p:cNvPr id="63" name="文本框 62">
@@ -5604,14 +5209,31 @@
         </p:nvSpPr>
         <p:spPr>
           <a:xfrm>
-            <a:off x="2282887" y="3100990"/>
+            <a:off x="2211352" y="3220438"/>
             <a:ext cx="715347" cy="246221"/>
           </a:xfrm>
           <a:prstGeom prst="rect">
             <a:avLst/>
           </a:prstGeom>
           <a:noFill/>
+          <a:ln>
+            <a:noFill/>
+          </a:ln>
         </p:spPr>
+        <p:style>
+          <a:lnRef idx="2">
+            <a:schemeClr val="dk1"/>
+          </a:lnRef>
+          <a:fillRef idx="1">
+            <a:schemeClr val="lt1"/>
+          </a:fillRef>
+          <a:effectRef idx="0">
+            <a:schemeClr val="dk1"/>
+          </a:effectRef>
+          <a:fontRef idx="minor">
+            <a:schemeClr val="dk1"/>
+          </a:fontRef>
+        </p:style>
         <p:txBody>
           <a:bodyPr wrap="square" rtlCol="0">
             <a:spAutoFit/>
@@ -5648,18 +5270,16 @@
         </p:spPr>
         <p:style>
           <a:lnRef idx="2">
-            <a:schemeClr val="accent2">
-              <a:shade val="50000"/>
-            </a:schemeClr>
+            <a:schemeClr val="dk1"/>
           </a:lnRef>
           <a:fillRef idx="1">
-            <a:schemeClr val="accent2"/>
+            <a:schemeClr val="lt1"/>
           </a:fillRef>
           <a:effectRef idx="0">
-            <a:schemeClr val="accent2"/>
+            <a:schemeClr val="dk1"/>
           </a:effectRef>
           <a:fontRef idx="minor">
-            <a:schemeClr val="lt1"/>
+            <a:schemeClr val="dk1"/>
           </a:fontRef>
         </p:style>
         <p:txBody>
@@ -5694,18 +5314,16 @@
         </p:spPr>
         <p:style>
           <a:lnRef idx="2">
-            <a:schemeClr val="accent2">
-              <a:shade val="50000"/>
-            </a:schemeClr>
+            <a:schemeClr val="dk1"/>
           </a:lnRef>
           <a:fillRef idx="1">
-            <a:schemeClr val="accent2"/>
+            <a:schemeClr val="lt1"/>
           </a:fillRef>
           <a:effectRef idx="0">
-            <a:schemeClr val="accent2"/>
+            <a:schemeClr val="dk1"/>
           </a:effectRef>
           <a:fontRef idx="minor">
-            <a:schemeClr val="lt1"/>
+            <a:schemeClr val="dk1"/>
           </a:fontRef>
         </p:style>
         <p:txBody>
@@ -5740,18 +5358,16 @@
         </p:spPr>
         <p:style>
           <a:lnRef idx="2">
-            <a:schemeClr val="accent2">
-              <a:shade val="50000"/>
-            </a:schemeClr>
+            <a:schemeClr val="dk1"/>
           </a:lnRef>
           <a:fillRef idx="1">
-            <a:schemeClr val="accent2"/>
+            <a:schemeClr val="lt1"/>
           </a:fillRef>
           <a:effectRef idx="0">
-            <a:schemeClr val="accent2"/>
+            <a:schemeClr val="dk1"/>
           </a:effectRef>
           <a:fontRef idx="minor">
-            <a:schemeClr val="lt1"/>
+            <a:schemeClr val="dk1"/>
           </a:fontRef>
         </p:style>
         <p:txBody>
@@ -5777,7 +5393,7 @@
         </p:nvSpPr>
         <p:spPr>
           <a:xfrm>
-            <a:off x="3410668" y="1608509"/>
+            <a:off x="3934924" y="1608509"/>
             <a:ext cx="143070" cy="143070"/>
           </a:xfrm>
           <a:prstGeom prst="ellipse">
@@ -5786,18 +5402,16 @@
         </p:spPr>
         <p:style>
           <a:lnRef idx="2">
-            <a:schemeClr val="accent2">
-              <a:shade val="50000"/>
-            </a:schemeClr>
+            <a:schemeClr val="dk1"/>
           </a:lnRef>
           <a:fillRef idx="1">
-            <a:schemeClr val="accent2"/>
+            <a:schemeClr val="lt1"/>
           </a:fillRef>
           <a:effectRef idx="0">
-            <a:schemeClr val="accent2"/>
+            <a:schemeClr val="dk1"/>
           </a:effectRef>
           <a:fontRef idx="minor">
-            <a:schemeClr val="lt1"/>
+            <a:schemeClr val="dk1"/>
           </a:fontRef>
         </p:style>
         <p:txBody>
@@ -5823,7 +5437,7 @@
         </p:nvSpPr>
         <p:spPr>
           <a:xfrm>
-            <a:off x="3410668" y="1874690"/>
+            <a:off x="3934924" y="1874690"/>
             <a:ext cx="143070" cy="143070"/>
           </a:xfrm>
           <a:prstGeom prst="ellipse">
@@ -5832,18 +5446,16 @@
         </p:spPr>
         <p:style>
           <a:lnRef idx="2">
-            <a:schemeClr val="accent2">
-              <a:shade val="50000"/>
-            </a:schemeClr>
+            <a:schemeClr val="dk1"/>
           </a:lnRef>
           <a:fillRef idx="1">
-            <a:schemeClr val="accent2"/>
+            <a:schemeClr val="lt1"/>
           </a:fillRef>
           <a:effectRef idx="0">
-            <a:schemeClr val="accent2"/>
+            <a:schemeClr val="dk1"/>
           </a:effectRef>
           <a:fontRef idx="minor">
-            <a:schemeClr val="lt1"/>
+            <a:schemeClr val="dk1"/>
           </a:fontRef>
         </p:style>
         <p:txBody>
@@ -5869,7 +5481,7 @@
         </p:nvSpPr>
         <p:spPr>
           <a:xfrm>
-            <a:off x="3410668" y="2173881"/>
+            <a:off x="3934924" y="2173881"/>
             <a:ext cx="143070" cy="143070"/>
           </a:xfrm>
           <a:prstGeom prst="ellipse">
@@ -5878,18 +5490,16 @@
         </p:spPr>
         <p:style>
           <a:lnRef idx="2">
-            <a:schemeClr val="accent2">
-              <a:shade val="50000"/>
-            </a:schemeClr>
+            <a:schemeClr val="dk1"/>
           </a:lnRef>
           <a:fillRef idx="1">
-            <a:schemeClr val="accent2"/>
+            <a:schemeClr val="lt1"/>
           </a:fillRef>
           <a:effectRef idx="0">
-            <a:schemeClr val="accent2"/>
+            <a:schemeClr val="dk1"/>
           </a:effectRef>
           <a:fontRef idx="minor">
-            <a:schemeClr val="lt1"/>
+            <a:schemeClr val="dk1"/>
           </a:fontRef>
         </p:style>
         <p:txBody>
@@ -5915,7 +5525,7 @@
         </p:nvSpPr>
         <p:spPr>
           <a:xfrm>
-            <a:off x="3410668" y="2491274"/>
+            <a:off x="3934924" y="2491274"/>
             <a:ext cx="143070" cy="143070"/>
           </a:xfrm>
           <a:prstGeom prst="ellipse">
@@ -5924,18 +5534,16 @@
         </p:spPr>
         <p:style>
           <a:lnRef idx="2">
-            <a:schemeClr val="accent2">
-              <a:shade val="50000"/>
-            </a:schemeClr>
+            <a:schemeClr val="dk1"/>
           </a:lnRef>
           <a:fillRef idx="1">
-            <a:schemeClr val="accent2"/>
+            <a:schemeClr val="lt1"/>
           </a:fillRef>
           <a:effectRef idx="0">
-            <a:schemeClr val="accent2"/>
+            <a:schemeClr val="dk1"/>
           </a:effectRef>
           <a:fontRef idx="minor">
-            <a:schemeClr val="lt1"/>
+            <a:schemeClr val="dk1"/>
           </a:fontRef>
         </p:style>
         <p:txBody>
@@ -5958,14 +5566,13 @@
           </p:cNvPr>
           <p:cNvCxnSpPr>
             <a:cxnSpLocks/>
-            <a:stCxn id="56" idx="3"/>
             <a:endCxn id="69" idx="2"/>
           </p:cNvCxnSpPr>
           <p:nvPr/>
         </p:nvCxnSpPr>
         <p:spPr>
           <a:xfrm>
-            <a:off x="2712096" y="1436914"/>
+            <a:off x="3236352" y="1436914"/>
             <a:ext cx="698572" cy="243130"/>
           </a:xfrm>
           <a:prstGeom prst="straightConnector1">
@@ -5976,17 +5583,17 @@
           </a:ln>
         </p:spPr>
         <p:style>
-          <a:lnRef idx="1">
-            <a:schemeClr val="accent1"/>
+          <a:lnRef idx="2">
+            <a:schemeClr val="dk1"/>
           </a:lnRef>
-          <a:fillRef idx="0">
-            <a:schemeClr val="accent1"/>
+          <a:fillRef idx="1">
+            <a:schemeClr val="lt1"/>
           </a:fillRef>
           <a:effectRef idx="0">
-            <a:schemeClr val="accent1"/>
+            <a:schemeClr val="dk1"/>
           </a:effectRef>
           <a:fontRef idx="minor">
-            <a:schemeClr val="tx1"/>
+            <a:schemeClr val="dk1"/>
           </a:fontRef>
         </p:style>
       </p:cxnSp>
@@ -6001,14 +5608,13 @@
           </p:cNvPr>
           <p:cNvCxnSpPr>
             <a:cxnSpLocks/>
-            <a:stCxn id="56" idx="3"/>
             <a:endCxn id="70" idx="2"/>
           </p:cNvCxnSpPr>
           <p:nvPr/>
         </p:nvCxnSpPr>
         <p:spPr>
           <a:xfrm>
-            <a:off x="2712096" y="1436914"/>
+            <a:off x="3236352" y="1436914"/>
             <a:ext cx="698572" cy="509311"/>
           </a:xfrm>
           <a:prstGeom prst="straightConnector1">
@@ -6019,17 +5625,17 @@
           </a:ln>
         </p:spPr>
         <p:style>
-          <a:lnRef idx="1">
-            <a:schemeClr val="accent1"/>
+          <a:lnRef idx="2">
+            <a:schemeClr val="dk1"/>
           </a:lnRef>
-          <a:fillRef idx="0">
-            <a:schemeClr val="accent1"/>
+          <a:fillRef idx="1">
+            <a:schemeClr val="lt1"/>
           </a:fillRef>
           <a:effectRef idx="0">
-            <a:schemeClr val="accent1"/>
+            <a:schemeClr val="dk1"/>
           </a:effectRef>
           <a:fontRef idx="minor">
-            <a:schemeClr val="tx1"/>
+            <a:schemeClr val="dk1"/>
           </a:fontRef>
         </p:style>
       </p:cxnSp>
@@ -6044,14 +5650,13 @@
           </p:cNvPr>
           <p:cNvCxnSpPr>
             <a:cxnSpLocks/>
-            <a:stCxn id="56" idx="3"/>
             <a:endCxn id="71" idx="2"/>
           </p:cNvCxnSpPr>
           <p:nvPr/>
         </p:nvCxnSpPr>
         <p:spPr>
           <a:xfrm>
-            <a:off x="2712096" y="1436914"/>
+            <a:off x="3236352" y="1436914"/>
             <a:ext cx="698572" cy="808502"/>
           </a:xfrm>
           <a:prstGeom prst="straightConnector1">
@@ -6062,17 +5667,17 @@
           </a:ln>
         </p:spPr>
         <p:style>
-          <a:lnRef idx="1">
-            <a:schemeClr val="accent1"/>
+          <a:lnRef idx="2">
+            <a:schemeClr val="dk1"/>
           </a:lnRef>
-          <a:fillRef idx="0">
-            <a:schemeClr val="accent1"/>
+          <a:fillRef idx="1">
+            <a:schemeClr val="lt1"/>
           </a:fillRef>
           <a:effectRef idx="0">
-            <a:schemeClr val="accent1"/>
+            <a:schemeClr val="dk1"/>
           </a:effectRef>
           <a:fontRef idx="minor">
-            <a:schemeClr val="tx1"/>
+            <a:schemeClr val="dk1"/>
           </a:fontRef>
         </p:style>
       </p:cxnSp>
@@ -6087,14 +5692,13 @@
           </p:cNvPr>
           <p:cNvCxnSpPr>
             <a:cxnSpLocks/>
-            <a:stCxn id="56" idx="3"/>
             <a:endCxn id="72" idx="2"/>
           </p:cNvCxnSpPr>
           <p:nvPr/>
         </p:nvCxnSpPr>
         <p:spPr>
           <a:xfrm>
-            <a:off x="2712096" y="1436914"/>
+            <a:off x="3236352" y="1436914"/>
             <a:ext cx="698572" cy="1125895"/>
           </a:xfrm>
           <a:prstGeom prst="straightConnector1">
@@ -6105,17 +5709,17 @@
           </a:ln>
         </p:spPr>
         <p:style>
-          <a:lnRef idx="1">
-            <a:schemeClr val="accent1"/>
+          <a:lnRef idx="2">
+            <a:schemeClr val="dk1"/>
           </a:lnRef>
-          <a:fillRef idx="0">
-            <a:schemeClr val="accent1"/>
+          <a:fillRef idx="1">
+            <a:schemeClr val="lt1"/>
           </a:fillRef>
           <a:effectRef idx="0">
-            <a:schemeClr val="accent1"/>
+            <a:schemeClr val="dk1"/>
           </a:effectRef>
           <a:fontRef idx="minor">
-            <a:schemeClr val="tx1"/>
+            <a:schemeClr val="dk1"/>
           </a:fontRef>
         </p:style>
       </p:cxnSp>
@@ -6130,14 +5734,13 @@
           </p:cNvPr>
           <p:cNvCxnSpPr>
             <a:cxnSpLocks/>
-            <a:stCxn id="57" idx="3"/>
             <a:endCxn id="69" idx="2"/>
           </p:cNvCxnSpPr>
           <p:nvPr/>
         </p:nvCxnSpPr>
         <p:spPr>
           <a:xfrm>
-            <a:off x="2712096" y="1642189"/>
+            <a:off x="3236352" y="1642189"/>
             <a:ext cx="698572" cy="37855"/>
           </a:xfrm>
           <a:prstGeom prst="straightConnector1">
@@ -6148,17 +5751,17 @@
           </a:ln>
         </p:spPr>
         <p:style>
-          <a:lnRef idx="1">
-            <a:schemeClr val="accent1"/>
+          <a:lnRef idx="2">
+            <a:schemeClr val="dk1"/>
           </a:lnRef>
-          <a:fillRef idx="0">
-            <a:schemeClr val="accent1"/>
+          <a:fillRef idx="1">
+            <a:schemeClr val="lt1"/>
           </a:fillRef>
           <a:effectRef idx="0">
-            <a:schemeClr val="accent1"/>
+            <a:schemeClr val="dk1"/>
           </a:effectRef>
           <a:fontRef idx="minor">
-            <a:schemeClr val="tx1"/>
+            <a:schemeClr val="dk1"/>
           </a:fontRef>
         </p:style>
       </p:cxnSp>
@@ -6173,14 +5776,13 @@
           </p:cNvPr>
           <p:cNvCxnSpPr>
             <a:cxnSpLocks/>
-            <a:stCxn id="57" idx="3"/>
             <a:endCxn id="70" idx="2"/>
           </p:cNvCxnSpPr>
           <p:nvPr/>
         </p:nvCxnSpPr>
         <p:spPr>
           <a:xfrm>
-            <a:off x="2712096" y="1642189"/>
+            <a:off x="3236352" y="1642189"/>
             <a:ext cx="698572" cy="304036"/>
           </a:xfrm>
           <a:prstGeom prst="straightConnector1">
@@ -6191,17 +5793,17 @@
           </a:ln>
         </p:spPr>
         <p:style>
-          <a:lnRef idx="1">
-            <a:schemeClr val="accent1"/>
+          <a:lnRef idx="2">
+            <a:schemeClr val="dk1"/>
           </a:lnRef>
-          <a:fillRef idx="0">
-            <a:schemeClr val="accent1"/>
+          <a:fillRef idx="1">
+            <a:schemeClr val="lt1"/>
           </a:fillRef>
           <a:effectRef idx="0">
-            <a:schemeClr val="accent1"/>
+            <a:schemeClr val="dk1"/>
           </a:effectRef>
           <a:fontRef idx="minor">
-            <a:schemeClr val="tx1"/>
+            <a:schemeClr val="dk1"/>
           </a:fontRef>
         </p:style>
       </p:cxnSp>
@@ -6216,14 +5818,13 @@
           </p:cNvPr>
           <p:cNvCxnSpPr>
             <a:cxnSpLocks/>
-            <a:stCxn id="57" idx="3"/>
             <a:endCxn id="71" idx="2"/>
           </p:cNvCxnSpPr>
           <p:nvPr/>
         </p:nvCxnSpPr>
         <p:spPr>
           <a:xfrm>
-            <a:off x="2712096" y="1642189"/>
+            <a:off x="3236352" y="1642189"/>
             <a:ext cx="698572" cy="603227"/>
           </a:xfrm>
           <a:prstGeom prst="straightConnector1">
@@ -6234,17 +5835,17 @@
           </a:ln>
         </p:spPr>
         <p:style>
-          <a:lnRef idx="1">
-            <a:schemeClr val="accent1"/>
+          <a:lnRef idx="2">
+            <a:schemeClr val="dk1"/>
           </a:lnRef>
-          <a:fillRef idx="0">
-            <a:schemeClr val="accent1"/>
+          <a:fillRef idx="1">
+            <a:schemeClr val="lt1"/>
           </a:fillRef>
           <a:effectRef idx="0">
-            <a:schemeClr val="accent1"/>
+            <a:schemeClr val="dk1"/>
           </a:effectRef>
           <a:fontRef idx="minor">
-            <a:schemeClr val="tx1"/>
+            <a:schemeClr val="dk1"/>
           </a:fontRef>
         </p:style>
       </p:cxnSp>
@@ -6259,14 +5860,13 @@
           </p:cNvPr>
           <p:cNvCxnSpPr>
             <a:cxnSpLocks/>
-            <a:stCxn id="57" idx="3"/>
             <a:endCxn id="72" idx="2"/>
           </p:cNvCxnSpPr>
           <p:nvPr/>
         </p:nvCxnSpPr>
         <p:spPr>
           <a:xfrm>
-            <a:off x="2712096" y="1642189"/>
+            <a:off x="3236352" y="1642189"/>
             <a:ext cx="698572" cy="920620"/>
           </a:xfrm>
           <a:prstGeom prst="straightConnector1">
@@ -6277,17 +5877,17 @@
           </a:ln>
         </p:spPr>
         <p:style>
-          <a:lnRef idx="1">
-            <a:schemeClr val="accent1"/>
+          <a:lnRef idx="2">
+            <a:schemeClr val="dk1"/>
           </a:lnRef>
-          <a:fillRef idx="0">
-            <a:schemeClr val="accent1"/>
+          <a:fillRef idx="1">
+            <a:schemeClr val="lt1"/>
           </a:fillRef>
           <a:effectRef idx="0">
-            <a:schemeClr val="accent1"/>
+            <a:schemeClr val="dk1"/>
           </a:effectRef>
           <a:fontRef idx="minor">
-            <a:schemeClr val="tx1"/>
+            <a:schemeClr val="dk1"/>
           </a:fontRef>
         </p:style>
       </p:cxnSp>
@@ -6305,7 +5905,7 @@
         </p:nvSpPr>
         <p:spPr>
           <a:xfrm>
-            <a:off x="2960345" y="2225199"/>
+            <a:off x="3484601" y="2225199"/>
             <a:ext cx="36000" cy="36000"/>
           </a:xfrm>
           <a:prstGeom prst="ellipse">
@@ -6314,18 +5914,16 @@
         </p:spPr>
         <p:style>
           <a:lnRef idx="2">
-            <a:schemeClr val="accent1">
-              <a:shade val="50000"/>
-            </a:schemeClr>
+            <a:schemeClr val="dk1"/>
           </a:lnRef>
           <a:fillRef idx="1">
-            <a:schemeClr val="accent1"/>
+            <a:schemeClr val="lt1"/>
           </a:fillRef>
           <a:effectRef idx="0">
-            <a:schemeClr val="accent1"/>
+            <a:schemeClr val="dk1"/>
           </a:effectRef>
           <a:fontRef idx="minor">
-            <a:schemeClr val="lt1"/>
+            <a:schemeClr val="dk1"/>
           </a:fontRef>
         </p:style>
         <p:txBody>
@@ -6351,7 +5949,7 @@
         </p:nvSpPr>
         <p:spPr>
           <a:xfrm>
-            <a:off x="2960345" y="2368899"/>
+            <a:off x="3484601" y="2368899"/>
             <a:ext cx="36000" cy="36000"/>
           </a:xfrm>
           <a:prstGeom prst="ellipse">
@@ -6360,18 +5958,16 @@
         </p:spPr>
         <p:style>
           <a:lnRef idx="2">
-            <a:schemeClr val="accent1">
-              <a:shade val="50000"/>
-            </a:schemeClr>
+            <a:schemeClr val="dk1"/>
           </a:lnRef>
           <a:fillRef idx="1">
-            <a:schemeClr val="accent1"/>
+            <a:schemeClr val="lt1"/>
           </a:fillRef>
           <a:effectRef idx="0">
-            <a:schemeClr val="accent1"/>
+            <a:schemeClr val="dk1"/>
           </a:effectRef>
           <a:fontRef idx="minor">
-            <a:schemeClr val="lt1"/>
+            <a:schemeClr val="dk1"/>
           </a:fontRef>
         </p:style>
         <p:txBody>
@@ -6397,7 +5993,7 @@
         </p:nvSpPr>
         <p:spPr>
           <a:xfrm>
-            <a:off x="2960345" y="2082203"/>
+            <a:off x="3484601" y="2082203"/>
             <a:ext cx="36000" cy="36000"/>
           </a:xfrm>
           <a:prstGeom prst="ellipse">
@@ -6406,18 +6002,16 @@
         </p:spPr>
         <p:style>
           <a:lnRef idx="2">
-            <a:schemeClr val="accent1">
-              <a:shade val="50000"/>
-            </a:schemeClr>
+            <a:schemeClr val="dk1"/>
           </a:lnRef>
           <a:fillRef idx="1">
-            <a:schemeClr val="accent1"/>
+            <a:schemeClr val="lt1"/>
           </a:fillRef>
           <a:effectRef idx="0">
-            <a:schemeClr val="accent1"/>
+            <a:schemeClr val="dk1"/>
           </a:effectRef>
           <a:fontRef idx="minor">
-            <a:schemeClr val="lt1"/>
+            <a:schemeClr val="dk1"/>
           </a:fontRef>
         </p:style>
         <p:txBody>
@@ -6440,14 +6034,13 @@
           </p:cNvPr>
           <p:cNvCxnSpPr>
             <a:cxnSpLocks/>
-            <a:stCxn id="62" idx="3"/>
             <a:endCxn id="72" idx="2"/>
           </p:cNvCxnSpPr>
           <p:nvPr/>
         </p:nvCxnSpPr>
         <p:spPr>
           <a:xfrm flipV="1">
-            <a:off x="2712096" y="2562809"/>
+            <a:off x="3236352" y="2562809"/>
             <a:ext cx="698572" cy="296655"/>
           </a:xfrm>
           <a:prstGeom prst="straightConnector1">
@@ -6458,17 +6051,17 @@
           </a:ln>
         </p:spPr>
         <p:style>
-          <a:lnRef idx="1">
-            <a:schemeClr val="accent1"/>
+          <a:lnRef idx="2">
+            <a:schemeClr val="dk1"/>
           </a:lnRef>
-          <a:fillRef idx="0">
-            <a:schemeClr val="accent1"/>
+          <a:fillRef idx="1">
+            <a:schemeClr val="lt1"/>
           </a:fillRef>
           <a:effectRef idx="0">
-            <a:schemeClr val="accent1"/>
+            <a:schemeClr val="dk1"/>
           </a:effectRef>
           <a:fontRef idx="minor">
-            <a:schemeClr val="tx1"/>
+            <a:schemeClr val="dk1"/>
           </a:fontRef>
         </p:style>
       </p:cxnSp>
@@ -6483,14 +6076,13 @@
           </p:cNvPr>
           <p:cNvCxnSpPr>
             <a:cxnSpLocks/>
-            <a:stCxn id="62" idx="3"/>
             <a:endCxn id="71" idx="2"/>
           </p:cNvCxnSpPr>
           <p:nvPr/>
         </p:nvCxnSpPr>
         <p:spPr>
           <a:xfrm flipV="1">
-            <a:off x="2712096" y="2245416"/>
+            <a:off x="3236352" y="2245416"/>
             <a:ext cx="698572" cy="614048"/>
           </a:xfrm>
           <a:prstGeom prst="straightConnector1">
@@ -6501,17 +6093,17 @@
           </a:ln>
         </p:spPr>
         <p:style>
-          <a:lnRef idx="1">
-            <a:schemeClr val="accent1"/>
+          <a:lnRef idx="2">
+            <a:schemeClr val="dk1"/>
           </a:lnRef>
-          <a:fillRef idx="0">
-            <a:schemeClr val="accent1"/>
+          <a:fillRef idx="1">
+            <a:schemeClr val="lt1"/>
           </a:fillRef>
           <a:effectRef idx="0">
-            <a:schemeClr val="accent1"/>
+            <a:schemeClr val="dk1"/>
           </a:effectRef>
           <a:fontRef idx="minor">
-            <a:schemeClr val="tx1"/>
+            <a:schemeClr val="dk1"/>
           </a:fontRef>
         </p:style>
       </p:cxnSp>
@@ -6529,14 +6121,31 @@
         </p:nvSpPr>
         <p:spPr>
           <a:xfrm>
-            <a:off x="3178622" y="2718930"/>
+            <a:off x="3702878" y="2718930"/>
             <a:ext cx="715347" cy="246221"/>
           </a:xfrm>
           <a:prstGeom prst="rect">
             <a:avLst/>
           </a:prstGeom>
           <a:noFill/>
+          <a:ln>
+            <a:noFill/>
+          </a:ln>
         </p:spPr>
+        <p:style>
+          <a:lnRef idx="2">
+            <a:schemeClr val="dk1"/>
+          </a:lnRef>
+          <a:fillRef idx="1">
+            <a:schemeClr val="lt1"/>
+          </a:fillRef>
+          <a:effectRef idx="0">
+            <a:schemeClr val="dk1"/>
+          </a:effectRef>
+          <a:fontRef idx="minor">
+            <a:schemeClr val="dk1"/>
+          </a:fontRef>
+        </p:style>
         <p:txBody>
           <a:bodyPr wrap="square" rtlCol="0">
             <a:spAutoFit/>
@@ -6564,7 +6173,7 @@
         </p:nvSpPr>
         <p:spPr>
           <a:xfrm>
-            <a:off x="4040153" y="1951169"/>
+            <a:off x="4564409" y="1951169"/>
             <a:ext cx="143070" cy="143070"/>
           </a:xfrm>
           <a:prstGeom prst="ellipse">
@@ -6573,18 +6182,16 @@
         </p:spPr>
         <p:style>
           <a:lnRef idx="2">
-            <a:schemeClr val="accent2">
-              <a:shade val="50000"/>
-            </a:schemeClr>
+            <a:schemeClr val="dk1"/>
           </a:lnRef>
           <a:fillRef idx="1">
-            <a:schemeClr val="accent2"/>
+            <a:schemeClr val="lt1"/>
           </a:fillRef>
           <a:effectRef idx="0">
-            <a:schemeClr val="accent2"/>
+            <a:schemeClr val="dk1"/>
           </a:effectRef>
           <a:fontRef idx="minor">
-            <a:schemeClr val="lt1"/>
+            <a:schemeClr val="dk1"/>
           </a:fontRef>
         </p:style>
         <p:txBody>
@@ -6610,7 +6217,7 @@
         </p:nvSpPr>
         <p:spPr>
           <a:xfrm>
-            <a:off x="4040153" y="2268562"/>
+            <a:off x="4564409" y="2268562"/>
             <a:ext cx="143070" cy="143070"/>
           </a:xfrm>
           <a:prstGeom prst="ellipse">
@@ -6619,18 +6226,16 @@
         </p:spPr>
         <p:style>
           <a:lnRef idx="2">
-            <a:schemeClr val="accent2">
-              <a:shade val="50000"/>
-            </a:schemeClr>
+            <a:schemeClr val="dk1"/>
           </a:lnRef>
           <a:fillRef idx="1">
-            <a:schemeClr val="accent2"/>
+            <a:schemeClr val="lt1"/>
           </a:fillRef>
           <a:effectRef idx="0">
-            <a:schemeClr val="accent2"/>
+            <a:schemeClr val="dk1"/>
           </a:effectRef>
           <a:fontRef idx="minor">
-            <a:schemeClr val="lt1"/>
+            <a:schemeClr val="dk1"/>
           </a:fontRef>
         </p:style>
         <p:txBody>
@@ -6663,7 +6268,24 @@
             <a:avLst/>
           </a:prstGeom>
           <a:noFill/>
+          <a:ln>
+            <a:noFill/>
+          </a:ln>
         </p:spPr>
+        <p:style>
+          <a:lnRef idx="2">
+            <a:schemeClr val="dk1"/>
+          </a:lnRef>
+          <a:fillRef idx="1">
+            <a:schemeClr val="lt1"/>
+          </a:fillRef>
+          <a:effectRef idx="0">
+            <a:schemeClr val="dk1"/>
+          </a:effectRef>
+          <a:fontRef idx="minor">
+            <a:schemeClr val="dk1"/>
+          </a:fontRef>
+        </p:style>
         <p:txBody>
           <a:bodyPr wrap="square" rtlCol="0">
             <a:spAutoFit/>
@@ -6691,14 +6313,31 @@
         </p:nvSpPr>
         <p:spPr>
           <a:xfrm>
-            <a:off x="3887752" y="2459354"/>
+            <a:off x="4412008" y="2459354"/>
             <a:ext cx="975663" cy="400110"/>
           </a:xfrm>
           <a:prstGeom prst="rect">
             <a:avLst/>
           </a:prstGeom>
           <a:noFill/>
+          <a:ln>
+            <a:noFill/>
+          </a:ln>
         </p:spPr>
+        <p:style>
+          <a:lnRef idx="2">
+            <a:schemeClr val="dk1"/>
+          </a:lnRef>
+          <a:fillRef idx="1">
+            <a:schemeClr val="lt1"/>
+          </a:fillRef>
+          <a:effectRef idx="0">
+            <a:schemeClr val="dk1"/>
+          </a:effectRef>
+          <a:fontRef idx="minor">
+            <a:schemeClr val="dk1"/>
+          </a:fontRef>
+        </p:style>
         <p:txBody>
           <a:bodyPr wrap="square" rtlCol="0">
             <a:spAutoFit/>
@@ -6730,7 +6369,7 @@
         </p:nvCxnSpPr>
         <p:spPr>
           <a:xfrm>
-            <a:off x="3553738" y="1680044"/>
+            <a:off x="4077994" y="1680044"/>
             <a:ext cx="486415" cy="342660"/>
           </a:xfrm>
           <a:prstGeom prst="straightConnector1">
@@ -6741,17 +6380,17 @@
           </a:ln>
         </p:spPr>
         <p:style>
-          <a:lnRef idx="1">
-            <a:schemeClr val="accent1"/>
+          <a:lnRef idx="2">
+            <a:schemeClr val="dk1"/>
           </a:lnRef>
-          <a:fillRef idx="0">
-            <a:schemeClr val="accent1"/>
+          <a:fillRef idx="1">
+            <a:schemeClr val="lt1"/>
           </a:fillRef>
           <a:effectRef idx="0">
-            <a:schemeClr val="accent1"/>
+            <a:schemeClr val="dk1"/>
           </a:effectRef>
           <a:fontRef idx="minor">
-            <a:schemeClr val="tx1"/>
+            <a:schemeClr val="dk1"/>
           </a:fontRef>
         </p:style>
       </p:cxnSp>
@@ -6773,7 +6412,7 @@
         </p:nvCxnSpPr>
         <p:spPr>
           <a:xfrm>
-            <a:off x="3553738" y="1946225"/>
+            <a:off x="4077994" y="1946225"/>
             <a:ext cx="486415" cy="76479"/>
           </a:xfrm>
           <a:prstGeom prst="straightConnector1">
@@ -6784,17 +6423,17 @@
           </a:ln>
         </p:spPr>
         <p:style>
-          <a:lnRef idx="1">
-            <a:schemeClr val="accent1"/>
+          <a:lnRef idx="2">
+            <a:schemeClr val="dk1"/>
           </a:lnRef>
-          <a:fillRef idx="0">
-            <a:schemeClr val="accent1"/>
+          <a:fillRef idx="1">
+            <a:schemeClr val="lt1"/>
           </a:fillRef>
           <a:effectRef idx="0">
-            <a:schemeClr val="accent1"/>
+            <a:schemeClr val="dk1"/>
           </a:effectRef>
           <a:fontRef idx="minor">
-            <a:schemeClr val="tx1"/>
+            <a:schemeClr val="dk1"/>
           </a:fontRef>
         </p:style>
       </p:cxnSp>
@@ -6816,7 +6455,7 @@
         </p:nvCxnSpPr>
         <p:spPr>
           <a:xfrm flipV="1">
-            <a:off x="3553738" y="2022704"/>
+            <a:off x="4077994" y="2022704"/>
             <a:ext cx="486415" cy="222712"/>
           </a:xfrm>
           <a:prstGeom prst="straightConnector1">
@@ -6827,17 +6466,17 @@
           </a:ln>
         </p:spPr>
         <p:style>
-          <a:lnRef idx="1">
-            <a:schemeClr val="accent1"/>
+          <a:lnRef idx="2">
+            <a:schemeClr val="dk1"/>
           </a:lnRef>
-          <a:fillRef idx="0">
-            <a:schemeClr val="accent1"/>
+          <a:fillRef idx="1">
+            <a:schemeClr val="lt1"/>
           </a:fillRef>
           <a:effectRef idx="0">
-            <a:schemeClr val="accent1"/>
+            <a:schemeClr val="dk1"/>
           </a:effectRef>
           <a:fontRef idx="minor">
-            <a:schemeClr val="tx1"/>
+            <a:schemeClr val="dk1"/>
           </a:fontRef>
         </p:style>
       </p:cxnSp>
@@ -6859,7 +6498,7 @@
         </p:nvCxnSpPr>
         <p:spPr>
           <a:xfrm flipV="1">
-            <a:off x="3553738" y="2022704"/>
+            <a:off x="4077994" y="2022704"/>
             <a:ext cx="486415" cy="540105"/>
           </a:xfrm>
           <a:prstGeom prst="straightConnector1">
@@ -6870,17 +6509,17 @@
           </a:ln>
         </p:spPr>
         <p:style>
-          <a:lnRef idx="1">
-            <a:schemeClr val="accent1"/>
+          <a:lnRef idx="2">
+            <a:schemeClr val="dk1"/>
           </a:lnRef>
-          <a:fillRef idx="0">
-            <a:schemeClr val="accent1"/>
+          <a:fillRef idx="1">
+            <a:schemeClr val="lt1"/>
           </a:fillRef>
           <a:effectRef idx="0">
-            <a:schemeClr val="accent1"/>
+            <a:schemeClr val="dk1"/>
           </a:effectRef>
           <a:fontRef idx="minor">
-            <a:schemeClr val="tx1"/>
+            <a:schemeClr val="dk1"/>
           </a:fontRef>
         </p:style>
       </p:cxnSp>
@@ -6902,7 +6541,7 @@
         </p:nvCxnSpPr>
         <p:spPr>
           <a:xfrm>
-            <a:off x="3553738" y="1680044"/>
+            <a:off x="4077994" y="1680044"/>
             <a:ext cx="486415" cy="660053"/>
           </a:xfrm>
           <a:prstGeom prst="straightConnector1">
@@ -6913,17 +6552,17 @@
           </a:ln>
         </p:spPr>
         <p:style>
-          <a:lnRef idx="1">
-            <a:schemeClr val="accent1"/>
+          <a:lnRef idx="2">
+            <a:schemeClr val="dk1"/>
           </a:lnRef>
-          <a:fillRef idx="0">
-            <a:schemeClr val="accent1"/>
+          <a:fillRef idx="1">
+            <a:schemeClr val="lt1"/>
           </a:fillRef>
           <a:effectRef idx="0">
-            <a:schemeClr val="accent1"/>
+            <a:schemeClr val="dk1"/>
           </a:effectRef>
           <a:fontRef idx="minor">
-            <a:schemeClr val="tx1"/>
+            <a:schemeClr val="dk1"/>
           </a:fontRef>
         </p:style>
       </p:cxnSp>
@@ -6945,7 +6584,7 @@
         </p:nvCxnSpPr>
         <p:spPr>
           <a:xfrm>
-            <a:off x="3553738" y="1946225"/>
+            <a:off x="4077994" y="1946225"/>
             <a:ext cx="486415" cy="393872"/>
           </a:xfrm>
           <a:prstGeom prst="straightConnector1">
@@ -6956,17 +6595,17 @@
           </a:ln>
         </p:spPr>
         <p:style>
-          <a:lnRef idx="1">
-            <a:schemeClr val="accent1"/>
+          <a:lnRef idx="2">
+            <a:schemeClr val="dk1"/>
           </a:lnRef>
-          <a:fillRef idx="0">
-            <a:schemeClr val="accent1"/>
+          <a:fillRef idx="1">
+            <a:schemeClr val="lt1"/>
           </a:fillRef>
           <a:effectRef idx="0">
-            <a:schemeClr val="accent1"/>
+            <a:schemeClr val="dk1"/>
           </a:effectRef>
           <a:fontRef idx="minor">
-            <a:schemeClr val="tx1"/>
+            <a:schemeClr val="dk1"/>
           </a:fontRef>
         </p:style>
       </p:cxnSp>
@@ -6988,7 +6627,7 @@
         </p:nvCxnSpPr>
         <p:spPr>
           <a:xfrm>
-            <a:off x="3553738" y="2245416"/>
+            <a:off x="4077994" y="2245416"/>
             <a:ext cx="486415" cy="94681"/>
           </a:xfrm>
           <a:prstGeom prst="straightConnector1">
@@ -6999,17 +6638,17 @@
           </a:ln>
         </p:spPr>
         <p:style>
-          <a:lnRef idx="1">
-            <a:schemeClr val="accent1"/>
+          <a:lnRef idx="2">
+            <a:schemeClr val="dk1"/>
           </a:lnRef>
-          <a:fillRef idx="0">
-            <a:schemeClr val="accent1"/>
+          <a:fillRef idx="1">
+            <a:schemeClr val="lt1"/>
           </a:fillRef>
           <a:effectRef idx="0">
-            <a:schemeClr val="accent1"/>
+            <a:schemeClr val="dk1"/>
           </a:effectRef>
           <a:fontRef idx="minor">
-            <a:schemeClr val="tx1"/>
+            <a:schemeClr val="dk1"/>
           </a:fontRef>
         </p:style>
       </p:cxnSp>
@@ -7031,7 +6670,7 @@
         </p:nvCxnSpPr>
         <p:spPr>
           <a:xfrm flipV="1">
-            <a:off x="3553738" y="2340097"/>
+            <a:off x="4077994" y="2340097"/>
             <a:ext cx="486415" cy="222712"/>
           </a:xfrm>
           <a:prstGeom prst="straightConnector1">
@@ -7042,20 +6681,590 @@
           </a:ln>
         </p:spPr>
         <p:style>
-          <a:lnRef idx="1">
-            <a:schemeClr val="accent1"/>
+          <a:lnRef idx="2">
+            <a:schemeClr val="dk1"/>
           </a:lnRef>
-          <a:fillRef idx="0">
-            <a:schemeClr val="accent1"/>
+          <a:fillRef idx="1">
+            <a:schemeClr val="lt1"/>
           </a:fillRef>
           <a:effectRef idx="0">
-            <a:schemeClr val="accent1"/>
+            <a:schemeClr val="dk1"/>
           </a:effectRef>
           <a:fontRef idx="minor">
-            <a:schemeClr val="tx1"/>
+            <a:schemeClr val="dk1"/>
           </a:fontRef>
         </p:style>
       </p:cxnSp>
+      <p:grpSp>
+        <p:nvGrpSpPr>
+          <p:cNvPr id="2" name="组合 1">
+            <a:extLst>
+              <a:ext uri="{FF2B5EF4-FFF2-40B4-BE49-F238E27FC236}">
+                <a16:creationId xmlns:a16="http://schemas.microsoft.com/office/drawing/2014/main" id="{B5801149-5F2C-434D-87F2-E6C1A656C5CC}"/>
+              </a:ext>
+            </a:extLst>
+          </p:cNvPr>
+          <p:cNvGrpSpPr/>
+          <p:nvPr/>
+        </p:nvGrpSpPr>
+        <p:grpSpPr>
+          <a:xfrm>
+            <a:off x="582851" y="1608509"/>
+            <a:ext cx="1166234" cy="917989"/>
+            <a:chOff x="4718670" y="2122223"/>
+            <a:chExt cx="2487375" cy="1957912"/>
+          </a:xfrm>
+        </p:grpSpPr>
+        <p:sp>
+          <p:nvSpPr>
+            <p:cNvPr id="55" name="椭圆 54">
+              <a:extLst>
+                <a:ext uri="{FF2B5EF4-FFF2-40B4-BE49-F238E27FC236}">
+                  <a16:creationId xmlns:a16="http://schemas.microsoft.com/office/drawing/2014/main" id="{CAD63DF9-D0CF-436E-9208-793D71DEA8D5}"/>
+                </a:ext>
+              </a:extLst>
+            </p:cNvPr>
+            <p:cNvSpPr/>
+            <p:nvPr/>
+          </p:nvSpPr>
+          <p:spPr>
+            <a:xfrm>
+              <a:off x="6006905" y="3658174"/>
+              <a:ext cx="252000" cy="252000"/>
+            </a:xfrm>
+            <a:prstGeom prst="ellipse">
+              <a:avLst/>
+            </a:prstGeom>
+          </p:spPr>
+          <p:style>
+            <a:lnRef idx="2">
+              <a:schemeClr val="dk1"/>
+            </a:lnRef>
+            <a:fillRef idx="1">
+              <a:schemeClr val="lt1"/>
+            </a:fillRef>
+            <a:effectRef idx="0">
+              <a:schemeClr val="dk1"/>
+            </a:effectRef>
+            <a:fontRef idx="minor">
+              <a:schemeClr val="dk1"/>
+            </a:fontRef>
+          </p:style>
+          <p:txBody>
+            <a:bodyPr rtlCol="0" anchor="ctr"/>
+            <a:lstStyle/>
+            <a:p>
+              <a:pPr algn="ctr"/>
+              <a:r>
+                <a:rPr lang="en-US" altLang="zh-CN" sz="900" dirty="0"/>
+                <a:t>E</a:t>
+              </a:r>
+              <a:endParaRPr lang="zh-CN" altLang="en-US" sz="900" dirty="0"/>
+            </a:p>
+          </p:txBody>
+        </p:sp>
+        <p:sp>
+          <p:nvSpPr>
+            <p:cNvPr id="59" name="椭圆 58">
+              <a:extLst>
+                <a:ext uri="{FF2B5EF4-FFF2-40B4-BE49-F238E27FC236}">
+                  <a16:creationId xmlns:a16="http://schemas.microsoft.com/office/drawing/2014/main" id="{855A333D-F1DF-416D-816C-647AD316E4AB}"/>
+                </a:ext>
+              </a:extLst>
+            </p:cNvPr>
+            <p:cNvSpPr/>
+            <p:nvPr/>
+          </p:nvSpPr>
+          <p:spPr>
+            <a:xfrm>
+              <a:off x="6059095" y="2391539"/>
+              <a:ext cx="252000" cy="252000"/>
+            </a:xfrm>
+            <a:prstGeom prst="ellipse">
+              <a:avLst/>
+            </a:prstGeom>
+          </p:spPr>
+          <p:style>
+            <a:lnRef idx="2">
+              <a:schemeClr val="dk1"/>
+            </a:lnRef>
+            <a:fillRef idx="1">
+              <a:schemeClr val="lt1"/>
+            </a:fillRef>
+            <a:effectRef idx="0">
+              <a:schemeClr val="dk1"/>
+            </a:effectRef>
+            <a:fontRef idx="minor">
+              <a:schemeClr val="dk1"/>
+            </a:fontRef>
+          </p:style>
+          <p:txBody>
+            <a:bodyPr rtlCol="0" anchor="ctr"/>
+            <a:lstStyle/>
+            <a:p>
+              <a:pPr algn="ctr"/>
+              <a:r>
+                <a:rPr lang="en-US" altLang="zh-CN" sz="900" dirty="0"/>
+                <a:t>B</a:t>
+              </a:r>
+            </a:p>
+          </p:txBody>
+        </p:sp>
+        <p:sp>
+          <p:nvSpPr>
+            <p:cNvPr id="64" name="椭圆 63">
+              <a:extLst>
+                <a:ext uri="{FF2B5EF4-FFF2-40B4-BE49-F238E27FC236}">
+                  <a16:creationId xmlns:a16="http://schemas.microsoft.com/office/drawing/2014/main" id="{C9EFDD64-01EB-4BD5-991C-CC06124CDB83}"/>
+                </a:ext>
+              </a:extLst>
+            </p:cNvPr>
+            <p:cNvSpPr/>
+            <p:nvPr/>
+          </p:nvSpPr>
+          <p:spPr>
+            <a:xfrm>
+              <a:off x="4718670" y="3828135"/>
+              <a:ext cx="252000" cy="252000"/>
+            </a:xfrm>
+            <a:prstGeom prst="ellipse">
+              <a:avLst/>
+            </a:prstGeom>
+          </p:spPr>
+          <p:style>
+            <a:lnRef idx="2">
+              <a:schemeClr val="dk1"/>
+            </a:lnRef>
+            <a:fillRef idx="1">
+              <a:schemeClr val="lt1"/>
+            </a:fillRef>
+            <a:effectRef idx="0">
+              <a:schemeClr val="dk1"/>
+            </a:effectRef>
+            <a:fontRef idx="minor">
+              <a:schemeClr val="dk1"/>
+            </a:fontRef>
+          </p:style>
+          <p:txBody>
+            <a:bodyPr rtlCol="0" anchor="ctr"/>
+            <a:lstStyle/>
+            <a:p>
+              <a:pPr algn="ctr"/>
+              <a:r>
+                <a:rPr lang="en-US" altLang="zh-CN" sz="900" dirty="0"/>
+                <a:t>D</a:t>
+              </a:r>
+              <a:endParaRPr lang="zh-CN" altLang="en-US" sz="900" dirty="0"/>
+            </a:p>
+          </p:txBody>
+        </p:sp>
+        <p:cxnSp>
+          <p:nvCxnSpPr>
+            <p:cNvPr id="65" name="直接连接符 64">
+              <a:extLst>
+                <a:ext uri="{FF2B5EF4-FFF2-40B4-BE49-F238E27FC236}">
+                  <a16:creationId xmlns:a16="http://schemas.microsoft.com/office/drawing/2014/main" id="{6D49AEC5-CB9A-4339-A2EF-C4D1548EE879}"/>
+                </a:ext>
+              </a:extLst>
+            </p:cNvPr>
+            <p:cNvCxnSpPr>
+              <a:cxnSpLocks/>
+              <a:stCxn id="84" idx="5"/>
+              <a:endCxn id="83" idx="1"/>
+            </p:cNvCxnSpPr>
+            <p:nvPr/>
+          </p:nvCxnSpPr>
+          <p:spPr>
+            <a:xfrm>
+              <a:off x="4961339" y="2337318"/>
+              <a:ext cx="518423" cy="648443"/>
+            </a:xfrm>
+            <a:prstGeom prst="line">
+              <a:avLst/>
+            </a:prstGeom>
+            <a:ln>
+              <a:headEnd type="none" w="med" len="med"/>
+              <a:tailEnd type="none" w="med" len="med"/>
+            </a:ln>
+          </p:spPr>
+          <p:style>
+            <a:lnRef idx="2">
+              <a:schemeClr val="dk1"/>
+            </a:lnRef>
+            <a:fillRef idx="1">
+              <a:schemeClr val="lt1"/>
+            </a:fillRef>
+            <a:effectRef idx="0">
+              <a:schemeClr val="dk1"/>
+            </a:effectRef>
+            <a:fontRef idx="minor">
+              <a:schemeClr val="dk1"/>
+            </a:fontRef>
+          </p:style>
+        </p:cxnSp>
+        <p:cxnSp>
+          <p:nvCxnSpPr>
+            <p:cNvPr id="73" name="直接连接符 72">
+              <a:extLst>
+                <a:ext uri="{FF2B5EF4-FFF2-40B4-BE49-F238E27FC236}">
+                  <a16:creationId xmlns:a16="http://schemas.microsoft.com/office/drawing/2014/main" id="{F997EC2C-9FE2-44B7-89E2-AD7439999708}"/>
+                </a:ext>
+              </a:extLst>
+            </p:cNvPr>
+            <p:cNvCxnSpPr>
+              <a:cxnSpLocks/>
+              <a:stCxn id="55" idx="1"/>
+              <a:endCxn id="83" idx="5"/>
+            </p:cNvCxnSpPr>
+            <p:nvPr/>
+          </p:nvCxnSpPr>
+          <p:spPr>
+            <a:xfrm flipH="1" flipV="1">
+              <a:off x="5657952" y="3163951"/>
+              <a:ext cx="385858" cy="531128"/>
+            </a:xfrm>
+            <a:prstGeom prst="line">
+              <a:avLst/>
+            </a:prstGeom>
+            <a:ln>
+              <a:headEnd type="none" w="med" len="med"/>
+              <a:tailEnd type="none" w="med" len="med"/>
+            </a:ln>
+          </p:spPr>
+          <p:style>
+            <a:lnRef idx="2">
+              <a:schemeClr val="dk1"/>
+            </a:lnRef>
+            <a:fillRef idx="1">
+              <a:schemeClr val="lt1"/>
+            </a:fillRef>
+            <a:effectRef idx="0">
+              <a:schemeClr val="dk1"/>
+            </a:effectRef>
+            <a:fontRef idx="minor">
+              <a:schemeClr val="dk1"/>
+            </a:fontRef>
+          </p:style>
+        </p:cxnSp>
+        <p:cxnSp>
+          <p:nvCxnSpPr>
+            <p:cNvPr id="76" name="直接连接符 75">
+              <a:extLst>
+                <a:ext uri="{FF2B5EF4-FFF2-40B4-BE49-F238E27FC236}">
+                  <a16:creationId xmlns:a16="http://schemas.microsoft.com/office/drawing/2014/main" id="{8FAFCD9F-77E6-47D7-848E-9D94E16A76CD}"/>
+                </a:ext>
+              </a:extLst>
+            </p:cNvPr>
+            <p:cNvCxnSpPr>
+              <a:cxnSpLocks/>
+              <a:stCxn id="59" idx="4"/>
+              <a:endCxn id="55" idx="0"/>
+            </p:cNvCxnSpPr>
+            <p:nvPr/>
+          </p:nvCxnSpPr>
+          <p:spPr>
+            <a:xfrm flipH="1">
+              <a:off x="6132905" y="2643539"/>
+              <a:ext cx="52190" cy="1014635"/>
+            </a:xfrm>
+            <a:prstGeom prst="line">
+              <a:avLst/>
+            </a:prstGeom>
+            <a:ln>
+              <a:headEnd type="none" w="med" len="med"/>
+              <a:tailEnd type="none" w="med" len="med"/>
+            </a:ln>
+          </p:spPr>
+          <p:style>
+            <a:lnRef idx="2">
+              <a:schemeClr val="dk1"/>
+            </a:lnRef>
+            <a:fillRef idx="1">
+              <a:schemeClr val="lt1"/>
+            </a:fillRef>
+            <a:effectRef idx="0">
+              <a:schemeClr val="dk1"/>
+            </a:effectRef>
+            <a:fontRef idx="minor">
+              <a:schemeClr val="dk1"/>
+            </a:fontRef>
+          </p:style>
+        </p:cxnSp>
+        <p:cxnSp>
+          <p:nvCxnSpPr>
+            <p:cNvPr id="77" name="直接连接符 76">
+              <a:extLst>
+                <a:ext uri="{FF2B5EF4-FFF2-40B4-BE49-F238E27FC236}">
+                  <a16:creationId xmlns:a16="http://schemas.microsoft.com/office/drawing/2014/main" id="{4F004CC8-3F79-4C8C-B9E0-F4F7BFB94981}"/>
+                </a:ext>
+              </a:extLst>
+            </p:cNvPr>
+            <p:cNvCxnSpPr>
+              <a:cxnSpLocks/>
+              <a:stCxn id="64" idx="7"/>
+              <a:endCxn id="83" idx="3"/>
+            </p:cNvCxnSpPr>
+            <p:nvPr/>
+          </p:nvCxnSpPr>
+          <p:spPr>
+            <a:xfrm flipV="1">
+              <a:off x="4933765" y="3163951"/>
+              <a:ext cx="545997" cy="701089"/>
+            </a:xfrm>
+            <a:prstGeom prst="line">
+              <a:avLst/>
+            </a:prstGeom>
+            <a:ln>
+              <a:headEnd type="none" w="med" len="med"/>
+              <a:tailEnd type="none" w="med" len="med"/>
+            </a:ln>
+          </p:spPr>
+          <p:style>
+            <a:lnRef idx="2">
+              <a:schemeClr val="dk1"/>
+            </a:lnRef>
+            <a:fillRef idx="1">
+              <a:schemeClr val="lt1"/>
+            </a:fillRef>
+            <a:effectRef idx="0">
+              <a:schemeClr val="dk1"/>
+            </a:effectRef>
+            <a:fontRef idx="minor">
+              <a:schemeClr val="dk1"/>
+            </a:fontRef>
+          </p:style>
+        </p:cxnSp>
+        <p:cxnSp>
+          <p:nvCxnSpPr>
+            <p:cNvPr id="78" name="直接连接符 77">
+              <a:extLst>
+                <a:ext uri="{FF2B5EF4-FFF2-40B4-BE49-F238E27FC236}">
+                  <a16:creationId xmlns:a16="http://schemas.microsoft.com/office/drawing/2014/main" id="{CB1E0F3F-4CAD-4CDE-B0CB-C42D05AEE083}"/>
+                </a:ext>
+              </a:extLst>
+            </p:cNvPr>
+            <p:cNvCxnSpPr>
+              <a:cxnSpLocks/>
+              <a:stCxn id="59" idx="3"/>
+              <a:endCxn id="83" idx="7"/>
+            </p:cNvCxnSpPr>
+            <p:nvPr/>
+          </p:nvCxnSpPr>
+          <p:spPr>
+            <a:xfrm flipH="1">
+              <a:off x="5657952" y="2606634"/>
+              <a:ext cx="438048" cy="379127"/>
+            </a:xfrm>
+            <a:prstGeom prst="line">
+              <a:avLst/>
+            </a:prstGeom>
+            <a:ln>
+              <a:headEnd type="none" w="med" len="med"/>
+              <a:tailEnd type="none" w="med" len="med"/>
+            </a:ln>
+          </p:spPr>
+          <p:style>
+            <a:lnRef idx="2">
+              <a:schemeClr val="dk1"/>
+            </a:lnRef>
+            <a:fillRef idx="1">
+              <a:schemeClr val="lt1"/>
+            </a:fillRef>
+            <a:effectRef idx="0">
+              <a:schemeClr val="dk1"/>
+            </a:effectRef>
+            <a:fontRef idx="minor">
+              <a:schemeClr val="dk1"/>
+            </a:fontRef>
+          </p:style>
+        </p:cxnSp>
+        <p:sp>
+          <p:nvSpPr>
+            <p:cNvPr id="80" name="椭圆 79">
+              <a:extLst>
+                <a:ext uri="{FF2B5EF4-FFF2-40B4-BE49-F238E27FC236}">
+                  <a16:creationId xmlns:a16="http://schemas.microsoft.com/office/drawing/2014/main" id="{E8806F2D-442B-48DE-B9EE-9C982A81FE49}"/>
+                </a:ext>
+              </a:extLst>
+            </p:cNvPr>
+            <p:cNvSpPr/>
+            <p:nvPr/>
+          </p:nvSpPr>
+          <p:spPr>
+            <a:xfrm>
+              <a:off x="6954045" y="3479376"/>
+              <a:ext cx="252000" cy="252000"/>
+            </a:xfrm>
+            <a:prstGeom prst="ellipse">
+              <a:avLst/>
+            </a:prstGeom>
+          </p:spPr>
+          <p:style>
+            <a:lnRef idx="2">
+              <a:schemeClr val="dk1"/>
+            </a:lnRef>
+            <a:fillRef idx="1">
+              <a:schemeClr val="lt1"/>
+            </a:fillRef>
+            <a:effectRef idx="0">
+              <a:schemeClr val="dk1"/>
+            </a:effectRef>
+            <a:fontRef idx="minor">
+              <a:schemeClr val="dk1"/>
+            </a:fontRef>
+          </p:style>
+          <p:txBody>
+            <a:bodyPr rtlCol="0" anchor="ctr"/>
+            <a:lstStyle/>
+            <a:p>
+              <a:pPr algn="ctr"/>
+              <a:r>
+                <a:rPr lang="en-US" altLang="zh-CN" sz="900" dirty="0"/>
+                <a:t>F</a:t>
+              </a:r>
+              <a:endParaRPr lang="zh-CN" altLang="en-US" sz="900" dirty="0"/>
+            </a:p>
+          </p:txBody>
+        </p:sp>
+        <p:cxnSp>
+          <p:nvCxnSpPr>
+            <p:cNvPr id="81" name="直接连接符 80">
+              <a:extLst>
+                <a:ext uri="{FF2B5EF4-FFF2-40B4-BE49-F238E27FC236}">
+                  <a16:creationId xmlns:a16="http://schemas.microsoft.com/office/drawing/2014/main" id="{BFCDA7E8-2351-4620-8931-910E91402D59}"/>
+                </a:ext>
+              </a:extLst>
+            </p:cNvPr>
+            <p:cNvCxnSpPr>
+              <a:cxnSpLocks/>
+              <a:stCxn id="80" idx="2"/>
+              <a:endCxn id="55" idx="6"/>
+            </p:cNvCxnSpPr>
+            <p:nvPr/>
+          </p:nvCxnSpPr>
+          <p:spPr>
+            <a:xfrm flipH="1">
+              <a:off x="6258905" y="3605376"/>
+              <a:ext cx="695140" cy="178798"/>
+            </a:xfrm>
+            <a:prstGeom prst="line">
+              <a:avLst/>
+            </a:prstGeom>
+            <a:ln>
+              <a:headEnd type="none" w="med" len="med"/>
+              <a:tailEnd type="none" w="med" len="med"/>
+            </a:ln>
+          </p:spPr>
+          <p:style>
+            <a:lnRef idx="2">
+              <a:schemeClr val="dk1"/>
+            </a:lnRef>
+            <a:fillRef idx="1">
+              <a:schemeClr val="lt1"/>
+            </a:fillRef>
+            <a:effectRef idx="0">
+              <a:schemeClr val="dk1"/>
+            </a:effectRef>
+            <a:fontRef idx="minor">
+              <a:schemeClr val="dk1"/>
+            </a:fontRef>
+          </p:style>
+        </p:cxnSp>
+        <p:sp>
+          <p:nvSpPr>
+            <p:cNvPr id="83" name="椭圆 82">
+              <a:extLst>
+                <a:ext uri="{FF2B5EF4-FFF2-40B4-BE49-F238E27FC236}">
+                  <a16:creationId xmlns:a16="http://schemas.microsoft.com/office/drawing/2014/main" id="{F8E87D9C-9C1A-449C-B49C-6D671201B692}"/>
+                </a:ext>
+              </a:extLst>
+            </p:cNvPr>
+            <p:cNvSpPr/>
+            <p:nvPr/>
+          </p:nvSpPr>
+          <p:spPr>
+            <a:xfrm>
+              <a:off x="5442857" y="2948856"/>
+              <a:ext cx="252000" cy="252000"/>
+            </a:xfrm>
+            <a:prstGeom prst="ellipse">
+              <a:avLst/>
+            </a:prstGeom>
+          </p:spPr>
+          <p:style>
+            <a:lnRef idx="2">
+              <a:schemeClr val="dk1"/>
+            </a:lnRef>
+            <a:fillRef idx="1">
+              <a:schemeClr val="lt1"/>
+            </a:fillRef>
+            <a:effectRef idx="0">
+              <a:schemeClr val="dk1"/>
+            </a:effectRef>
+            <a:fontRef idx="minor">
+              <a:schemeClr val="dk1"/>
+            </a:fontRef>
+          </p:style>
+          <p:txBody>
+            <a:bodyPr rtlCol="0" anchor="ctr"/>
+            <a:lstStyle/>
+            <a:p>
+              <a:pPr algn="ctr"/>
+              <a:r>
+                <a:rPr lang="en-US" altLang="zh-CN" sz="900" dirty="0"/>
+                <a:t>A</a:t>
+              </a:r>
+            </a:p>
+          </p:txBody>
+        </p:sp>
+        <p:sp>
+          <p:nvSpPr>
+            <p:cNvPr id="84" name="椭圆 83">
+              <a:extLst>
+                <a:ext uri="{FF2B5EF4-FFF2-40B4-BE49-F238E27FC236}">
+                  <a16:creationId xmlns:a16="http://schemas.microsoft.com/office/drawing/2014/main" id="{57650434-F78F-41C7-A5FD-96154A8F10F5}"/>
+                </a:ext>
+              </a:extLst>
+            </p:cNvPr>
+            <p:cNvSpPr/>
+            <p:nvPr/>
+          </p:nvSpPr>
+          <p:spPr>
+            <a:xfrm>
+              <a:off x="4746244" y="2122223"/>
+              <a:ext cx="252000" cy="252000"/>
+            </a:xfrm>
+            <a:prstGeom prst="ellipse">
+              <a:avLst/>
+            </a:prstGeom>
+          </p:spPr>
+          <p:style>
+            <a:lnRef idx="2">
+              <a:schemeClr val="dk1"/>
+            </a:lnRef>
+            <a:fillRef idx="1">
+              <a:schemeClr val="lt1"/>
+            </a:fillRef>
+            <a:effectRef idx="0">
+              <a:schemeClr val="dk1"/>
+            </a:effectRef>
+            <a:fontRef idx="minor">
+              <a:schemeClr val="dk1"/>
+            </a:fontRef>
+          </p:style>
+          <p:txBody>
+            <a:bodyPr rtlCol="0" anchor="ctr"/>
+            <a:lstStyle/>
+            <a:p>
+              <a:pPr algn="ctr"/>
+              <a:r>
+                <a:rPr lang="en-US" altLang="zh-CN" sz="900" dirty="0"/>
+                <a:t>C</a:t>
+              </a:r>
+            </a:p>
+          </p:txBody>
+        </p:sp>
+      </p:grpSp>
     </p:spTree>
     <p:extLst>
       <p:ext uri="{BB962C8B-B14F-4D97-AF65-F5344CB8AC3E}">
@@ -7843,6 +8052,3937 @@
     <p:extLst>
       <p:ext uri="{BB962C8B-B14F-4D97-AF65-F5344CB8AC3E}">
         <p14:creationId xmlns:p14="http://schemas.microsoft.com/office/powerpoint/2010/main" val="3895762517"/>
+      </p:ext>
+    </p:extLst>
+  </p:cSld>
+  <p:clrMapOvr>
+    <a:masterClrMapping/>
+  </p:clrMapOvr>
+</p:sld>
+</file>
+
+<file path=ppt/slides/slide4.xml><?xml version="1.0" encoding="utf-8"?>
+<p:sld xmlns:a="http://schemas.openxmlformats.org/drawingml/2006/main" xmlns:r="http://schemas.openxmlformats.org/officeDocument/2006/relationships" xmlns:p="http://schemas.openxmlformats.org/presentationml/2006/main">
+  <p:cSld>
+    <p:spTree>
+      <p:nvGrpSpPr>
+        <p:cNvPr id="1" name=""/>
+        <p:cNvGrpSpPr/>
+        <p:nvPr/>
+      </p:nvGrpSpPr>
+      <p:grpSpPr>
+        <a:xfrm>
+          <a:off x="0" y="0"/>
+          <a:ext cx="0" cy="0"/>
+          <a:chOff x="0" y="0"/>
+          <a:chExt cx="0" cy="0"/>
+        </a:xfrm>
+      </p:grpSpPr>
+      <p:sp>
+        <p:nvSpPr>
+          <p:cNvPr id="33" name="椭圆 32">
+            <a:extLst>
+              <a:ext uri="{FF2B5EF4-FFF2-40B4-BE49-F238E27FC236}">
+                <a16:creationId xmlns:a16="http://schemas.microsoft.com/office/drawing/2014/main" id="{0EF6B1DF-23E8-402C-8076-98BB56C08DA0}"/>
+              </a:ext>
+            </a:extLst>
+          </p:cNvPr>
+          <p:cNvSpPr/>
+          <p:nvPr/>
+        </p:nvSpPr>
+        <p:spPr>
+          <a:xfrm>
+            <a:off x="10591097" y="3658174"/>
+            <a:ext cx="252000" cy="252000"/>
+          </a:xfrm>
+          <a:prstGeom prst="ellipse">
+            <a:avLst/>
+          </a:prstGeom>
+          <a:solidFill>
+            <a:schemeClr val="accent1">
+              <a:lumMod val="75000"/>
+            </a:schemeClr>
+          </a:solidFill>
+        </p:spPr>
+        <p:style>
+          <a:lnRef idx="2">
+            <a:schemeClr val="accent1">
+              <a:shade val="50000"/>
+            </a:schemeClr>
+          </a:lnRef>
+          <a:fillRef idx="1">
+            <a:schemeClr val="accent1"/>
+          </a:fillRef>
+          <a:effectRef idx="0">
+            <a:schemeClr val="accent1"/>
+          </a:effectRef>
+          <a:fontRef idx="minor">
+            <a:schemeClr val="lt1"/>
+          </a:fontRef>
+        </p:style>
+        <p:txBody>
+          <a:bodyPr rtlCol="0" anchor="ctr"/>
+          <a:lstStyle/>
+          <a:p>
+            <a:pPr algn="ctr"/>
+            <a:r>
+              <a:rPr lang="en-US" altLang="zh-CN" sz="1200" dirty="0"/>
+              <a:t>E</a:t>
+            </a:r>
+            <a:endParaRPr lang="zh-CN" altLang="en-US" sz="1200" dirty="0"/>
+          </a:p>
+        </p:txBody>
+      </p:sp>
+      <p:sp>
+        <p:nvSpPr>
+          <p:cNvPr id="34" name="椭圆 33">
+            <a:extLst>
+              <a:ext uri="{FF2B5EF4-FFF2-40B4-BE49-F238E27FC236}">
+                <a16:creationId xmlns:a16="http://schemas.microsoft.com/office/drawing/2014/main" id="{3195ECA6-2B61-41B5-8774-17702FDDD128}"/>
+              </a:ext>
+            </a:extLst>
+          </p:cNvPr>
+          <p:cNvSpPr/>
+          <p:nvPr/>
+        </p:nvSpPr>
+        <p:spPr>
+          <a:xfrm>
+            <a:off x="10643287" y="2391539"/>
+            <a:ext cx="252000" cy="252000"/>
+          </a:xfrm>
+          <a:prstGeom prst="ellipse">
+            <a:avLst/>
+          </a:prstGeom>
+          <a:solidFill>
+            <a:schemeClr val="accent1">
+              <a:lumMod val="75000"/>
+            </a:schemeClr>
+          </a:solidFill>
+        </p:spPr>
+        <p:style>
+          <a:lnRef idx="2">
+            <a:schemeClr val="accent1">
+              <a:shade val="50000"/>
+            </a:schemeClr>
+          </a:lnRef>
+          <a:fillRef idx="1">
+            <a:schemeClr val="accent1"/>
+          </a:fillRef>
+          <a:effectRef idx="0">
+            <a:schemeClr val="accent1"/>
+          </a:effectRef>
+          <a:fontRef idx="minor">
+            <a:schemeClr val="lt1"/>
+          </a:fontRef>
+        </p:style>
+        <p:txBody>
+          <a:bodyPr rtlCol="0" anchor="ctr"/>
+          <a:lstStyle/>
+          <a:p>
+            <a:pPr algn="ctr"/>
+            <a:r>
+              <a:rPr lang="en-US" altLang="zh-CN" sz="1200" dirty="0"/>
+              <a:t>B</a:t>
+            </a:r>
+          </a:p>
+        </p:txBody>
+      </p:sp>
+      <p:sp>
+        <p:nvSpPr>
+          <p:cNvPr id="39" name="椭圆 38">
+            <a:extLst>
+              <a:ext uri="{FF2B5EF4-FFF2-40B4-BE49-F238E27FC236}">
+                <a16:creationId xmlns:a16="http://schemas.microsoft.com/office/drawing/2014/main" id="{BE3080E9-8AA7-466D-962B-5F301E861CE4}"/>
+              </a:ext>
+            </a:extLst>
+          </p:cNvPr>
+          <p:cNvSpPr/>
+          <p:nvPr/>
+        </p:nvSpPr>
+        <p:spPr>
+          <a:xfrm>
+            <a:off x="9302862" y="3828135"/>
+            <a:ext cx="252000" cy="252000"/>
+          </a:xfrm>
+          <a:prstGeom prst="ellipse">
+            <a:avLst/>
+          </a:prstGeom>
+          <a:solidFill>
+            <a:schemeClr val="accent1">
+              <a:lumMod val="75000"/>
+            </a:schemeClr>
+          </a:solidFill>
+        </p:spPr>
+        <p:style>
+          <a:lnRef idx="2">
+            <a:schemeClr val="accent1">
+              <a:shade val="50000"/>
+            </a:schemeClr>
+          </a:lnRef>
+          <a:fillRef idx="1">
+            <a:schemeClr val="accent1"/>
+          </a:fillRef>
+          <a:effectRef idx="0">
+            <a:schemeClr val="accent1"/>
+          </a:effectRef>
+          <a:fontRef idx="minor">
+            <a:schemeClr val="lt1"/>
+          </a:fontRef>
+        </p:style>
+        <p:txBody>
+          <a:bodyPr rtlCol="0" anchor="ctr"/>
+          <a:lstStyle/>
+          <a:p>
+            <a:pPr algn="ctr"/>
+            <a:r>
+              <a:rPr lang="en-US" altLang="zh-CN" sz="1200" dirty="0"/>
+              <a:t>D</a:t>
+            </a:r>
+            <a:endParaRPr lang="zh-CN" altLang="en-US" sz="1200" dirty="0"/>
+          </a:p>
+        </p:txBody>
+      </p:sp>
+      <p:cxnSp>
+        <p:nvCxnSpPr>
+          <p:cNvPr id="16" name="直接连接符 15">
+            <a:extLst>
+              <a:ext uri="{FF2B5EF4-FFF2-40B4-BE49-F238E27FC236}">
+                <a16:creationId xmlns:a16="http://schemas.microsoft.com/office/drawing/2014/main" id="{60058B54-B6C8-4FE0-8F6C-DDD4DF299D7E}"/>
+              </a:ext>
+            </a:extLst>
+          </p:cNvPr>
+          <p:cNvCxnSpPr>
+            <a:cxnSpLocks/>
+            <a:stCxn id="95" idx="5"/>
+            <a:endCxn id="89" idx="1"/>
+          </p:cNvCxnSpPr>
+          <p:nvPr/>
+        </p:nvCxnSpPr>
+        <p:spPr>
+          <a:xfrm>
+            <a:off x="9545531" y="2337318"/>
+            <a:ext cx="518423" cy="648443"/>
+          </a:xfrm>
+          <a:prstGeom prst="line">
+            <a:avLst/>
+          </a:prstGeom>
+          <a:ln w="28575">
+            <a:solidFill>
+              <a:schemeClr val="accent1">
+                <a:lumMod val="75000"/>
+              </a:schemeClr>
+            </a:solidFill>
+            <a:headEnd type="none" w="med" len="med"/>
+            <a:tailEnd type="triangle" w="med" len="med"/>
+          </a:ln>
+        </p:spPr>
+        <p:style>
+          <a:lnRef idx="1">
+            <a:schemeClr val="accent2"/>
+          </a:lnRef>
+          <a:fillRef idx="0">
+            <a:schemeClr val="accent2"/>
+          </a:fillRef>
+          <a:effectRef idx="0">
+            <a:schemeClr val="accent2"/>
+          </a:effectRef>
+          <a:fontRef idx="minor">
+            <a:schemeClr val="tx1"/>
+          </a:fontRef>
+        </p:style>
+      </p:cxnSp>
+      <p:cxnSp>
+        <p:nvCxnSpPr>
+          <p:cNvPr id="47" name="直接连接符 46">
+            <a:extLst>
+              <a:ext uri="{FF2B5EF4-FFF2-40B4-BE49-F238E27FC236}">
+                <a16:creationId xmlns:a16="http://schemas.microsoft.com/office/drawing/2014/main" id="{738844C0-D418-4740-8FB0-7170AEF30B6D}"/>
+              </a:ext>
+            </a:extLst>
+          </p:cNvPr>
+          <p:cNvCxnSpPr>
+            <a:cxnSpLocks/>
+            <a:stCxn id="33" idx="1"/>
+            <a:endCxn id="89" idx="5"/>
+          </p:cNvCxnSpPr>
+          <p:nvPr/>
+        </p:nvCxnSpPr>
+        <p:spPr>
+          <a:xfrm flipH="1" flipV="1">
+            <a:off x="10242144" y="3163951"/>
+            <a:ext cx="385858" cy="531128"/>
+          </a:xfrm>
+          <a:prstGeom prst="line">
+            <a:avLst/>
+          </a:prstGeom>
+          <a:ln w="28575">
+            <a:solidFill>
+              <a:schemeClr val="accent1">
+                <a:lumMod val="75000"/>
+              </a:schemeClr>
+            </a:solidFill>
+            <a:headEnd type="none" w="med" len="med"/>
+            <a:tailEnd type="triangle" w="med" len="med"/>
+          </a:ln>
+        </p:spPr>
+        <p:style>
+          <a:lnRef idx="1">
+            <a:schemeClr val="accent1"/>
+          </a:lnRef>
+          <a:fillRef idx="0">
+            <a:schemeClr val="accent1"/>
+          </a:fillRef>
+          <a:effectRef idx="0">
+            <a:schemeClr val="accent1"/>
+          </a:effectRef>
+          <a:fontRef idx="minor">
+            <a:schemeClr val="tx1"/>
+          </a:fontRef>
+        </p:style>
+      </p:cxnSp>
+      <p:cxnSp>
+        <p:nvCxnSpPr>
+          <p:cNvPr id="48" name="直接连接符 47">
+            <a:extLst>
+              <a:ext uri="{FF2B5EF4-FFF2-40B4-BE49-F238E27FC236}">
+                <a16:creationId xmlns:a16="http://schemas.microsoft.com/office/drawing/2014/main" id="{557E9F34-8C47-4C70-90C1-B8E0C8232941}"/>
+              </a:ext>
+            </a:extLst>
+          </p:cNvPr>
+          <p:cNvCxnSpPr>
+            <a:cxnSpLocks/>
+            <a:stCxn id="34" idx="4"/>
+            <a:endCxn id="33" idx="0"/>
+          </p:cNvCxnSpPr>
+          <p:nvPr/>
+        </p:nvCxnSpPr>
+        <p:spPr>
+          <a:xfrm flipH="1">
+            <a:off x="10717097" y="2643539"/>
+            <a:ext cx="52190" cy="1014635"/>
+          </a:xfrm>
+          <a:prstGeom prst="line">
+            <a:avLst/>
+          </a:prstGeom>
+          <a:ln>
+            <a:prstDash val="lgDash"/>
+          </a:ln>
+        </p:spPr>
+        <p:style>
+          <a:lnRef idx="1">
+            <a:schemeClr val="accent1"/>
+          </a:lnRef>
+          <a:fillRef idx="0">
+            <a:schemeClr val="accent1"/>
+          </a:fillRef>
+          <a:effectRef idx="0">
+            <a:schemeClr val="accent1"/>
+          </a:effectRef>
+          <a:fontRef idx="minor">
+            <a:schemeClr val="tx1"/>
+          </a:fontRef>
+        </p:style>
+      </p:cxnSp>
+      <p:cxnSp>
+        <p:nvCxnSpPr>
+          <p:cNvPr id="49" name="直接连接符 48">
+            <a:extLst>
+              <a:ext uri="{FF2B5EF4-FFF2-40B4-BE49-F238E27FC236}">
+                <a16:creationId xmlns:a16="http://schemas.microsoft.com/office/drawing/2014/main" id="{A52A5884-5AF8-40DD-BF4A-4030176D7512}"/>
+              </a:ext>
+            </a:extLst>
+          </p:cNvPr>
+          <p:cNvCxnSpPr>
+            <a:cxnSpLocks/>
+            <a:stCxn id="39" idx="7"/>
+            <a:endCxn id="89" idx="3"/>
+          </p:cNvCxnSpPr>
+          <p:nvPr/>
+        </p:nvCxnSpPr>
+        <p:spPr>
+          <a:xfrm flipV="1">
+            <a:off x="9517957" y="3163951"/>
+            <a:ext cx="545997" cy="701089"/>
+          </a:xfrm>
+          <a:prstGeom prst="line">
+            <a:avLst/>
+          </a:prstGeom>
+          <a:ln w="28575">
+            <a:solidFill>
+              <a:schemeClr val="accent1">
+                <a:lumMod val="75000"/>
+              </a:schemeClr>
+            </a:solidFill>
+            <a:headEnd type="none" w="med" len="med"/>
+            <a:tailEnd type="triangle" w="med" len="med"/>
+          </a:ln>
+        </p:spPr>
+        <p:style>
+          <a:lnRef idx="1">
+            <a:schemeClr val="accent1"/>
+          </a:lnRef>
+          <a:fillRef idx="0">
+            <a:schemeClr val="accent1"/>
+          </a:fillRef>
+          <a:effectRef idx="0">
+            <a:schemeClr val="accent1"/>
+          </a:effectRef>
+          <a:fontRef idx="minor">
+            <a:schemeClr val="tx1"/>
+          </a:fontRef>
+        </p:style>
+      </p:cxnSp>
+      <p:cxnSp>
+        <p:nvCxnSpPr>
+          <p:cNvPr id="50" name="直接连接符 49">
+            <a:extLst>
+              <a:ext uri="{FF2B5EF4-FFF2-40B4-BE49-F238E27FC236}">
+                <a16:creationId xmlns:a16="http://schemas.microsoft.com/office/drawing/2014/main" id="{11EA9028-B918-482B-A32E-D549560152CB}"/>
+              </a:ext>
+            </a:extLst>
+          </p:cNvPr>
+          <p:cNvCxnSpPr>
+            <a:cxnSpLocks/>
+            <a:stCxn id="34" idx="3"/>
+            <a:endCxn id="89" idx="7"/>
+          </p:cNvCxnSpPr>
+          <p:nvPr/>
+        </p:nvCxnSpPr>
+        <p:spPr>
+          <a:xfrm flipH="1">
+            <a:off x="10242144" y="2606634"/>
+            <a:ext cx="438048" cy="379127"/>
+          </a:xfrm>
+          <a:prstGeom prst="line">
+            <a:avLst/>
+          </a:prstGeom>
+          <a:ln w="28575">
+            <a:solidFill>
+              <a:schemeClr val="accent1">
+                <a:lumMod val="75000"/>
+              </a:schemeClr>
+            </a:solidFill>
+            <a:headEnd type="none" w="med" len="med"/>
+            <a:tailEnd type="triangle" w="med" len="med"/>
+          </a:ln>
+        </p:spPr>
+        <p:style>
+          <a:lnRef idx="1">
+            <a:schemeClr val="accent1"/>
+          </a:lnRef>
+          <a:fillRef idx="0">
+            <a:schemeClr val="accent1"/>
+          </a:fillRef>
+          <a:effectRef idx="0">
+            <a:schemeClr val="accent1"/>
+          </a:effectRef>
+          <a:fontRef idx="minor">
+            <a:schemeClr val="tx1"/>
+          </a:fontRef>
+        </p:style>
+      </p:cxnSp>
+      <p:sp>
+        <p:nvSpPr>
+          <p:cNvPr id="77" name="椭圆 76">
+            <a:extLst>
+              <a:ext uri="{FF2B5EF4-FFF2-40B4-BE49-F238E27FC236}">
+                <a16:creationId xmlns:a16="http://schemas.microsoft.com/office/drawing/2014/main" id="{24D57878-AD2C-4D02-AB18-3512E81BDC0D}"/>
+              </a:ext>
+            </a:extLst>
+          </p:cNvPr>
+          <p:cNvSpPr/>
+          <p:nvPr/>
+        </p:nvSpPr>
+        <p:spPr>
+          <a:xfrm>
+            <a:off x="11538237" y="3479376"/>
+            <a:ext cx="252000" cy="252000"/>
+          </a:xfrm>
+          <a:prstGeom prst="ellipse">
+            <a:avLst/>
+          </a:prstGeom>
+          <a:solidFill>
+            <a:schemeClr val="accent1">
+              <a:lumMod val="75000"/>
+            </a:schemeClr>
+          </a:solidFill>
+        </p:spPr>
+        <p:style>
+          <a:lnRef idx="2">
+            <a:schemeClr val="accent1">
+              <a:shade val="50000"/>
+            </a:schemeClr>
+          </a:lnRef>
+          <a:fillRef idx="1">
+            <a:schemeClr val="accent1"/>
+          </a:fillRef>
+          <a:effectRef idx="0">
+            <a:schemeClr val="accent1"/>
+          </a:effectRef>
+          <a:fontRef idx="minor">
+            <a:schemeClr val="lt1"/>
+          </a:fontRef>
+        </p:style>
+        <p:txBody>
+          <a:bodyPr rtlCol="0" anchor="ctr"/>
+          <a:lstStyle/>
+          <a:p>
+            <a:pPr algn="ctr"/>
+            <a:r>
+              <a:rPr lang="en-US" altLang="zh-CN" sz="1200" dirty="0"/>
+              <a:t>F</a:t>
+            </a:r>
+            <a:endParaRPr lang="zh-CN" altLang="en-US" sz="1200" dirty="0"/>
+          </a:p>
+        </p:txBody>
+      </p:sp>
+      <p:cxnSp>
+        <p:nvCxnSpPr>
+          <p:cNvPr id="78" name="直接连接符 77">
+            <a:extLst>
+              <a:ext uri="{FF2B5EF4-FFF2-40B4-BE49-F238E27FC236}">
+                <a16:creationId xmlns:a16="http://schemas.microsoft.com/office/drawing/2014/main" id="{1BE65F0B-37C4-4776-B8DC-45DDF38934E4}"/>
+              </a:ext>
+            </a:extLst>
+          </p:cNvPr>
+          <p:cNvCxnSpPr>
+            <a:cxnSpLocks/>
+            <a:stCxn id="77" idx="2"/>
+            <a:endCxn id="33" idx="6"/>
+          </p:cNvCxnSpPr>
+          <p:nvPr/>
+        </p:nvCxnSpPr>
+        <p:spPr>
+          <a:xfrm flipH="1">
+            <a:off x="10843097" y="3605376"/>
+            <a:ext cx="695140" cy="178798"/>
+          </a:xfrm>
+          <a:prstGeom prst="line">
+            <a:avLst/>
+          </a:prstGeom>
+          <a:ln>
+            <a:prstDash val="lgDash"/>
+          </a:ln>
+        </p:spPr>
+        <p:style>
+          <a:lnRef idx="1">
+            <a:schemeClr val="accent1"/>
+          </a:lnRef>
+          <a:fillRef idx="0">
+            <a:schemeClr val="accent1"/>
+          </a:fillRef>
+          <a:effectRef idx="0">
+            <a:schemeClr val="accent1"/>
+          </a:effectRef>
+          <a:fontRef idx="minor">
+            <a:schemeClr val="tx1"/>
+          </a:fontRef>
+        </p:style>
+      </p:cxnSp>
+      <p:sp>
+        <p:nvSpPr>
+          <p:cNvPr id="89" name="椭圆 88">
+            <a:extLst>
+              <a:ext uri="{FF2B5EF4-FFF2-40B4-BE49-F238E27FC236}">
+                <a16:creationId xmlns:a16="http://schemas.microsoft.com/office/drawing/2014/main" id="{D550309A-17A0-4BF6-AEAE-7797E3422644}"/>
+              </a:ext>
+            </a:extLst>
+          </p:cNvPr>
+          <p:cNvSpPr/>
+          <p:nvPr/>
+        </p:nvSpPr>
+        <p:spPr>
+          <a:xfrm>
+            <a:off x="10027049" y="2948856"/>
+            <a:ext cx="252000" cy="252000"/>
+          </a:xfrm>
+          <a:prstGeom prst="ellipse">
+            <a:avLst/>
+          </a:prstGeom>
+          <a:solidFill>
+            <a:schemeClr val="accent1">
+              <a:lumMod val="75000"/>
+            </a:schemeClr>
+          </a:solidFill>
+        </p:spPr>
+        <p:style>
+          <a:lnRef idx="2">
+            <a:schemeClr val="accent1">
+              <a:shade val="50000"/>
+            </a:schemeClr>
+          </a:lnRef>
+          <a:fillRef idx="1">
+            <a:schemeClr val="accent1"/>
+          </a:fillRef>
+          <a:effectRef idx="0">
+            <a:schemeClr val="accent1"/>
+          </a:effectRef>
+          <a:fontRef idx="minor">
+            <a:schemeClr val="lt1"/>
+          </a:fontRef>
+        </p:style>
+        <p:txBody>
+          <a:bodyPr rtlCol="0" anchor="ctr"/>
+          <a:lstStyle/>
+          <a:p>
+            <a:pPr algn="ctr"/>
+            <a:r>
+              <a:rPr lang="en-US" altLang="zh-CN" sz="1200" dirty="0"/>
+              <a:t>A</a:t>
+            </a:r>
+          </a:p>
+        </p:txBody>
+      </p:sp>
+      <p:sp>
+        <p:nvSpPr>
+          <p:cNvPr id="95" name="椭圆 94">
+            <a:extLst>
+              <a:ext uri="{FF2B5EF4-FFF2-40B4-BE49-F238E27FC236}">
+                <a16:creationId xmlns:a16="http://schemas.microsoft.com/office/drawing/2014/main" id="{274E4FBB-F7C3-4378-873C-D7FD4A1998B2}"/>
+              </a:ext>
+            </a:extLst>
+          </p:cNvPr>
+          <p:cNvSpPr/>
+          <p:nvPr/>
+        </p:nvSpPr>
+        <p:spPr>
+          <a:xfrm>
+            <a:off x="9330436" y="2122223"/>
+            <a:ext cx="252000" cy="252000"/>
+          </a:xfrm>
+          <a:prstGeom prst="ellipse">
+            <a:avLst/>
+          </a:prstGeom>
+          <a:solidFill>
+            <a:schemeClr val="accent1">
+              <a:lumMod val="75000"/>
+            </a:schemeClr>
+          </a:solidFill>
+        </p:spPr>
+        <p:style>
+          <a:lnRef idx="2">
+            <a:schemeClr val="accent1">
+              <a:shade val="50000"/>
+            </a:schemeClr>
+          </a:lnRef>
+          <a:fillRef idx="1">
+            <a:schemeClr val="accent1"/>
+          </a:fillRef>
+          <a:effectRef idx="0">
+            <a:schemeClr val="accent1"/>
+          </a:effectRef>
+          <a:fontRef idx="minor">
+            <a:schemeClr val="lt1"/>
+          </a:fontRef>
+        </p:style>
+        <p:txBody>
+          <a:bodyPr rtlCol="0" anchor="ctr"/>
+          <a:lstStyle/>
+          <a:p>
+            <a:pPr algn="ctr"/>
+            <a:r>
+              <a:rPr lang="en-US" altLang="zh-CN" sz="1200" dirty="0"/>
+              <a:t>C</a:t>
+            </a:r>
+          </a:p>
+        </p:txBody>
+      </p:sp>
+      <p:grpSp>
+        <p:nvGrpSpPr>
+          <p:cNvPr id="11" name="组合 10">
+            <a:extLst>
+              <a:ext uri="{FF2B5EF4-FFF2-40B4-BE49-F238E27FC236}">
+                <a16:creationId xmlns:a16="http://schemas.microsoft.com/office/drawing/2014/main" id="{899E2287-C35C-4DD7-B03C-9850C9779B25}"/>
+              </a:ext>
+            </a:extLst>
+          </p:cNvPr>
+          <p:cNvGrpSpPr/>
+          <p:nvPr/>
+        </p:nvGrpSpPr>
+        <p:grpSpPr>
+          <a:xfrm>
+            <a:off x="338000" y="2185161"/>
+            <a:ext cx="3346703" cy="2697735"/>
+            <a:chOff x="770816" y="2185161"/>
+            <a:chExt cx="3346703" cy="2697735"/>
+          </a:xfrm>
+        </p:grpSpPr>
+        <p:sp>
+          <p:nvSpPr>
+            <p:cNvPr id="19" name="椭圆 18">
+              <a:extLst>
+                <a:ext uri="{FF2B5EF4-FFF2-40B4-BE49-F238E27FC236}">
+                  <a16:creationId xmlns:a16="http://schemas.microsoft.com/office/drawing/2014/main" id="{0AB957CE-2747-45F9-9374-01F36FFF7723}"/>
+                </a:ext>
+              </a:extLst>
+            </p:cNvPr>
+            <p:cNvSpPr/>
+            <p:nvPr/>
+          </p:nvSpPr>
+          <p:spPr>
+            <a:xfrm>
+              <a:off x="2504105" y="4301491"/>
+              <a:ext cx="339060" cy="347222"/>
+            </a:xfrm>
+            <a:prstGeom prst="ellipse">
+              <a:avLst/>
+            </a:prstGeom>
+            <a:solidFill>
+              <a:schemeClr val="accent5">
+                <a:lumMod val="60000"/>
+                <a:lumOff val="40000"/>
+              </a:schemeClr>
+            </a:solidFill>
+          </p:spPr>
+          <p:style>
+            <a:lnRef idx="2">
+              <a:schemeClr val="dk1"/>
+            </a:lnRef>
+            <a:fillRef idx="1">
+              <a:schemeClr val="lt1"/>
+            </a:fillRef>
+            <a:effectRef idx="0">
+              <a:schemeClr val="dk1"/>
+            </a:effectRef>
+            <a:fontRef idx="minor">
+              <a:schemeClr val="dk1"/>
+            </a:fontRef>
+          </p:style>
+          <p:txBody>
+            <a:bodyPr rtlCol="0" anchor="ctr"/>
+            <a:lstStyle/>
+            <a:p>
+              <a:pPr algn="ctr"/>
+              <a:r>
+                <a:rPr lang="en-US" altLang="zh-CN" dirty="0"/>
+                <a:t>E</a:t>
+              </a:r>
+              <a:endParaRPr lang="zh-CN" altLang="en-US" dirty="0"/>
+            </a:p>
+          </p:txBody>
+        </p:sp>
+        <p:sp>
+          <p:nvSpPr>
+            <p:cNvPr id="20" name="椭圆 19">
+              <a:extLst>
+                <a:ext uri="{FF2B5EF4-FFF2-40B4-BE49-F238E27FC236}">
+                  <a16:creationId xmlns:a16="http://schemas.microsoft.com/office/drawing/2014/main" id="{4927590B-CF4C-4895-AC02-CB2E0EE25909}"/>
+                </a:ext>
+              </a:extLst>
+            </p:cNvPr>
+            <p:cNvSpPr/>
+            <p:nvPr/>
+          </p:nvSpPr>
+          <p:spPr>
+            <a:xfrm>
+              <a:off x="2574325" y="2556242"/>
+              <a:ext cx="339060" cy="347222"/>
+            </a:xfrm>
+            <a:prstGeom prst="ellipse">
+              <a:avLst/>
+            </a:prstGeom>
+            <a:solidFill>
+              <a:schemeClr val="accent4">
+                <a:lumMod val="75000"/>
+              </a:schemeClr>
+            </a:solidFill>
+          </p:spPr>
+          <p:style>
+            <a:lnRef idx="2">
+              <a:schemeClr val="dk1"/>
+            </a:lnRef>
+            <a:fillRef idx="1">
+              <a:schemeClr val="lt1"/>
+            </a:fillRef>
+            <a:effectRef idx="0">
+              <a:schemeClr val="dk1"/>
+            </a:effectRef>
+            <a:fontRef idx="minor">
+              <a:schemeClr val="dk1"/>
+            </a:fontRef>
+          </p:style>
+          <p:txBody>
+            <a:bodyPr rtlCol="0" anchor="ctr"/>
+            <a:lstStyle/>
+            <a:p>
+              <a:pPr algn="ctr"/>
+              <a:r>
+                <a:rPr lang="en-US" altLang="zh-CN" dirty="0"/>
+                <a:t>B</a:t>
+              </a:r>
+            </a:p>
+          </p:txBody>
+        </p:sp>
+        <p:sp>
+          <p:nvSpPr>
+            <p:cNvPr id="21" name="椭圆 20">
+              <a:extLst>
+                <a:ext uri="{FF2B5EF4-FFF2-40B4-BE49-F238E27FC236}">
+                  <a16:creationId xmlns:a16="http://schemas.microsoft.com/office/drawing/2014/main" id="{11DCC7F5-EE27-41F3-A28A-AE67AFA4C287}"/>
+                </a:ext>
+              </a:extLst>
+            </p:cNvPr>
+            <p:cNvSpPr/>
+            <p:nvPr/>
+          </p:nvSpPr>
+          <p:spPr>
+            <a:xfrm>
+              <a:off x="770816" y="4535674"/>
+              <a:ext cx="339060" cy="347222"/>
+            </a:xfrm>
+            <a:prstGeom prst="ellipse">
+              <a:avLst/>
+            </a:prstGeom>
+            <a:solidFill>
+              <a:schemeClr val="accent6">
+                <a:lumMod val="60000"/>
+                <a:lumOff val="40000"/>
+              </a:schemeClr>
+            </a:solidFill>
+          </p:spPr>
+          <p:style>
+            <a:lnRef idx="2">
+              <a:schemeClr val="dk1"/>
+            </a:lnRef>
+            <a:fillRef idx="1">
+              <a:schemeClr val="lt1"/>
+            </a:fillRef>
+            <a:effectRef idx="0">
+              <a:schemeClr val="dk1"/>
+            </a:effectRef>
+            <a:fontRef idx="minor">
+              <a:schemeClr val="dk1"/>
+            </a:fontRef>
+          </p:style>
+          <p:txBody>
+            <a:bodyPr rtlCol="0" anchor="ctr"/>
+            <a:lstStyle/>
+            <a:p>
+              <a:pPr algn="ctr"/>
+              <a:r>
+                <a:rPr lang="en-US" altLang="zh-CN" dirty="0"/>
+                <a:t>D</a:t>
+              </a:r>
+              <a:endParaRPr lang="zh-CN" altLang="en-US" dirty="0"/>
+            </a:p>
+          </p:txBody>
+        </p:sp>
+        <p:cxnSp>
+          <p:nvCxnSpPr>
+            <p:cNvPr id="22" name="直接连接符 21">
+              <a:extLst>
+                <a:ext uri="{FF2B5EF4-FFF2-40B4-BE49-F238E27FC236}">
+                  <a16:creationId xmlns:a16="http://schemas.microsoft.com/office/drawing/2014/main" id="{67F3FC76-B52E-45F3-BFE2-BC7CF23DC31A}"/>
+                </a:ext>
+              </a:extLst>
+            </p:cNvPr>
+            <p:cNvCxnSpPr>
+              <a:cxnSpLocks/>
+              <a:stCxn id="30" idx="5"/>
+              <a:endCxn id="29" idx="1"/>
+            </p:cNvCxnSpPr>
+            <p:nvPr/>
+          </p:nvCxnSpPr>
+          <p:spPr>
+            <a:xfrm>
+              <a:off x="1097321" y="2481532"/>
+              <a:ext cx="697526" cy="893466"/>
+            </a:xfrm>
+            <a:prstGeom prst="line">
+              <a:avLst/>
+            </a:prstGeom>
+            <a:ln>
+              <a:headEnd type="none" w="med" len="med"/>
+              <a:tailEnd type="none" w="med" len="med"/>
+            </a:ln>
+          </p:spPr>
+          <p:style>
+            <a:lnRef idx="2">
+              <a:schemeClr val="dk1"/>
+            </a:lnRef>
+            <a:fillRef idx="1">
+              <a:schemeClr val="lt1"/>
+            </a:fillRef>
+            <a:effectRef idx="0">
+              <a:schemeClr val="dk1"/>
+            </a:effectRef>
+            <a:fontRef idx="minor">
+              <a:schemeClr val="dk1"/>
+            </a:fontRef>
+          </p:style>
+        </p:cxnSp>
+        <p:cxnSp>
+          <p:nvCxnSpPr>
+            <p:cNvPr id="23" name="直接连接符 22">
+              <a:extLst>
+                <a:ext uri="{FF2B5EF4-FFF2-40B4-BE49-F238E27FC236}">
+                  <a16:creationId xmlns:a16="http://schemas.microsoft.com/office/drawing/2014/main" id="{425F2B33-F5AE-429D-AFE7-B5BD788BAB52}"/>
+                </a:ext>
+              </a:extLst>
+            </p:cNvPr>
+            <p:cNvCxnSpPr>
+              <a:cxnSpLocks/>
+              <a:stCxn id="19" idx="1"/>
+              <a:endCxn id="29" idx="5"/>
+            </p:cNvCxnSpPr>
+            <p:nvPr/>
+          </p:nvCxnSpPr>
+          <p:spPr>
+            <a:xfrm flipH="1" flipV="1">
+              <a:off x="2034597" y="3620520"/>
+              <a:ext cx="519163" cy="731822"/>
+            </a:xfrm>
+            <a:prstGeom prst="line">
+              <a:avLst/>
+            </a:prstGeom>
+            <a:ln>
+              <a:headEnd type="none" w="med" len="med"/>
+              <a:tailEnd type="none" w="med" len="med"/>
+            </a:ln>
+          </p:spPr>
+          <p:style>
+            <a:lnRef idx="2">
+              <a:schemeClr val="dk1"/>
+            </a:lnRef>
+            <a:fillRef idx="1">
+              <a:schemeClr val="lt1"/>
+            </a:fillRef>
+            <a:effectRef idx="0">
+              <a:schemeClr val="dk1"/>
+            </a:effectRef>
+            <a:fontRef idx="minor">
+              <a:schemeClr val="dk1"/>
+            </a:fontRef>
+          </p:style>
+        </p:cxnSp>
+        <p:cxnSp>
+          <p:nvCxnSpPr>
+            <p:cNvPr id="24" name="直接连接符 23">
+              <a:extLst>
+                <a:ext uri="{FF2B5EF4-FFF2-40B4-BE49-F238E27FC236}">
+                  <a16:creationId xmlns:a16="http://schemas.microsoft.com/office/drawing/2014/main" id="{C84ECC7B-10DA-4BBB-9FD5-B2F42E2CAB39}"/>
+                </a:ext>
+              </a:extLst>
+            </p:cNvPr>
+            <p:cNvCxnSpPr>
+              <a:cxnSpLocks/>
+              <a:stCxn id="20" idx="4"/>
+              <a:endCxn id="19" idx="0"/>
+            </p:cNvCxnSpPr>
+            <p:nvPr/>
+          </p:nvCxnSpPr>
+          <p:spPr>
+            <a:xfrm flipH="1">
+              <a:off x="2673635" y="2903463"/>
+              <a:ext cx="70220" cy="1398028"/>
+            </a:xfrm>
+            <a:prstGeom prst="line">
+              <a:avLst/>
+            </a:prstGeom>
+            <a:ln>
+              <a:headEnd type="none" w="med" len="med"/>
+              <a:tailEnd type="none" w="med" len="med"/>
+            </a:ln>
+          </p:spPr>
+          <p:style>
+            <a:lnRef idx="2">
+              <a:schemeClr val="dk1"/>
+            </a:lnRef>
+            <a:fillRef idx="1">
+              <a:schemeClr val="lt1"/>
+            </a:fillRef>
+            <a:effectRef idx="0">
+              <a:schemeClr val="dk1"/>
+            </a:effectRef>
+            <a:fontRef idx="minor">
+              <a:schemeClr val="dk1"/>
+            </a:fontRef>
+          </p:style>
+        </p:cxnSp>
+        <p:cxnSp>
+          <p:nvCxnSpPr>
+            <p:cNvPr id="25" name="直接连接符 24">
+              <a:extLst>
+                <a:ext uri="{FF2B5EF4-FFF2-40B4-BE49-F238E27FC236}">
+                  <a16:creationId xmlns:a16="http://schemas.microsoft.com/office/drawing/2014/main" id="{9DE2B8F8-8F33-444B-A9CF-D76AC9C7C33A}"/>
+                </a:ext>
+              </a:extLst>
+            </p:cNvPr>
+            <p:cNvCxnSpPr>
+              <a:cxnSpLocks/>
+              <a:stCxn id="21" idx="7"/>
+              <a:endCxn id="29" idx="3"/>
+            </p:cNvCxnSpPr>
+            <p:nvPr/>
+          </p:nvCxnSpPr>
+          <p:spPr>
+            <a:xfrm flipV="1">
+              <a:off x="1060221" y="3620520"/>
+              <a:ext cx="734626" cy="966005"/>
+            </a:xfrm>
+            <a:prstGeom prst="line">
+              <a:avLst/>
+            </a:prstGeom>
+            <a:ln>
+              <a:headEnd type="none" w="med" len="med"/>
+              <a:tailEnd type="none" w="med" len="med"/>
+            </a:ln>
+          </p:spPr>
+          <p:style>
+            <a:lnRef idx="2">
+              <a:schemeClr val="dk1"/>
+            </a:lnRef>
+            <a:fillRef idx="1">
+              <a:schemeClr val="lt1"/>
+            </a:fillRef>
+            <a:effectRef idx="0">
+              <a:schemeClr val="dk1"/>
+            </a:effectRef>
+            <a:fontRef idx="minor">
+              <a:schemeClr val="dk1"/>
+            </a:fontRef>
+          </p:style>
+        </p:cxnSp>
+        <p:cxnSp>
+          <p:nvCxnSpPr>
+            <p:cNvPr id="26" name="直接连接符 25">
+              <a:extLst>
+                <a:ext uri="{FF2B5EF4-FFF2-40B4-BE49-F238E27FC236}">
+                  <a16:creationId xmlns:a16="http://schemas.microsoft.com/office/drawing/2014/main" id="{36975795-F934-4E88-93D1-4B5A3AE05483}"/>
+                </a:ext>
+              </a:extLst>
+            </p:cNvPr>
+            <p:cNvCxnSpPr>
+              <a:cxnSpLocks/>
+              <a:stCxn id="20" idx="3"/>
+              <a:endCxn id="29" idx="7"/>
+            </p:cNvCxnSpPr>
+            <p:nvPr/>
+          </p:nvCxnSpPr>
+          <p:spPr>
+            <a:xfrm flipH="1">
+              <a:off x="2034597" y="2852613"/>
+              <a:ext cx="589383" cy="522385"/>
+            </a:xfrm>
+            <a:prstGeom prst="line">
+              <a:avLst/>
+            </a:prstGeom>
+            <a:ln>
+              <a:headEnd type="none" w="med" len="med"/>
+              <a:tailEnd type="none" w="med" len="med"/>
+            </a:ln>
+          </p:spPr>
+          <p:style>
+            <a:lnRef idx="2">
+              <a:schemeClr val="dk1"/>
+            </a:lnRef>
+            <a:fillRef idx="1">
+              <a:schemeClr val="lt1"/>
+            </a:fillRef>
+            <a:effectRef idx="0">
+              <a:schemeClr val="dk1"/>
+            </a:effectRef>
+            <a:fontRef idx="minor">
+              <a:schemeClr val="dk1"/>
+            </a:fontRef>
+          </p:style>
+        </p:cxnSp>
+        <p:sp>
+          <p:nvSpPr>
+            <p:cNvPr id="27" name="椭圆 26">
+              <a:extLst>
+                <a:ext uri="{FF2B5EF4-FFF2-40B4-BE49-F238E27FC236}">
+                  <a16:creationId xmlns:a16="http://schemas.microsoft.com/office/drawing/2014/main" id="{F310ED37-506B-4093-B31B-C2664D4176E8}"/>
+                </a:ext>
+              </a:extLst>
+            </p:cNvPr>
+            <p:cNvSpPr/>
+            <p:nvPr/>
+          </p:nvSpPr>
+          <p:spPr>
+            <a:xfrm>
+              <a:off x="3778459" y="4055132"/>
+              <a:ext cx="339060" cy="347222"/>
+            </a:xfrm>
+            <a:prstGeom prst="ellipse">
+              <a:avLst/>
+            </a:prstGeom>
+            <a:solidFill>
+              <a:schemeClr val="accent2">
+                <a:lumMod val="75000"/>
+              </a:schemeClr>
+            </a:solidFill>
+          </p:spPr>
+          <p:style>
+            <a:lnRef idx="2">
+              <a:schemeClr val="dk1"/>
+            </a:lnRef>
+            <a:fillRef idx="1">
+              <a:schemeClr val="lt1"/>
+            </a:fillRef>
+            <a:effectRef idx="0">
+              <a:schemeClr val="dk1"/>
+            </a:effectRef>
+            <a:fontRef idx="minor">
+              <a:schemeClr val="dk1"/>
+            </a:fontRef>
+          </p:style>
+          <p:txBody>
+            <a:bodyPr rtlCol="0" anchor="ctr"/>
+            <a:lstStyle/>
+            <a:p>
+              <a:pPr algn="ctr"/>
+              <a:r>
+                <a:rPr lang="en-US" altLang="zh-CN" dirty="0"/>
+                <a:t>F</a:t>
+              </a:r>
+              <a:endParaRPr lang="zh-CN" altLang="en-US" dirty="0"/>
+            </a:p>
+          </p:txBody>
+        </p:sp>
+        <p:cxnSp>
+          <p:nvCxnSpPr>
+            <p:cNvPr id="28" name="直接连接符 27">
+              <a:extLst>
+                <a:ext uri="{FF2B5EF4-FFF2-40B4-BE49-F238E27FC236}">
+                  <a16:creationId xmlns:a16="http://schemas.microsoft.com/office/drawing/2014/main" id="{F5404628-389C-40AE-9145-9EB7028EE7AD}"/>
+                </a:ext>
+              </a:extLst>
+            </p:cNvPr>
+            <p:cNvCxnSpPr>
+              <a:cxnSpLocks/>
+              <a:stCxn id="27" idx="2"/>
+              <a:endCxn id="19" idx="6"/>
+            </p:cNvCxnSpPr>
+            <p:nvPr/>
+          </p:nvCxnSpPr>
+          <p:spPr>
+            <a:xfrm flipH="1">
+              <a:off x="2843165" y="4228743"/>
+              <a:ext cx="935294" cy="246359"/>
+            </a:xfrm>
+            <a:prstGeom prst="line">
+              <a:avLst/>
+            </a:prstGeom>
+            <a:ln>
+              <a:headEnd type="none" w="med" len="med"/>
+              <a:tailEnd type="none" w="med" len="med"/>
+            </a:ln>
+          </p:spPr>
+          <p:style>
+            <a:lnRef idx="2">
+              <a:schemeClr val="dk1"/>
+            </a:lnRef>
+            <a:fillRef idx="1">
+              <a:schemeClr val="lt1"/>
+            </a:fillRef>
+            <a:effectRef idx="0">
+              <a:schemeClr val="dk1"/>
+            </a:effectRef>
+            <a:fontRef idx="minor">
+              <a:schemeClr val="dk1"/>
+            </a:fontRef>
+          </p:style>
+        </p:cxnSp>
+        <p:sp>
+          <p:nvSpPr>
+            <p:cNvPr id="29" name="椭圆 28">
+              <a:extLst>
+                <a:ext uri="{FF2B5EF4-FFF2-40B4-BE49-F238E27FC236}">
+                  <a16:creationId xmlns:a16="http://schemas.microsoft.com/office/drawing/2014/main" id="{FCCE271A-D689-4B2D-8A83-16307B289BED}"/>
+                </a:ext>
+              </a:extLst>
+            </p:cNvPr>
+            <p:cNvSpPr/>
+            <p:nvPr/>
+          </p:nvSpPr>
+          <p:spPr>
+            <a:xfrm>
+              <a:off x="1745192" y="3324148"/>
+              <a:ext cx="339060" cy="347222"/>
+            </a:xfrm>
+            <a:prstGeom prst="ellipse">
+              <a:avLst/>
+            </a:prstGeom>
+            <a:solidFill>
+              <a:schemeClr val="tx2">
+                <a:lumMod val="60000"/>
+                <a:lumOff val="40000"/>
+              </a:schemeClr>
+            </a:solidFill>
+          </p:spPr>
+          <p:style>
+            <a:lnRef idx="2">
+              <a:schemeClr val="dk1"/>
+            </a:lnRef>
+            <a:fillRef idx="1">
+              <a:schemeClr val="lt1"/>
+            </a:fillRef>
+            <a:effectRef idx="0">
+              <a:schemeClr val="dk1"/>
+            </a:effectRef>
+            <a:fontRef idx="minor">
+              <a:schemeClr val="dk1"/>
+            </a:fontRef>
+          </p:style>
+          <p:txBody>
+            <a:bodyPr rtlCol="0" anchor="ctr"/>
+            <a:lstStyle/>
+            <a:p>
+              <a:pPr algn="ctr"/>
+              <a:r>
+                <a:rPr lang="en-US" altLang="zh-CN" dirty="0"/>
+                <a:t>A</a:t>
+              </a:r>
+            </a:p>
+          </p:txBody>
+        </p:sp>
+        <p:sp>
+          <p:nvSpPr>
+            <p:cNvPr id="30" name="椭圆 29">
+              <a:extLst>
+                <a:ext uri="{FF2B5EF4-FFF2-40B4-BE49-F238E27FC236}">
+                  <a16:creationId xmlns:a16="http://schemas.microsoft.com/office/drawing/2014/main" id="{8E2F8884-3697-45C1-A067-1F54900601B2}"/>
+                </a:ext>
+              </a:extLst>
+            </p:cNvPr>
+            <p:cNvSpPr/>
+            <p:nvPr/>
+          </p:nvSpPr>
+          <p:spPr>
+            <a:xfrm>
+              <a:off x="807916" y="2185161"/>
+              <a:ext cx="339060" cy="347222"/>
+            </a:xfrm>
+            <a:prstGeom prst="ellipse">
+              <a:avLst/>
+            </a:prstGeom>
+            <a:solidFill>
+              <a:schemeClr val="accent2">
+                <a:lumMod val="60000"/>
+                <a:lumOff val="40000"/>
+              </a:schemeClr>
+            </a:solidFill>
+          </p:spPr>
+          <p:style>
+            <a:lnRef idx="2">
+              <a:schemeClr val="dk1"/>
+            </a:lnRef>
+            <a:fillRef idx="1">
+              <a:schemeClr val="lt1"/>
+            </a:fillRef>
+            <a:effectRef idx="0">
+              <a:schemeClr val="dk1"/>
+            </a:effectRef>
+            <a:fontRef idx="minor">
+              <a:schemeClr val="dk1"/>
+            </a:fontRef>
+          </p:style>
+          <p:txBody>
+            <a:bodyPr rtlCol="0" anchor="ctr"/>
+            <a:lstStyle/>
+            <a:p>
+              <a:pPr algn="ctr"/>
+              <a:r>
+                <a:rPr lang="en-US" altLang="zh-CN" dirty="0"/>
+                <a:t>C</a:t>
+              </a:r>
+            </a:p>
+          </p:txBody>
+        </p:sp>
+      </p:grpSp>
+      <p:graphicFrame>
+        <p:nvGraphicFramePr>
+          <p:cNvPr id="3" name="表格 2">
+            <a:extLst>
+              <a:ext uri="{FF2B5EF4-FFF2-40B4-BE49-F238E27FC236}">
+                <a16:creationId xmlns:a16="http://schemas.microsoft.com/office/drawing/2014/main" id="{12DACD28-C74E-47C8-92B3-760CFC85DD59}"/>
+              </a:ext>
+            </a:extLst>
+          </p:cNvPr>
+          <p:cNvGraphicFramePr>
+            <a:graphicFrameLocks noGrp="1"/>
+          </p:cNvGraphicFramePr>
+          <p:nvPr>
+            <p:extLst>
+              <p:ext uri="{D42A27DB-BD31-4B8C-83A1-F6EECF244321}">
+                <p14:modId xmlns:p14="http://schemas.microsoft.com/office/powerpoint/2010/main" val="1226574205"/>
+              </p:ext>
+            </p:extLst>
+          </p:nvPr>
+        </p:nvGraphicFramePr>
+        <p:xfrm>
+          <a:off x="5004543" y="2337318"/>
+          <a:ext cx="2227848" cy="2456688"/>
+        </p:xfrm>
+        <a:graphic>
+          <a:graphicData uri="http://schemas.openxmlformats.org/drawingml/2006/table">
+            <a:tbl>
+              <a:tblPr firstRow="1" bandRow="1">
+                <a:tableStyleId>{5C22544A-7EE6-4342-B048-85BDC9FD1C3A}</a:tableStyleId>
+              </a:tblPr>
+              <a:tblGrid>
+                <a:gridCol w="2227848">
+                  <a:extLst>
+                    <a:ext uri="{9D8B030D-6E8A-4147-A177-3AD203B41FA5}">
+                      <a16:colId xmlns:a16="http://schemas.microsoft.com/office/drawing/2014/main" val="2723863296"/>
+                    </a:ext>
+                  </a:extLst>
+                </a:gridCol>
+              </a:tblGrid>
+              <a:tr h="409448">
+                <a:tc>
+                  <a:txBody>
+                    <a:bodyPr/>
+                    <a:lstStyle/>
+                    <a:p>
+                      <a:pPr algn="l"/>
+                      <a:r>
+                        <a:rPr lang="en-US" altLang="zh-CN" sz="2000" b="0" dirty="0">
+                          <a:solidFill>
+                            <a:schemeClr val="tx1"/>
+                          </a:solidFill>
+                        </a:rPr>
+                        <a:t>[0.1,0.6,0.8,...,-0.7]</a:t>
+                      </a:r>
+                      <a:endParaRPr lang="zh-CN" altLang="en-US" sz="2000" b="0" dirty="0">
+                        <a:solidFill>
+                          <a:schemeClr val="tx1"/>
+                        </a:solidFill>
+                      </a:endParaRPr>
+                    </a:p>
+                  </a:txBody>
+                  <a:tcPr marL="100960" marR="100960" marT="50480" marB="50480">
+                    <a:lnL w="12700" cap="flat" cmpd="sng" algn="ctr">
+                      <a:noFill/>
+                      <a:prstDash val="solid"/>
+                      <a:round/>
+                      <a:headEnd type="none" w="med" len="med"/>
+                      <a:tailEnd type="none" w="med" len="med"/>
+                    </a:lnL>
+                    <a:lnR w="12700" cap="flat" cmpd="sng" algn="ctr">
+                      <a:noFill/>
+                      <a:prstDash val="solid"/>
+                      <a:round/>
+                      <a:headEnd type="none" w="med" len="med"/>
+                      <a:tailEnd type="none" w="med" len="med"/>
+                    </a:lnR>
+                    <a:lnT w="12700" cap="flat" cmpd="sng" algn="ctr">
+                      <a:noFill/>
+                      <a:prstDash val="solid"/>
+                      <a:round/>
+                      <a:headEnd type="none" w="med" len="med"/>
+                      <a:tailEnd type="none" w="med" len="med"/>
+                    </a:lnT>
+                    <a:lnB w="12700" cap="flat" cmpd="sng" algn="ctr">
+                      <a:noFill/>
+                      <a:prstDash val="solid"/>
+                      <a:round/>
+                      <a:headEnd type="none" w="med" len="med"/>
+                      <a:tailEnd type="none" w="med" len="med"/>
+                    </a:lnB>
+                    <a:lnTlToBr w="12700" cmpd="sng">
+                      <a:noFill/>
+                      <a:prstDash val="solid"/>
+                    </a:lnTlToBr>
+                    <a:lnBlToTr w="12700" cmpd="sng">
+                      <a:noFill/>
+                      <a:prstDash val="solid"/>
+                    </a:lnBlToTr>
+                    <a:noFill/>
+                  </a:tcPr>
+                </a:tc>
+                <a:extLst>
+                  <a:ext uri="{0D108BD9-81ED-4DB2-BD59-A6C34878D82A}">
+                    <a16:rowId xmlns:a16="http://schemas.microsoft.com/office/drawing/2014/main" val="2966459816"/>
+                  </a:ext>
+                </a:extLst>
+              </a:tr>
+              <a:tr h="409448">
+                <a:tc>
+                  <a:txBody>
+                    <a:bodyPr/>
+                    <a:lstStyle/>
+                    <a:p>
+                      <a:pPr algn="l"/>
+                      <a:r>
+                        <a:rPr lang="en-US" altLang="zh-CN" sz="2000" b="0" dirty="0">
+                          <a:solidFill>
+                            <a:schemeClr val="tx1"/>
+                          </a:solidFill>
+                        </a:rPr>
+                        <a:t>[-0.3,0.2,0.0,...,0.7]</a:t>
+                      </a:r>
+                      <a:endParaRPr lang="zh-CN" altLang="en-US" sz="2000" b="0" dirty="0">
+                        <a:solidFill>
+                          <a:schemeClr val="tx1"/>
+                        </a:solidFill>
+                      </a:endParaRPr>
+                    </a:p>
+                  </a:txBody>
+                  <a:tcPr marL="100960" marR="100960" marT="50480" marB="50480">
+                    <a:lnL w="12700" cap="flat" cmpd="sng" algn="ctr">
+                      <a:noFill/>
+                      <a:prstDash val="solid"/>
+                      <a:round/>
+                      <a:headEnd type="none" w="med" len="med"/>
+                      <a:tailEnd type="none" w="med" len="med"/>
+                    </a:lnL>
+                    <a:lnR w="12700" cap="flat" cmpd="sng" algn="ctr">
+                      <a:noFill/>
+                      <a:prstDash val="solid"/>
+                      <a:round/>
+                      <a:headEnd type="none" w="med" len="med"/>
+                      <a:tailEnd type="none" w="med" len="med"/>
+                    </a:lnR>
+                    <a:lnT w="12700" cap="flat" cmpd="sng" algn="ctr">
+                      <a:noFill/>
+                      <a:prstDash val="solid"/>
+                      <a:round/>
+                      <a:headEnd type="none" w="med" len="med"/>
+                      <a:tailEnd type="none" w="med" len="med"/>
+                    </a:lnT>
+                    <a:lnB w="12700" cap="flat" cmpd="sng" algn="ctr">
+                      <a:noFill/>
+                      <a:prstDash val="solid"/>
+                      <a:round/>
+                      <a:headEnd type="none" w="med" len="med"/>
+                      <a:tailEnd type="none" w="med" len="med"/>
+                    </a:lnB>
+                    <a:lnTlToBr w="12700" cmpd="sng">
+                      <a:noFill/>
+                      <a:prstDash val="solid"/>
+                    </a:lnTlToBr>
+                    <a:lnBlToTr w="12700" cmpd="sng">
+                      <a:noFill/>
+                      <a:prstDash val="solid"/>
+                    </a:lnBlToTr>
+                    <a:noFill/>
+                  </a:tcPr>
+                </a:tc>
+                <a:extLst>
+                  <a:ext uri="{0D108BD9-81ED-4DB2-BD59-A6C34878D82A}">
+                    <a16:rowId xmlns:a16="http://schemas.microsoft.com/office/drawing/2014/main" val="1407965993"/>
+                  </a:ext>
+                </a:extLst>
+              </a:tr>
+              <a:tr h="409448">
+                <a:tc>
+                  <a:txBody>
+                    <a:bodyPr/>
+                    <a:lstStyle/>
+                    <a:p>
+                      <a:pPr marL="0" marR="0" lvl="0" indent="0" algn="l" defTabSz="914400" rtl="0" eaLnBrk="1" fontAlgn="auto" latinLnBrk="0" hangingPunct="1">
+                        <a:lnSpc>
+                          <a:spcPct val="100000"/>
+                        </a:lnSpc>
+                        <a:spcBef>
+                          <a:spcPts val="0"/>
+                        </a:spcBef>
+                        <a:spcAft>
+                          <a:spcPts val="0"/>
+                        </a:spcAft>
+                        <a:buClrTx/>
+                        <a:buSzTx/>
+                        <a:buFontTx/>
+                        <a:buNone/>
+                        <a:tabLst/>
+                        <a:defRPr/>
+                      </a:pPr>
+                      <a:r>
+                        <a:rPr lang="en-US" altLang="zh-CN" sz="2000" b="0" dirty="0">
+                          <a:solidFill>
+                            <a:schemeClr val="tx1"/>
+                          </a:solidFill>
+                        </a:rPr>
+                        <a:t>[0.4,1.1,0.1,...,-1.3]</a:t>
+                      </a:r>
+                      <a:endParaRPr lang="zh-CN" altLang="en-US" sz="2000" b="0" dirty="0">
+                        <a:solidFill>
+                          <a:schemeClr val="tx1"/>
+                        </a:solidFill>
+                      </a:endParaRPr>
+                    </a:p>
+                  </a:txBody>
+                  <a:tcPr marL="100960" marR="100960" marT="50480" marB="50480">
+                    <a:lnL w="12700" cap="flat" cmpd="sng" algn="ctr">
+                      <a:noFill/>
+                      <a:prstDash val="solid"/>
+                      <a:round/>
+                      <a:headEnd type="none" w="med" len="med"/>
+                      <a:tailEnd type="none" w="med" len="med"/>
+                    </a:lnL>
+                    <a:lnR w="12700" cap="flat" cmpd="sng" algn="ctr">
+                      <a:noFill/>
+                      <a:prstDash val="solid"/>
+                      <a:round/>
+                      <a:headEnd type="none" w="med" len="med"/>
+                      <a:tailEnd type="none" w="med" len="med"/>
+                    </a:lnR>
+                    <a:lnT w="12700" cap="flat" cmpd="sng" algn="ctr">
+                      <a:noFill/>
+                      <a:prstDash val="solid"/>
+                      <a:round/>
+                      <a:headEnd type="none" w="med" len="med"/>
+                      <a:tailEnd type="none" w="med" len="med"/>
+                    </a:lnT>
+                    <a:lnB w="12700" cap="flat" cmpd="sng" algn="ctr">
+                      <a:noFill/>
+                      <a:prstDash val="solid"/>
+                      <a:round/>
+                      <a:headEnd type="none" w="med" len="med"/>
+                      <a:tailEnd type="none" w="med" len="med"/>
+                    </a:lnB>
+                    <a:lnTlToBr w="12700" cmpd="sng">
+                      <a:noFill/>
+                      <a:prstDash val="solid"/>
+                    </a:lnTlToBr>
+                    <a:lnBlToTr w="12700" cmpd="sng">
+                      <a:noFill/>
+                      <a:prstDash val="solid"/>
+                    </a:lnBlToTr>
+                    <a:noFill/>
+                  </a:tcPr>
+                </a:tc>
+                <a:extLst>
+                  <a:ext uri="{0D108BD9-81ED-4DB2-BD59-A6C34878D82A}">
+                    <a16:rowId xmlns:a16="http://schemas.microsoft.com/office/drawing/2014/main" val="3698482615"/>
+                  </a:ext>
+                </a:extLst>
+              </a:tr>
+              <a:tr h="409448">
+                <a:tc>
+                  <a:txBody>
+                    <a:bodyPr/>
+                    <a:lstStyle/>
+                    <a:p>
+                      <a:pPr marL="0" marR="0" lvl="0" indent="0" algn="l" defTabSz="914400" rtl="0" eaLnBrk="1" fontAlgn="auto" latinLnBrk="0" hangingPunct="1">
+                        <a:lnSpc>
+                          <a:spcPct val="100000"/>
+                        </a:lnSpc>
+                        <a:spcBef>
+                          <a:spcPts val="0"/>
+                        </a:spcBef>
+                        <a:spcAft>
+                          <a:spcPts val="0"/>
+                        </a:spcAft>
+                        <a:buClrTx/>
+                        <a:buSzTx/>
+                        <a:buFontTx/>
+                        <a:buNone/>
+                        <a:tabLst/>
+                        <a:defRPr/>
+                      </a:pPr>
+                      <a:r>
+                        <a:rPr lang="en-US" altLang="zh-CN" sz="2000" b="0" dirty="0">
+                          <a:solidFill>
+                            <a:schemeClr val="tx1"/>
+                          </a:solidFill>
+                        </a:rPr>
+                        <a:t>[0.1,0.3,0.9,...,-0.2]</a:t>
+                      </a:r>
+                      <a:endParaRPr lang="zh-CN" altLang="en-US" sz="2000" b="0" dirty="0">
+                        <a:solidFill>
+                          <a:schemeClr val="tx1"/>
+                        </a:solidFill>
+                      </a:endParaRPr>
+                    </a:p>
+                  </a:txBody>
+                  <a:tcPr marL="100960" marR="100960" marT="50480" marB="50480">
+                    <a:lnL w="12700" cap="flat" cmpd="sng" algn="ctr">
+                      <a:noFill/>
+                      <a:prstDash val="solid"/>
+                      <a:round/>
+                      <a:headEnd type="none" w="med" len="med"/>
+                      <a:tailEnd type="none" w="med" len="med"/>
+                    </a:lnL>
+                    <a:lnR w="12700" cap="flat" cmpd="sng" algn="ctr">
+                      <a:noFill/>
+                      <a:prstDash val="solid"/>
+                      <a:round/>
+                      <a:headEnd type="none" w="med" len="med"/>
+                      <a:tailEnd type="none" w="med" len="med"/>
+                    </a:lnR>
+                    <a:lnT w="12700" cap="flat" cmpd="sng" algn="ctr">
+                      <a:noFill/>
+                      <a:prstDash val="solid"/>
+                      <a:round/>
+                      <a:headEnd type="none" w="med" len="med"/>
+                      <a:tailEnd type="none" w="med" len="med"/>
+                    </a:lnT>
+                    <a:lnB w="12700" cap="flat" cmpd="sng" algn="ctr">
+                      <a:noFill/>
+                      <a:prstDash val="solid"/>
+                      <a:round/>
+                      <a:headEnd type="none" w="med" len="med"/>
+                      <a:tailEnd type="none" w="med" len="med"/>
+                    </a:lnB>
+                    <a:lnTlToBr w="12700" cmpd="sng">
+                      <a:noFill/>
+                      <a:prstDash val="solid"/>
+                    </a:lnTlToBr>
+                    <a:lnBlToTr w="12700" cmpd="sng">
+                      <a:noFill/>
+                      <a:prstDash val="solid"/>
+                    </a:lnBlToTr>
+                    <a:noFill/>
+                  </a:tcPr>
+                </a:tc>
+                <a:extLst>
+                  <a:ext uri="{0D108BD9-81ED-4DB2-BD59-A6C34878D82A}">
+                    <a16:rowId xmlns:a16="http://schemas.microsoft.com/office/drawing/2014/main" val="3854976854"/>
+                  </a:ext>
+                </a:extLst>
+              </a:tr>
+              <a:tr h="409448">
+                <a:tc>
+                  <a:txBody>
+                    <a:bodyPr/>
+                    <a:lstStyle/>
+                    <a:p>
+                      <a:pPr marL="0" marR="0" lvl="0" indent="0" algn="l" defTabSz="914400" rtl="0" eaLnBrk="1" fontAlgn="auto" latinLnBrk="0" hangingPunct="1">
+                        <a:lnSpc>
+                          <a:spcPct val="100000"/>
+                        </a:lnSpc>
+                        <a:spcBef>
+                          <a:spcPts val="0"/>
+                        </a:spcBef>
+                        <a:spcAft>
+                          <a:spcPts val="0"/>
+                        </a:spcAft>
+                        <a:buClrTx/>
+                        <a:buSzTx/>
+                        <a:buFontTx/>
+                        <a:buNone/>
+                        <a:tabLst/>
+                        <a:defRPr/>
+                      </a:pPr>
+                      <a:r>
+                        <a:rPr lang="en-US" altLang="zh-CN" sz="2000" b="0" dirty="0">
+                          <a:solidFill>
+                            <a:schemeClr val="tx1"/>
+                          </a:solidFill>
+                        </a:rPr>
+                        <a:t>[0.7,-2.2,1.8,...,0.3]</a:t>
+                      </a:r>
+                      <a:endParaRPr lang="zh-CN" altLang="en-US" sz="2000" b="0" dirty="0">
+                        <a:solidFill>
+                          <a:schemeClr val="tx1"/>
+                        </a:solidFill>
+                      </a:endParaRPr>
+                    </a:p>
+                  </a:txBody>
+                  <a:tcPr marL="100960" marR="100960" marT="50480" marB="50480">
+                    <a:lnL w="12700" cap="flat" cmpd="sng" algn="ctr">
+                      <a:noFill/>
+                      <a:prstDash val="solid"/>
+                      <a:round/>
+                      <a:headEnd type="none" w="med" len="med"/>
+                      <a:tailEnd type="none" w="med" len="med"/>
+                    </a:lnL>
+                    <a:lnR w="12700" cap="flat" cmpd="sng" algn="ctr">
+                      <a:noFill/>
+                      <a:prstDash val="solid"/>
+                      <a:round/>
+                      <a:headEnd type="none" w="med" len="med"/>
+                      <a:tailEnd type="none" w="med" len="med"/>
+                    </a:lnR>
+                    <a:lnT w="12700" cap="flat" cmpd="sng" algn="ctr">
+                      <a:noFill/>
+                      <a:prstDash val="solid"/>
+                      <a:round/>
+                      <a:headEnd type="none" w="med" len="med"/>
+                      <a:tailEnd type="none" w="med" len="med"/>
+                    </a:lnT>
+                    <a:lnB w="12700" cap="flat" cmpd="sng" algn="ctr">
+                      <a:noFill/>
+                      <a:prstDash val="solid"/>
+                      <a:round/>
+                      <a:headEnd type="none" w="med" len="med"/>
+                      <a:tailEnd type="none" w="med" len="med"/>
+                    </a:lnB>
+                    <a:lnTlToBr w="12700" cmpd="sng">
+                      <a:noFill/>
+                      <a:prstDash val="solid"/>
+                    </a:lnTlToBr>
+                    <a:lnBlToTr w="12700" cmpd="sng">
+                      <a:noFill/>
+                      <a:prstDash val="solid"/>
+                    </a:lnBlToTr>
+                    <a:noFill/>
+                  </a:tcPr>
+                </a:tc>
+                <a:extLst>
+                  <a:ext uri="{0D108BD9-81ED-4DB2-BD59-A6C34878D82A}">
+                    <a16:rowId xmlns:a16="http://schemas.microsoft.com/office/drawing/2014/main" val="4105775594"/>
+                  </a:ext>
+                </a:extLst>
+              </a:tr>
+              <a:tr h="409448">
+                <a:tc>
+                  <a:txBody>
+                    <a:bodyPr/>
+                    <a:lstStyle/>
+                    <a:p>
+                      <a:pPr marL="0" marR="0" lvl="0" indent="0" algn="l" defTabSz="914400" rtl="0" eaLnBrk="1" fontAlgn="auto" latinLnBrk="0" hangingPunct="1">
+                        <a:lnSpc>
+                          <a:spcPct val="100000"/>
+                        </a:lnSpc>
+                        <a:spcBef>
+                          <a:spcPts val="0"/>
+                        </a:spcBef>
+                        <a:spcAft>
+                          <a:spcPts val="0"/>
+                        </a:spcAft>
+                        <a:buClrTx/>
+                        <a:buSzTx/>
+                        <a:buFontTx/>
+                        <a:buNone/>
+                        <a:tabLst/>
+                        <a:defRPr/>
+                      </a:pPr>
+                      <a:r>
+                        <a:rPr lang="en-US" altLang="zh-CN" sz="2000" b="0" dirty="0">
+                          <a:solidFill>
+                            <a:schemeClr val="tx1"/>
+                          </a:solidFill>
+                        </a:rPr>
+                        <a:t>[0.4,0.4,-0.3,...,1.7]</a:t>
+                      </a:r>
+                      <a:endParaRPr lang="zh-CN" altLang="en-US" sz="2000" b="0" dirty="0">
+                        <a:solidFill>
+                          <a:schemeClr val="tx1"/>
+                        </a:solidFill>
+                      </a:endParaRPr>
+                    </a:p>
+                  </a:txBody>
+                  <a:tcPr marL="100960" marR="100960" marT="50480" marB="50480">
+                    <a:lnL w="12700" cap="flat" cmpd="sng" algn="ctr">
+                      <a:noFill/>
+                      <a:prstDash val="solid"/>
+                      <a:round/>
+                      <a:headEnd type="none" w="med" len="med"/>
+                      <a:tailEnd type="none" w="med" len="med"/>
+                    </a:lnL>
+                    <a:lnR w="12700" cap="flat" cmpd="sng" algn="ctr">
+                      <a:noFill/>
+                      <a:prstDash val="solid"/>
+                      <a:round/>
+                      <a:headEnd type="none" w="med" len="med"/>
+                      <a:tailEnd type="none" w="med" len="med"/>
+                    </a:lnR>
+                    <a:lnT w="12700" cap="flat" cmpd="sng" algn="ctr">
+                      <a:noFill/>
+                      <a:prstDash val="solid"/>
+                      <a:round/>
+                      <a:headEnd type="none" w="med" len="med"/>
+                      <a:tailEnd type="none" w="med" len="med"/>
+                    </a:lnT>
+                    <a:lnB w="12700" cap="flat" cmpd="sng" algn="ctr">
+                      <a:noFill/>
+                      <a:prstDash val="solid"/>
+                      <a:round/>
+                      <a:headEnd type="none" w="med" len="med"/>
+                      <a:tailEnd type="none" w="med" len="med"/>
+                    </a:lnB>
+                    <a:lnTlToBr w="12700" cmpd="sng">
+                      <a:noFill/>
+                      <a:prstDash val="solid"/>
+                    </a:lnTlToBr>
+                    <a:lnBlToTr w="12700" cmpd="sng">
+                      <a:noFill/>
+                      <a:prstDash val="solid"/>
+                    </a:lnBlToTr>
+                    <a:noFill/>
+                  </a:tcPr>
+                </a:tc>
+                <a:extLst>
+                  <a:ext uri="{0D108BD9-81ED-4DB2-BD59-A6C34878D82A}">
+                    <a16:rowId xmlns:a16="http://schemas.microsoft.com/office/drawing/2014/main" val="1758028009"/>
+                  </a:ext>
+                </a:extLst>
+              </a:tr>
+            </a:tbl>
+          </a:graphicData>
+        </a:graphic>
+      </p:graphicFrame>
+      <p:grpSp>
+        <p:nvGrpSpPr>
+          <p:cNvPr id="13" name="组合 12">
+            <a:extLst>
+              <a:ext uri="{FF2B5EF4-FFF2-40B4-BE49-F238E27FC236}">
+                <a16:creationId xmlns:a16="http://schemas.microsoft.com/office/drawing/2014/main" id="{F7EDBBE3-7A77-4CA0-A4BC-C16262BA151B}"/>
+              </a:ext>
+            </a:extLst>
+          </p:cNvPr>
+          <p:cNvGrpSpPr/>
+          <p:nvPr/>
+        </p:nvGrpSpPr>
+        <p:grpSpPr>
+          <a:xfrm>
+            <a:off x="3925229" y="2457270"/>
+            <a:ext cx="1079314" cy="204269"/>
+            <a:chOff x="3925229" y="2457270"/>
+            <a:chExt cx="1079314" cy="204269"/>
+          </a:xfrm>
+        </p:grpSpPr>
+        <p:grpSp>
+          <p:nvGrpSpPr>
+            <p:cNvPr id="12" name="组合 11">
+              <a:extLst>
+                <a:ext uri="{FF2B5EF4-FFF2-40B4-BE49-F238E27FC236}">
+                  <a16:creationId xmlns:a16="http://schemas.microsoft.com/office/drawing/2014/main" id="{1DD649B5-83A9-4AA5-8E28-D1F228C8C71E}"/>
+                </a:ext>
+              </a:extLst>
+            </p:cNvPr>
+            <p:cNvGrpSpPr/>
+            <p:nvPr/>
+          </p:nvGrpSpPr>
+          <p:grpSpPr>
+            <a:xfrm>
+              <a:off x="3925229" y="2463595"/>
+              <a:ext cx="499981" cy="197944"/>
+              <a:chOff x="4065928" y="2385341"/>
+              <a:chExt cx="887372" cy="351313"/>
+            </a:xfrm>
+          </p:grpSpPr>
+          <p:sp>
+            <p:nvSpPr>
+              <p:cNvPr id="37" name="椭圆 36">
+                <a:extLst>
+                  <a:ext uri="{FF2B5EF4-FFF2-40B4-BE49-F238E27FC236}">
+                    <a16:creationId xmlns:a16="http://schemas.microsoft.com/office/drawing/2014/main" id="{57E805D0-19FB-4A6D-BD12-A2BCAC8BD95F}"/>
+                  </a:ext>
+                </a:extLst>
+              </p:cNvPr>
+              <p:cNvSpPr/>
+              <p:nvPr/>
+            </p:nvSpPr>
+            <p:spPr>
+              <a:xfrm>
+                <a:off x="4065928" y="2389432"/>
+                <a:ext cx="339060" cy="347222"/>
+              </a:xfrm>
+              <a:prstGeom prst="ellipse">
+                <a:avLst/>
+              </a:prstGeom>
+              <a:solidFill>
+                <a:schemeClr val="tx2">
+                  <a:lumMod val="60000"/>
+                  <a:lumOff val="40000"/>
+                </a:schemeClr>
+              </a:solidFill>
+            </p:spPr>
+            <p:style>
+              <a:lnRef idx="2">
+                <a:schemeClr val="dk1"/>
+              </a:lnRef>
+              <a:fillRef idx="1">
+                <a:schemeClr val="lt1"/>
+              </a:fillRef>
+              <a:effectRef idx="0">
+                <a:schemeClr val="dk1"/>
+              </a:effectRef>
+              <a:fontRef idx="minor">
+                <a:schemeClr val="dk1"/>
+              </a:fontRef>
+            </p:style>
+            <p:txBody>
+              <a:bodyPr rtlCol="0" anchor="ctr"/>
+              <a:lstStyle/>
+              <a:p>
+                <a:pPr algn="ctr"/>
+                <a:r>
+                  <a:rPr lang="en-US" altLang="zh-CN" sz="1400" dirty="0"/>
+                  <a:t>A</a:t>
+                </a:r>
+              </a:p>
+            </p:txBody>
+          </p:sp>
+          <p:sp>
+            <p:nvSpPr>
+              <p:cNvPr id="40" name="椭圆 39">
+                <a:extLst>
+                  <a:ext uri="{FF2B5EF4-FFF2-40B4-BE49-F238E27FC236}">
+                    <a16:creationId xmlns:a16="http://schemas.microsoft.com/office/drawing/2014/main" id="{D53C27FB-B198-4220-8853-340B2333927A}"/>
+                  </a:ext>
+                </a:extLst>
+              </p:cNvPr>
+              <p:cNvSpPr/>
+              <p:nvPr/>
+            </p:nvSpPr>
+            <p:spPr>
+              <a:xfrm>
+                <a:off x="4614240" y="2385341"/>
+                <a:ext cx="339060" cy="347222"/>
+              </a:xfrm>
+              <a:prstGeom prst="ellipse">
+                <a:avLst/>
+              </a:prstGeom>
+              <a:solidFill>
+                <a:schemeClr val="accent2">
+                  <a:lumMod val="40000"/>
+                  <a:lumOff val="60000"/>
+                </a:schemeClr>
+              </a:solidFill>
+            </p:spPr>
+            <p:style>
+              <a:lnRef idx="2">
+                <a:schemeClr val="dk1"/>
+              </a:lnRef>
+              <a:fillRef idx="1">
+                <a:schemeClr val="lt1"/>
+              </a:fillRef>
+              <a:effectRef idx="0">
+                <a:schemeClr val="dk1"/>
+              </a:effectRef>
+              <a:fontRef idx="minor">
+                <a:schemeClr val="dk1"/>
+              </a:fontRef>
+            </p:style>
+            <p:txBody>
+              <a:bodyPr rtlCol="0" anchor="ctr"/>
+              <a:lstStyle/>
+              <a:p>
+                <a:pPr algn="ctr"/>
+                <a:r>
+                  <a:rPr lang="en-US" altLang="zh-CN" sz="1400" dirty="0"/>
+                  <a:t>C</a:t>
+                </a:r>
+              </a:p>
+            </p:txBody>
+          </p:sp>
+          <p:cxnSp>
+            <p:nvCxnSpPr>
+              <p:cNvPr id="42" name="直接连接符 41">
+                <a:extLst>
+                  <a:ext uri="{FF2B5EF4-FFF2-40B4-BE49-F238E27FC236}">
+                    <a16:creationId xmlns:a16="http://schemas.microsoft.com/office/drawing/2014/main" id="{2B591B1E-BDCD-4593-B098-61393A25EA46}"/>
+                  </a:ext>
+                </a:extLst>
+              </p:cNvPr>
+              <p:cNvCxnSpPr>
+                <a:cxnSpLocks/>
+                <a:stCxn id="37" idx="6"/>
+                <a:endCxn id="40" idx="2"/>
+              </p:cNvCxnSpPr>
+              <p:nvPr/>
+            </p:nvCxnSpPr>
+            <p:spPr>
+              <a:xfrm flipV="1">
+                <a:off x="4404988" y="2558953"/>
+                <a:ext cx="209252" cy="4091"/>
+              </a:xfrm>
+              <a:prstGeom prst="line">
+                <a:avLst/>
+              </a:prstGeom>
+              <a:ln>
+                <a:headEnd type="none" w="med" len="med"/>
+                <a:tailEnd type="none" w="med" len="med"/>
+              </a:ln>
+            </p:spPr>
+            <p:style>
+              <a:lnRef idx="2">
+                <a:schemeClr val="dk1"/>
+              </a:lnRef>
+              <a:fillRef idx="1">
+                <a:schemeClr val="lt1"/>
+              </a:fillRef>
+              <a:effectRef idx="0">
+                <a:schemeClr val="dk1"/>
+              </a:effectRef>
+              <a:fontRef idx="minor">
+                <a:schemeClr val="dk1"/>
+              </a:fontRef>
+            </p:style>
+          </p:cxnSp>
+        </p:grpSp>
+        <p:grpSp>
+          <p:nvGrpSpPr>
+            <p:cNvPr id="46" name="组合 45">
+              <a:extLst>
+                <a:ext uri="{FF2B5EF4-FFF2-40B4-BE49-F238E27FC236}">
+                  <a16:creationId xmlns:a16="http://schemas.microsoft.com/office/drawing/2014/main" id="{373648A3-90F3-4411-8FB7-74856DC090B9}"/>
+                </a:ext>
+              </a:extLst>
+            </p:cNvPr>
+            <p:cNvGrpSpPr/>
+            <p:nvPr/>
+          </p:nvGrpSpPr>
+          <p:grpSpPr>
+            <a:xfrm>
+              <a:off x="4504562" y="2457270"/>
+              <a:ext cx="499981" cy="197944"/>
+              <a:chOff x="4065928" y="2385341"/>
+              <a:chExt cx="887372" cy="351313"/>
+            </a:xfrm>
+          </p:grpSpPr>
+          <p:sp>
+            <p:nvSpPr>
+              <p:cNvPr id="51" name="椭圆 50">
+                <a:extLst>
+                  <a:ext uri="{FF2B5EF4-FFF2-40B4-BE49-F238E27FC236}">
+                    <a16:creationId xmlns:a16="http://schemas.microsoft.com/office/drawing/2014/main" id="{A8D98B83-DAF9-495E-BBA7-E66184999EB2}"/>
+                  </a:ext>
+                </a:extLst>
+              </p:cNvPr>
+              <p:cNvSpPr/>
+              <p:nvPr/>
+            </p:nvSpPr>
+            <p:spPr>
+              <a:xfrm>
+                <a:off x="4065928" y="2389432"/>
+                <a:ext cx="339060" cy="347222"/>
+              </a:xfrm>
+              <a:prstGeom prst="ellipse">
+                <a:avLst/>
+              </a:prstGeom>
+              <a:solidFill>
+                <a:schemeClr val="accent2">
+                  <a:lumMod val="40000"/>
+                  <a:lumOff val="60000"/>
+                </a:schemeClr>
+              </a:solidFill>
+            </p:spPr>
+            <p:style>
+              <a:lnRef idx="2">
+                <a:schemeClr val="dk1"/>
+              </a:lnRef>
+              <a:fillRef idx="1">
+                <a:schemeClr val="lt1"/>
+              </a:fillRef>
+              <a:effectRef idx="0">
+                <a:schemeClr val="dk1"/>
+              </a:effectRef>
+              <a:fontRef idx="minor">
+                <a:schemeClr val="dk1"/>
+              </a:fontRef>
+            </p:style>
+            <p:txBody>
+              <a:bodyPr rtlCol="0" anchor="ctr"/>
+              <a:lstStyle/>
+              <a:p>
+                <a:pPr algn="ctr"/>
+                <a:r>
+                  <a:rPr lang="en-US" altLang="zh-CN" sz="1400" dirty="0"/>
+                  <a:t>C</a:t>
+                </a:r>
+              </a:p>
+            </p:txBody>
+          </p:sp>
+          <p:sp>
+            <p:nvSpPr>
+              <p:cNvPr id="52" name="椭圆 51">
+                <a:extLst>
+                  <a:ext uri="{FF2B5EF4-FFF2-40B4-BE49-F238E27FC236}">
+                    <a16:creationId xmlns:a16="http://schemas.microsoft.com/office/drawing/2014/main" id="{AEB9884F-03A1-486C-9FDD-A6902A8010D0}"/>
+                  </a:ext>
+                </a:extLst>
+              </p:cNvPr>
+              <p:cNvSpPr/>
+              <p:nvPr/>
+            </p:nvSpPr>
+            <p:spPr>
+              <a:xfrm>
+                <a:off x="4614240" y="2385341"/>
+                <a:ext cx="339060" cy="347222"/>
+              </a:xfrm>
+              <a:prstGeom prst="ellipse">
+                <a:avLst/>
+              </a:prstGeom>
+              <a:solidFill>
+                <a:schemeClr val="tx2">
+                  <a:lumMod val="60000"/>
+                  <a:lumOff val="40000"/>
+                </a:schemeClr>
+              </a:solidFill>
+            </p:spPr>
+            <p:style>
+              <a:lnRef idx="2">
+                <a:schemeClr val="dk1"/>
+              </a:lnRef>
+              <a:fillRef idx="1">
+                <a:schemeClr val="lt1"/>
+              </a:fillRef>
+              <a:effectRef idx="0">
+                <a:schemeClr val="dk1"/>
+              </a:effectRef>
+              <a:fontRef idx="minor">
+                <a:schemeClr val="dk1"/>
+              </a:fontRef>
+            </p:style>
+            <p:txBody>
+              <a:bodyPr rtlCol="0" anchor="ctr"/>
+              <a:lstStyle/>
+              <a:p>
+                <a:pPr algn="ctr"/>
+                <a:r>
+                  <a:rPr lang="en-US" altLang="zh-CN" sz="1400" dirty="0"/>
+                  <a:t>A</a:t>
+                </a:r>
+              </a:p>
+            </p:txBody>
+          </p:sp>
+          <p:cxnSp>
+            <p:nvCxnSpPr>
+              <p:cNvPr id="53" name="直接连接符 52">
+                <a:extLst>
+                  <a:ext uri="{FF2B5EF4-FFF2-40B4-BE49-F238E27FC236}">
+                    <a16:creationId xmlns:a16="http://schemas.microsoft.com/office/drawing/2014/main" id="{E822FCED-5518-42CC-9E20-41E872727806}"/>
+                  </a:ext>
+                </a:extLst>
+              </p:cNvPr>
+              <p:cNvCxnSpPr>
+                <a:cxnSpLocks/>
+                <a:stCxn id="51" idx="6"/>
+                <a:endCxn id="52" idx="2"/>
+              </p:cNvCxnSpPr>
+              <p:nvPr/>
+            </p:nvCxnSpPr>
+            <p:spPr>
+              <a:xfrm flipV="1">
+                <a:off x="4404988" y="2558953"/>
+                <a:ext cx="209252" cy="4091"/>
+              </a:xfrm>
+              <a:prstGeom prst="line">
+                <a:avLst/>
+              </a:prstGeom>
+              <a:ln>
+                <a:headEnd type="none" w="med" len="med"/>
+                <a:tailEnd type="none" w="med" len="med"/>
+              </a:ln>
+            </p:spPr>
+            <p:style>
+              <a:lnRef idx="2">
+                <a:schemeClr val="dk1"/>
+              </a:lnRef>
+              <a:fillRef idx="1">
+                <a:schemeClr val="lt1"/>
+              </a:fillRef>
+              <a:effectRef idx="0">
+                <a:schemeClr val="dk1"/>
+              </a:effectRef>
+              <a:fontRef idx="minor">
+                <a:schemeClr val="dk1"/>
+              </a:fontRef>
+            </p:style>
+          </p:cxnSp>
+        </p:grpSp>
+      </p:grpSp>
+      <p:grpSp>
+        <p:nvGrpSpPr>
+          <p:cNvPr id="54" name="组合 53">
+            <a:extLst>
+              <a:ext uri="{FF2B5EF4-FFF2-40B4-BE49-F238E27FC236}">
+                <a16:creationId xmlns:a16="http://schemas.microsoft.com/office/drawing/2014/main" id="{4B5690A1-822D-4B6C-A040-EEAEE894C10F}"/>
+              </a:ext>
+            </a:extLst>
+          </p:cNvPr>
+          <p:cNvGrpSpPr/>
+          <p:nvPr/>
+        </p:nvGrpSpPr>
+        <p:grpSpPr>
+          <a:xfrm>
+            <a:off x="3925229" y="2909536"/>
+            <a:ext cx="1079314" cy="204269"/>
+            <a:chOff x="3925229" y="2457270"/>
+            <a:chExt cx="1079314" cy="204269"/>
+          </a:xfrm>
+        </p:grpSpPr>
+        <p:grpSp>
+          <p:nvGrpSpPr>
+            <p:cNvPr id="55" name="组合 54">
+              <a:extLst>
+                <a:ext uri="{FF2B5EF4-FFF2-40B4-BE49-F238E27FC236}">
+                  <a16:creationId xmlns:a16="http://schemas.microsoft.com/office/drawing/2014/main" id="{77E749AE-10A6-4A11-B9EA-F920BD7C4C94}"/>
+                </a:ext>
+              </a:extLst>
+            </p:cNvPr>
+            <p:cNvGrpSpPr/>
+            <p:nvPr/>
+          </p:nvGrpSpPr>
+          <p:grpSpPr>
+            <a:xfrm>
+              <a:off x="3925229" y="2463595"/>
+              <a:ext cx="499981" cy="197944"/>
+              <a:chOff x="4065928" y="2385341"/>
+              <a:chExt cx="887372" cy="351313"/>
+            </a:xfrm>
+          </p:grpSpPr>
+          <p:sp>
+            <p:nvSpPr>
+              <p:cNvPr id="60" name="椭圆 59">
+                <a:extLst>
+                  <a:ext uri="{FF2B5EF4-FFF2-40B4-BE49-F238E27FC236}">
+                    <a16:creationId xmlns:a16="http://schemas.microsoft.com/office/drawing/2014/main" id="{E65320FF-70AB-45D2-AEAF-C840E4FDC0CC}"/>
+                  </a:ext>
+                </a:extLst>
+              </p:cNvPr>
+              <p:cNvSpPr/>
+              <p:nvPr/>
+            </p:nvSpPr>
+            <p:spPr>
+              <a:xfrm>
+                <a:off x="4065928" y="2389432"/>
+                <a:ext cx="339060" cy="347222"/>
+              </a:xfrm>
+              <a:prstGeom prst="ellipse">
+                <a:avLst/>
+              </a:prstGeom>
+              <a:solidFill>
+                <a:schemeClr val="tx2">
+                  <a:lumMod val="60000"/>
+                  <a:lumOff val="40000"/>
+                </a:schemeClr>
+              </a:solidFill>
+            </p:spPr>
+            <p:style>
+              <a:lnRef idx="2">
+                <a:schemeClr val="dk1"/>
+              </a:lnRef>
+              <a:fillRef idx="1">
+                <a:schemeClr val="lt1"/>
+              </a:fillRef>
+              <a:effectRef idx="0">
+                <a:schemeClr val="dk1"/>
+              </a:effectRef>
+              <a:fontRef idx="minor">
+                <a:schemeClr val="dk1"/>
+              </a:fontRef>
+            </p:style>
+            <p:txBody>
+              <a:bodyPr rtlCol="0" anchor="ctr"/>
+              <a:lstStyle/>
+              <a:p>
+                <a:pPr algn="ctr"/>
+                <a:r>
+                  <a:rPr lang="en-US" altLang="zh-CN" sz="1400" dirty="0"/>
+                  <a:t>A</a:t>
+                </a:r>
+              </a:p>
+            </p:txBody>
+          </p:sp>
+          <p:sp>
+            <p:nvSpPr>
+              <p:cNvPr id="61" name="椭圆 60">
+                <a:extLst>
+                  <a:ext uri="{FF2B5EF4-FFF2-40B4-BE49-F238E27FC236}">
+                    <a16:creationId xmlns:a16="http://schemas.microsoft.com/office/drawing/2014/main" id="{DA8295FE-59D8-46DA-B5A2-D005A4899F51}"/>
+                  </a:ext>
+                </a:extLst>
+              </p:cNvPr>
+              <p:cNvSpPr/>
+              <p:nvPr/>
+            </p:nvSpPr>
+            <p:spPr>
+              <a:xfrm>
+                <a:off x="4614240" y="2385341"/>
+                <a:ext cx="339060" cy="347222"/>
+              </a:xfrm>
+              <a:prstGeom prst="ellipse">
+                <a:avLst/>
+              </a:prstGeom>
+              <a:solidFill>
+                <a:schemeClr val="accent4">
+                  <a:lumMod val="75000"/>
+                </a:schemeClr>
+              </a:solidFill>
+            </p:spPr>
+            <p:style>
+              <a:lnRef idx="2">
+                <a:schemeClr val="dk1"/>
+              </a:lnRef>
+              <a:fillRef idx="1">
+                <a:schemeClr val="lt1"/>
+              </a:fillRef>
+              <a:effectRef idx="0">
+                <a:schemeClr val="dk1"/>
+              </a:effectRef>
+              <a:fontRef idx="minor">
+                <a:schemeClr val="dk1"/>
+              </a:fontRef>
+            </p:style>
+            <p:txBody>
+              <a:bodyPr rtlCol="0" anchor="ctr"/>
+              <a:lstStyle/>
+              <a:p>
+                <a:pPr algn="ctr"/>
+                <a:r>
+                  <a:rPr lang="en-US" altLang="zh-CN" sz="1400" dirty="0"/>
+                  <a:t>B</a:t>
+                </a:r>
+              </a:p>
+            </p:txBody>
+          </p:sp>
+          <p:cxnSp>
+            <p:nvCxnSpPr>
+              <p:cNvPr id="62" name="直接连接符 61">
+                <a:extLst>
+                  <a:ext uri="{FF2B5EF4-FFF2-40B4-BE49-F238E27FC236}">
+                    <a16:creationId xmlns:a16="http://schemas.microsoft.com/office/drawing/2014/main" id="{411F6E3D-AC47-4531-90B3-288BE30EAA62}"/>
+                  </a:ext>
+                </a:extLst>
+              </p:cNvPr>
+              <p:cNvCxnSpPr>
+                <a:cxnSpLocks/>
+                <a:stCxn id="60" idx="6"/>
+                <a:endCxn id="61" idx="2"/>
+              </p:cNvCxnSpPr>
+              <p:nvPr/>
+            </p:nvCxnSpPr>
+            <p:spPr>
+              <a:xfrm flipV="1">
+                <a:off x="4404988" y="2558953"/>
+                <a:ext cx="209252" cy="4091"/>
+              </a:xfrm>
+              <a:prstGeom prst="line">
+                <a:avLst/>
+              </a:prstGeom>
+              <a:ln>
+                <a:headEnd type="none" w="med" len="med"/>
+                <a:tailEnd type="none" w="med" len="med"/>
+              </a:ln>
+            </p:spPr>
+            <p:style>
+              <a:lnRef idx="2">
+                <a:schemeClr val="dk1"/>
+              </a:lnRef>
+              <a:fillRef idx="1">
+                <a:schemeClr val="lt1"/>
+              </a:fillRef>
+              <a:effectRef idx="0">
+                <a:schemeClr val="dk1"/>
+              </a:effectRef>
+              <a:fontRef idx="minor">
+                <a:schemeClr val="dk1"/>
+              </a:fontRef>
+            </p:style>
+          </p:cxnSp>
+        </p:grpSp>
+        <p:grpSp>
+          <p:nvGrpSpPr>
+            <p:cNvPr id="56" name="组合 55">
+              <a:extLst>
+                <a:ext uri="{FF2B5EF4-FFF2-40B4-BE49-F238E27FC236}">
+                  <a16:creationId xmlns:a16="http://schemas.microsoft.com/office/drawing/2014/main" id="{BB413658-AD14-4CDF-A22D-C330EE624F8B}"/>
+                </a:ext>
+              </a:extLst>
+            </p:cNvPr>
+            <p:cNvGrpSpPr/>
+            <p:nvPr/>
+          </p:nvGrpSpPr>
+          <p:grpSpPr>
+            <a:xfrm>
+              <a:off x="4504562" y="2457270"/>
+              <a:ext cx="499981" cy="197944"/>
+              <a:chOff x="4065928" y="2385341"/>
+              <a:chExt cx="887372" cy="351313"/>
+            </a:xfrm>
+          </p:grpSpPr>
+          <p:sp>
+            <p:nvSpPr>
+              <p:cNvPr id="57" name="椭圆 56">
+                <a:extLst>
+                  <a:ext uri="{FF2B5EF4-FFF2-40B4-BE49-F238E27FC236}">
+                    <a16:creationId xmlns:a16="http://schemas.microsoft.com/office/drawing/2014/main" id="{94D7A09C-127B-4B94-A255-A7B3F60AFAE5}"/>
+                  </a:ext>
+                </a:extLst>
+              </p:cNvPr>
+              <p:cNvSpPr/>
+              <p:nvPr/>
+            </p:nvSpPr>
+            <p:spPr>
+              <a:xfrm>
+                <a:off x="4065928" y="2389432"/>
+                <a:ext cx="339060" cy="347222"/>
+              </a:xfrm>
+              <a:prstGeom prst="ellipse">
+                <a:avLst/>
+              </a:prstGeom>
+              <a:solidFill>
+                <a:schemeClr val="accent4">
+                  <a:lumMod val="75000"/>
+                </a:schemeClr>
+              </a:solidFill>
+            </p:spPr>
+            <p:style>
+              <a:lnRef idx="2">
+                <a:schemeClr val="dk1"/>
+              </a:lnRef>
+              <a:fillRef idx="1">
+                <a:schemeClr val="lt1"/>
+              </a:fillRef>
+              <a:effectRef idx="0">
+                <a:schemeClr val="dk1"/>
+              </a:effectRef>
+              <a:fontRef idx="minor">
+                <a:schemeClr val="dk1"/>
+              </a:fontRef>
+            </p:style>
+            <p:txBody>
+              <a:bodyPr rtlCol="0" anchor="ctr"/>
+              <a:lstStyle/>
+              <a:p>
+                <a:pPr algn="ctr"/>
+                <a:r>
+                  <a:rPr lang="en-US" altLang="zh-CN" sz="1400" dirty="0"/>
+                  <a:t>B</a:t>
+                </a:r>
+              </a:p>
+            </p:txBody>
+          </p:sp>
+          <p:sp>
+            <p:nvSpPr>
+              <p:cNvPr id="58" name="椭圆 57">
+                <a:extLst>
+                  <a:ext uri="{FF2B5EF4-FFF2-40B4-BE49-F238E27FC236}">
+                    <a16:creationId xmlns:a16="http://schemas.microsoft.com/office/drawing/2014/main" id="{D897D535-2C5A-4A0A-AF79-D8730FAAC442}"/>
+                  </a:ext>
+                </a:extLst>
+              </p:cNvPr>
+              <p:cNvSpPr/>
+              <p:nvPr/>
+            </p:nvSpPr>
+            <p:spPr>
+              <a:xfrm>
+                <a:off x="4614240" y="2385341"/>
+                <a:ext cx="339060" cy="347222"/>
+              </a:xfrm>
+              <a:prstGeom prst="ellipse">
+                <a:avLst/>
+              </a:prstGeom>
+              <a:solidFill>
+                <a:schemeClr val="tx2">
+                  <a:lumMod val="60000"/>
+                  <a:lumOff val="40000"/>
+                </a:schemeClr>
+              </a:solidFill>
+            </p:spPr>
+            <p:style>
+              <a:lnRef idx="2">
+                <a:schemeClr val="dk1"/>
+              </a:lnRef>
+              <a:fillRef idx="1">
+                <a:schemeClr val="lt1"/>
+              </a:fillRef>
+              <a:effectRef idx="0">
+                <a:schemeClr val="dk1"/>
+              </a:effectRef>
+              <a:fontRef idx="minor">
+                <a:schemeClr val="dk1"/>
+              </a:fontRef>
+            </p:style>
+            <p:txBody>
+              <a:bodyPr rtlCol="0" anchor="ctr"/>
+              <a:lstStyle/>
+              <a:p>
+                <a:pPr algn="ctr"/>
+                <a:r>
+                  <a:rPr lang="en-US" altLang="zh-CN" sz="1400" dirty="0"/>
+                  <a:t>A</a:t>
+                </a:r>
+              </a:p>
+            </p:txBody>
+          </p:sp>
+          <p:cxnSp>
+            <p:nvCxnSpPr>
+              <p:cNvPr id="59" name="直接连接符 58">
+                <a:extLst>
+                  <a:ext uri="{FF2B5EF4-FFF2-40B4-BE49-F238E27FC236}">
+                    <a16:creationId xmlns:a16="http://schemas.microsoft.com/office/drawing/2014/main" id="{CB444A29-0720-4A81-A31B-65F48E4CD2DE}"/>
+                  </a:ext>
+                </a:extLst>
+              </p:cNvPr>
+              <p:cNvCxnSpPr>
+                <a:cxnSpLocks/>
+                <a:stCxn id="57" idx="6"/>
+                <a:endCxn id="58" idx="2"/>
+              </p:cNvCxnSpPr>
+              <p:nvPr/>
+            </p:nvCxnSpPr>
+            <p:spPr>
+              <a:xfrm flipV="1">
+                <a:off x="4404988" y="2558953"/>
+                <a:ext cx="209252" cy="4091"/>
+              </a:xfrm>
+              <a:prstGeom prst="line">
+                <a:avLst/>
+              </a:prstGeom>
+              <a:ln>
+                <a:headEnd type="none" w="med" len="med"/>
+                <a:tailEnd type="none" w="med" len="med"/>
+              </a:ln>
+            </p:spPr>
+            <p:style>
+              <a:lnRef idx="2">
+                <a:schemeClr val="dk1"/>
+              </a:lnRef>
+              <a:fillRef idx="1">
+                <a:schemeClr val="lt1"/>
+              </a:fillRef>
+              <a:effectRef idx="0">
+                <a:schemeClr val="dk1"/>
+              </a:effectRef>
+              <a:fontRef idx="minor">
+                <a:schemeClr val="dk1"/>
+              </a:fontRef>
+            </p:style>
+          </p:cxnSp>
+        </p:grpSp>
+      </p:grpSp>
+      <p:grpSp>
+        <p:nvGrpSpPr>
+          <p:cNvPr id="63" name="组合 62">
+            <a:extLst>
+              <a:ext uri="{FF2B5EF4-FFF2-40B4-BE49-F238E27FC236}">
+                <a16:creationId xmlns:a16="http://schemas.microsoft.com/office/drawing/2014/main" id="{F4F9BD91-D1EB-4580-8CBD-D997FD7C4B0E}"/>
+              </a:ext>
+            </a:extLst>
+          </p:cNvPr>
+          <p:cNvGrpSpPr/>
+          <p:nvPr/>
+        </p:nvGrpSpPr>
+        <p:grpSpPr>
+          <a:xfrm>
+            <a:off x="3949285" y="3293490"/>
+            <a:ext cx="1079314" cy="204269"/>
+            <a:chOff x="3925229" y="2457270"/>
+            <a:chExt cx="1079314" cy="204269"/>
+          </a:xfrm>
+        </p:grpSpPr>
+        <p:grpSp>
+          <p:nvGrpSpPr>
+            <p:cNvPr id="64" name="组合 63">
+              <a:extLst>
+                <a:ext uri="{FF2B5EF4-FFF2-40B4-BE49-F238E27FC236}">
+                  <a16:creationId xmlns:a16="http://schemas.microsoft.com/office/drawing/2014/main" id="{BCF1174A-F0D4-436E-A499-76E4DEA8EE25}"/>
+                </a:ext>
+              </a:extLst>
+            </p:cNvPr>
+            <p:cNvGrpSpPr/>
+            <p:nvPr/>
+          </p:nvGrpSpPr>
+          <p:grpSpPr>
+            <a:xfrm>
+              <a:off x="3925229" y="2463595"/>
+              <a:ext cx="499981" cy="197944"/>
+              <a:chOff x="4065928" y="2385341"/>
+              <a:chExt cx="887372" cy="351313"/>
+            </a:xfrm>
+          </p:grpSpPr>
+          <p:sp>
+            <p:nvSpPr>
+              <p:cNvPr id="69" name="椭圆 68">
+                <a:extLst>
+                  <a:ext uri="{FF2B5EF4-FFF2-40B4-BE49-F238E27FC236}">
+                    <a16:creationId xmlns:a16="http://schemas.microsoft.com/office/drawing/2014/main" id="{0470DCB3-FC77-439C-AD67-09EC245083C0}"/>
+                  </a:ext>
+                </a:extLst>
+              </p:cNvPr>
+              <p:cNvSpPr/>
+              <p:nvPr/>
+            </p:nvSpPr>
+            <p:spPr>
+              <a:xfrm>
+                <a:off x="4065928" y="2389432"/>
+                <a:ext cx="339060" cy="347222"/>
+              </a:xfrm>
+              <a:prstGeom prst="ellipse">
+                <a:avLst/>
+              </a:prstGeom>
+              <a:solidFill>
+                <a:schemeClr val="tx2">
+                  <a:lumMod val="60000"/>
+                  <a:lumOff val="40000"/>
+                </a:schemeClr>
+              </a:solidFill>
+            </p:spPr>
+            <p:style>
+              <a:lnRef idx="2">
+                <a:schemeClr val="dk1"/>
+              </a:lnRef>
+              <a:fillRef idx="1">
+                <a:schemeClr val="lt1"/>
+              </a:fillRef>
+              <a:effectRef idx="0">
+                <a:schemeClr val="dk1"/>
+              </a:effectRef>
+              <a:fontRef idx="minor">
+                <a:schemeClr val="dk1"/>
+              </a:fontRef>
+            </p:style>
+            <p:txBody>
+              <a:bodyPr rtlCol="0" anchor="ctr"/>
+              <a:lstStyle/>
+              <a:p>
+                <a:pPr algn="ctr"/>
+                <a:r>
+                  <a:rPr lang="en-US" altLang="zh-CN" sz="1400" dirty="0"/>
+                  <a:t>A</a:t>
+                </a:r>
+              </a:p>
+            </p:txBody>
+          </p:sp>
+          <p:sp>
+            <p:nvSpPr>
+              <p:cNvPr id="70" name="椭圆 69">
+                <a:extLst>
+                  <a:ext uri="{FF2B5EF4-FFF2-40B4-BE49-F238E27FC236}">
+                    <a16:creationId xmlns:a16="http://schemas.microsoft.com/office/drawing/2014/main" id="{B4E4AFE7-0471-468F-9FCC-A0ABA99EFE21}"/>
+                  </a:ext>
+                </a:extLst>
+              </p:cNvPr>
+              <p:cNvSpPr/>
+              <p:nvPr/>
+            </p:nvSpPr>
+            <p:spPr>
+              <a:xfrm>
+                <a:off x="4614240" y="2385341"/>
+                <a:ext cx="339060" cy="347222"/>
+              </a:xfrm>
+              <a:prstGeom prst="ellipse">
+                <a:avLst/>
+              </a:prstGeom>
+              <a:solidFill>
+                <a:schemeClr val="accent6">
+                  <a:lumMod val="60000"/>
+                  <a:lumOff val="40000"/>
+                </a:schemeClr>
+              </a:solidFill>
+            </p:spPr>
+            <p:style>
+              <a:lnRef idx="2">
+                <a:schemeClr val="dk1"/>
+              </a:lnRef>
+              <a:fillRef idx="1">
+                <a:schemeClr val="lt1"/>
+              </a:fillRef>
+              <a:effectRef idx="0">
+                <a:schemeClr val="dk1"/>
+              </a:effectRef>
+              <a:fontRef idx="minor">
+                <a:schemeClr val="dk1"/>
+              </a:fontRef>
+            </p:style>
+            <p:txBody>
+              <a:bodyPr rtlCol="0" anchor="ctr"/>
+              <a:lstStyle/>
+              <a:p>
+                <a:pPr algn="ctr"/>
+                <a:r>
+                  <a:rPr lang="en-US" altLang="zh-CN" sz="1400" dirty="0"/>
+                  <a:t>D</a:t>
+                </a:r>
+              </a:p>
+            </p:txBody>
+          </p:sp>
+          <p:cxnSp>
+            <p:nvCxnSpPr>
+              <p:cNvPr id="71" name="直接连接符 70">
+                <a:extLst>
+                  <a:ext uri="{FF2B5EF4-FFF2-40B4-BE49-F238E27FC236}">
+                    <a16:creationId xmlns:a16="http://schemas.microsoft.com/office/drawing/2014/main" id="{F298D932-D146-482A-B9A7-40F522CA4740}"/>
+                  </a:ext>
+                </a:extLst>
+              </p:cNvPr>
+              <p:cNvCxnSpPr>
+                <a:cxnSpLocks/>
+                <a:stCxn id="69" idx="6"/>
+                <a:endCxn id="70" idx="2"/>
+              </p:cNvCxnSpPr>
+              <p:nvPr/>
+            </p:nvCxnSpPr>
+            <p:spPr>
+              <a:xfrm flipV="1">
+                <a:off x="4404988" y="2558953"/>
+                <a:ext cx="209252" cy="4091"/>
+              </a:xfrm>
+              <a:prstGeom prst="line">
+                <a:avLst/>
+              </a:prstGeom>
+              <a:ln>
+                <a:headEnd type="none" w="med" len="med"/>
+                <a:tailEnd type="none" w="med" len="med"/>
+              </a:ln>
+            </p:spPr>
+            <p:style>
+              <a:lnRef idx="2">
+                <a:schemeClr val="dk1"/>
+              </a:lnRef>
+              <a:fillRef idx="1">
+                <a:schemeClr val="lt1"/>
+              </a:fillRef>
+              <a:effectRef idx="0">
+                <a:schemeClr val="dk1"/>
+              </a:effectRef>
+              <a:fontRef idx="minor">
+                <a:schemeClr val="dk1"/>
+              </a:fontRef>
+            </p:style>
+          </p:cxnSp>
+        </p:grpSp>
+        <p:grpSp>
+          <p:nvGrpSpPr>
+            <p:cNvPr id="65" name="组合 64">
+              <a:extLst>
+                <a:ext uri="{FF2B5EF4-FFF2-40B4-BE49-F238E27FC236}">
+                  <a16:creationId xmlns:a16="http://schemas.microsoft.com/office/drawing/2014/main" id="{D466239A-4385-4E47-BEA4-E37C7D71CA76}"/>
+                </a:ext>
+              </a:extLst>
+            </p:cNvPr>
+            <p:cNvGrpSpPr/>
+            <p:nvPr/>
+          </p:nvGrpSpPr>
+          <p:grpSpPr>
+            <a:xfrm>
+              <a:off x="4504562" y="2457270"/>
+              <a:ext cx="499981" cy="197944"/>
+              <a:chOff x="4065928" y="2385341"/>
+              <a:chExt cx="887372" cy="351313"/>
+            </a:xfrm>
+          </p:grpSpPr>
+          <p:sp>
+            <p:nvSpPr>
+              <p:cNvPr id="66" name="椭圆 65">
+                <a:extLst>
+                  <a:ext uri="{FF2B5EF4-FFF2-40B4-BE49-F238E27FC236}">
+                    <a16:creationId xmlns:a16="http://schemas.microsoft.com/office/drawing/2014/main" id="{60F6FC88-B004-45E9-B13C-E56CB3C0372E}"/>
+                  </a:ext>
+                </a:extLst>
+              </p:cNvPr>
+              <p:cNvSpPr/>
+              <p:nvPr/>
+            </p:nvSpPr>
+            <p:spPr>
+              <a:xfrm>
+                <a:off x="4065928" y="2389432"/>
+                <a:ext cx="339060" cy="347222"/>
+              </a:xfrm>
+              <a:prstGeom prst="ellipse">
+                <a:avLst/>
+              </a:prstGeom>
+              <a:solidFill>
+                <a:schemeClr val="accent6">
+                  <a:lumMod val="60000"/>
+                  <a:lumOff val="40000"/>
+                </a:schemeClr>
+              </a:solidFill>
+            </p:spPr>
+            <p:style>
+              <a:lnRef idx="2">
+                <a:schemeClr val="dk1"/>
+              </a:lnRef>
+              <a:fillRef idx="1">
+                <a:schemeClr val="lt1"/>
+              </a:fillRef>
+              <a:effectRef idx="0">
+                <a:schemeClr val="dk1"/>
+              </a:effectRef>
+              <a:fontRef idx="minor">
+                <a:schemeClr val="dk1"/>
+              </a:fontRef>
+            </p:style>
+            <p:txBody>
+              <a:bodyPr rtlCol="0" anchor="ctr"/>
+              <a:lstStyle/>
+              <a:p>
+                <a:pPr algn="ctr"/>
+                <a:r>
+                  <a:rPr lang="en-US" altLang="zh-CN" sz="1400" dirty="0"/>
+                  <a:t>D</a:t>
+                </a:r>
+              </a:p>
+            </p:txBody>
+          </p:sp>
+          <p:sp>
+            <p:nvSpPr>
+              <p:cNvPr id="67" name="椭圆 66">
+                <a:extLst>
+                  <a:ext uri="{FF2B5EF4-FFF2-40B4-BE49-F238E27FC236}">
+                    <a16:creationId xmlns:a16="http://schemas.microsoft.com/office/drawing/2014/main" id="{58965388-525E-4E24-A3DE-7C126DC899CF}"/>
+                  </a:ext>
+                </a:extLst>
+              </p:cNvPr>
+              <p:cNvSpPr/>
+              <p:nvPr/>
+            </p:nvSpPr>
+            <p:spPr>
+              <a:xfrm>
+                <a:off x="4614240" y="2385341"/>
+                <a:ext cx="339060" cy="347222"/>
+              </a:xfrm>
+              <a:prstGeom prst="ellipse">
+                <a:avLst/>
+              </a:prstGeom>
+              <a:solidFill>
+                <a:schemeClr val="tx2">
+                  <a:lumMod val="60000"/>
+                  <a:lumOff val="40000"/>
+                </a:schemeClr>
+              </a:solidFill>
+            </p:spPr>
+            <p:style>
+              <a:lnRef idx="2">
+                <a:schemeClr val="dk1"/>
+              </a:lnRef>
+              <a:fillRef idx="1">
+                <a:schemeClr val="lt1"/>
+              </a:fillRef>
+              <a:effectRef idx="0">
+                <a:schemeClr val="dk1"/>
+              </a:effectRef>
+              <a:fontRef idx="minor">
+                <a:schemeClr val="dk1"/>
+              </a:fontRef>
+            </p:style>
+            <p:txBody>
+              <a:bodyPr rtlCol="0" anchor="ctr"/>
+              <a:lstStyle/>
+              <a:p>
+                <a:pPr algn="ctr"/>
+                <a:r>
+                  <a:rPr lang="en-US" altLang="zh-CN" sz="1400" dirty="0"/>
+                  <a:t>A</a:t>
+                </a:r>
+              </a:p>
+            </p:txBody>
+          </p:sp>
+          <p:cxnSp>
+            <p:nvCxnSpPr>
+              <p:cNvPr id="68" name="直接连接符 67">
+                <a:extLst>
+                  <a:ext uri="{FF2B5EF4-FFF2-40B4-BE49-F238E27FC236}">
+                    <a16:creationId xmlns:a16="http://schemas.microsoft.com/office/drawing/2014/main" id="{4EF9A809-404B-4EBE-B0DE-65994815B34E}"/>
+                  </a:ext>
+                </a:extLst>
+              </p:cNvPr>
+              <p:cNvCxnSpPr>
+                <a:cxnSpLocks/>
+                <a:stCxn id="66" idx="6"/>
+                <a:endCxn id="67" idx="2"/>
+              </p:cNvCxnSpPr>
+              <p:nvPr/>
+            </p:nvCxnSpPr>
+            <p:spPr>
+              <a:xfrm flipV="1">
+                <a:off x="4404988" y="2558953"/>
+                <a:ext cx="209252" cy="4091"/>
+              </a:xfrm>
+              <a:prstGeom prst="line">
+                <a:avLst/>
+              </a:prstGeom>
+              <a:ln>
+                <a:headEnd type="none" w="med" len="med"/>
+                <a:tailEnd type="none" w="med" len="med"/>
+              </a:ln>
+            </p:spPr>
+            <p:style>
+              <a:lnRef idx="2">
+                <a:schemeClr val="dk1"/>
+              </a:lnRef>
+              <a:fillRef idx="1">
+                <a:schemeClr val="lt1"/>
+              </a:fillRef>
+              <a:effectRef idx="0">
+                <a:schemeClr val="dk1"/>
+              </a:effectRef>
+              <a:fontRef idx="minor">
+                <a:schemeClr val="dk1"/>
+              </a:fontRef>
+            </p:style>
+          </p:cxnSp>
+        </p:grpSp>
+      </p:grpSp>
+      <p:grpSp>
+        <p:nvGrpSpPr>
+          <p:cNvPr id="72" name="组合 71">
+            <a:extLst>
+              <a:ext uri="{FF2B5EF4-FFF2-40B4-BE49-F238E27FC236}">
+                <a16:creationId xmlns:a16="http://schemas.microsoft.com/office/drawing/2014/main" id="{37BA88A2-DB0B-4F30-B2C4-8F797935F101}"/>
+              </a:ext>
+            </a:extLst>
+          </p:cNvPr>
+          <p:cNvGrpSpPr/>
+          <p:nvPr/>
+        </p:nvGrpSpPr>
+        <p:grpSpPr>
+          <a:xfrm>
+            <a:off x="3949613" y="3681522"/>
+            <a:ext cx="1079314" cy="204269"/>
+            <a:chOff x="3925229" y="2457270"/>
+            <a:chExt cx="1079314" cy="204269"/>
+          </a:xfrm>
+        </p:grpSpPr>
+        <p:grpSp>
+          <p:nvGrpSpPr>
+            <p:cNvPr id="74" name="组合 73">
+              <a:extLst>
+                <a:ext uri="{FF2B5EF4-FFF2-40B4-BE49-F238E27FC236}">
+                  <a16:creationId xmlns:a16="http://schemas.microsoft.com/office/drawing/2014/main" id="{A2CE2BE1-0E13-438A-9E3D-38388221A393}"/>
+                </a:ext>
+              </a:extLst>
+            </p:cNvPr>
+            <p:cNvGrpSpPr/>
+            <p:nvPr/>
+          </p:nvGrpSpPr>
+          <p:grpSpPr>
+            <a:xfrm>
+              <a:off x="3925229" y="2463595"/>
+              <a:ext cx="499981" cy="197944"/>
+              <a:chOff x="4065928" y="2385341"/>
+              <a:chExt cx="887372" cy="351313"/>
+            </a:xfrm>
+          </p:grpSpPr>
+          <p:sp>
+            <p:nvSpPr>
+              <p:cNvPr id="81" name="椭圆 80">
+                <a:extLst>
+                  <a:ext uri="{FF2B5EF4-FFF2-40B4-BE49-F238E27FC236}">
+                    <a16:creationId xmlns:a16="http://schemas.microsoft.com/office/drawing/2014/main" id="{1FC26199-66DA-49E8-9D55-F7E5C857CF8C}"/>
+                  </a:ext>
+                </a:extLst>
+              </p:cNvPr>
+              <p:cNvSpPr/>
+              <p:nvPr/>
+            </p:nvSpPr>
+            <p:spPr>
+              <a:xfrm>
+                <a:off x="4065928" y="2389432"/>
+                <a:ext cx="339060" cy="347222"/>
+              </a:xfrm>
+              <a:prstGeom prst="ellipse">
+                <a:avLst/>
+              </a:prstGeom>
+              <a:solidFill>
+                <a:schemeClr val="tx2">
+                  <a:lumMod val="60000"/>
+                  <a:lumOff val="40000"/>
+                </a:schemeClr>
+              </a:solidFill>
+            </p:spPr>
+            <p:style>
+              <a:lnRef idx="2">
+                <a:schemeClr val="dk1"/>
+              </a:lnRef>
+              <a:fillRef idx="1">
+                <a:schemeClr val="lt1"/>
+              </a:fillRef>
+              <a:effectRef idx="0">
+                <a:schemeClr val="dk1"/>
+              </a:effectRef>
+              <a:fontRef idx="minor">
+                <a:schemeClr val="dk1"/>
+              </a:fontRef>
+            </p:style>
+            <p:txBody>
+              <a:bodyPr rtlCol="0" anchor="ctr"/>
+              <a:lstStyle/>
+              <a:p>
+                <a:pPr algn="ctr"/>
+                <a:r>
+                  <a:rPr lang="en-US" altLang="zh-CN" sz="1400" dirty="0"/>
+                  <a:t>A</a:t>
+                </a:r>
+              </a:p>
+            </p:txBody>
+          </p:sp>
+          <p:sp>
+            <p:nvSpPr>
+              <p:cNvPr id="82" name="椭圆 81">
+                <a:extLst>
+                  <a:ext uri="{FF2B5EF4-FFF2-40B4-BE49-F238E27FC236}">
+                    <a16:creationId xmlns:a16="http://schemas.microsoft.com/office/drawing/2014/main" id="{E0C144CF-8734-4DC8-9607-6782F57B9FB7}"/>
+                  </a:ext>
+                </a:extLst>
+              </p:cNvPr>
+              <p:cNvSpPr/>
+              <p:nvPr/>
+            </p:nvSpPr>
+            <p:spPr>
+              <a:xfrm>
+                <a:off x="4614240" y="2385341"/>
+                <a:ext cx="339060" cy="347222"/>
+              </a:xfrm>
+              <a:prstGeom prst="ellipse">
+                <a:avLst/>
+              </a:prstGeom>
+              <a:solidFill>
+                <a:schemeClr val="accent1">
+                  <a:lumMod val="40000"/>
+                  <a:lumOff val="60000"/>
+                </a:schemeClr>
+              </a:solidFill>
+            </p:spPr>
+            <p:style>
+              <a:lnRef idx="2">
+                <a:schemeClr val="dk1"/>
+              </a:lnRef>
+              <a:fillRef idx="1">
+                <a:schemeClr val="lt1"/>
+              </a:fillRef>
+              <a:effectRef idx="0">
+                <a:schemeClr val="dk1"/>
+              </a:effectRef>
+              <a:fontRef idx="minor">
+                <a:schemeClr val="dk1"/>
+              </a:fontRef>
+            </p:style>
+            <p:txBody>
+              <a:bodyPr rtlCol="0" anchor="ctr"/>
+              <a:lstStyle/>
+              <a:p>
+                <a:pPr algn="ctr"/>
+                <a:r>
+                  <a:rPr lang="en-US" altLang="zh-CN" sz="1400" dirty="0"/>
+                  <a:t>E</a:t>
+                </a:r>
+              </a:p>
+            </p:txBody>
+          </p:sp>
+          <p:cxnSp>
+            <p:nvCxnSpPr>
+              <p:cNvPr id="83" name="直接连接符 82">
+                <a:extLst>
+                  <a:ext uri="{FF2B5EF4-FFF2-40B4-BE49-F238E27FC236}">
+                    <a16:creationId xmlns:a16="http://schemas.microsoft.com/office/drawing/2014/main" id="{FDB26A8F-C016-4489-A1A4-67246148723C}"/>
+                  </a:ext>
+                </a:extLst>
+              </p:cNvPr>
+              <p:cNvCxnSpPr>
+                <a:cxnSpLocks/>
+                <a:stCxn id="81" idx="6"/>
+                <a:endCxn id="82" idx="2"/>
+              </p:cNvCxnSpPr>
+              <p:nvPr/>
+            </p:nvCxnSpPr>
+            <p:spPr>
+              <a:xfrm flipV="1">
+                <a:off x="4404988" y="2558953"/>
+                <a:ext cx="209252" cy="4091"/>
+              </a:xfrm>
+              <a:prstGeom prst="line">
+                <a:avLst/>
+              </a:prstGeom>
+              <a:ln>
+                <a:headEnd type="none" w="med" len="med"/>
+                <a:tailEnd type="none" w="med" len="med"/>
+              </a:ln>
+            </p:spPr>
+            <p:style>
+              <a:lnRef idx="2">
+                <a:schemeClr val="dk1"/>
+              </a:lnRef>
+              <a:fillRef idx="1">
+                <a:schemeClr val="lt1"/>
+              </a:fillRef>
+              <a:effectRef idx="0">
+                <a:schemeClr val="dk1"/>
+              </a:effectRef>
+              <a:fontRef idx="minor">
+                <a:schemeClr val="dk1"/>
+              </a:fontRef>
+            </p:style>
+          </p:cxnSp>
+        </p:grpSp>
+        <p:grpSp>
+          <p:nvGrpSpPr>
+            <p:cNvPr id="75" name="组合 74">
+              <a:extLst>
+                <a:ext uri="{FF2B5EF4-FFF2-40B4-BE49-F238E27FC236}">
+                  <a16:creationId xmlns:a16="http://schemas.microsoft.com/office/drawing/2014/main" id="{9B1995BF-BB00-44B3-AB24-47629BE093C6}"/>
+                </a:ext>
+              </a:extLst>
+            </p:cNvPr>
+            <p:cNvGrpSpPr/>
+            <p:nvPr/>
+          </p:nvGrpSpPr>
+          <p:grpSpPr>
+            <a:xfrm>
+              <a:off x="4504562" y="2457270"/>
+              <a:ext cx="499981" cy="197944"/>
+              <a:chOff x="4065928" y="2385341"/>
+              <a:chExt cx="887372" cy="351313"/>
+            </a:xfrm>
+          </p:grpSpPr>
+          <p:sp>
+            <p:nvSpPr>
+              <p:cNvPr id="76" name="椭圆 75">
+                <a:extLst>
+                  <a:ext uri="{FF2B5EF4-FFF2-40B4-BE49-F238E27FC236}">
+                    <a16:creationId xmlns:a16="http://schemas.microsoft.com/office/drawing/2014/main" id="{8CF5F937-9BE9-4FB9-938F-158285329FCD}"/>
+                  </a:ext>
+                </a:extLst>
+              </p:cNvPr>
+              <p:cNvSpPr/>
+              <p:nvPr/>
+            </p:nvSpPr>
+            <p:spPr>
+              <a:xfrm>
+                <a:off x="4065928" y="2389432"/>
+                <a:ext cx="339060" cy="347222"/>
+              </a:xfrm>
+              <a:prstGeom prst="ellipse">
+                <a:avLst/>
+              </a:prstGeom>
+              <a:solidFill>
+                <a:schemeClr val="accent1">
+                  <a:lumMod val="40000"/>
+                  <a:lumOff val="60000"/>
+                </a:schemeClr>
+              </a:solidFill>
+            </p:spPr>
+            <p:style>
+              <a:lnRef idx="2">
+                <a:schemeClr val="dk1"/>
+              </a:lnRef>
+              <a:fillRef idx="1">
+                <a:schemeClr val="lt1"/>
+              </a:fillRef>
+              <a:effectRef idx="0">
+                <a:schemeClr val="dk1"/>
+              </a:effectRef>
+              <a:fontRef idx="minor">
+                <a:schemeClr val="dk1"/>
+              </a:fontRef>
+            </p:style>
+            <p:txBody>
+              <a:bodyPr rtlCol="0" anchor="ctr"/>
+              <a:lstStyle/>
+              <a:p>
+                <a:pPr algn="ctr"/>
+                <a:r>
+                  <a:rPr lang="en-US" altLang="zh-CN" sz="1400"/>
+                  <a:t>E</a:t>
+                </a:r>
+                <a:endParaRPr lang="en-US" altLang="zh-CN" sz="1400" dirty="0"/>
+              </a:p>
+            </p:txBody>
+          </p:sp>
+          <p:sp>
+            <p:nvSpPr>
+              <p:cNvPr id="79" name="椭圆 78">
+                <a:extLst>
+                  <a:ext uri="{FF2B5EF4-FFF2-40B4-BE49-F238E27FC236}">
+                    <a16:creationId xmlns:a16="http://schemas.microsoft.com/office/drawing/2014/main" id="{A85C8CA4-02C4-43DE-B066-566301947EB7}"/>
+                  </a:ext>
+                </a:extLst>
+              </p:cNvPr>
+              <p:cNvSpPr/>
+              <p:nvPr/>
+            </p:nvSpPr>
+            <p:spPr>
+              <a:xfrm>
+                <a:off x="4614240" y="2385341"/>
+                <a:ext cx="339060" cy="347222"/>
+              </a:xfrm>
+              <a:prstGeom prst="ellipse">
+                <a:avLst/>
+              </a:prstGeom>
+              <a:solidFill>
+                <a:schemeClr val="tx2">
+                  <a:lumMod val="60000"/>
+                  <a:lumOff val="40000"/>
+                </a:schemeClr>
+              </a:solidFill>
+            </p:spPr>
+            <p:style>
+              <a:lnRef idx="2">
+                <a:schemeClr val="dk1"/>
+              </a:lnRef>
+              <a:fillRef idx="1">
+                <a:schemeClr val="lt1"/>
+              </a:fillRef>
+              <a:effectRef idx="0">
+                <a:schemeClr val="dk1"/>
+              </a:effectRef>
+              <a:fontRef idx="minor">
+                <a:schemeClr val="dk1"/>
+              </a:fontRef>
+            </p:style>
+            <p:txBody>
+              <a:bodyPr rtlCol="0" anchor="ctr"/>
+              <a:lstStyle/>
+              <a:p>
+                <a:pPr algn="ctr"/>
+                <a:r>
+                  <a:rPr lang="en-US" altLang="zh-CN" sz="1400" dirty="0"/>
+                  <a:t>A</a:t>
+                </a:r>
+              </a:p>
+            </p:txBody>
+          </p:sp>
+          <p:cxnSp>
+            <p:nvCxnSpPr>
+              <p:cNvPr id="80" name="直接连接符 79">
+                <a:extLst>
+                  <a:ext uri="{FF2B5EF4-FFF2-40B4-BE49-F238E27FC236}">
+                    <a16:creationId xmlns:a16="http://schemas.microsoft.com/office/drawing/2014/main" id="{5751B9FC-1986-4749-946C-8E9F0EA77411}"/>
+                  </a:ext>
+                </a:extLst>
+              </p:cNvPr>
+              <p:cNvCxnSpPr>
+                <a:cxnSpLocks/>
+                <a:stCxn id="76" idx="6"/>
+                <a:endCxn id="79" idx="2"/>
+              </p:cNvCxnSpPr>
+              <p:nvPr/>
+            </p:nvCxnSpPr>
+            <p:spPr>
+              <a:xfrm flipV="1">
+                <a:off x="4404988" y="2558953"/>
+                <a:ext cx="209252" cy="4091"/>
+              </a:xfrm>
+              <a:prstGeom prst="line">
+                <a:avLst/>
+              </a:prstGeom>
+              <a:ln>
+                <a:headEnd type="none" w="med" len="med"/>
+                <a:tailEnd type="none" w="med" len="med"/>
+              </a:ln>
+            </p:spPr>
+            <p:style>
+              <a:lnRef idx="2">
+                <a:schemeClr val="dk1"/>
+              </a:lnRef>
+              <a:fillRef idx="1">
+                <a:schemeClr val="lt1"/>
+              </a:fillRef>
+              <a:effectRef idx="0">
+                <a:schemeClr val="dk1"/>
+              </a:effectRef>
+              <a:fontRef idx="minor">
+                <a:schemeClr val="dk1"/>
+              </a:fontRef>
+            </p:style>
+          </p:cxnSp>
+        </p:grpSp>
+      </p:grpSp>
+      <p:grpSp>
+        <p:nvGrpSpPr>
+          <p:cNvPr id="84" name="组合 83">
+            <a:extLst>
+              <a:ext uri="{FF2B5EF4-FFF2-40B4-BE49-F238E27FC236}">
+                <a16:creationId xmlns:a16="http://schemas.microsoft.com/office/drawing/2014/main" id="{3E7E5BD8-C070-4C21-A05C-A68FD59D61D1}"/>
+              </a:ext>
+            </a:extLst>
+          </p:cNvPr>
+          <p:cNvGrpSpPr/>
+          <p:nvPr/>
+        </p:nvGrpSpPr>
+        <p:grpSpPr>
+          <a:xfrm>
+            <a:off x="3936952" y="4126608"/>
+            <a:ext cx="1079314" cy="204269"/>
+            <a:chOff x="3925229" y="2457270"/>
+            <a:chExt cx="1079314" cy="204269"/>
+          </a:xfrm>
+        </p:grpSpPr>
+        <p:grpSp>
+          <p:nvGrpSpPr>
+            <p:cNvPr id="85" name="组合 84">
+              <a:extLst>
+                <a:ext uri="{FF2B5EF4-FFF2-40B4-BE49-F238E27FC236}">
+                  <a16:creationId xmlns:a16="http://schemas.microsoft.com/office/drawing/2014/main" id="{0D14FAED-8D36-42A8-BBA5-AF46BE518CCE}"/>
+                </a:ext>
+              </a:extLst>
+            </p:cNvPr>
+            <p:cNvGrpSpPr/>
+            <p:nvPr/>
+          </p:nvGrpSpPr>
+          <p:grpSpPr>
+            <a:xfrm>
+              <a:off x="3925229" y="2463595"/>
+              <a:ext cx="499981" cy="197944"/>
+              <a:chOff x="4065928" y="2385341"/>
+              <a:chExt cx="887372" cy="351313"/>
+            </a:xfrm>
+          </p:grpSpPr>
+          <p:sp>
+            <p:nvSpPr>
+              <p:cNvPr id="91" name="椭圆 90">
+                <a:extLst>
+                  <a:ext uri="{FF2B5EF4-FFF2-40B4-BE49-F238E27FC236}">
+                    <a16:creationId xmlns:a16="http://schemas.microsoft.com/office/drawing/2014/main" id="{0DE52048-1E4F-445B-BD50-5734866082DD}"/>
+                  </a:ext>
+                </a:extLst>
+              </p:cNvPr>
+              <p:cNvSpPr/>
+              <p:nvPr/>
+            </p:nvSpPr>
+            <p:spPr>
+              <a:xfrm>
+                <a:off x="4065928" y="2389432"/>
+                <a:ext cx="339060" cy="347222"/>
+              </a:xfrm>
+              <a:prstGeom prst="ellipse">
+                <a:avLst/>
+              </a:prstGeom>
+              <a:solidFill>
+                <a:schemeClr val="accent4">
+                  <a:lumMod val="75000"/>
+                </a:schemeClr>
+              </a:solidFill>
+            </p:spPr>
+            <p:style>
+              <a:lnRef idx="2">
+                <a:schemeClr val="dk1"/>
+              </a:lnRef>
+              <a:fillRef idx="1">
+                <a:schemeClr val="lt1"/>
+              </a:fillRef>
+              <a:effectRef idx="0">
+                <a:schemeClr val="dk1"/>
+              </a:effectRef>
+              <a:fontRef idx="minor">
+                <a:schemeClr val="dk1"/>
+              </a:fontRef>
+            </p:style>
+            <p:txBody>
+              <a:bodyPr rtlCol="0" anchor="ctr"/>
+              <a:lstStyle/>
+              <a:p>
+                <a:pPr algn="ctr"/>
+                <a:r>
+                  <a:rPr lang="en-US" altLang="zh-CN" sz="1400" dirty="0"/>
+                  <a:t>B</a:t>
+                </a:r>
+              </a:p>
+            </p:txBody>
+          </p:sp>
+          <p:sp>
+            <p:nvSpPr>
+              <p:cNvPr id="92" name="椭圆 91">
+                <a:extLst>
+                  <a:ext uri="{FF2B5EF4-FFF2-40B4-BE49-F238E27FC236}">
+                    <a16:creationId xmlns:a16="http://schemas.microsoft.com/office/drawing/2014/main" id="{598E1AE4-D621-49FB-B9AE-4A8B45E3B3F9}"/>
+                  </a:ext>
+                </a:extLst>
+              </p:cNvPr>
+              <p:cNvSpPr/>
+              <p:nvPr/>
+            </p:nvSpPr>
+            <p:spPr>
+              <a:xfrm>
+                <a:off x="4614240" y="2385341"/>
+                <a:ext cx="339060" cy="347222"/>
+              </a:xfrm>
+              <a:prstGeom prst="ellipse">
+                <a:avLst/>
+              </a:prstGeom>
+              <a:solidFill>
+                <a:schemeClr val="accent1">
+                  <a:lumMod val="40000"/>
+                  <a:lumOff val="60000"/>
+                </a:schemeClr>
+              </a:solidFill>
+            </p:spPr>
+            <p:style>
+              <a:lnRef idx="2">
+                <a:schemeClr val="dk1"/>
+              </a:lnRef>
+              <a:fillRef idx="1">
+                <a:schemeClr val="lt1"/>
+              </a:fillRef>
+              <a:effectRef idx="0">
+                <a:schemeClr val="dk1"/>
+              </a:effectRef>
+              <a:fontRef idx="minor">
+                <a:schemeClr val="dk1"/>
+              </a:fontRef>
+            </p:style>
+            <p:txBody>
+              <a:bodyPr rtlCol="0" anchor="ctr"/>
+              <a:lstStyle/>
+              <a:p>
+                <a:pPr algn="ctr"/>
+                <a:r>
+                  <a:rPr lang="en-US" altLang="zh-CN" sz="1400" dirty="0"/>
+                  <a:t>E</a:t>
+                </a:r>
+              </a:p>
+            </p:txBody>
+          </p:sp>
+          <p:cxnSp>
+            <p:nvCxnSpPr>
+              <p:cNvPr id="93" name="直接连接符 92">
+                <a:extLst>
+                  <a:ext uri="{FF2B5EF4-FFF2-40B4-BE49-F238E27FC236}">
+                    <a16:creationId xmlns:a16="http://schemas.microsoft.com/office/drawing/2014/main" id="{49E43A3A-D7C5-4819-AD67-1655E9BE1CDB}"/>
+                  </a:ext>
+                </a:extLst>
+              </p:cNvPr>
+              <p:cNvCxnSpPr>
+                <a:cxnSpLocks/>
+                <a:stCxn id="91" idx="6"/>
+                <a:endCxn id="92" idx="2"/>
+              </p:cNvCxnSpPr>
+              <p:nvPr/>
+            </p:nvCxnSpPr>
+            <p:spPr>
+              <a:xfrm flipV="1">
+                <a:off x="4404988" y="2558953"/>
+                <a:ext cx="209252" cy="4091"/>
+              </a:xfrm>
+              <a:prstGeom prst="line">
+                <a:avLst/>
+              </a:prstGeom>
+              <a:ln>
+                <a:headEnd type="none" w="med" len="med"/>
+                <a:tailEnd type="none" w="med" len="med"/>
+              </a:ln>
+            </p:spPr>
+            <p:style>
+              <a:lnRef idx="2">
+                <a:schemeClr val="dk1"/>
+              </a:lnRef>
+              <a:fillRef idx="1">
+                <a:schemeClr val="lt1"/>
+              </a:fillRef>
+              <a:effectRef idx="0">
+                <a:schemeClr val="dk1"/>
+              </a:effectRef>
+              <a:fontRef idx="minor">
+                <a:schemeClr val="dk1"/>
+              </a:fontRef>
+            </p:style>
+          </p:cxnSp>
+        </p:grpSp>
+        <p:grpSp>
+          <p:nvGrpSpPr>
+            <p:cNvPr id="86" name="组合 85">
+              <a:extLst>
+                <a:ext uri="{FF2B5EF4-FFF2-40B4-BE49-F238E27FC236}">
+                  <a16:creationId xmlns:a16="http://schemas.microsoft.com/office/drawing/2014/main" id="{A6FC7B31-F6EA-4A6A-9821-1C5BC48A7A1A}"/>
+                </a:ext>
+              </a:extLst>
+            </p:cNvPr>
+            <p:cNvGrpSpPr/>
+            <p:nvPr/>
+          </p:nvGrpSpPr>
+          <p:grpSpPr>
+            <a:xfrm>
+              <a:off x="4504562" y="2457270"/>
+              <a:ext cx="499981" cy="197944"/>
+              <a:chOff x="4065928" y="2385341"/>
+              <a:chExt cx="887372" cy="351313"/>
+            </a:xfrm>
+          </p:grpSpPr>
+          <p:sp>
+            <p:nvSpPr>
+              <p:cNvPr id="87" name="椭圆 86">
+                <a:extLst>
+                  <a:ext uri="{FF2B5EF4-FFF2-40B4-BE49-F238E27FC236}">
+                    <a16:creationId xmlns:a16="http://schemas.microsoft.com/office/drawing/2014/main" id="{C6E3A59C-8C68-4E81-A372-2AD37BC7CF7A}"/>
+                  </a:ext>
+                </a:extLst>
+              </p:cNvPr>
+              <p:cNvSpPr/>
+              <p:nvPr/>
+            </p:nvSpPr>
+            <p:spPr>
+              <a:xfrm>
+                <a:off x="4065928" y="2389432"/>
+                <a:ext cx="339060" cy="347222"/>
+              </a:xfrm>
+              <a:prstGeom prst="ellipse">
+                <a:avLst/>
+              </a:prstGeom>
+              <a:solidFill>
+                <a:schemeClr val="accent1">
+                  <a:lumMod val="40000"/>
+                  <a:lumOff val="60000"/>
+                </a:schemeClr>
+              </a:solidFill>
+            </p:spPr>
+            <p:style>
+              <a:lnRef idx="2">
+                <a:schemeClr val="dk1"/>
+              </a:lnRef>
+              <a:fillRef idx="1">
+                <a:schemeClr val="lt1"/>
+              </a:fillRef>
+              <a:effectRef idx="0">
+                <a:schemeClr val="dk1"/>
+              </a:effectRef>
+              <a:fontRef idx="minor">
+                <a:schemeClr val="dk1"/>
+              </a:fontRef>
+            </p:style>
+            <p:txBody>
+              <a:bodyPr rtlCol="0" anchor="ctr"/>
+              <a:lstStyle/>
+              <a:p>
+                <a:pPr algn="ctr"/>
+                <a:r>
+                  <a:rPr lang="en-US" altLang="zh-CN" sz="1400" dirty="0"/>
+                  <a:t>E</a:t>
+                </a:r>
+              </a:p>
+            </p:txBody>
+          </p:sp>
+          <p:sp>
+            <p:nvSpPr>
+              <p:cNvPr id="88" name="椭圆 87">
+                <a:extLst>
+                  <a:ext uri="{FF2B5EF4-FFF2-40B4-BE49-F238E27FC236}">
+                    <a16:creationId xmlns:a16="http://schemas.microsoft.com/office/drawing/2014/main" id="{9EC6C097-127A-45C0-AB70-74388A264A8F}"/>
+                  </a:ext>
+                </a:extLst>
+              </p:cNvPr>
+              <p:cNvSpPr/>
+              <p:nvPr/>
+            </p:nvSpPr>
+            <p:spPr>
+              <a:xfrm>
+                <a:off x="4614240" y="2385341"/>
+                <a:ext cx="339060" cy="347222"/>
+              </a:xfrm>
+              <a:prstGeom prst="ellipse">
+                <a:avLst/>
+              </a:prstGeom>
+              <a:solidFill>
+                <a:schemeClr val="accent4">
+                  <a:lumMod val="75000"/>
+                </a:schemeClr>
+              </a:solidFill>
+            </p:spPr>
+            <p:style>
+              <a:lnRef idx="2">
+                <a:schemeClr val="dk1"/>
+              </a:lnRef>
+              <a:fillRef idx="1">
+                <a:schemeClr val="lt1"/>
+              </a:fillRef>
+              <a:effectRef idx="0">
+                <a:schemeClr val="dk1"/>
+              </a:effectRef>
+              <a:fontRef idx="minor">
+                <a:schemeClr val="dk1"/>
+              </a:fontRef>
+            </p:style>
+            <p:txBody>
+              <a:bodyPr rtlCol="0" anchor="ctr"/>
+              <a:lstStyle/>
+              <a:p>
+                <a:pPr algn="ctr"/>
+                <a:r>
+                  <a:rPr lang="en-US" altLang="zh-CN" sz="1400" dirty="0"/>
+                  <a:t>B</a:t>
+                </a:r>
+              </a:p>
+            </p:txBody>
+          </p:sp>
+          <p:cxnSp>
+            <p:nvCxnSpPr>
+              <p:cNvPr id="90" name="直接连接符 89">
+                <a:extLst>
+                  <a:ext uri="{FF2B5EF4-FFF2-40B4-BE49-F238E27FC236}">
+                    <a16:creationId xmlns:a16="http://schemas.microsoft.com/office/drawing/2014/main" id="{2726D202-3ADD-4EAF-A8DD-4747A7BCAD70}"/>
+                  </a:ext>
+                </a:extLst>
+              </p:cNvPr>
+              <p:cNvCxnSpPr>
+                <a:cxnSpLocks/>
+                <a:stCxn id="87" idx="6"/>
+                <a:endCxn id="88" idx="2"/>
+              </p:cNvCxnSpPr>
+              <p:nvPr/>
+            </p:nvCxnSpPr>
+            <p:spPr>
+              <a:xfrm flipV="1">
+                <a:off x="4404988" y="2558953"/>
+                <a:ext cx="209252" cy="4091"/>
+              </a:xfrm>
+              <a:prstGeom prst="line">
+                <a:avLst/>
+              </a:prstGeom>
+              <a:ln>
+                <a:headEnd type="none" w="med" len="med"/>
+                <a:tailEnd type="none" w="med" len="med"/>
+              </a:ln>
+            </p:spPr>
+            <p:style>
+              <a:lnRef idx="2">
+                <a:schemeClr val="dk1"/>
+              </a:lnRef>
+              <a:fillRef idx="1">
+                <a:schemeClr val="lt1"/>
+              </a:fillRef>
+              <a:effectRef idx="0">
+                <a:schemeClr val="dk1"/>
+              </a:effectRef>
+              <a:fontRef idx="minor">
+                <a:schemeClr val="dk1"/>
+              </a:fontRef>
+            </p:style>
+          </p:cxnSp>
+        </p:grpSp>
+      </p:grpSp>
+      <p:grpSp>
+        <p:nvGrpSpPr>
+          <p:cNvPr id="94" name="组合 93">
+            <a:extLst>
+              <a:ext uri="{FF2B5EF4-FFF2-40B4-BE49-F238E27FC236}">
+                <a16:creationId xmlns:a16="http://schemas.microsoft.com/office/drawing/2014/main" id="{76B48359-0F14-4FD2-9E66-B961ACD5ED66}"/>
+              </a:ext>
+            </a:extLst>
+          </p:cNvPr>
+          <p:cNvGrpSpPr/>
+          <p:nvPr/>
+        </p:nvGrpSpPr>
+        <p:grpSpPr>
+          <a:xfrm>
+            <a:off x="3926774" y="4535674"/>
+            <a:ext cx="1079314" cy="204269"/>
+            <a:chOff x="3925229" y="2457270"/>
+            <a:chExt cx="1079314" cy="204269"/>
+          </a:xfrm>
+        </p:grpSpPr>
+        <p:grpSp>
+          <p:nvGrpSpPr>
+            <p:cNvPr id="96" name="组合 95">
+              <a:extLst>
+                <a:ext uri="{FF2B5EF4-FFF2-40B4-BE49-F238E27FC236}">
+                  <a16:creationId xmlns:a16="http://schemas.microsoft.com/office/drawing/2014/main" id="{C263E8CB-8D03-4D49-A14A-370E286BB95B}"/>
+                </a:ext>
+              </a:extLst>
+            </p:cNvPr>
+            <p:cNvGrpSpPr/>
+            <p:nvPr/>
+          </p:nvGrpSpPr>
+          <p:grpSpPr>
+            <a:xfrm>
+              <a:off x="3925229" y="2463595"/>
+              <a:ext cx="499981" cy="197944"/>
+              <a:chOff x="4065928" y="2385341"/>
+              <a:chExt cx="887372" cy="351313"/>
+            </a:xfrm>
+          </p:grpSpPr>
+          <p:sp>
+            <p:nvSpPr>
+              <p:cNvPr id="101" name="椭圆 100">
+                <a:extLst>
+                  <a:ext uri="{FF2B5EF4-FFF2-40B4-BE49-F238E27FC236}">
+                    <a16:creationId xmlns:a16="http://schemas.microsoft.com/office/drawing/2014/main" id="{A9679F6B-19A1-4164-94B5-600F0E4214E7}"/>
+                  </a:ext>
+                </a:extLst>
+              </p:cNvPr>
+              <p:cNvSpPr/>
+              <p:nvPr/>
+            </p:nvSpPr>
+            <p:spPr>
+              <a:xfrm>
+                <a:off x="4065928" y="2389432"/>
+                <a:ext cx="339060" cy="347222"/>
+              </a:xfrm>
+              <a:prstGeom prst="ellipse">
+                <a:avLst/>
+              </a:prstGeom>
+              <a:solidFill>
+                <a:schemeClr val="accent1">
+                  <a:lumMod val="40000"/>
+                  <a:lumOff val="60000"/>
+                </a:schemeClr>
+              </a:solidFill>
+            </p:spPr>
+            <p:style>
+              <a:lnRef idx="2">
+                <a:schemeClr val="dk1"/>
+              </a:lnRef>
+              <a:fillRef idx="1">
+                <a:schemeClr val="lt1"/>
+              </a:fillRef>
+              <a:effectRef idx="0">
+                <a:schemeClr val="dk1"/>
+              </a:effectRef>
+              <a:fontRef idx="minor">
+                <a:schemeClr val="dk1"/>
+              </a:fontRef>
+            </p:style>
+            <p:txBody>
+              <a:bodyPr rtlCol="0" anchor="ctr"/>
+              <a:lstStyle/>
+              <a:p>
+                <a:pPr algn="ctr"/>
+                <a:r>
+                  <a:rPr lang="en-US" altLang="zh-CN" sz="1400" dirty="0"/>
+                  <a:t>E</a:t>
+                </a:r>
+              </a:p>
+            </p:txBody>
+          </p:sp>
+          <p:sp>
+            <p:nvSpPr>
+              <p:cNvPr id="102" name="椭圆 101">
+                <a:extLst>
+                  <a:ext uri="{FF2B5EF4-FFF2-40B4-BE49-F238E27FC236}">
+                    <a16:creationId xmlns:a16="http://schemas.microsoft.com/office/drawing/2014/main" id="{A142E42A-8909-42C2-8A07-B031EED1EA7B}"/>
+                  </a:ext>
+                </a:extLst>
+              </p:cNvPr>
+              <p:cNvSpPr/>
+              <p:nvPr/>
+            </p:nvSpPr>
+            <p:spPr>
+              <a:xfrm>
+                <a:off x="4614240" y="2385341"/>
+                <a:ext cx="339060" cy="347222"/>
+              </a:xfrm>
+              <a:prstGeom prst="ellipse">
+                <a:avLst/>
+              </a:prstGeom>
+              <a:solidFill>
+                <a:schemeClr val="accent2">
+                  <a:lumMod val="75000"/>
+                </a:schemeClr>
+              </a:solidFill>
+            </p:spPr>
+            <p:style>
+              <a:lnRef idx="2">
+                <a:schemeClr val="dk1"/>
+              </a:lnRef>
+              <a:fillRef idx="1">
+                <a:schemeClr val="lt1"/>
+              </a:fillRef>
+              <a:effectRef idx="0">
+                <a:schemeClr val="dk1"/>
+              </a:effectRef>
+              <a:fontRef idx="minor">
+                <a:schemeClr val="dk1"/>
+              </a:fontRef>
+            </p:style>
+            <p:txBody>
+              <a:bodyPr rtlCol="0" anchor="ctr"/>
+              <a:lstStyle/>
+              <a:p>
+                <a:pPr algn="ctr"/>
+                <a:r>
+                  <a:rPr lang="en-US" altLang="zh-CN" sz="1400" dirty="0"/>
+                  <a:t>F</a:t>
+                </a:r>
+              </a:p>
+            </p:txBody>
+          </p:sp>
+          <p:cxnSp>
+            <p:nvCxnSpPr>
+              <p:cNvPr id="103" name="直接连接符 102">
+                <a:extLst>
+                  <a:ext uri="{FF2B5EF4-FFF2-40B4-BE49-F238E27FC236}">
+                    <a16:creationId xmlns:a16="http://schemas.microsoft.com/office/drawing/2014/main" id="{CBC0CDDE-51C4-4974-8299-CCB45AADC263}"/>
+                  </a:ext>
+                </a:extLst>
+              </p:cNvPr>
+              <p:cNvCxnSpPr>
+                <a:cxnSpLocks/>
+                <a:stCxn id="101" idx="6"/>
+                <a:endCxn id="102" idx="2"/>
+              </p:cNvCxnSpPr>
+              <p:nvPr/>
+            </p:nvCxnSpPr>
+            <p:spPr>
+              <a:xfrm flipV="1">
+                <a:off x="4404988" y="2558953"/>
+                <a:ext cx="209252" cy="4091"/>
+              </a:xfrm>
+              <a:prstGeom prst="line">
+                <a:avLst/>
+              </a:prstGeom>
+              <a:ln>
+                <a:headEnd type="none" w="med" len="med"/>
+                <a:tailEnd type="none" w="med" len="med"/>
+              </a:ln>
+            </p:spPr>
+            <p:style>
+              <a:lnRef idx="2">
+                <a:schemeClr val="dk1"/>
+              </a:lnRef>
+              <a:fillRef idx="1">
+                <a:schemeClr val="lt1"/>
+              </a:fillRef>
+              <a:effectRef idx="0">
+                <a:schemeClr val="dk1"/>
+              </a:effectRef>
+              <a:fontRef idx="minor">
+                <a:schemeClr val="dk1"/>
+              </a:fontRef>
+            </p:style>
+          </p:cxnSp>
+        </p:grpSp>
+        <p:grpSp>
+          <p:nvGrpSpPr>
+            <p:cNvPr id="97" name="组合 96">
+              <a:extLst>
+                <a:ext uri="{FF2B5EF4-FFF2-40B4-BE49-F238E27FC236}">
+                  <a16:creationId xmlns:a16="http://schemas.microsoft.com/office/drawing/2014/main" id="{441329D3-24FC-4539-9C3B-C56AED364573}"/>
+                </a:ext>
+              </a:extLst>
+            </p:cNvPr>
+            <p:cNvGrpSpPr/>
+            <p:nvPr/>
+          </p:nvGrpSpPr>
+          <p:grpSpPr>
+            <a:xfrm>
+              <a:off x="4504562" y="2457270"/>
+              <a:ext cx="499981" cy="197944"/>
+              <a:chOff x="4065928" y="2385341"/>
+              <a:chExt cx="887372" cy="351313"/>
+            </a:xfrm>
+          </p:grpSpPr>
+          <p:sp>
+            <p:nvSpPr>
+              <p:cNvPr id="98" name="椭圆 97">
+                <a:extLst>
+                  <a:ext uri="{FF2B5EF4-FFF2-40B4-BE49-F238E27FC236}">
+                    <a16:creationId xmlns:a16="http://schemas.microsoft.com/office/drawing/2014/main" id="{00E770A7-D361-4B5B-B757-23D050689064}"/>
+                  </a:ext>
+                </a:extLst>
+              </p:cNvPr>
+              <p:cNvSpPr/>
+              <p:nvPr/>
+            </p:nvSpPr>
+            <p:spPr>
+              <a:xfrm>
+                <a:off x="4065928" y="2389432"/>
+                <a:ext cx="339060" cy="347222"/>
+              </a:xfrm>
+              <a:prstGeom prst="ellipse">
+                <a:avLst/>
+              </a:prstGeom>
+              <a:solidFill>
+                <a:schemeClr val="accent2">
+                  <a:lumMod val="75000"/>
+                </a:schemeClr>
+              </a:solidFill>
+            </p:spPr>
+            <p:style>
+              <a:lnRef idx="2">
+                <a:schemeClr val="dk1"/>
+              </a:lnRef>
+              <a:fillRef idx="1">
+                <a:schemeClr val="lt1"/>
+              </a:fillRef>
+              <a:effectRef idx="0">
+                <a:schemeClr val="dk1"/>
+              </a:effectRef>
+              <a:fontRef idx="minor">
+                <a:schemeClr val="dk1"/>
+              </a:fontRef>
+            </p:style>
+            <p:txBody>
+              <a:bodyPr rtlCol="0" anchor="ctr"/>
+              <a:lstStyle/>
+              <a:p>
+                <a:pPr algn="ctr"/>
+                <a:r>
+                  <a:rPr lang="en-US" altLang="zh-CN" sz="1400" dirty="0"/>
+                  <a:t>F</a:t>
+                </a:r>
+              </a:p>
+            </p:txBody>
+          </p:sp>
+          <p:sp>
+            <p:nvSpPr>
+              <p:cNvPr id="99" name="椭圆 98">
+                <a:extLst>
+                  <a:ext uri="{FF2B5EF4-FFF2-40B4-BE49-F238E27FC236}">
+                    <a16:creationId xmlns:a16="http://schemas.microsoft.com/office/drawing/2014/main" id="{4C7F8894-CE04-4B15-B02D-55A866A4C3D8}"/>
+                  </a:ext>
+                </a:extLst>
+              </p:cNvPr>
+              <p:cNvSpPr/>
+              <p:nvPr/>
+            </p:nvSpPr>
+            <p:spPr>
+              <a:xfrm>
+                <a:off x="4614240" y="2385341"/>
+                <a:ext cx="339060" cy="347222"/>
+              </a:xfrm>
+              <a:prstGeom prst="ellipse">
+                <a:avLst/>
+              </a:prstGeom>
+              <a:solidFill>
+                <a:schemeClr val="accent1">
+                  <a:lumMod val="40000"/>
+                  <a:lumOff val="60000"/>
+                </a:schemeClr>
+              </a:solidFill>
+            </p:spPr>
+            <p:style>
+              <a:lnRef idx="2">
+                <a:schemeClr val="dk1"/>
+              </a:lnRef>
+              <a:fillRef idx="1">
+                <a:schemeClr val="lt1"/>
+              </a:fillRef>
+              <a:effectRef idx="0">
+                <a:schemeClr val="dk1"/>
+              </a:effectRef>
+              <a:fontRef idx="minor">
+                <a:schemeClr val="dk1"/>
+              </a:fontRef>
+            </p:style>
+            <p:txBody>
+              <a:bodyPr rtlCol="0" anchor="ctr"/>
+              <a:lstStyle/>
+              <a:p>
+                <a:pPr algn="ctr"/>
+                <a:r>
+                  <a:rPr lang="en-US" altLang="zh-CN" sz="1400" dirty="0"/>
+                  <a:t>E</a:t>
+                </a:r>
+              </a:p>
+            </p:txBody>
+          </p:sp>
+          <p:cxnSp>
+            <p:nvCxnSpPr>
+              <p:cNvPr id="100" name="直接连接符 99">
+                <a:extLst>
+                  <a:ext uri="{FF2B5EF4-FFF2-40B4-BE49-F238E27FC236}">
+                    <a16:creationId xmlns:a16="http://schemas.microsoft.com/office/drawing/2014/main" id="{9C3C871D-3B66-433F-A3A3-4933EAB17879}"/>
+                  </a:ext>
+                </a:extLst>
+              </p:cNvPr>
+              <p:cNvCxnSpPr>
+                <a:cxnSpLocks/>
+                <a:stCxn id="98" idx="6"/>
+                <a:endCxn id="99" idx="2"/>
+              </p:cNvCxnSpPr>
+              <p:nvPr/>
+            </p:nvCxnSpPr>
+            <p:spPr>
+              <a:xfrm flipV="1">
+                <a:off x="4404988" y="2558953"/>
+                <a:ext cx="209252" cy="4091"/>
+              </a:xfrm>
+              <a:prstGeom prst="line">
+                <a:avLst/>
+              </a:prstGeom>
+              <a:ln>
+                <a:headEnd type="none" w="med" len="med"/>
+                <a:tailEnd type="none" w="med" len="med"/>
+              </a:ln>
+            </p:spPr>
+            <p:style>
+              <a:lnRef idx="2">
+                <a:schemeClr val="dk1"/>
+              </a:lnRef>
+              <a:fillRef idx="1">
+                <a:schemeClr val="lt1"/>
+              </a:fillRef>
+              <a:effectRef idx="0">
+                <a:schemeClr val="dk1"/>
+              </a:effectRef>
+              <a:fontRef idx="minor">
+                <a:schemeClr val="dk1"/>
+              </a:fontRef>
+            </p:style>
+          </p:cxnSp>
+        </p:grpSp>
+      </p:grpSp>
+    </p:spTree>
+    <p:extLst>
+      <p:ext uri="{BB962C8B-B14F-4D97-AF65-F5344CB8AC3E}">
+        <p14:creationId xmlns:p14="http://schemas.microsoft.com/office/powerpoint/2010/main" val="1990495803"/>
       </p:ext>
     </p:extLst>
   </p:cSld>

--- a/MineThesis new struct/other/流程图.pptx
+++ b/MineThesis new struct/other/流程图.pptx
@@ -9,6 +9,7 @@
     <p:sldId id="257" r:id="rId3"/>
     <p:sldId id="258" r:id="rId4"/>
     <p:sldId id="259" r:id="rId5"/>
+    <p:sldId id="260" r:id="rId6"/>
   </p:sldIdLst>
   <p:sldSz cx="12192000" cy="6858000"/>
   <p:notesSz cx="6858000" cy="9144000"/>
@@ -8078,615 +8079,6 @@
           <a:chExt cx="0" cy="0"/>
         </a:xfrm>
       </p:grpSpPr>
-      <p:sp>
-        <p:nvSpPr>
-          <p:cNvPr id="33" name="椭圆 32">
-            <a:extLst>
-              <a:ext uri="{FF2B5EF4-FFF2-40B4-BE49-F238E27FC236}">
-                <a16:creationId xmlns:a16="http://schemas.microsoft.com/office/drawing/2014/main" id="{0EF6B1DF-23E8-402C-8076-98BB56C08DA0}"/>
-              </a:ext>
-            </a:extLst>
-          </p:cNvPr>
-          <p:cNvSpPr/>
-          <p:nvPr/>
-        </p:nvSpPr>
-        <p:spPr>
-          <a:xfrm>
-            <a:off x="10591097" y="3658174"/>
-            <a:ext cx="252000" cy="252000"/>
-          </a:xfrm>
-          <a:prstGeom prst="ellipse">
-            <a:avLst/>
-          </a:prstGeom>
-          <a:solidFill>
-            <a:schemeClr val="accent1">
-              <a:lumMod val="75000"/>
-            </a:schemeClr>
-          </a:solidFill>
-        </p:spPr>
-        <p:style>
-          <a:lnRef idx="2">
-            <a:schemeClr val="accent1">
-              <a:shade val="50000"/>
-            </a:schemeClr>
-          </a:lnRef>
-          <a:fillRef idx="1">
-            <a:schemeClr val="accent1"/>
-          </a:fillRef>
-          <a:effectRef idx="0">
-            <a:schemeClr val="accent1"/>
-          </a:effectRef>
-          <a:fontRef idx="minor">
-            <a:schemeClr val="lt1"/>
-          </a:fontRef>
-        </p:style>
-        <p:txBody>
-          <a:bodyPr rtlCol="0" anchor="ctr"/>
-          <a:lstStyle/>
-          <a:p>
-            <a:pPr algn="ctr"/>
-            <a:r>
-              <a:rPr lang="en-US" altLang="zh-CN" sz="1200" dirty="0"/>
-              <a:t>E</a:t>
-            </a:r>
-            <a:endParaRPr lang="zh-CN" altLang="en-US" sz="1200" dirty="0"/>
-          </a:p>
-        </p:txBody>
-      </p:sp>
-      <p:sp>
-        <p:nvSpPr>
-          <p:cNvPr id="34" name="椭圆 33">
-            <a:extLst>
-              <a:ext uri="{FF2B5EF4-FFF2-40B4-BE49-F238E27FC236}">
-                <a16:creationId xmlns:a16="http://schemas.microsoft.com/office/drawing/2014/main" id="{3195ECA6-2B61-41B5-8774-17702FDDD128}"/>
-              </a:ext>
-            </a:extLst>
-          </p:cNvPr>
-          <p:cNvSpPr/>
-          <p:nvPr/>
-        </p:nvSpPr>
-        <p:spPr>
-          <a:xfrm>
-            <a:off x="10643287" y="2391539"/>
-            <a:ext cx="252000" cy="252000"/>
-          </a:xfrm>
-          <a:prstGeom prst="ellipse">
-            <a:avLst/>
-          </a:prstGeom>
-          <a:solidFill>
-            <a:schemeClr val="accent1">
-              <a:lumMod val="75000"/>
-            </a:schemeClr>
-          </a:solidFill>
-        </p:spPr>
-        <p:style>
-          <a:lnRef idx="2">
-            <a:schemeClr val="accent1">
-              <a:shade val="50000"/>
-            </a:schemeClr>
-          </a:lnRef>
-          <a:fillRef idx="1">
-            <a:schemeClr val="accent1"/>
-          </a:fillRef>
-          <a:effectRef idx="0">
-            <a:schemeClr val="accent1"/>
-          </a:effectRef>
-          <a:fontRef idx="minor">
-            <a:schemeClr val="lt1"/>
-          </a:fontRef>
-        </p:style>
-        <p:txBody>
-          <a:bodyPr rtlCol="0" anchor="ctr"/>
-          <a:lstStyle/>
-          <a:p>
-            <a:pPr algn="ctr"/>
-            <a:r>
-              <a:rPr lang="en-US" altLang="zh-CN" sz="1200" dirty="0"/>
-              <a:t>B</a:t>
-            </a:r>
-          </a:p>
-        </p:txBody>
-      </p:sp>
-      <p:sp>
-        <p:nvSpPr>
-          <p:cNvPr id="39" name="椭圆 38">
-            <a:extLst>
-              <a:ext uri="{FF2B5EF4-FFF2-40B4-BE49-F238E27FC236}">
-                <a16:creationId xmlns:a16="http://schemas.microsoft.com/office/drawing/2014/main" id="{BE3080E9-8AA7-466D-962B-5F301E861CE4}"/>
-              </a:ext>
-            </a:extLst>
-          </p:cNvPr>
-          <p:cNvSpPr/>
-          <p:nvPr/>
-        </p:nvSpPr>
-        <p:spPr>
-          <a:xfrm>
-            <a:off x="9302862" y="3828135"/>
-            <a:ext cx="252000" cy="252000"/>
-          </a:xfrm>
-          <a:prstGeom prst="ellipse">
-            <a:avLst/>
-          </a:prstGeom>
-          <a:solidFill>
-            <a:schemeClr val="accent1">
-              <a:lumMod val="75000"/>
-            </a:schemeClr>
-          </a:solidFill>
-        </p:spPr>
-        <p:style>
-          <a:lnRef idx="2">
-            <a:schemeClr val="accent1">
-              <a:shade val="50000"/>
-            </a:schemeClr>
-          </a:lnRef>
-          <a:fillRef idx="1">
-            <a:schemeClr val="accent1"/>
-          </a:fillRef>
-          <a:effectRef idx="0">
-            <a:schemeClr val="accent1"/>
-          </a:effectRef>
-          <a:fontRef idx="minor">
-            <a:schemeClr val="lt1"/>
-          </a:fontRef>
-        </p:style>
-        <p:txBody>
-          <a:bodyPr rtlCol="0" anchor="ctr"/>
-          <a:lstStyle/>
-          <a:p>
-            <a:pPr algn="ctr"/>
-            <a:r>
-              <a:rPr lang="en-US" altLang="zh-CN" sz="1200" dirty="0"/>
-              <a:t>D</a:t>
-            </a:r>
-            <a:endParaRPr lang="zh-CN" altLang="en-US" sz="1200" dirty="0"/>
-          </a:p>
-        </p:txBody>
-      </p:sp>
-      <p:cxnSp>
-        <p:nvCxnSpPr>
-          <p:cNvPr id="16" name="直接连接符 15">
-            <a:extLst>
-              <a:ext uri="{FF2B5EF4-FFF2-40B4-BE49-F238E27FC236}">
-                <a16:creationId xmlns:a16="http://schemas.microsoft.com/office/drawing/2014/main" id="{60058B54-B6C8-4FE0-8F6C-DDD4DF299D7E}"/>
-              </a:ext>
-            </a:extLst>
-          </p:cNvPr>
-          <p:cNvCxnSpPr>
-            <a:cxnSpLocks/>
-            <a:stCxn id="95" idx="5"/>
-            <a:endCxn id="89" idx="1"/>
-          </p:cNvCxnSpPr>
-          <p:nvPr/>
-        </p:nvCxnSpPr>
-        <p:spPr>
-          <a:xfrm>
-            <a:off x="9545531" y="2337318"/>
-            <a:ext cx="518423" cy="648443"/>
-          </a:xfrm>
-          <a:prstGeom prst="line">
-            <a:avLst/>
-          </a:prstGeom>
-          <a:ln w="28575">
-            <a:solidFill>
-              <a:schemeClr val="accent1">
-                <a:lumMod val="75000"/>
-              </a:schemeClr>
-            </a:solidFill>
-            <a:headEnd type="none" w="med" len="med"/>
-            <a:tailEnd type="triangle" w="med" len="med"/>
-          </a:ln>
-        </p:spPr>
-        <p:style>
-          <a:lnRef idx="1">
-            <a:schemeClr val="accent2"/>
-          </a:lnRef>
-          <a:fillRef idx="0">
-            <a:schemeClr val="accent2"/>
-          </a:fillRef>
-          <a:effectRef idx="0">
-            <a:schemeClr val="accent2"/>
-          </a:effectRef>
-          <a:fontRef idx="minor">
-            <a:schemeClr val="tx1"/>
-          </a:fontRef>
-        </p:style>
-      </p:cxnSp>
-      <p:cxnSp>
-        <p:nvCxnSpPr>
-          <p:cNvPr id="47" name="直接连接符 46">
-            <a:extLst>
-              <a:ext uri="{FF2B5EF4-FFF2-40B4-BE49-F238E27FC236}">
-                <a16:creationId xmlns:a16="http://schemas.microsoft.com/office/drawing/2014/main" id="{738844C0-D418-4740-8FB0-7170AEF30B6D}"/>
-              </a:ext>
-            </a:extLst>
-          </p:cNvPr>
-          <p:cNvCxnSpPr>
-            <a:cxnSpLocks/>
-            <a:stCxn id="33" idx="1"/>
-            <a:endCxn id="89" idx="5"/>
-          </p:cNvCxnSpPr>
-          <p:nvPr/>
-        </p:nvCxnSpPr>
-        <p:spPr>
-          <a:xfrm flipH="1" flipV="1">
-            <a:off x="10242144" y="3163951"/>
-            <a:ext cx="385858" cy="531128"/>
-          </a:xfrm>
-          <a:prstGeom prst="line">
-            <a:avLst/>
-          </a:prstGeom>
-          <a:ln w="28575">
-            <a:solidFill>
-              <a:schemeClr val="accent1">
-                <a:lumMod val="75000"/>
-              </a:schemeClr>
-            </a:solidFill>
-            <a:headEnd type="none" w="med" len="med"/>
-            <a:tailEnd type="triangle" w="med" len="med"/>
-          </a:ln>
-        </p:spPr>
-        <p:style>
-          <a:lnRef idx="1">
-            <a:schemeClr val="accent1"/>
-          </a:lnRef>
-          <a:fillRef idx="0">
-            <a:schemeClr val="accent1"/>
-          </a:fillRef>
-          <a:effectRef idx="0">
-            <a:schemeClr val="accent1"/>
-          </a:effectRef>
-          <a:fontRef idx="minor">
-            <a:schemeClr val="tx1"/>
-          </a:fontRef>
-        </p:style>
-      </p:cxnSp>
-      <p:cxnSp>
-        <p:nvCxnSpPr>
-          <p:cNvPr id="48" name="直接连接符 47">
-            <a:extLst>
-              <a:ext uri="{FF2B5EF4-FFF2-40B4-BE49-F238E27FC236}">
-                <a16:creationId xmlns:a16="http://schemas.microsoft.com/office/drawing/2014/main" id="{557E9F34-8C47-4C70-90C1-B8E0C8232941}"/>
-              </a:ext>
-            </a:extLst>
-          </p:cNvPr>
-          <p:cNvCxnSpPr>
-            <a:cxnSpLocks/>
-            <a:stCxn id="34" idx="4"/>
-            <a:endCxn id="33" idx="0"/>
-          </p:cNvCxnSpPr>
-          <p:nvPr/>
-        </p:nvCxnSpPr>
-        <p:spPr>
-          <a:xfrm flipH="1">
-            <a:off x="10717097" y="2643539"/>
-            <a:ext cx="52190" cy="1014635"/>
-          </a:xfrm>
-          <a:prstGeom prst="line">
-            <a:avLst/>
-          </a:prstGeom>
-          <a:ln>
-            <a:prstDash val="lgDash"/>
-          </a:ln>
-        </p:spPr>
-        <p:style>
-          <a:lnRef idx="1">
-            <a:schemeClr val="accent1"/>
-          </a:lnRef>
-          <a:fillRef idx="0">
-            <a:schemeClr val="accent1"/>
-          </a:fillRef>
-          <a:effectRef idx="0">
-            <a:schemeClr val="accent1"/>
-          </a:effectRef>
-          <a:fontRef idx="minor">
-            <a:schemeClr val="tx1"/>
-          </a:fontRef>
-        </p:style>
-      </p:cxnSp>
-      <p:cxnSp>
-        <p:nvCxnSpPr>
-          <p:cNvPr id="49" name="直接连接符 48">
-            <a:extLst>
-              <a:ext uri="{FF2B5EF4-FFF2-40B4-BE49-F238E27FC236}">
-                <a16:creationId xmlns:a16="http://schemas.microsoft.com/office/drawing/2014/main" id="{A52A5884-5AF8-40DD-BF4A-4030176D7512}"/>
-              </a:ext>
-            </a:extLst>
-          </p:cNvPr>
-          <p:cNvCxnSpPr>
-            <a:cxnSpLocks/>
-            <a:stCxn id="39" idx="7"/>
-            <a:endCxn id="89" idx="3"/>
-          </p:cNvCxnSpPr>
-          <p:nvPr/>
-        </p:nvCxnSpPr>
-        <p:spPr>
-          <a:xfrm flipV="1">
-            <a:off x="9517957" y="3163951"/>
-            <a:ext cx="545997" cy="701089"/>
-          </a:xfrm>
-          <a:prstGeom prst="line">
-            <a:avLst/>
-          </a:prstGeom>
-          <a:ln w="28575">
-            <a:solidFill>
-              <a:schemeClr val="accent1">
-                <a:lumMod val="75000"/>
-              </a:schemeClr>
-            </a:solidFill>
-            <a:headEnd type="none" w="med" len="med"/>
-            <a:tailEnd type="triangle" w="med" len="med"/>
-          </a:ln>
-        </p:spPr>
-        <p:style>
-          <a:lnRef idx="1">
-            <a:schemeClr val="accent1"/>
-          </a:lnRef>
-          <a:fillRef idx="0">
-            <a:schemeClr val="accent1"/>
-          </a:fillRef>
-          <a:effectRef idx="0">
-            <a:schemeClr val="accent1"/>
-          </a:effectRef>
-          <a:fontRef idx="minor">
-            <a:schemeClr val="tx1"/>
-          </a:fontRef>
-        </p:style>
-      </p:cxnSp>
-      <p:cxnSp>
-        <p:nvCxnSpPr>
-          <p:cNvPr id="50" name="直接连接符 49">
-            <a:extLst>
-              <a:ext uri="{FF2B5EF4-FFF2-40B4-BE49-F238E27FC236}">
-                <a16:creationId xmlns:a16="http://schemas.microsoft.com/office/drawing/2014/main" id="{11EA9028-B918-482B-A32E-D549560152CB}"/>
-              </a:ext>
-            </a:extLst>
-          </p:cNvPr>
-          <p:cNvCxnSpPr>
-            <a:cxnSpLocks/>
-            <a:stCxn id="34" idx="3"/>
-            <a:endCxn id="89" idx="7"/>
-          </p:cNvCxnSpPr>
-          <p:nvPr/>
-        </p:nvCxnSpPr>
-        <p:spPr>
-          <a:xfrm flipH="1">
-            <a:off x="10242144" y="2606634"/>
-            <a:ext cx="438048" cy="379127"/>
-          </a:xfrm>
-          <a:prstGeom prst="line">
-            <a:avLst/>
-          </a:prstGeom>
-          <a:ln w="28575">
-            <a:solidFill>
-              <a:schemeClr val="accent1">
-                <a:lumMod val="75000"/>
-              </a:schemeClr>
-            </a:solidFill>
-            <a:headEnd type="none" w="med" len="med"/>
-            <a:tailEnd type="triangle" w="med" len="med"/>
-          </a:ln>
-        </p:spPr>
-        <p:style>
-          <a:lnRef idx="1">
-            <a:schemeClr val="accent1"/>
-          </a:lnRef>
-          <a:fillRef idx="0">
-            <a:schemeClr val="accent1"/>
-          </a:fillRef>
-          <a:effectRef idx="0">
-            <a:schemeClr val="accent1"/>
-          </a:effectRef>
-          <a:fontRef idx="minor">
-            <a:schemeClr val="tx1"/>
-          </a:fontRef>
-        </p:style>
-      </p:cxnSp>
-      <p:sp>
-        <p:nvSpPr>
-          <p:cNvPr id="77" name="椭圆 76">
-            <a:extLst>
-              <a:ext uri="{FF2B5EF4-FFF2-40B4-BE49-F238E27FC236}">
-                <a16:creationId xmlns:a16="http://schemas.microsoft.com/office/drawing/2014/main" id="{24D57878-AD2C-4D02-AB18-3512E81BDC0D}"/>
-              </a:ext>
-            </a:extLst>
-          </p:cNvPr>
-          <p:cNvSpPr/>
-          <p:nvPr/>
-        </p:nvSpPr>
-        <p:spPr>
-          <a:xfrm>
-            <a:off x="11538237" y="3479376"/>
-            <a:ext cx="252000" cy="252000"/>
-          </a:xfrm>
-          <a:prstGeom prst="ellipse">
-            <a:avLst/>
-          </a:prstGeom>
-          <a:solidFill>
-            <a:schemeClr val="accent1">
-              <a:lumMod val="75000"/>
-            </a:schemeClr>
-          </a:solidFill>
-        </p:spPr>
-        <p:style>
-          <a:lnRef idx="2">
-            <a:schemeClr val="accent1">
-              <a:shade val="50000"/>
-            </a:schemeClr>
-          </a:lnRef>
-          <a:fillRef idx="1">
-            <a:schemeClr val="accent1"/>
-          </a:fillRef>
-          <a:effectRef idx="0">
-            <a:schemeClr val="accent1"/>
-          </a:effectRef>
-          <a:fontRef idx="minor">
-            <a:schemeClr val="lt1"/>
-          </a:fontRef>
-        </p:style>
-        <p:txBody>
-          <a:bodyPr rtlCol="0" anchor="ctr"/>
-          <a:lstStyle/>
-          <a:p>
-            <a:pPr algn="ctr"/>
-            <a:r>
-              <a:rPr lang="en-US" altLang="zh-CN" sz="1200" dirty="0"/>
-              <a:t>F</a:t>
-            </a:r>
-            <a:endParaRPr lang="zh-CN" altLang="en-US" sz="1200" dirty="0"/>
-          </a:p>
-        </p:txBody>
-      </p:sp>
-      <p:cxnSp>
-        <p:nvCxnSpPr>
-          <p:cNvPr id="78" name="直接连接符 77">
-            <a:extLst>
-              <a:ext uri="{FF2B5EF4-FFF2-40B4-BE49-F238E27FC236}">
-                <a16:creationId xmlns:a16="http://schemas.microsoft.com/office/drawing/2014/main" id="{1BE65F0B-37C4-4776-B8DC-45DDF38934E4}"/>
-              </a:ext>
-            </a:extLst>
-          </p:cNvPr>
-          <p:cNvCxnSpPr>
-            <a:cxnSpLocks/>
-            <a:stCxn id="77" idx="2"/>
-            <a:endCxn id="33" idx="6"/>
-          </p:cNvCxnSpPr>
-          <p:nvPr/>
-        </p:nvCxnSpPr>
-        <p:spPr>
-          <a:xfrm flipH="1">
-            <a:off x="10843097" y="3605376"/>
-            <a:ext cx="695140" cy="178798"/>
-          </a:xfrm>
-          <a:prstGeom prst="line">
-            <a:avLst/>
-          </a:prstGeom>
-          <a:ln>
-            <a:prstDash val="lgDash"/>
-          </a:ln>
-        </p:spPr>
-        <p:style>
-          <a:lnRef idx="1">
-            <a:schemeClr val="accent1"/>
-          </a:lnRef>
-          <a:fillRef idx="0">
-            <a:schemeClr val="accent1"/>
-          </a:fillRef>
-          <a:effectRef idx="0">
-            <a:schemeClr val="accent1"/>
-          </a:effectRef>
-          <a:fontRef idx="minor">
-            <a:schemeClr val="tx1"/>
-          </a:fontRef>
-        </p:style>
-      </p:cxnSp>
-      <p:sp>
-        <p:nvSpPr>
-          <p:cNvPr id="89" name="椭圆 88">
-            <a:extLst>
-              <a:ext uri="{FF2B5EF4-FFF2-40B4-BE49-F238E27FC236}">
-                <a16:creationId xmlns:a16="http://schemas.microsoft.com/office/drawing/2014/main" id="{D550309A-17A0-4BF6-AEAE-7797E3422644}"/>
-              </a:ext>
-            </a:extLst>
-          </p:cNvPr>
-          <p:cNvSpPr/>
-          <p:nvPr/>
-        </p:nvSpPr>
-        <p:spPr>
-          <a:xfrm>
-            <a:off x="10027049" y="2948856"/>
-            <a:ext cx="252000" cy="252000"/>
-          </a:xfrm>
-          <a:prstGeom prst="ellipse">
-            <a:avLst/>
-          </a:prstGeom>
-          <a:solidFill>
-            <a:schemeClr val="accent1">
-              <a:lumMod val="75000"/>
-            </a:schemeClr>
-          </a:solidFill>
-        </p:spPr>
-        <p:style>
-          <a:lnRef idx="2">
-            <a:schemeClr val="accent1">
-              <a:shade val="50000"/>
-            </a:schemeClr>
-          </a:lnRef>
-          <a:fillRef idx="1">
-            <a:schemeClr val="accent1"/>
-          </a:fillRef>
-          <a:effectRef idx="0">
-            <a:schemeClr val="accent1"/>
-          </a:effectRef>
-          <a:fontRef idx="minor">
-            <a:schemeClr val="lt1"/>
-          </a:fontRef>
-        </p:style>
-        <p:txBody>
-          <a:bodyPr rtlCol="0" anchor="ctr"/>
-          <a:lstStyle/>
-          <a:p>
-            <a:pPr algn="ctr"/>
-            <a:r>
-              <a:rPr lang="en-US" altLang="zh-CN" sz="1200" dirty="0"/>
-              <a:t>A</a:t>
-            </a:r>
-          </a:p>
-        </p:txBody>
-      </p:sp>
-      <p:sp>
-        <p:nvSpPr>
-          <p:cNvPr id="95" name="椭圆 94">
-            <a:extLst>
-              <a:ext uri="{FF2B5EF4-FFF2-40B4-BE49-F238E27FC236}">
-                <a16:creationId xmlns:a16="http://schemas.microsoft.com/office/drawing/2014/main" id="{274E4FBB-F7C3-4378-873C-D7FD4A1998B2}"/>
-              </a:ext>
-            </a:extLst>
-          </p:cNvPr>
-          <p:cNvSpPr/>
-          <p:nvPr/>
-        </p:nvSpPr>
-        <p:spPr>
-          <a:xfrm>
-            <a:off x="9330436" y="2122223"/>
-            <a:ext cx="252000" cy="252000"/>
-          </a:xfrm>
-          <a:prstGeom prst="ellipse">
-            <a:avLst/>
-          </a:prstGeom>
-          <a:solidFill>
-            <a:schemeClr val="accent1">
-              <a:lumMod val="75000"/>
-            </a:schemeClr>
-          </a:solidFill>
-        </p:spPr>
-        <p:style>
-          <a:lnRef idx="2">
-            <a:schemeClr val="accent1">
-              <a:shade val="50000"/>
-            </a:schemeClr>
-          </a:lnRef>
-          <a:fillRef idx="1">
-            <a:schemeClr val="accent1"/>
-          </a:fillRef>
-          <a:effectRef idx="0">
-            <a:schemeClr val="accent1"/>
-          </a:effectRef>
-          <a:fontRef idx="minor">
-            <a:schemeClr val="lt1"/>
-          </a:fontRef>
-        </p:style>
-        <p:txBody>
-          <a:bodyPr rtlCol="0" anchor="ctr"/>
-          <a:lstStyle/>
-          <a:p>
-            <a:pPr algn="ctr"/>
-            <a:r>
-              <a:rPr lang="en-US" altLang="zh-CN" sz="1200" dirty="0"/>
-              <a:t>C</a:t>
-            </a:r>
-          </a:p>
-        </p:txBody>
-      </p:sp>
       <p:grpSp>
         <p:nvGrpSpPr>
           <p:cNvPr id="11" name="组合 10">
@@ -11979,10 +11371,2290 @@
           </p:cxnSp>
         </p:grpSp>
       </p:grpSp>
+      <p:grpSp>
+        <p:nvGrpSpPr>
+          <p:cNvPr id="104" name="组合 103">
+            <a:extLst>
+              <a:ext uri="{FF2B5EF4-FFF2-40B4-BE49-F238E27FC236}">
+                <a16:creationId xmlns:a16="http://schemas.microsoft.com/office/drawing/2014/main" id="{2B7CCD1C-044A-4E4E-AE0A-3A3ECC052EDB}"/>
+              </a:ext>
+            </a:extLst>
+          </p:cNvPr>
+          <p:cNvGrpSpPr/>
+          <p:nvPr/>
+        </p:nvGrpSpPr>
+        <p:grpSpPr>
+          <a:xfrm>
+            <a:off x="8677328" y="2080132"/>
+            <a:ext cx="3346703" cy="2697735"/>
+            <a:chOff x="770816" y="2185161"/>
+            <a:chExt cx="3346703" cy="2697735"/>
+          </a:xfrm>
+          <a:solidFill>
+            <a:schemeClr val="bg1"/>
+          </a:solidFill>
+        </p:grpSpPr>
+        <p:sp>
+          <p:nvSpPr>
+            <p:cNvPr id="105" name="椭圆 104">
+              <a:extLst>
+                <a:ext uri="{FF2B5EF4-FFF2-40B4-BE49-F238E27FC236}">
+                  <a16:creationId xmlns:a16="http://schemas.microsoft.com/office/drawing/2014/main" id="{7AED303C-5666-4FA6-B103-52F5BB3D9292}"/>
+                </a:ext>
+              </a:extLst>
+            </p:cNvPr>
+            <p:cNvSpPr/>
+            <p:nvPr/>
+          </p:nvSpPr>
+          <p:spPr>
+            <a:xfrm>
+              <a:off x="2504105" y="4301491"/>
+              <a:ext cx="339060" cy="347222"/>
+            </a:xfrm>
+            <a:prstGeom prst="ellipse">
+              <a:avLst/>
+            </a:prstGeom>
+            <a:grpFill/>
+          </p:spPr>
+          <p:style>
+            <a:lnRef idx="2">
+              <a:schemeClr val="dk1"/>
+            </a:lnRef>
+            <a:fillRef idx="1">
+              <a:schemeClr val="lt1"/>
+            </a:fillRef>
+            <a:effectRef idx="0">
+              <a:schemeClr val="dk1"/>
+            </a:effectRef>
+            <a:fontRef idx="minor">
+              <a:schemeClr val="dk1"/>
+            </a:fontRef>
+          </p:style>
+          <p:txBody>
+            <a:bodyPr rtlCol="0" anchor="ctr"/>
+            <a:lstStyle/>
+            <a:p>
+              <a:pPr algn="ctr"/>
+              <a:r>
+                <a:rPr lang="en-US" altLang="zh-CN" dirty="0"/>
+                <a:t>E</a:t>
+              </a:r>
+              <a:endParaRPr lang="zh-CN" altLang="en-US" dirty="0"/>
+            </a:p>
+          </p:txBody>
+        </p:sp>
+        <p:sp>
+          <p:nvSpPr>
+            <p:cNvPr id="106" name="椭圆 105">
+              <a:extLst>
+                <a:ext uri="{FF2B5EF4-FFF2-40B4-BE49-F238E27FC236}">
+                  <a16:creationId xmlns:a16="http://schemas.microsoft.com/office/drawing/2014/main" id="{A9E5B698-5A36-4656-AD35-CEF05784CA2B}"/>
+                </a:ext>
+              </a:extLst>
+            </p:cNvPr>
+            <p:cNvSpPr/>
+            <p:nvPr/>
+          </p:nvSpPr>
+          <p:spPr>
+            <a:xfrm>
+              <a:off x="2574325" y="2556242"/>
+              <a:ext cx="339060" cy="347222"/>
+            </a:xfrm>
+            <a:prstGeom prst="ellipse">
+              <a:avLst/>
+            </a:prstGeom>
+            <a:grpFill/>
+          </p:spPr>
+          <p:style>
+            <a:lnRef idx="2">
+              <a:schemeClr val="dk1"/>
+            </a:lnRef>
+            <a:fillRef idx="1">
+              <a:schemeClr val="lt1"/>
+            </a:fillRef>
+            <a:effectRef idx="0">
+              <a:schemeClr val="dk1"/>
+            </a:effectRef>
+            <a:fontRef idx="minor">
+              <a:schemeClr val="dk1"/>
+            </a:fontRef>
+          </p:style>
+          <p:txBody>
+            <a:bodyPr rtlCol="0" anchor="ctr"/>
+            <a:lstStyle/>
+            <a:p>
+              <a:pPr algn="ctr"/>
+              <a:r>
+                <a:rPr lang="en-US" altLang="zh-CN" dirty="0"/>
+                <a:t>B</a:t>
+              </a:r>
+            </a:p>
+          </p:txBody>
+        </p:sp>
+        <p:sp>
+          <p:nvSpPr>
+            <p:cNvPr id="107" name="椭圆 106">
+              <a:extLst>
+                <a:ext uri="{FF2B5EF4-FFF2-40B4-BE49-F238E27FC236}">
+                  <a16:creationId xmlns:a16="http://schemas.microsoft.com/office/drawing/2014/main" id="{6498EA36-D7BC-4F7F-9E5B-D775B5637DD3}"/>
+                </a:ext>
+              </a:extLst>
+            </p:cNvPr>
+            <p:cNvSpPr/>
+            <p:nvPr/>
+          </p:nvSpPr>
+          <p:spPr>
+            <a:xfrm>
+              <a:off x="770816" y="4535674"/>
+              <a:ext cx="339060" cy="347222"/>
+            </a:xfrm>
+            <a:prstGeom prst="ellipse">
+              <a:avLst/>
+            </a:prstGeom>
+            <a:grpFill/>
+          </p:spPr>
+          <p:style>
+            <a:lnRef idx="2">
+              <a:schemeClr val="dk1"/>
+            </a:lnRef>
+            <a:fillRef idx="1">
+              <a:schemeClr val="lt1"/>
+            </a:fillRef>
+            <a:effectRef idx="0">
+              <a:schemeClr val="dk1"/>
+            </a:effectRef>
+            <a:fontRef idx="minor">
+              <a:schemeClr val="dk1"/>
+            </a:fontRef>
+          </p:style>
+          <p:txBody>
+            <a:bodyPr rtlCol="0" anchor="ctr"/>
+            <a:lstStyle/>
+            <a:p>
+              <a:pPr algn="ctr"/>
+              <a:r>
+                <a:rPr lang="en-US" altLang="zh-CN" dirty="0"/>
+                <a:t>D</a:t>
+              </a:r>
+              <a:endParaRPr lang="zh-CN" altLang="en-US" dirty="0"/>
+            </a:p>
+          </p:txBody>
+        </p:sp>
+        <p:cxnSp>
+          <p:nvCxnSpPr>
+            <p:cNvPr id="108" name="直接连接符 107">
+              <a:extLst>
+                <a:ext uri="{FF2B5EF4-FFF2-40B4-BE49-F238E27FC236}">
+                  <a16:creationId xmlns:a16="http://schemas.microsoft.com/office/drawing/2014/main" id="{8705E782-F7AE-4800-AAC0-C6ED626C922A}"/>
+                </a:ext>
+              </a:extLst>
+            </p:cNvPr>
+            <p:cNvCxnSpPr>
+              <a:cxnSpLocks/>
+              <a:stCxn id="116" idx="5"/>
+              <a:endCxn id="115" idx="1"/>
+            </p:cNvCxnSpPr>
+            <p:nvPr/>
+          </p:nvCxnSpPr>
+          <p:spPr>
+            <a:xfrm>
+              <a:off x="1097321" y="2481532"/>
+              <a:ext cx="697526" cy="893466"/>
+            </a:xfrm>
+            <a:prstGeom prst="line">
+              <a:avLst/>
+            </a:prstGeom>
+            <a:grpFill/>
+            <a:ln>
+              <a:headEnd type="none" w="med" len="med"/>
+              <a:tailEnd type="none" w="med" len="med"/>
+            </a:ln>
+          </p:spPr>
+          <p:style>
+            <a:lnRef idx="2">
+              <a:schemeClr val="dk1"/>
+            </a:lnRef>
+            <a:fillRef idx="1">
+              <a:schemeClr val="lt1"/>
+            </a:fillRef>
+            <a:effectRef idx="0">
+              <a:schemeClr val="dk1"/>
+            </a:effectRef>
+            <a:fontRef idx="minor">
+              <a:schemeClr val="dk1"/>
+            </a:fontRef>
+          </p:style>
+        </p:cxnSp>
+        <p:cxnSp>
+          <p:nvCxnSpPr>
+            <p:cNvPr id="109" name="直接连接符 108">
+              <a:extLst>
+                <a:ext uri="{FF2B5EF4-FFF2-40B4-BE49-F238E27FC236}">
+                  <a16:creationId xmlns:a16="http://schemas.microsoft.com/office/drawing/2014/main" id="{6A004D55-359C-4C1E-9FDE-4ECF8D2790F4}"/>
+                </a:ext>
+              </a:extLst>
+            </p:cNvPr>
+            <p:cNvCxnSpPr>
+              <a:cxnSpLocks/>
+              <a:stCxn id="105" idx="1"/>
+              <a:endCxn id="115" idx="5"/>
+            </p:cNvCxnSpPr>
+            <p:nvPr/>
+          </p:nvCxnSpPr>
+          <p:spPr>
+            <a:xfrm flipH="1" flipV="1">
+              <a:off x="2034597" y="3620520"/>
+              <a:ext cx="519163" cy="731822"/>
+            </a:xfrm>
+            <a:prstGeom prst="line">
+              <a:avLst/>
+            </a:prstGeom>
+            <a:grpFill/>
+            <a:ln>
+              <a:headEnd type="none" w="med" len="med"/>
+              <a:tailEnd type="none" w="med" len="med"/>
+            </a:ln>
+          </p:spPr>
+          <p:style>
+            <a:lnRef idx="2">
+              <a:schemeClr val="dk1"/>
+            </a:lnRef>
+            <a:fillRef idx="1">
+              <a:schemeClr val="lt1"/>
+            </a:fillRef>
+            <a:effectRef idx="0">
+              <a:schemeClr val="dk1"/>
+            </a:effectRef>
+            <a:fontRef idx="minor">
+              <a:schemeClr val="dk1"/>
+            </a:fontRef>
+          </p:style>
+        </p:cxnSp>
+        <p:cxnSp>
+          <p:nvCxnSpPr>
+            <p:cNvPr id="110" name="直接连接符 109">
+              <a:extLst>
+                <a:ext uri="{FF2B5EF4-FFF2-40B4-BE49-F238E27FC236}">
+                  <a16:creationId xmlns:a16="http://schemas.microsoft.com/office/drawing/2014/main" id="{8440624D-3EF9-4B0F-BF8E-0541938C2A10}"/>
+                </a:ext>
+              </a:extLst>
+            </p:cNvPr>
+            <p:cNvCxnSpPr>
+              <a:cxnSpLocks/>
+              <a:stCxn id="106" idx="4"/>
+              <a:endCxn id="105" idx="0"/>
+            </p:cNvCxnSpPr>
+            <p:nvPr/>
+          </p:nvCxnSpPr>
+          <p:spPr>
+            <a:xfrm flipH="1">
+              <a:off x="2673635" y="2903463"/>
+              <a:ext cx="70220" cy="1398028"/>
+            </a:xfrm>
+            <a:prstGeom prst="line">
+              <a:avLst/>
+            </a:prstGeom>
+            <a:grpFill/>
+            <a:ln>
+              <a:headEnd type="none" w="med" len="med"/>
+              <a:tailEnd type="none" w="med" len="med"/>
+            </a:ln>
+          </p:spPr>
+          <p:style>
+            <a:lnRef idx="2">
+              <a:schemeClr val="dk1"/>
+            </a:lnRef>
+            <a:fillRef idx="1">
+              <a:schemeClr val="lt1"/>
+            </a:fillRef>
+            <a:effectRef idx="0">
+              <a:schemeClr val="dk1"/>
+            </a:effectRef>
+            <a:fontRef idx="minor">
+              <a:schemeClr val="dk1"/>
+            </a:fontRef>
+          </p:style>
+        </p:cxnSp>
+        <p:cxnSp>
+          <p:nvCxnSpPr>
+            <p:cNvPr id="111" name="直接连接符 110">
+              <a:extLst>
+                <a:ext uri="{FF2B5EF4-FFF2-40B4-BE49-F238E27FC236}">
+                  <a16:creationId xmlns:a16="http://schemas.microsoft.com/office/drawing/2014/main" id="{D8838082-FEBB-4447-A6D7-2A14C0E766D7}"/>
+                </a:ext>
+              </a:extLst>
+            </p:cNvPr>
+            <p:cNvCxnSpPr>
+              <a:cxnSpLocks/>
+              <a:stCxn id="107" idx="7"/>
+              <a:endCxn id="115" idx="3"/>
+            </p:cNvCxnSpPr>
+            <p:nvPr/>
+          </p:nvCxnSpPr>
+          <p:spPr>
+            <a:xfrm flipV="1">
+              <a:off x="1060221" y="3620520"/>
+              <a:ext cx="734626" cy="966005"/>
+            </a:xfrm>
+            <a:prstGeom prst="line">
+              <a:avLst/>
+            </a:prstGeom>
+            <a:grpFill/>
+            <a:ln>
+              <a:headEnd type="none" w="med" len="med"/>
+              <a:tailEnd type="none" w="med" len="med"/>
+            </a:ln>
+          </p:spPr>
+          <p:style>
+            <a:lnRef idx="2">
+              <a:schemeClr val="dk1"/>
+            </a:lnRef>
+            <a:fillRef idx="1">
+              <a:schemeClr val="lt1"/>
+            </a:fillRef>
+            <a:effectRef idx="0">
+              <a:schemeClr val="dk1"/>
+            </a:effectRef>
+            <a:fontRef idx="minor">
+              <a:schemeClr val="dk1"/>
+            </a:fontRef>
+          </p:style>
+        </p:cxnSp>
+        <p:cxnSp>
+          <p:nvCxnSpPr>
+            <p:cNvPr id="112" name="直接连接符 111">
+              <a:extLst>
+                <a:ext uri="{FF2B5EF4-FFF2-40B4-BE49-F238E27FC236}">
+                  <a16:creationId xmlns:a16="http://schemas.microsoft.com/office/drawing/2014/main" id="{DC01DACD-B58D-4B71-8D5C-FCAFA9EB851B}"/>
+                </a:ext>
+              </a:extLst>
+            </p:cNvPr>
+            <p:cNvCxnSpPr>
+              <a:cxnSpLocks/>
+              <a:stCxn id="106" idx="3"/>
+              <a:endCxn id="115" idx="7"/>
+            </p:cNvCxnSpPr>
+            <p:nvPr/>
+          </p:nvCxnSpPr>
+          <p:spPr>
+            <a:xfrm flipH="1">
+              <a:off x="2034597" y="2852613"/>
+              <a:ext cx="589383" cy="522385"/>
+            </a:xfrm>
+            <a:prstGeom prst="line">
+              <a:avLst/>
+            </a:prstGeom>
+            <a:grpFill/>
+            <a:ln>
+              <a:headEnd type="none" w="med" len="med"/>
+              <a:tailEnd type="none" w="med" len="med"/>
+            </a:ln>
+          </p:spPr>
+          <p:style>
+            <a:lnRef idx="2">
+              <a:schemeClr val="dk1"/>
+            </a:lnRef>
+            <a:fillRef idx="1">
+              <a:schemeClr val="lt1"/>
+            </a:fillRef>
+            <a:effectRef idx="0">
+              <a:schemeClr val="dk1"/>
+            </a:effectRef>
+            <a:fontRef idx="minor">
+              <a:schemeClr val="dk1"/>
+            </a:fontRef>
+          </p:style>
+        </p:cxnSp>
+        <p:sp>
+          <p:nvSpPr>
+            <p:cNvPr id="113" name="椭圆 112">
+              <a:extLst>
+                <a:ext uri="{FF2B5EF4-FFF2-40B4-BE49-F238E27FC236}">
+                  <a16:creationId xmlns:a16="http://schemas.microsoft.com/office/drawing/2014/main" id="{0C2711C4-F3AB-40A0-883E-F16BCE50209B}"/>
+                </a:ext>
+              </a:extLst>
+            </p:cNvPr>
+            <p:cNvSpPr/>
+            <p:nvPr/>
+          </p:nvSpPr>
+          <p:spPr>
+            <a:xfrm>
+              <a:off x="3778459" y="4055132"/>
+              <a:ext cx="339060" cy="347222"/>
+            </a:xfrm>
+            <a:prstGeom prst="ellipse">
+              <a:avLst/>
+            </a:prstGeom>
+            <a:grpFill/>
+          </p:spPr>
+          <p:style>
+            <a:lnRef idx="2">
+              <a:schemeClr val="dk1"/>
+            </a:lnRef>
+            <a:fillRef idx="1">
+              <a:schemeClr val="lt1"/>
+            </a:fillRef>
+            <a:effectRef idx="0">
+              <a:schemeClr val="dk1"/>
+            </a:effectRef>
+            <a:fontRef idx="minor">
+              <a:schemeClr val="dk1"/>
+            </a:fontRef>
+          </p:style>
+          <p:txBody>
+            <a:bodyPr rtlCol="0" anchor="ctr"/>
+            <a:lstStyle/>
+            <a:p>
+              <a:pPr algn="ctr"/>
+              <a:r>
+                <a:rPr lang="en-US" altLang="zh-CN" dirty="0"/>
+                <a:t>F</a:t>
+              </a:r>
+              <a:endParaRPr lang="zh-CN" altLang="en-US" dirty="0"/>
+            </a:p>
+          </p:txBody>
+        </p:sp>
+        <p:cxnSp>
+          <p:nvCxnSpPr>
+            <p:cNvPr id="114" name="直接连接符 113">
+              <a:extLst>
+                <a:ext uri="{FF2B5EF4-FFF2-40B4-BE49-F238E27FC236}">
+                  <a16:creationId xmlns:a16="http://schemas.microsoft.com/office/drawing/2014/main" id="{2D0CEFA0-7180-4F6C-B46A-DD812F4B6266}"/>
+                </a:ext>
+              </a:extLst>
+            </p:cNvPr>
+            <p:cNvCxnSpPr>
+              <a:cxnSpLocks/>
+              <a:stCxn id="113" idx="2"/>
+              <a:endCxn id="105" idx="6"/>
+            </p:cNvCxnSpPr>
+            <p:nvPr/>
+          </p:nvCxnSpPr>
+          <p:spPr>
+            <a:xfrm flipH="1">
+              <a:off x="2843165" y="4228743"/>
+              <a:ext cx="935294" cy="246359"/>
+            </a:xfrm>
+            <a:prstGeom prst="line">
+              <a:avLst/>
+            </a:prstGeom>
+            <a:grpFill/>
+            <a:ln>
+              <a:headEnd type="none" w="med" len="med"/>
+              <a:tailEnd type="none" w="med" len="med"/>
+            </a:ln>
+          </p:spPr>
+          <p:style>
+            <a:lnRef idx="2">
+              <a:schemeClr val="dk1"/>
+            </a:lnRef>
+            <a:fillRef idx="1">
+              <a:schemeClr val="lt1"/>
+            </a:fillRef>
+            <a:effectRef idx="0">
+              <a:schemeClr val="dk1"/>
+            </a:effectRef>
+            <a:fontRef idx="minor">
+              <a:schemeClr val="dk1"/>
+            </a:fontRef>
+          </p:style>
+        </p:cxnSp>
+        <p:sp>
+          <p:nvSpPr>
+            <p:cNvPr id="115" name="椭圆 114">
+              <a:extLst>
+                <a:ext uri="{FF2B5EF4-FFF2-40B4-BE49-F238E27FC236}">
+                  <a16:creationId xmlns:a16="http://schemas.microsoft.com/office/drawing/2014/main" id="{93E23D49-617F-4380-8612-28422B3837DC}"/>
+                </a:ext>
+              </a:extLst>
+            </p:cNvPr>
+            <p:cNvSpPr/>
+            <p:nvPr/>
+          </p:nvSpPr>
+          <p:spPr>
+            <a:xfrm>
+              <a:off x="1745192" y="3324148"/>
+              <a:ext cx="339060" cy="347222"/>
+            </a:xfrm>
+            <a:prstGeom prst="ellipse">
+              <a:avLst/>
+            </a:prstGeom>
+            <a:grpFill/>
+          </p:spPr>
+          <p:style>
+            <a:lnRef idx="2">
+              <a:schemeClr val="dk1"/>
+            </a:lnRef>
+            <a:fillRef idx="1">
+              <a:schemeClr val="lt1"/>
+            </a:fillRef>
+            <a:effectRef idx="0">
+              <a:schemeClr val="dk1"/>
+            </a:effectRef>
+            <a:fontRef idx="minor">
+              <a:schemeClr val="dk1"/>
+            </a:fontRef>
+          </p:style>
+          <p:txBody>
+            <a:bodyPr rtlCol="0" anchor="ctr"/>
+            <a:lstStyle/>
+            <a:p>
+              <a:pPr algn="ctr"/>
+              <a:r>
+                <a:rPr lang="en-US" altLang="zh-CN" dirty="0"/>
+                <a:t>A</a:t>
+              </a:r>
+            </a:p>
+          </p:txBody>
+        </p:sp>
+        <p:sp>
+          <p:nvSpPr>
+            <p:cNvPr id="116" name="椭圆 115">
+              <a:extLst>
+                <a:ext uri="{FF2B5EF4-FFF2-40B4-BE49-F238E27FC236}">
+                  <a16:creationId xmlns:a16="http://schemas.microsoft.com/office/drawing/2014/main" id="{FC50797C-9037-4DA9-99D2-9E335C0C7E88}"/>
+                </a:ext>
+              </a:extLst>
+            </p:cNvPr>
+            <p:cNvSpPr/>
+            <p:nvPr/>
+          </p:nvSpPr>
+          <p:spPr>
+            <a:xfrm>
+              <a:off x="807916" y="2185161"/>
+              <a:ext cx="339060" cy="347222"/>
+            </a:xfrm>
+            <a:prstGeom prst="ellipse">
+              <a:avLst/>
+            </a:prstGeom>
+            <a:grpFill/>
+          </p:spPr>
+          <p:style>
+            <a:lnRef idx="2">
+              <a:schemeClr val="dk1"/>
+            </a:lnRef>
+            <a:fillRef idx="1">
+              <a:schemeClr val="lt1"/>
+            </a:fillRef>
+            <a:effectRef idx="0">
+              <a:schemeClr val="dk1"/>
+            </a:effectRef>
+            <a:fontRef idx="minor">
+              <a:schemeClr val="dk1"/>
+            </a:fontRef>
+          </p:style>
+          <p:txBody>
+            <a:bodyPr rtlCol="0" anchor="ctr"/>
+            <a:lstStyle/>
+            <a:p>
+              <a:pPr algn="ctr"/>
+              <a:r>
+                <a:rPr lang="en-US" altLang="zh-CN" dirty="0"/>
+                <a:t>C</a:t>
+              </a:r>
+            </a:p>
+          </p:txBody>
+        </p:sp>
+      </p:grpSp>
+      <p:sp>
+        <p:nvSpPr>
+          <p:cNvPr id="4" name="加号 3">
+            <a:extLst>
+              <a:ext uri="{FF2B5EF4-FFF2-40B4-BE49-F238E27FC236}">
+                <a16:creationId xmlns:a16="http://schemas.microsoft.com/office/drawing/2014/main" id="{0772E46D-511B-473F-ABD7-A0AC0DB4235B}"/>
+              </a:ext>
+            </a:extLst>
+          </p:cNvPr>
+          <p:cNvSpPr/>
+          <p:nvPr/>
+        </p:nvSpPr>
+        <p:spPr>
+          <a:xfrm>
+            <a:off x="2961226" y="3049822"/>
+            <a:ext cx="805252" cy="767908"/>
+          </a:xfrm>
+          <a:prstGeom prst="mathPlus">
+            <a:avLst>
+              <a:gd name="adj1" fmla="val 10819"/>
+            </a:avLst>
+          </a:prstGeom>
+        </p:spPr>
+        <p:style>
+          <a:lnRef idx="2">
+            <a:schemeClr val="accent1">
+              <a:shade val="50000"/>
+            </a:schemeClr>
+          </a:lnRef>
+          <a:fillRef idx="1">
+            <a:schemeClr val="accent1"/>
+          </a:fillRef>
+          <a:effectRef idx="0">
+            <a:schemeClr val="accent1"/>
+          </a:effectRef>
+          <a:fontRef idx="minor">
+            <a:schemeClr val="lt1"/>
+          </a:fontRef>
+        </p:style>
+        <p:txBody>
+          <a:bodyPr rtlCol="0" anchor="ctr"/>
+          <a:lstStyle/>
+          <a:p>
+            <a:pPr algn="ctr"/>
+            <a:endParaRPr lang="zh-CN" altLang="en-US"/>
+          </a:p>
+        </p:txBody>
+      </p:sp>
     </p:spTree>
     <p:extLst>
       <p:ext uri="{BB962C8B-B14F-4D97-AF65-F5344CB8AC3E}">
         <p14:creationId xmlns:p14="http://schemas.microsoft.com/office/powerpoint/2010/main" val="1990495803"/>
+      </p:ext>
+    </p:extLst>
+  </p:cSld>
+  <p:clrMapOvr>
+    <a:masterClrMapping/>
+  </p:clrMapOvr>
+</p:sld>
+</file>
+
+<file path=ppt/slides/slide5.xml><?xml version="1.0" encoding="utf-8"?>
+<p:sld xmlns:a="http://schemas.openxmlformats.org/drawingml/2006/main" xmlns:r="http://schemas.openxmlformats.org/officeDocument/2006/relationships" xmlns:p="http://schemas.openxmlformats.org/presentationml/2006/main">
+  <p:cSld>
+    <p:spTree>
+      <p:nvGrpSpPr>
+        <p:cNvPr id="1" name=""/>
+        <p:cNvGrpSpPr/>
+        <p:nvPr/>
+      </p:nvGrpSpPr>
+      <p:grpSpPr>
+        <a:xfrm>
+          <a:off x="0" y="0"/>
+          <a:ext cx="0" cy="0"/>
+          <a:chOff x="0" y="0"/>
+          <a:chExt cx="0" cy="0"/>
+        </a:xfrm>
+      </p:grpSpPr>
+      <p:sp>
+        <p:nvSpPr>
+          <p:cNvPr id="7" name="文本框 6">
+            <a:extLst>
+              <a:ext uri="{FF2B5EF4-FFF2-40B4-BE49-F238E27FC236}">
+                <a16:creationId xmlns:a16="http://schemas.microsoft.com/office/drawing/2014/main" id="{8F686252-CADA-4D83-83D9-FE0ACFC8778F}"/>
+              </a:ext>
+            </a:extLst>
+          </p:cNvPr>
+          <p:cNvSpPr txBox="1"/>
+          <p:nvPr/>
+        </p:nvSpPr>
+        <p:spPr>
+          <a:xfrm>
+            <a:off x="1260072" y="2833575"/>
+            <a:ext cx="608076" cy="261610"/>
+          </a:xfrm>
+          <a:prstGeom prst="rect">
+            <a:avLst/>
+          </a:prstGeom>
+          <a:noFill/>
+        </p:spPr>
+        <p:txBody>
+          <a:bodyPr wrap="square" rtlCol="0">
+            <a:spAutoFit/>
+          </a:bodyPr>
+          <a:lstStyle/>
+          <a:p>
+            <a:r>
+              <a:rPr lang="en-US" altLang="zh-CN" sz="1100" dirty="0"/>
+              <a:t>n*1</a:t>
+            </a:r>
+            <a:endParaRPr lang="zh-CN" altLang="en-US" sz="1100" dirty="0"/>
+          </a:p>
+        </p:txBody>
+      </p:sp>
+      <p:sp>
+        <p:nvSpPr>
+          <p:cNvPr id="45" name="文本框 44">
+            <a:extLst>
+              <a:ext uri="{FF2B5EF4-FFF2-40B4-BE49-F238E27FC236}">
+                <a16:creationId xmlns:a16="http://schemas.microsoft.com/office/drawing/2014/main" id="{FDD3084D-1073-4B9A-A359-9DC0924C6D31}"/>
+              </a:ext>
+            </a:extLst>
+          </p:cNvPr>
+          <p:cNvSpPr txBox="1"/>
+          <p:nvPr/>
+        </p:nvSpPr>
+        <p:spPr>
+          <a:xfrm>
+            <a:off x="3020853" y="2825600"/>
+            <a:ext cx="608076" cy="261610"/>
+          </a:xfrm>
+          <a:prstGeom prst="rect">
+            <a:avLst/>
+          </a:prstGeom>
+          <a:noFill/>
+        </p:spPr>
+        <p:txBody>
+          <a:bodyPr wrap="square" rtlCol="0">
+            <a:spAutoFit/>
+          </a:bodyPr>
+          <a:lstStyle/>
+          <a:p>
+            <a:r>
+              <a:rPr lang="en-US" altLang="zh-CN" sz="1100" dirty="0"/>
+              <a:t>n*64</a:t>
+            </a:r>
+            <a:endParaRPr lang="zh-CN" altLang="en-US" sz="1100" dirty="0"/>
+          </a:p>
+        </p:txBody>
+      </p:sp>
+      <p:sp>
+        <p:nvSpPr>
+          <p:cNvPr id="53" name="文本框 52">
+            <a:extLst>
+              <a:ext uri="{FF2B5EF4-FFF2-40B4-BE49-F238E27FC236}">
+                <a16:creationId xmlns:a16="http://schemas.microsoft.com/office/drawing/2014/main" id="{2F92928E-B374-4E56-9C00-0AA1DC07579D}"/>
+              </a:ext>
+            </a:extLst>
+          </p:cNvPr>
+          <p:cNvSpPr txBox="1"/>
+          <p:nvPr/>
+        </p:nvSpPr>
+        <p:spPr>
+          <a:xfrm>
+            <a:off x="6977642" y="2900089"/>
+            <a:ext cx="608076" cy="261610"/>
+          </a:xfrm>
+          <a:prstGeom prst="rect">
+            <a:avLst/>
+          </a:prstGeom>
+          <a:noFill/>
+        </p:spPr>
+        <p:txBody>
+          <a:bodyPr wrap="square" rtlCol="0">
+            <a:spAutoFit/>
+          </a:bodyPr>
+          <a:lstStyle/>
+          <a:p>
+            <a:r>
+              <a:rPr lang="en-US" altLang="zh-CN" sz="1100" dirty="0"/>
+              <a:t>n*16</a:t>
+            </a:r>
+            <a:endParaRPr lang="zh-CN" altLang="en-US" sz="1100" dirty="0"/>
+          </a:p>
+        </p:txBody>
+      </p:sp>
+      <p:sp>
+        <p:nvSpPr>
+          <p:cNvPr id="9" name="矩形 8">
+            <a:extLst>
+              <a:ext uri="{FF2B5EF4-FFF2-40B4-BE49-F238E27FC236}">
+                <a16:creationId xmlns:a16="http://schemas.microsoft.com/office/drawing/2014/main" id="{F6868945-032C-42B8-B0BF-449F2D185AEF}"/>
+              </a:ext>
+            </a:extLst>
+          </p:cNvPr>
+          <p:cNvSpPr/>
+          <p:nvPr/>
+        </p:nvSpPr>
+        <p:spPr>
+          <a:xfrm>
+            <a:off x="1613916" y="1755659"/>
+            <a:ext cx="121920" cy="1408176"/>
+          </a:xfrm>
+          <a:prstGeom prst="rect">
+            <a:avLst/>
+          </a:prstGeom>
+          <a:noFill/>
+          <a:ln>
+            <a:solidFill>
+              <a:schemeClr val="tx1"/>
+            </a:solidFill>
+          </a:ln>
+          <a:scene3d>
+            <a:camera prst="isometricOffAxis2Right"/>
+            <a:lightRig rig="threePt" dir="t"/>
+          </a:scene3d>
+        </p:spPr>
+        <p:style>
+          <a:lnRef idx="2">
+            <a:schemeClr val="accent6">
+              <a:shade val="50000"/>
+            </a:schemeClr>
+          </a:lnRef>
+          <a:fillRef idx="1">
+            <a:schemeClr val="accent6"/>
+          </a:fillRef>
+          <a:effectRef idx="0">
+            <a:schemeClr val="accent6"/>
+          </a:effectRef>
+          <a:fontRef idx="minor">
+            <a:schemeClr val="lt1"/>
+          </a:fontRef>
+        </p:style>
+        <p:txBody>
+          <a:bodyPr rtlCol="0" anchor="ctr"/>
+          <a:lstStyle/>
+          <a:p>
+            <a:pPr algn="ctr"/>
+            <a:endParaRPr lang="zh-CN" altLang="en-US"/>
+          </a:p>
+        </p:txBody>
+      </p:sp>
+      <p:sp>
+        <p:nvSpPr>
+          <p:cNvPr id="54" name="矩形 53">
+            <a:extLst>
+              <a:ext uri="{FF2B5EF4-FFF2-40B4-BE49-F238E27FC236}">
+                <a16:creationId xmlns:a16="http://schemas.microsoft.com/office/drawing/2014/main" id="{61D2E8EC-E9E9-4449-A10D-8DC99CECBD8C}"/>
+              </a:ext>
+            </a:extLst>
+          </p:cNvPr>
+          <p:cNvSpPr/>
+          <p:nvPr/>
+        </p:nvSpPr>
+        <p:spPr>
+          <a:xfrm>
+            <a:off x="2653689" y="1809840"/>
+            <a:ext cx="1189047" cy="1408176"/>
+          </a:xfrm>
+          <a:prstGeom prst="rect">
+            <a:avLst/>
+          </a:prstGeom>
+          <a:noFill/>
+          <a:ln>
+            <a:solidFill>
+              <a:schemeClr val="tx1"/>
+            </a:solidFill>
+          </a:ln>
+          <a:scene3d>
+            <a:camera prst="isometricOffAxis2Right"/>
+            <a:lightRig rig="threePt" dir="t"/>
+          </a:scene3d>
+        </p:spPr>
+        <p:style>
+          <a:lnRef idx="2">
+            <a:schemeClr val="accent6">
+              <a:shade val="50000"/>
+            </a:schemeClr>
+          </a:lnRef>
+          <a:fillRef idx="1">
+            <a:schemeClr val="accent6"/>
+          </a:fillRef>
+          <a:effectRef idx="0">
+            <a:schemeClr val="accent6"/>
+          </a:effectRef>
+          <a:fontRef idx="minor">
+            <a:schemeClr val="lt1"/>
+          </a:fontRef>
+        </p:style>
+        <p:txBody>
+          <a:bodyPr rtlCol="0" anchor="ctr"/>
+          <a:lstStyle/>
+          <a:p>
+            <a:pPr algn="ctr"/>
+            <a:endParaRPr lang="zh-CN" altLang="en-US"/>
+          </a:p>
+        </p:txBody>
+      </p:sp>
+      <p:sp>
+        <p:nvSpPr>
+          <p:cNvPr id="55" name="矩形 54">
+            <a:extLst>
+              <a:ext uri="{FF2B5EF4-FFF2-40B4-BE49-F238E27FC236}">
+                <a16:creationId xmlns:a16="http://schemas.microsoft.com/office/drawing/2014/main" id="{540D7D8A-9D46-4549-8152-87AED489C061}"/>
+              </a:ext>
+            </a:extLst>
+          </p:cNvPr>
+          <p:cNvSpPr/>
+          <p:nvPr/>
+        </p:nvSpPr>
+        <p:spPr>
+          <a:xfrm>
+            <a:off x="6604883" y="1765704"/>
+            <a:ext cx="537866" cy="1408176"/>
+          </a:xfrm>
+          <a:prstGeom prst="rect">
+            <a:avLst/>
+          </a:prstGeom>
+          <a:noFill/>
+          <a:ln>
+            <a:solidFill>
+              <a:schemeClr val="tx1"/>
+            </a:solidFill>
+          </a:ln>
+          <a:scene3d>
+            <a:camera prst="isometricOffAxis2Right"/>
+            <a:lightRig rig="threePt" dir="t"/>
+          </a:scene3d>
+        </p:spPr>
+        <p:style>
+          <a:lnRef idx="2">
+            <a:schemeClr val="accent6">
+              <a:shade val="50000"/>
+            </a:schemeClr>
+          </a:lnRef>
+          <a:fillRef idx="1">
+            <a:schemeClr val="accent6"/>
+          </a:fillRef>
+          <a:effectRef idx="0">
+            <a:schemeClr val="accent6"/>
+          </a:effectRef>
+          <a:fontRef idx="minor">
+            <a:schemeClr val="lt1"/>
+          </a:fontRef>
+        </p:style>
+        <p:txBody>
+          <a:bodyPr rtlCol="0" anchor="ctr"/>
+          <a:lstStyle/>
+          <a:p>
+            <a:pPr algn="ctr"/>
+            <a:endParaRPr lang="zh-CN" altLang="en-US"/>
+          </a:p>
+        </p:txBody>
+      </p:sp>
+      <p:sp>
+        <p:nvSpPr>
+          <p:cNvPr id="91" name="文本框 90">
+            <a:extLst>
+              <a:ext uri="{FF2B5EF4-FFF2-40B4-BE49-F238E27FC236}">
+                <a16:creationId xmlns:a16="http://schemas.microsoft.com/office/drawing/2014/main" id="{625072D7-01ED-415F-BC5B-35B21B47602D}"/>
+              </a:ext>
+            </a:extLst>
+          </p:cNvPr>
+          <p:cNvSpPr txBox="1"/>
+          <p:nvPr/>
+        </p:nvSpPr>
+        <p:spPr>
+          <a:xfrm>
+            <a:off x="1309274" y="3298195"/>
+            <a:ext cx="761159" cy="261610"/>
+          </a:xfrm>
+          <a:prstGeom prst="rect">
+            <a:avLst/>
+          </a:prstGeom>
+          <a:noFill/>
+        </p:spPr>
+        <p:txBody>
+          <a:bodyPr wrap="square" rtlCol="0">
+            <a:spAutoFit/>
+          </a:bodyPr>
+          <a:lstStyle/>
+          <a:p>
+            <a:r>
+              <a:rPr lang="zh-CN" altLang="en-US" sz="1100" dirty="0"/>
+              <a:t>输入特征</a:t>
+            </a:r>
+          </a:p>
+        </p:txBody>
+      </p:sp>
+      <p:grpSp>
+        <p:nvGrpSpPr>
+          <p:cNvPr id="85" name="组合 84">
+            <a:extLst>
+              <a:ext uri="{FF2B5EF4-FFF2-40B4-BE49-F238E27FC236}">
+                <a16:creationId xmlns:a16="http://schemas.microsoft.com/office/drawing/2014/main" id="{4F8C77D6-3E78-4545-BE4F-FEAF58B3B535}"/>
+              </a:ext>
+            </a:extLst>
+          </p:cNvPr>
+          <p:cNvGrpSpPr/>
+          <p:nvPr/>
+        </p:nvGrpSpPr>
+        <p:grpSpPr>
+          <a:xfrm>
+            <a:off x="1735836" y="1527973"/>
+            <a:ext cx="1049380" cy="1614896"/>
+            <a:chOff x="1735836" y="1527973"/>
+            <a:chExt cx="1049380" cy="1614896"/>
+          </a:xfrm>
+        </p:grpSpPr>
+        <p:pic>
+          <p:nvPicPr>
+            <p:cNvPr id="1026" name="Picture 2" descr="查看源图像">
+              <a:extLst>
+                <a:ext uri="{FF2B5EF4-FFF2-40B4-BE49-F238E27FC236}">
+                  <a16:creationId xmlns:a16="http://schemas.microsoft.com/office/drawing/2014/main" id="{5F482436-45FB-4515-87EF-9B8D22236928}"/>
+                </a:ext>
+              </a:extLst>
+            </p:cNvPr>
+            <p:cNvPicPr>
+              <a:picLocks noChangeAspect="1" noChangeArrowheads="1"/>
+            </p:cNvPicPr>
+            <p:nvPr/>
+          </p:nvPicPr>
+          <p:blipFill>
+            <a:blip r:embed="rId2">
+              <a:extLst>
+                <a:ext uri="{28A0092B-C50C-407E-A947-70E740481C1C}">
+                  <a14:useLocalDpi xmlns:a14="http://schemas.microsoft.com/office/drawing/2010/main" val="0"/>
+                </a:ext>
+              </a:extLst>
+            </a:blip>
+            <a:srcRect/>
+            <a:stretch>
+              <a:fillRect/>
+            </a:stretch>
+          </p:blipFill>
+          <p:spPr bwMode="auto">
+            <a:xfrm>
+              <a:off x="1735836" y="1527973"/>
+              <a:ext cx="1049380" cy="1217281"/>
+            </a:xfrm>
+            <a:prstGeom prst="rect">
+              <a:avLst/>
+            </a:prstGeom>
+            <a:noFill/>
+            <a:scene3d>
+              <a:camera prst="isometricOffAxis2Right"/>
+              <a:lightRig rig="threePt" dir="t"/>
+            </a:scene3d>
+            <a:extLst>
+              <a:ext uri="{909E8E84-426E-40DD-AFC4-6F175D3DCCD1}">
+                <a14:hiddenFill xmlns:a14="http://schemas.microsoft.com/office/drawing/2010/main">
+                  <a:solidFill>
+                    <a:srgbClr val="FFFFFF"/>
+                  </a:solidFill>
+                </a14:hiddenFill>
+              </a:ext>
+            </a:extLst>
+          </p:spPr>
+        </p:pic>
+        <p:grpSp>
+          <p:nvGrpSpPr>
+            <p:cNvPr id="76" name="组合 75">
+              <a:extLst>
+                <a:ext uri="{FF2B5EF4-FFF2-40B4-BE49-F238E27FC236}">
+                  <a16:creationId xmlns:a16="http://schemas.microsoft.com/office/drawing/2014/main" id="{628E195A-17CB-428C-92C2-DE00A3765981}"/>
+                </a:ext>
+              </a:extLst>
+            </p:cNvPr>
+            <p:cNvGrpSpPr/>
+            <p:nvPr/>
+          </p:nvGrpSpPr>
+          <p:grpSpPr>
+            <a:xfrm>
+              <a:off x="2021231" y="2794981"/>
+              <a:ext cx="608076" cy="347888"/>
+              <a:chOff x="2021231" y="2794981"/>
+              <a:chExt cx="608076" cy="347888"/>
+            </a:xfrm>
+          </p:grpSpPr>
+          <p:sp>
+            <p:nvSpPr>
+              <p:cNvPr id="90" name="矩形 89">
+                <a:extLst>
+                  <a:ext uri="{FF2B5EF4-FFF2-40B4-BE49-F238E27FC236}">
+                    <a16:creationId xmlns:a16="http://schemas.microsoft.com/office/drawing/2014/main" id="{BD96902B-2C42-46C3-8340-1A921A2BBA04}"/>
+                  </a:ext>
+                </a:extLst>
+              </p:cNvPr>
+              <p:cNvSpPr/>
+              <p:nvPr/>
+            </p:nvSpPr>
+            <p:spPr>
+              <a:xfrm>
+                <a:off x="2102437" y="2794981"/>
+                <a:ext cx="316177" cy="79248"/>
+              </a:xfrm>
+              <a:prstGeom prst="rect">
+                <a:avLst/>
+              </a:prstGeom>
+              <a:noFill/>
+              <a:ln>
+                <a:solidFill>
+                  <a:schemeClr val="tx1"/>
+                </a:solidFill>
+              </a:ln>
+            </p:spPr>
+            <p:style>
+              <a:lnRef idx="2">
+                <a:schemeClr val="accent6">
+                  <a:shade val="50000"/>
+                </a:schemeClr>
+              </a:lnRef>
+              <a:fillRef idx="1">
+                <a:schemeClr val="accent6"/>
+              </a:fillRef>
+              <a:effectRef idx="0">
+                <a:schemeClr val="accent6"/>
+              </a:effectRef>
+              <a:fontRef idx="minor">
+                <a:schemeClr val="lt1"/>
+              </a:fontRef>
+            </p:style>
+            <p:txBody>
+              <a:bodyPr rtlCol="0" anchor="ctr"/>
+              <a:lstStyle/>
+              <a:p>
+                <a:pPr algn="ctr"/>
+                <a:endParaRPr lang="zh-CN" altLang="en-US"/>
+              </a:p>
+            </p:txBody>
+          </p:sp>
+          <p:sp>
+            <p:nvSpPr>
+              <p:cNvPr id="93" name="文本框 92">
+                <a:extLst>
+                  <a:ext uri="{FF2B5EF4-FFF2-40B4-BE49-F238E27FC236}">
+                    <a16:creationId xmlns:a16="http://schemas.microsoft.com/office/drawing/2014/main" id="{CAA5891D-C95D-4E9A-ACED-106DA86950F0}"/>
+                  </a:ext>
+                </a:extLst>
+              </p:cNvPr>
+              <p:cNvSpPr txBox="1"/>
+              <p:nvPr/>
+            </p:nvSpPr>
+            <p:spPr>
+              <a:xfrm>
+                <a:off x="2021231" y="2881259"/>
+                <a:ext cx="608076" cy="261610"/>
+              </a:xfrm>
+              <a:prstGeom prst="rect">
+                <a:avLst/>
+              </a:prstGeom>
+              <a:noFill/>
+            </p:spPr>
+            <p:txBody>
+              <a:bodyPr wrap="square" rtlCol="0">
+                <a:spAutoFit/>
+              </a:bodyPr>
+              <a:lstStyle/>
+              <a:p>
+                <a:r>
+                  <a:rPr lang="en-US" altLang="zh-CN" sz="1100" dirty="0"/>
+                  <a:t>1*64</a:t>
+                </a:r>
+                <a:endParaRPr lang="zh-CN" altLang="en-US" sz="1100" dirty="0"/>
+              </a:p>
+            </p:txBody>
+          </p:sp>
+        </p:grpSp>
+      </p:grpSp>
+      <p:sp>
+        <p:nvSpPr>
+          <p:cNvPr id="94" name="文本框 93">
+            <a:extLst>
+              <a:ext uri="{FF2B5EF4-FFF2-40B4-BE49-F238E27FC236}">
+                <a16:creationId xmlns:a16="http://schemas.microsoft.com/office/drawing/2014/main" id="{98881D10-5FDE-41CE-BE75-93D05B17FB2F}"/>
+              </a:ext>
+            </a:extLst>
+          </p:cNvPr>
+          <p:cNvSpPr txBox="1"/>
+          <p:nvPr/>
+        </p:nvSpPr>
+        <p:spPr>
+          <a:xfrm>
+            <a:off x="2771170" y="3411923"/>
+            <a:ext cx="955798" cy="261610"/>
+          </a:xfrm>
+          <a:prstGeom prst="rect">
+            <a:avLst/>
+          </a:prstGeom>
+          <a:noFill/>
+        </p:spPr>
+        <p:txBody>
+          <a:bodyPr wrap="square" rtlCol="0">
+            <a:spAutoFit/>
+          </a:bodyPr>
+          <a:lstStyle/>
+          <a:p>
+            <a:r>
+              <a:rPr lang="zh-CN" altLang="en-US" sz="1100" dirty="0"/>
+              <a:t>隐层特征</a:t>
+            </a:r>
+            <a:r>
+              <a:rPr lang="en-US" altLang="zh-CN" sz="1100" dirty="0"/>
+              <a:t>1</a:t>
+            </a:r>
+            <a:endParaRPr lang="zh-CN" altLang="en-US" sz="1100" dirty="0"/>
+          </a:p>
+        </p:txBody>
+      </p:sp>
+      <p:grpSp>
+        <p:nvGrpSpPr>
+          <p:cNvPr id="102" name="组合 101">
+            <a:extLst>
+              <a:ext uri="{FF2B5EF4-FFF2-40B4-BE49-F238E27FC236}">
+                <a16:creationId xmlns:a16="http://schemas.microsoft.com/office/drawing/2014/main" id="{A6548331-D3A5-4240-97ED-AA93A125421F}"/>
+              </a:ext>
+            </a:extLst>
+          </p:cNvPr>
+          <p:cNvGrpSpPr/>
+          <p:nvPr/>
+        </p:nvGrpSpPr>
+        <p:grpSpPr>
+          <a:xfrm>
+            <a:off x="5377303" y="1526490"/>
+            <a:ext cx="1049380" cy="1614896"/>
+            <a:chOff x="1735836" y="1527973"/>
+            <a:chExt cx="1049380" cy="1614896"/>
+          </a:xfrm>
+        </p:grpSpPr>
+        <p:pic>
+          <p:nvPicPr>
+            <p:cNvPr id="103" name="Picture 2" descr="查看源图像">
+              <a:extLst>
+                <a:ext uri="{FF2B5EF4-FFF2-40B4-BE49-F238E27FC236}">
+                  <a16:creationId xmlns:a16="http://schemas.microsoft.com/office/drawing/2014/main" id="{F404B506-5E9D-4B76-8530-E39D90E3870B}"/>
+                </a:ext>
+              </a:extLst>
+            </p:cNvPr>
+            <p:cNvPicPr>
+              <a:picLocks noChangeAspect="1" noChangeArrowheads="1"/>
+            </p:cNvPicPr>
+            <p:nvPr/>
+          </p:nvPicPr>
+          <p:blipFill>
+            <a:blip r:embed="rId2">
+              <a:extLst>
+                <a:ext uri="{28A0092B-C50C-407E-A947-70E740481C1C}">
+                  <a14:useLocalDpi xmlns:a14="http://schemas.microsoft.com/office/drawing/2010/main" val="0"/>
+                </a:ext>
+              </a:extLst>
+            </a:blip>
+            <a:srcRect/>
+            <a:stretch>
+              <a:fillRect/>
+            </a:stretch>
+          </p:blipFill>
+          <p:spPr bwMode="auto">
+            <a:xfrm>
+              <a:off x="1735836" y="1527973"/>
+              <a:ext cx="1049380" cy="1217281"/>
+            </a:xfrm>
+            <a:prstGeom prst="rect">
+              <a:avLst/>
+            </a:prstGeom>
+            <a:noFill/>
+            <a:scene3d>
+              <a:camera prst="isometricOffAxis2Right"/>
+              <a:lightRig rig="threePt" dir="t"/>
+            </a:scene3d>
+            <a:extLst>
+              <a:ext uri="{909E8E84-426E-40DD-AFC4-6F175D3DCCD1}">
+                <a14:hiddenFill xmlns:a14="http://schemas.microsoft.com/office/drawing/2010/main">
+                  <a:solidFill>
+                    <a:srgbClr val="FFFFFF"/>
+                  </a:solidFill>
+                </a14:hiddenFill>
+              </a:ext>
+            </a:extLst>
+          </p:spPr>
+        </p:pic>
+        <p:grpSp>
+          <p:nvGrpSpPr>
+            <p:cNvPr id="109" name="组合 108">
+              <a:extLst>
+                <a:ext uri="{FF2B5EF4-FFF2-40B4-BE49-F238E27FC236}">
+                  <a16:creationId xmlns:a16="http://schemas.microsoft.com/office/drawing/2014/main" id="{65B190E9-517E-416A-8A9B-4B2CDBADD5C1}"/>
+                </a:ext>
+              </a:extLst>
+            </p:cNvPr>
+            <p:cNvGrpSpPr/>
+            <p:nvPr/>
+          </p:nvGrpSpPr>
+          <p:grpSpPr>
+            <a:xfrm>
+              <a:off x="2021231" y="2794981"/>
+              <a:ext cx="608076" cy="347888"/>
+              <a:chOff x="2021231" y="2794981"/>
+              <a:chExt cx="608076" cy="347888"/>
+            </a:xfrm>
+          </p:grpSpPr>
+          <p:sp>
+            <p:nvSpPr>
+              <p:cNvPr id="110" name="矩形 109">
+                <a:extLst>
+                  <a:ext uri="{FF2B5EF4-FFF2-40B4-BE49-F238E27FC236}">
+                    <a16:creationId xmlns:a16="http://schemas.microsoft.com/office/drawing/2014/main" id="{5A0E290B-271E-40B5-ABCD-0B115A27AE85}"/>
+                  </a:ext>
+                </a:extLst>
+              </p:cNvPr>
+              <p:cNvSpPr/>
+              <p:nvPr/>
+            </p:nvSpPr>
+            <p:spPr>
+              <a:xfrm>
+                <a:off x="2102437" y="2794981"/>
+                <a:ext cx="316177" cy="79248"/>
+              </a:xfrm>
+              <a:prstGeom prst="rect">
+                <a:avLst/>
+              </a:prstGeom>
+              <a:noFill/>
+              <a:ln>
+                <a:solidFill>
+                  <a:schemeClr val="tx1"/>
+                </a:solidFill>
+              </a:ln>
+            </p:spPr>
+            <p:style>
+              <a:lnRef idx="2">
+                <a:schemeClr val="accent6">
+                  <a:shade val="50000"/>
+                </a:schemeClr>
+              </a:lnRef>
+              <a:fillRef idx="1">
+                <a:schemeClr val="accent6"/>
+              </a:fillRef>
+              <a:effectRef idx="0">
+                <a:schemeClr val="accent6"/>
+              </a:effectRef>
+              <a:fontRef idx="minor">
+                <a:schemeClr val="lt1"/>
+              </a:fontRef>
+            </p:style>
+            <p:txBody>
+              <a:bodyPr rtlCol="0" anchor="ctr"/>
+              <a:lstStyle/>
+              <a:p>
+                <a:pPr algn="ctr"/>
+                <a:endParaRPr lang="zh-CN" altLang="en-US"/>
+              </a:p>
+            </p:txBody>
+          </p:sp>
+          <p:sp>
+            <p:nvSpPr>
+              <p:cNvPr id="111" name="文本框 110">
+                <a:extLst>
+                  <a:ext uri="{FF2B5EF4-FFF2-40B4-BE49-F238E27FC236}">
+                    <a16:creationId xmlns:a16="http://schemas.microsoft.com/office/drawing/2014/main" id="{7A368B1B-6DE2-492B-9D17-521B4441B215}"/>
+                  </a:ext>
+                </a:extLst>
+              </p:cNvPr>
+              <p:cNvSpPr txBox="1"/>
+              <p:nvPr/>
+            </p:nvSpPr>
+            <p:spPr>
+              <a:xfrm>
+                <a:off x="2021231" y="2881259"/>
+                <a:ext cx="608076" cy="261610"/>
+              </a:xfrm>
+              <a:prstGeom prst="rect">
+                <a:avLst/>
+              </a:prstGeom>
+              <a:noFill/>
+            </p:spPr>
+            <p:txBody>
+              <a:bodyPr wrap="square" rtlCol="0">
+                <a:spAutoFit/>
+              </a:bodyPr>
+              <a:lstStyle/>
+              <a:p>
+                <a:r>
+                  <a:rPr lang="en-US" altLang="zh-CN" sz="1100" dirty="0"/>
+                  <a:t>64</a:t>
+                </a:r>
+                <a:r>
+                  <a:rPr lang="zh-CN" altLang="en-US" sz="1100" dirty="0"/>
+                  <a:t>*</a:t>
+                </a:r>
+                <a:r>
+                  <a:rPr lang="en-US" altLang="zh-CN" sz="1100" dirty="0"/>
+                  <a:t>16</a:t>
+                </a:r>
+                <a:endParaRPr lang="zh-CN" altLang="en-US" sz="1100" dirty="0"/>
+              </a:p>
+            </p:txBody>
+          </p:sp>
+        </p:grpSp>
+      </p:grpSp>
+      <p:sp>
+        <p:nvSpPr>
+          <p:cNvPr id="112" name="文本框 111">
+            <a:extLst>
+              <a:ext uri="{FF2B5EF4-FFF2-40B4-BE49-F238E27FC236}">
+                <a16:creationId xmlns:a16="http://schemas.microsoft.com/office/drawing/2014/main" id="{667B650F-85C9-4DF7-8E91-133FCC59DA5A}"/>
+              </a:ext>
+            </a:extLst>
+          </p:cNvPr>
+          <p:cNvSpPr txBox="1"/>
+          <p:nvPr/>
+        </p:nvSpPr>
+        <p:spPr>
+          <a:xfrm>
+            <a:off x="6537251" y="3361971"/>
+            <a:ext cx="973021" cy="261610"/>
+          </a:xfrm>
+          <a:prstGeom prst="rect">
+            <a:avLst/>
+          </a:prstGeom>
+          <a:noFill/>
+        </p:spPr>
+        <p:txBody>
+          <a:bodyPr wrap="square" rtlCol="0">
+            <a:spAutoFit/>
+          </a:bodyPr>
+          <a:lstStyle/>
+          <a:p>
+            <a:r>
+              <a:rPr lang="zh-CN" altLang="en-US" sz="1100" dirty="0"/>
+              <a:t>隐层特征</a:t>
+            </a:r>
+            <a:r>
+              <a:rPr lang="en-US" altLang="zh-CN" sz="1100" dirty="0"/>
+              <a:t>3</a:t>
+            </a:r>
+            <a:endParaRPr lang="zh-CN" altLang="en-US" sz="1100" dirty="0"/>
+          </a:p>
+        </p:txBody>
+      </p:sp>
+      <p:sp>
+        <p:nvSpPr>
+          <p:cNvPr id="87" name="箭头: 右 86">
+            <a:extLst>
+              <a:ext uri="{FF2B5EF4-FFF2-40B4-BE49-F238E27FC236}">
+                <a16:creationId xmlns:a16="http://schemas.microsoft.com/office/drawing/2014/main" id="{AE5B183A-749E-483E-921B-65072FD5F7A7}"/>
+              </a:ext>
+            </a:extLst>
+          </p:cNvPr>
+          <p:cNvSpPr/>
+          <p:nvPr/>
+        </p:nvSpPr>
+        <p:spPr>
+          <a:xfrm>
+            <a:off x="1808436" y="2646083"/>
+            <a:ext cx="1113538" cy="123814"/>
+          </a:xfrm>
+          <a:prstGeom prst="rightArrow">
+            <a:avLst/>
+          </a:prstGeom>
+          <a:noFill/>
+        </p:spPr>
+        <p:style>
+          <a:lnRef idx="2">
+            <a:schemeClr val="accent1">
+              <a:shade val="50000"/>
+            </a:schemeClr>
+          </a:lnRef>
+          <a:fillRef idx="1">
+            <a:schemeClr val="accent1"/>
+          </a:fillRef>
+          <a:effectRef idx="0">
+            <a:schemeClr val="accent1"/>
+          </a:effectRef>
+          <a:fontRef idx="minor">
+            <a:schemeClr val="lt1"/>
+          </a:fontRef>
+        </p:style>
+        <p:txBody>
+          <a:bodyPr rtlCol="0" anchor="ctr"/>
+          <a:lstStyle/>
+          <a:p>
+            <a:pPr algn="ctr"/>
+            <a:endParaRPr lang="zh-CN" altLang="en-US"/>
+          </a:p>
+        </p:txBody>
+      </p:sp>
+      <p:sp>
+        <p:nvSpPr>
+          <p:cNvPr id="113" name="箭头: 右 112">
+            <a:extLst>
+              <a:ext uri="{FF2B5EF4-FFF2-40B4-BE49-F238E27FC236}">
+                <a16:creationId xmlns:a16="http://schemas.microsoft.com/office/drawing/2014/main" id="{FB55FE4F-9A50-4D79-A1C8-847165E0B11A}"/>
+              </a:ext>
+            </a:extLst>
+          </p:cNvPr>
+          <p:cNvSpPr/>
+          <p:nvPr/>
+        </p:nvSpPr>
+        <p:spPr>
+          <a:xfrm>
+            <a:off x="5535313" y="2651174"/>
+            <a:ext cx="1113538" cy="123814"/>
+          </a:xfrm>
+          <a:prstGeom prst="rightArrow">
+            <a:avLst/>
+          </a:prstGeom>
+          <a:noFill/>
+        </p:spPr>
+        <p:style>
+          <a:lnRef idx="2">
+            <a:schemeClr val="accent1">
+              <a:shade val="50000"/>
+            </a:schemeClr>
+          </a:lnRef>
+          <a:fillRef idx="1">
+            <a:schemeClr val="accent1"/>
+          </a:fillRef>
+          <a:effectRef idx="0">
+            <a:schemeClr val="accent1"/>
+          </a:effectRef>
+          <a:fontRef idx="minor">
+            <a:schemeClr val="lt1"/>
+          </a:fontRef>
+        </p:style>
+        <p:txBody>
+          <a:bodyPr rtlCol="0" anchor="ctr"/>
+          <a:lstStyle/>
+          <a:p>
+            <a:pPr algn="ctr"/>
+            <a:endParaRPr lang="zh-CN" altLang="en-US"/>
+          </a:p>
+        </p:txBody>
+      </p:sp>
+      <p:sp>
+        <p:nvSpPr>
+          <p:cNvPr id="114" name="箭头: 右 113">
+            <a:extLst>
+              <a:ext uri="{FF2B5EF4-FFF2-40B4-BE49-F238E27FC236}">
+                <a16:creationId xmlns:a16="http://schemas.microsoft.com/office/drawing/2014/main" id="{9E1B5A6E-476D-41AB-930D-1B5C485A8683}"/>
+              </a:ext>
+            </a:extLst>
+          </p:cNvPr>
+          <p:cNvSpPr/>
+          <p:nvPr/>
+        </p:nvSpPr>
+        <p:spPr>
+          <a:xfrm>
+            <a:off x="7109966" y="2624597"/>
+            <a:ext cx="1113538" cy="123814"/>
+          </a:xfrm>
+          <a:prstGeom prst="rightArrow">
+            <a:avLst/>
+          </a:prstGeom>
+          <a:noFill/>
+        </p:spPr>
+        <p:style>
+          <a:lnRef idx="2">
+            <a:schemeClr val="accent1">
+              <a:shade val="50000"/>
+            </a:schemeClr>
+          </a:lnRef>
+          <a:fillRef idx="1">
+            <a:schemeClr val="accent1"/>
+          </a:fillRef>
+          <a:effectRef idx="0">
+            <a:schemeClr val="accent1"/>
+          </a:effectRef>
+          <a:fontRef idx="minor">
+            <a:schemeClr val="lt1"/>
+          </a:fontRef>
+        </p:style>
+        <p:txBody>
+          <a:bodyPr rtlCol="0" anchor="ctr"/>
+          <a:lstStyle/>
+          <a:p>
+            <a:pPr algn="ctr"/>
+            <a:endParaRPr lang="zh-CN" altLang="en-US"/>
+          </a:p>
+        </p:txBody>
+      </p:sp>
+      <p:sp>
+        <p:nvSpPr>
+          <p:cNvPr id="115" name="矩形 114">
+            <a:extLst>
+              <a:ext uri="{FF2B5EF4-FFF2-40B4-BE49-F238E27FC236}">
+                <a16:creationId xmlns:a16="http://schemas.microsoft.com/office/drawing/2014/main" id="{970FD5F1-7A18-4A58-A8CD-CA40149254DF}"/>
+              </a:ext>
+            </a:extLst>
+          </p:cNvPr>
+          <p:cNvSpPr/>
+          <p:nvPr/>
+        </p:nvSpPr>
+        <p:spPr>
+          <a:xfrm>
+            <a:off x="8049026" y="1696709"/>
+            <a:ext cx="1511216" cy="1408176"/>
+          </a:xfrm>
+          <a:prstGeom prst="rect">
+            <a:avLst/>
+          </a:prstGeom>
+          <a:noFill/>
+          <a:ln>
+            <a:solidFill>
+              <a:schemeClr val="tx1"/>
+            </a:solidFill>
+          </a:ln>
+          <a:scene3d>
+            <a:camera prst="isometricOffAxis2Right"/>
+            <a:lightRig rig="threePt" dir="t"/>
+          </a:scene3d>
+        </p:spPr>
+        <p:style>
+          <a:lnRef idx="2">
+            <a:schemeClr val="accent6">
+              <a:shade val="50000"/>
+            </a:schemeClr>
+          </a:lnRef>
+          <a:fillRef idx="1">
+            <a:schemeClr val="accent6"/>
+          </a:fillRef>
+          <a:effectRef idx="0">
+            <a:schemeClr val="accent6"/>
+          </a:effectRef>
+          <a:fontRef idx="minor">
+            <a:schemeClr val="lt1"/>
+          </a:fontRef>
+        </p:style>
+        <p:txBody>
+          <a:bodyPr rtlCol="0" anchor="ctr"/>
+          <a:lstStyle/>
+          <a:p>
+            <a:pPr algn="ctr"/>
+            <a:endParaRPr lang="zh-CN" altLang="en-US"/>
+          </a:p>
+        </p:txBody>
+      </p:sp>
+      <p:sp>
+        <p:nvSpPr>
+          <p:cNvPr id="88" name="左大括号 87">
+            <a:extLst>
+              <a:ext uri="{FF2B5EF4-FFF2-40B4-BE49-F238E27FC236}">
+                <a16:creationId xmlns:a16="http://schemas.microsoft.com/office/drawing/2014/main" id="{20BDC077-81AF-4181-828A-47140D189A65}"/>
+              </a:ext>
+            </a:extLst>
+          </p:cNvPr>
+          <p:cNvSpPr/>
+          <p:nvPr/>
+        </p:nvSpPr>
+        <p:spPr>
+          <a:xfrm rot="16200000">
+            <a:off x="3973568" y="1266613"/>
+            <a:ext cx="333204" cy="5174495"/>
+          </a:xfrm>
+          <a:prstGeom prst="leftBrace">
+            <a:avLst>
+              <a:gd name="adj1" fmla="val 35776"/>
+              <a:gd name="adj2" fmla="val 50000"/>
+            </a:avLst>
+          </a:prstGeom>
+        </p:spPr>
+        <p:style>
+          <a:lnRef idx="1">
+            <a:schemeClr val="accent1"/>
+          </a:lnRef>
+          <a:fillRef idx="0">
+            <a:schemeClr val="accent1"/>
+          </a:fillRef>
+          <a:effectRef idx="0">
+            <a:schemeClr val="accent1"/>
+          </a:effectRef>
+          <a:fontRef idx="minor">
+            <a:schemeClr val="tx1"/>
+          </a:fontRef>
+        </p:style>
+        <p:txBody>
+          <a:bodyPr rtlCol="0" anchor="ctr"/>
+          <a:lstStyle/>
+          <a:p>
+            <a:pPr algn="ctr"/>
+            <a:endParaRPr lang="zh-CN" altLang="en-US"/>
+          </a:p>
+        </p:txBody>
+      </p:sp>
+      <p:sp>
+        <p:nvSpPr>
+          <p:cNvPr id="116" name="文本框 115">
+            <a:extLst>
+              <a:ext uri="{FF2B5EF4-FFF2-40B4-BE49-F238E27FC236}">
+                <a16:creationId xmlns:a16="http://schemas.microsoft.com/office/drawing/2014/main" id="{0A5E42E3-4C26-4B38-A951-6FE4B0B92DFD}"/>
+              </a:ext>
+            </a:extLst>
+          </p:cNvPr>
+          <p:cNvSpPr txBox="1"/>
+          <p:nvPr/>
+        </p:nvSpPr>
+        <p:spPr>
+          <a:xfrm>
+            <a:off x="3726971" y="4070071"/>
+            <a:ext cx="761159" cy="261610"/>
+          </a:xfrm>
+          <a:prstGeom prst="rect">
+            <a:avLst/>
+          </a:prstGeom>
+          <a:noFill/>
+        </p:spPr>
+        <p:txBody>
+          <a:bodyPr wrap="square" rtlCol="0">
+            <a:spAutoFit/>
+          </a:bodyPr>
+          <a:lstStyle/>
+          <a:p>
+            <a:r>
+              <a:rPr lang="zh-CN" altLang="en-US" sz="1100" dirty="0"/>
+              <a:t>编码过程</a:t>
+            </a:r>
+          </a:p>
+        </p:txBody>
+      </p:sp>
+      <p:sp>
+        <p:nvSpPr>
+          <p:cNvPr id="117" name="文本框 116">
+            <a:extLst>
+              <a:ext uri="{FF2B5EF4-FFF2-40B4-BE49-F238E27FC236}">
+                <a16:creationId xmlns:a16="http://schemas.microsoft.com/office/drawing/2014/main" id="{A33477CC-18A0-449C-8F51-1F38D11D870F}"/>
+              </a:ext>
+            </a:extLst>
+          </p:cNvPr>
+          <p:cNvSpPr txBox="1"/>
+          <p:nvPr/>
+        </p:nvSpPr>
+        <p:spPr>
+          <a:xfrm>
+            <a:off x="8579905" y="2710214"/>
+            <a:ext cx="608076" cy="261610"/>
+          </a:xfrm>
+          <a:prstGeom prst="rect">
+            <a:avLst/>
+          </a:prstGeom>
+          <a:noFill/>
+        </p:spPr>
+        <p:txBody>
+          <a:bodyPr wrap="square" rtlCol="0">
+            <a:spAutoFit/>
+          </a:bodyPr>
+          <a:lstStyle/>
+          <a:p>
+            <a:r>
+              <a:rPr lang="en-US" altLang="zh-CN" sz="1100" dirty="0"/>
+              <a:t>n*n</a:t>
+            </a:r>
+            <a:endParaRPr lang="zh-CN" altLang="en-US" sz="1100" dirty="0"/>
+          </a:p>
+        </p:txBody>
+      </p:sp>
+      <p:sp>
+        <p:nvSpPr>
+          <p:cNvPr id="119" name="文本框 118">
+            <a:extLst>
+              <a:ext uri="{FF2B5EF4-FFF2-40B4-BE49-F238E27FC236}">
+                <a16:creationId xmlns:a16="http://schemas.microsoft.com/office/drawing/2014/main" id="{63CC6911-21D7-46A8-AEFF-EF27F4ED84C2}"/>
+              </a:ext>
+            </a:extLst>
+          </p:cNvPr>
+          <p:cNvSpPr txBox="1"/>
+          <p:nvPr/>
+        </p:nvSpPr>
+        <p:spPr>
+          <a:xfrm>
+            <a:off x="8479536" y="3361971"/>
+            <a:ext cx="973021" cy="261610"/>
+          </a:xfrm>
+          <a:prstGeom prst="rect">
+            <a:avLst/>
+          </a:prstGeom>
+          <a:noFill/>
+        </p:spPr>
+        <p:txBody>
+          <a:bodyPr wrap="square" rtlCol="0">
+            <a:spAutoFit/>
+          </a:bodyPr>
+          <a:lstStyle/>
+          <a:p>
+            <a:r>
+              <a:rPr lang="zh-CN" altLang="en-US" sz="1100" dirty="0"/>
+              <a:t>邻接矩阵</a:t>
+            </a:r>
+          </a:p>
+        </p:txBody>
+      </p:sp>
+      <p:sp>
+        <p:nvSpPr>
+          <p:cNvPr id="120" name="文本框 119">
+            <a:extLst>
+              <a:ext uri="{FF2B5EF4-FFF2-40B4-BE49-F238E27FC236}">
+                <a16:creationId xmlns:a16="http://schemas.microsoft.com/office/drawing/2014/main" id="{3BD6BBC0-3E01-4FBD-81B2-9B106BCFE49D}"/>
+              </a:ext>
+            </a:extLst>
+          </p:cNvPr>
+          <p:cNvSpPr txBox="1"/>
+          <p:nvPr/>
+        </p:nvSpPr>
+        <p:spPr>
+          <a:xfrm>
+            <a:off x="7324607" y="2411357"/>
+            <a:ext cx="973021" cy="261610"/>
+          </a:xfrm>
+          <a:prstGeom prst="rect">
+            <a:avLst/>
+          </a:prstGeom>
+          <a:noFill/>
+        </p:spPr>
+        <p:txBody>
+          <a:bodyPr wrap="square" rtlCol="0">
+            <a:spAutoFit/>
+          </a:bodyPr>
+          <a:lstStyle/>
+          <a:p>
+            <a:r>
+              <a:rPr lang="zh-CN" altLang="en-US" sz="1100" dirty="0"/>
+              <a:t>邻边预测</a:t>
+            </a:r>
+          </a:p>
+        </p:txBody>
+      </p:sp>
+      <p:sp>
+        <p:nvSpPr>
+          <p:cNvPr id="121" name="左大括号 120">
+            <a:extLst>
+              <a:ext uri="{FF2B5EF4-FFF2-40B4-BE49-F238E27FC236}">
+                <a16:creationId xmlns:a16="http://schemas.microsoft.com/office/drawing/2014/main" id="{FF233DA8-0EE9-4E4D-A28E-834AC2354E9E}"/>
+              </a:ext>
+            </a:extLst>
+          </p:cNvPr>
+          <p:cNvSpPr/>
+          <p:nvPr/>
+        </p:nvSpPr>
+        <p:spPr>
+          <a:xfrm rot="16200000">
+            <a:off x="7652147" y="2946744"/>
+            <a:ext cx="333204" cy="1797063"/>
+          </a:xfrm>
+          <a:prstGeom prst="leftBrace">
+            <a:avLst>
+              <a:gd name="adj1" fmla="val 35776"/>
+              <a:gd name="adj2" fmla="val 50000"/>
+            </a:avLst>
+          </a:prstGeom>
+        </p:spPr>
+        <p:style>
+          <a:lnRef idx="1">
+            <a:schemeClr val="accent1"/>
+          </a:lnRef>
+          <a:fillRef idx="0">
+            <a:schemeClr val="accent1"/>
+          </a:fillRef>
+          <a:effectRef idx="0">
+            <a:schemeClr val="accent1"/>
+          </a:effectRef>
+          <a:fontRef idx="minor">
+            <a:schemeClr val="tx1"/>
+          </a:fontRef>
+        </p:style>
+        <p:txBody>
+          <a:bodyPr rtlCol="0" anchor="ctr"/>
+          <a:lstStyle/>
+          <a:p>
+            <a:pPr algn="ctr"/>
+            <a:endParaRPr lang="zh-CN" altLang="en-US"/>
+          </a:p>
+        </p:txBody>
+      </p:sp>
+      <p:sp>
+        <p:nvSpPr>
+          <p:cNvPr id="122" name="文本框 121">
+            <a:extLst>
+              <a:ext uri="{FF2B5EF4-FFF2-40B4-BE49-F238E27FC236}">
+                <a16:creationId xmlns:a16="http://schemas.microsoft.com/office/drawing/2014/main" id="{C1E3FA5F-E7AC-477B-9489-F25FB7E62BBE}"/>
+              </a:ext>
+            </a:extLst>
+          </p:cNvPr>
+          <p:cNvSpPr txBox="1"/>
+          <p:nvPr/>
+        </p:nvSpPr>
+        <p:spPr>
+          <a:xfrm>
+            <a:off x="7438169" y="4080586"/>
+            <a:ext cx="761160" cy="261610"/>
+          </a:xfrm>
+          <a:prstGeom prst="rect">
+            <a:avLst/>
+          </a:prstGeom>
+          <a:noFill/>
+        </p:spPr>
+        <p:txBody>
+          <a:bodyPr wrap="square" rtlCol="0">
+            <a:spAutoFit/>
+          </a:bodyPr>
+          <a:lstStyle/>
+          <a:p>
+            <a:r>
+              <a:rPr lang="zh-CN" altLang="en-US" sz="1100" dirty="0"/>
+              <a:t>解码过程</a:t>
+            </a:r>
+          </a:p>
+        </p:txBody>
+      </p:sp>
+      <p:grpSp>
+        <p:nvGrpSpPr>
+          <p:cNvPr id="123" name="组合 122">
+            <a:extLst>
+              <a:ext uri="{FF2B5EF4-FFF2-40B4-BE49-F238E27FC236}">
+                <a16:creationId xmlns:a16="http://schemas.microsoft.com/office/drawing/2014/main" id="{29083649-EA14-4466-90AA-400BDB675049}"/>
+              </a:ext>
+            </a:extLst>
+          </p:cNvPr>
+          <p:cNvGrpSpPr/>
+          <p:nvPr/>
+        </p:nvGrpSpPr>
+        <p:grpSpPr>
+          <a:xfrm>
+            <a:off x="3547319" y="1488396"/>
+            <a:ext cx="1113538" cy="1614896"/>
+            <a:chOff x="3493108" y="1479050"/>
+            <a:chExt cx="1113538" cy="1614896"/>
+          </a:xfrm>
+        </p:grpSpPr>
+        <p:grpSp>
+          <p:nvGrpSpPr>
+            <p:cNvPr id="124" name="组合 123">
+              <a:extLst>
+                <a:ext uri="{FF2B5EF4-FFF2-40B4-BE49-F238E27FC236}">
+                  <a16:creationId xmlns:a16="http://schemas.microsoft.com/office/drawing/2014/main" id="{2474126C-F746-4D20-899E-2C339E4224A9}"/>
+                </a:ext>
+              </a:extLst>
+            </p:cNvPr>
+            <p:cNvGrpSpPr/>
+            <p:nvPr/>
+          </p:nvGrpSpPr>
+          <p:grpSpPr>
+            <a:xfrm>
+              <a:off x="3496048" y="1479050"/>
+              <a:ext cx="1049380" cy="1614896"/>
+              <a:chOff x="1735836" y="1527973"/>
+              <a:chExt cx="1049380" cy="1614896"/>
+            </a:xfrm>
+          </p:grpSpPr>
+          <p:pic>
+            <p:nvPicPr>
+              <p:cNvPr id="125" name="Picture 2" descr="查看源图像">
+                <a:extLst>
+                  <a:ext uri="{FF2B5EF4-FFF2-40B4-BE49-F238E27FC236}">
+                    <a16:creationId xmlns:a16="http://schemas.microsoft.com/office/drawing/2014/main" id="{681E5BF4-B068-4033-B268-D9A93E88AA39}"/>
+                  </a:ext>
+                </a:extLst>
+              </p:cNvPr>
+              <p:cNvPicPr>
+                <a:picLocks noChangeAspect="1" noChangeArrowheads="1"/>
+              </p:cNvPicPr>
+              <p:nvPr/>
+            </p:nvPicPr>
+            <p:blipFill>
+              <a:blip r:embed="rId2">
+                <a:extLst>
+                  <a:ext uri="{28A0092B-C50C-407E-A947-70E740481C1C}">
+                    <a14:useLocalDpi xmlns:a14="http://schemas.microsoft.com/office/drawing/2010/main" val="0"/>
+                  </a:ext>
+                </a:extLst>
+              </a:blip>
+              <a:srcRect/>
+              <a:stretch>
+                <a:fillRect/>
+              </a:stretch>
+            </p:blipFill>
+            <p:spPr bwMode="auto">
+              <a:xfrm>
+                <a:off x="1735836" y="1527973"/>
+                <a:ext cx="1049380" cy="1217281"/>
+              </a:xfrm>
+              <a:prstGeom prst="rect">
+                <a:avLst/>
+              </a:prstGeom>
+              <a:noFill/>
+              <a:scene3d>
+                <a:camera prst="isometricOffAxis2Right"/>
+                <a:lightRig rig="threePt" dir="t"/>
+              </a:scene3d>
+              <a:extLst>
+                <a:ext uri="{909E8E84-426E-40DD-AFC4-6F175D3DCCD1}">
+                  <a14:hiddenFill xmlns:a14="http://schemas.microsoft.com/office/drawing/2010/main">
+                    <a:solidFill>
+                      <a:srgbClr val="FFFFFF"/>
+                    </a:solidFill>
+                  </a14:hiddenFill>
+                </a:ext>
+              </a:extLst>
+            </p:spPr>
+          </p:pic>
+          <p:grpSp>
+            <p:nvGrpSpPr>
+              <p:cNvPr id="126" name="组合 125">
+                <a:extLst>
+                  <a:ext uri="{FF2B5EF4-FFF2-40B4-BE49-F238E27FC236}">
+                    <a16:creationId xmlns:a16="http://schemas.microsoft.com/office/drawing/2014/main" id="{5F963008-6460-4EFE-ADA1-90AA39A5A4A0}"/>
+                  </a:ext>
+                </a:extLst>
+              </p:cNvPr>
+              <p:cNvGrpSpPr/>
+              <p:nvPr/>
+            </p:nvGrpSpPr>
+            <p:grpSpPr>
+              <a:xfrm>
+                <a:off x="2021231" y="2794981"/>
+                <a:ext cx="608076" cy="347888"/>
+                <a:chOff x="2021231" y="2794981"/>
+                <a:chExt cx="608076" cy="347888"/>
+              </a:xfrm>
+            </p:grpSpPr>
+            <p:sp>
+              <p:nvSpPr>
+                <p:cNvPr id="127" name="矩形 126">
+                  <a:extLst>
+                    <a:ext uri="{FF2B5EF4-FFF2-40B4-BE49-F238E27FC236}">
+                      <a16:creationId xmlns:a16="http://schemas.microsoft.com/office/drawing/2014/main" id="{B8F0B1BB-6C9A-425A-8485-BB742E5334BF}"/>
+                    </a:ext>
+                  </a:extLst>
+                </p:cNvPr>
+                <p:cNvSpPr/>
+                <p:nvPr/>
+              </p:nvSpPr>
+              <p:spPr>
+                <a:xfrm>
+                  <a:off x="2102437" y="2794981"/>
+                  <a:ext cx="316177" cy="79248"/>
+                </a:xfrm>
+                <a:prstGeom prst="rect">
+                  <a:avLst/>
+                </a:prstGeom>
+                <a:noFill/>
+                <a:ln>
+                  <a:solidFill>
+                    <a:schemeClr val="tx1"/>
+                  </a:solidFill>
+                </a:ln>
+              </p:spPr>
+              <p:style>
+                <a:lnRef idx="2">
+                  <a:schemeClr val="accent6">
+                    <a:shade val="50000"/>
+                  </a:schemeClr>
+                </a:lnRef>
+                <a:fillRef idx="1">
+                  <a:schemeClr val="accent6"/>
+                </a:fillRef>
+                <a:effectRef idx="0">
+                  <a:schemeClr val="accent6"/>
+                </a:effectRef>
+                <a:fontRef idx="minor">
+                  <a:schemeClr val="lt1"/>
+                </a:fontRef>
+              </p:style>
+              <p:txBody>
+                <a:bodyPr rtlCol="0" anchor="ctr"/>
+                <a:lstStyle/>
+                <a:p>
+                  <a:pPr algn="ctr"/>
+                  <a:endParaRPr lang="zh-CN" altLang="en-US"/>
+                </a:p>
+              </p:txBody>
+            </p:sp>
+            <p:sp>
+              <p:nvSpPr>
+                <p:cNvPr id="128" name="文本框 127">
+                  <a:extLst>
+                    <a:ext uri="{FF2B5EF4-FFF2-40B4-BE49-F238E27FC236}">
+                      <a16:creationId xmlns:a16="http://schemas.microsoft.com/office/drawing/2014/main" id="{EACDD654-B013-4849-937D-3C6CA1829F47}"/>
+                    </a:ext>
+                  </a:extLst>
+                </p:cNvPr>
+                <p:cNvSpPr txBox="1"/>
+                <p:nvPr/>
+              </p:nvSpPr>
+              <p:spPr>
+                <a:xfrm>
+                  <a:off x="2021231" y="2881259"/>
+                  <a:ext cx="608076" cy="261610"/>
+                </a:xfrm>
+                <a:prstGeom prst="rect">
+                  <a:avLst/>
+                </a:prstGeom>
+                <a:noFill/>
+              </p:spPr>
+              <p:txBody>
+                <a:bodyPr wrap="square" rtlCol="0">
+                  <a:spAutoFit/>
+                </a:bodyPr>
+                <a:lstStyle/>
+                <a:p>
+                  <a:r>
+                    <a:rPr lang="en-US" altLang="zh-CN" sz="1100" dirty="0"/>
+                    <a:t>64</a:t>
+                  </a:r>
+                  <a:r>
+                    <a:rPr lang="zh-CN" altLang="en-US" sz="1100" dirty="0"/>
+                    <a:t>*</a:t>
+                  </a:r>
+                  <a:r>
+                    <a:rPr lang="en-US" altLang="zh-CN" sz="1100" dirty="0"/>
+                    <a:t>64</a:t>
+                  </a:r>
+                  <a:endParaRPr lang="zh-CN" altLang="en-US" sz="1100" dirty="0"/>
+                </a:p>
+              </p:txBody>
+            </p:sp>
+          </p:grpSp>
+        </p:grpSp>
+        <p:sp>
+          <p:nvSpPr>
+            <p:cNvPr id="129" name="箭头: 右 128">
+              <a:extLst>
+                <a:ext uri="{FF2B5EF4-FFF2-40B4-BE49-F238E27FC236}">
+                  <a16:creationId xmlns:a16="http://schemas.microsoft.com/office/drawing/2014/main" id="{C7E7B532-2BAA-4F21-AE12-16740D8F307D}"/>
+                </a:ext>
+              </a:extLst>
+            </p:cNvPr>
+            <p:cNvSpPr/>
+            <p:nvPr/>
+          </p:nvSpPr>
+          <p:spPr>
+            <a:xfrm>
+              <a:off x="3493108" y="2615613"/>
+              <a:ext cx="1113538" cy="123814"/>
+            </a:xfrm>
+            <a:prstGeom prst="rightArrow">
+              <a:avLst/>
+            </a:prstGeom>
+            <a:noFill/>
+          </p:spPr>
+          <p:style>
+            <a:lnRef idx="2">
+              <a:schemeClr val="accent1">
+                <a:shade val="50000"/>
+              </a:schemeClr>
+            </a:lnRef>
+            <a:fillRef idx="1">
+              <a:schemeClr val="accent1"/>
+            </a:fillRef>
+            <a:effectRef idx="0">
+              <a:schemeClr val="accent1"/>
+            </a:effectRef>
+            <a:fontRef idx="minor">
+              <a:schemeClr val="lt1"/>
+            </a:fontRef>
+          </p:style>
+          <p:txBody>
+            <a:bodyPr rtlCol="0" anchor="ctr"/>
+            <a:lstStyle/>
+            <a:p>
+              <a:pPr algn="ctr"/>
+              <a:endParaRPr lang="zh-CN" altLang="en-US"/>
+            </a:p>
+          </p:txBody>
+        </p:sp>
+      </p:grpSp>
+      <p:sp>
+        <p:nvSpPr>
+          <p:cNvPr id="131" name="文本框 130">
+            <a:extLst>
+              <a:ext uri="{FF2B5EF4-FFF2-40B4-BE49-F238E27FC236}">
+                <a16:creationId xmlns:a16="http://schemas.microsoft.com/office/drawing/2014/main" id="{A3EF1C7C-EC01-4522-BBF7-B8AC5F31E095}"/>
+              </a:ext>
+            </a:extLst>
+          </p:cNvPr>
+          <p:cNvSpPr txBox="1"/>
+          <p:nvPr/>
+        </p:nvSpPr>
+        <p:spPr>
+          <a:xfrm>
+            <a:off x="4841159" y="2781367"/>
+            <a:ext cx="608076" cy="261610"/>
+          </a:xfrm>
+          <a:prstGeom prst="rect">
+            <a:avLst/>
+          </a:prstGeom>
+          <a:noFill/>
+        </p:spPr>
+        <p:txBody>
+          <a:bodyPr wrap="square" rtlCol="0">
+            <a:spAutoFit/>
+          </a:bodyPr>
+          <a:lstStyle/>
+          <a:p>
+            <a:r>
+              <a:rPr lang="en-US" altLang="zh-CN" sz="1100" dirty="0"/>
+              <a:t>n*64</a:t>
+            </a:r>
+            <a:endParaRPr lang="zh-CN" altLang="en-US" sz="1100" dirty="0"/>
+          </a:p>
+        </p:txBody>
+      </p:sp>
+      <p:sp>
+        <p:nvSpPr>
+          <p:cNvPr id="132" name="矩形 131">
+            <a:extLst>
+              <a:ext uri="{FF2B5EF4-FFF2-40B4-BE49-F238E27FC236}">
+                <a16:creationId xmlns:a16="http://schemas.microsoft.com/office/drawing/2014/main" id="{2E440769-CF30-40D8-A8ED-8953078EEE7A}"/>
+              </a:ext>
+            </a:extLst>
+          </p:cNvPr>
+          <p:cNvSpPr/>
+          <p:nvPr/>
+        </p:nvSpPr>
+        <p:spPr>
+          <a:xfrm>
+            <a:off x="4488130" y="1737838"/>
+            <a:ext cx="1189047" cy="1408176"/>
+          </a:xfrm>
+          <a:prstGeom prst="rect">
+            <a:avLst/>
+          </a:prstGeom>
+          <a:noFill/>
+          <a:ln>
+            <a:solidFill>
+              <a:schemeClr val="tx1"/>
+            </a:solidFill>
+          </a:ln>
+          <a:scene3d>
+            <a:camera prst="isometricOffAxis2Right"/>
+            <a:lightRig rig="threePt" dir="t"/>
+          </a:scene3d>
+        </p:spPr>
+        <p:style>
+          <a:lnRef idx="2">
+            <a:schemeClr val="accent6">
+              <a:shade val="50000"/>
+            </a:schemeClr>
+          </a:lnRef>
+          <a:fillRef idx="1">
+            <a:schemeClr val="accent6"/>
+          </a:fillRef>
+          <a:effectRef idx="0">
+            <a:schemeClr val="accent6"/>
+          </a:effectRef>
+          <a:fontRef idx="minor">
+            <a:schemeClr val="lt1"/>
+          </a:fontRef>
+        </p:style>
+        <p:txBody>
+          <a:bodyPr rtlCol="0" anchor="ctr"/>
+          <a:lstStyle/>
+          <a:p>
+            <a:pPr algn="ctr"/>
+            <a:endParaRPr lang="zh-CN" altLang="en-US"/>
+          </a:p>
+        </p:txBody>
+      </p:sp>
+      <p:sp>
+        <p:nvSpPr>
+          <p:cNvPr id="133" name="文本框 132">
+            <a:extLst>
+              <a:ext uri="{FF2B5EF4-FFF2-40B4-BE49-F238E27FC236}">
+                <a16:creationId xmlns:a16="http://schemas.microsoft.com/office/drawing/2014/main" id="{04F8261A-FC4C-4C2F-AC92-0FE72CCC65C1}"/>
+              </a:ext>
+            </a:extLst>
+          </p:cNvPr>
+          <p:cNvSpPr txBox="1"/>
+          <p:nvPr/>
+        </p:nvSpPr>
+        <p:spPr>
+          <a:xfrm>
+            <a:off x="4649502" y="3357362"/>
+            <a:ext cx="955798" cy="261610"/>
+          </a:xfrm>
+          <a:prstGeom prst="rect">
+            <a:avLst/>
+          </a:prstGeom>
+          <a:noFill/>
+        </p:spPr>
+        <p:txBody>
+          <a:bodyPr wrap="square" rtlCol="0">
+            <a:spAutoFit/>
+          </a:bodyPr>
+          <a:lstStyle/>
+          <a:p>
+            <a:r>
+              <a:rPr lang="zh-CN" altLang="en-US" sz="1100" dirty="0"/>
+              <a:t>隐层特征</a:t>
+            </a:r>
+            <a:r>
+              <a:rPr lang="en-US" altLang="zh-CN" sz="1100" dirty="0"/>
+              <a:t>2</a:t>
+            </a:r>
+            <a:endParaRPr lang="zh-CN" altLang="en-US" sz="1100" dirty="0"/>
+          </a:p>
+        </p:txBody>
+      </p:sp>
+    </p:spTree>
+    <p:extLst>
+      <p:ext uri="{BB962C8B-B14F-4D97-AF65-F5344CB8AC3E}">
+        <p14:creationId xmlns:p14="http://schemas.microsoft.com/office/powerpoint/2010/main" val="1459607578"/>
       </p:ext>
     </p:extLst>
   </p:cSld>

--- a/MineThesis new struct/other/流程图.pptx
+++ b/MineThesis new struct/other/流程图.pptx
@@ -16,6 +16,9 @@
     <p:sldId id="265" r:id="rId10"/>
     <p:sldId id="264" r:id="rId11"/>
     <p:sldId id="260" r:id="rId12"/>
+    <p:sldId id="267" r:id="rId13"/>
+    <p:sldId id="268" r:id="rId14"/>
+    <p:sldId id="269" r:id="rId15"/>
   </p:sldIdLst>
   <p:sldSz cx="12192000" cy="6858000"/>
   <p:notesSz cx="6858000" cy="9144000"/>
@@ -281,7 +284,7 @@
           <a:p>
             <a:fld id="{CC7B9DFA-7254-46D5-8843-3EC702C2F19D}" type="datetimeFigureOut">
               <a:rPr lang="zh-CN" altLang="en-US" smtClean="0"/>
-              <a:t>21.1.1</a:t>
+              <a:t>21.1.4</a:t>
             </a:fld>
             <a:endParaRPr lang="zh-CN" altLang="en-US"/>
           </a:p>
@@ -479,7 +482,7 @@
           <a:p>
             <a:fld id="{CC7B9DFA-7254-46D5-8843-3EC702C2F19D}" type="datetimeFigureOut">
               <a:rPr lang="zh-CN" altLang="en-US" smtClean="0"/>
-              <a:t>21.1.1</a:t>
+              <a:t>21.1.4</a:t>
             </a:fld>
             <a:endParaRPr lang="zh-CN" altLang="en-US"/>
           </a:p>
@@ -687,7 +690,7 @@
           <a:p>
             <a:fld id="{CC7B9DFA-7254-46D5-8843-3EC702C2F19D}" type="datetimeFigureOut">
               <a:rPr lang="zh-CN" altLang="en-US" smtClean="0"/>
-              <a:t>21.1.1</a:t>
+              <a:t>21.1.4</a:t>
             </a:fld>
             <a:endParaRPr lang="zh-CN" altLang="en-US"/>
           </a:p>
@@ -885,7 +888,7 @@
           <a:p>
             <a:fld id="{CC7B9DFA-7254-46D5-8843-3EC702C2F19D}" type="datetimeFigureOut">
               <a:rPr lang="zh-CN" altLang="en-US" smtClean="0"/>
-              <a:t>21.1.1</a:t>
+              <a:t>21.1.4</a:t>
             </a:fld>
             <a:endParaRPr lang="zh-CN" altLang="en-US"/>
           </a:p>
@@ -1160,7 +1163,7 @@
           <a:p>
             <a:fld id="{CC7B9DFA-7254-46D5-8843-3EC702C2F19D}" type="datetimeFigureOut">
               <a:rPr lang="zh-CN" altLang="en-US" smtClean="0"/>
-              <a:t>21.1.1</a:t>
+              <a:t>21.1.4</a:t>
             </a:fld>
             <a:endParaRPr lang="zh-CN" altLang="en-US"/>
           </a:p>
@@ -1425,7 +1428,7 @@
           <a:p>
             <a:fld id="{CC7B9DFA-7254-46D5-8843-3EC702C2F19D}" type="datetimeFigureOut">
               <a:rPr lang="zh-CN" altLang="en-US" smtClean="0"/>
-              <a:t>21.1.1</a:t>
+              <a:t>21.1.4</a:t>
             </a:fld>
             <a:endParaRPr lang="zh-CN" altLang="en-US"/>
           </a:p>
@@ -1837,7 +1840,7 @@
           <a:p>
             <a:fld id="{CC7B9DFA-7254-46D5-8843-3EC702C2F19D}" type="datetimeFigureOut">
               <a:rPr lang="zh-CN" altLang="en-US" smtClean="0"/>
-              <a:t>21.1.1</a:t>
+              <a:t>21.1.4</a:t>
             </a:fld>
             <a:endParaRPr lang="zh-CN" altLang="en-US"/>
           </a:p>
@@ -1978,7 +1981,7 @@
           <a:p>
             <a:fld id="{CC7B9DFA-7254-46D5-8843-3EC702C2F19D}" type="datetimeFigureOut">
               <a:rPr lang="zh-CN" altLang="en-US" smtClean="0"/>
-              <a:t>21.1.1</a:t>
+              <a:t>21.1.4</a:t>
             </a:fld>
             <a:endParaRPr lang="zh-CN" altLang="en-US"/>
           </a:p>
@@ -2091,7 +2094,7 @@
           <a:p>
             <a:fld id="{CC7B9DFA-7254-46D5-8843-3EC702C2F19D}" type="datetimeFigureOut">
               <a:rPr lang="zh-CN" altLang="en-US" smtClean="0"/>
-              <a:t>21.1.1</a:t>
+              <a:t>21.1.4</a:t>
             </a:fld>
             <a:endParaRPr lang="zh-CN" altLang="en-US"/>
           </a:p>
@@ -2402,7 +2405,7 @@
           <a:p>
             <a:fld id="{CC7B9DFA-7254-46D5-8843-3EC702C2F19D}" type="datetimeFigureOut">
               <a:rPr lang="zh-CN" altLang="en-US" smtClean="0"/>
-              <a:t>21.1.1</a:t>
+              <a:t>21.1.4</a:t>
             </a:fld>
             <a:endParaRPr lang="zh-CN" altLang="en-US"/>
           </a:p>
@@ -2690,7 +2693,7 @@
           <a:p>
             <a:fld id="{CC7B9DFA-7254-46D5-8843-3EC702C2F19D}" type="datetimeFigureOut">
               <a:rPr lang="zh-CN" altLang="en-US" smtClean="0"/>
-              <a:t>21.1.1</a:t>
+              <a:t>21.1.4</a:t>
             </a:fld>
             <a:endParaRPr lang="zh-CN" altLang="en-US"/>
           </a:p>
@@ -2931,7 +2934,7 @@
           <a:p>
             <a:fld id="{CC7B9DFA-7254-46D5-8843-3EC702C2F19D}" type="datetimeFigureOut">
               <a:rPr lang="zh-CN" altLang="en-US" smtClean="0"/>
-              <a:t>21.1.1</a:t>
+              <a:t>21.1.4</a:t>
             </a:fld>
             <a:endParaRPr lang="zh-CN" altLang="en-US"/>
           </a:p>
@@ -7568,7 +7571,7 @@
         </p:nvGrpSpPr>
         <p:grpSpPr>
           <a:xfrm>
-            <a:off x="6490698" y="3602703"/>
+            <a:off x="6490698" y="3998943"/>
             <a:ext cx="1799178" cy="468675"/>
             <a:chOff x="5801850" y="4011835"/>
             <a:chExt cx="1799178" cy="468675"/>
@@ -7701,7 +7704,7 @@
         </p:nvSpPr>
         <p:spPr>
           <a:xfrm>
-            <a:off x="5965838" y="3733771"/>
+            <a:off x="5965838" y="4130011"/>
             <a:ext cx="1113538" cy="123814"/>
           </a:xfrm>
           <a:prstGeom prst="rightArrow">
@@ -7748,7 +7751,7 @@
         </p:nvSpPr>
         <p:spPr>
           <a:xfrm>
-            <a:off x="5906972" y="3336990"/>
+            <a:off x="5906972" y="3733230"/>
             <a:ext cx="1321224" cy="430887"/>
           </a:xfrm>
           <a:prstGeom prst="rect">
@@ -7783,7 +7786,7 @@
         </p:nvSpPr>
         <p:spPr>
           <a:xfrm>
-            <a:off x="7057048" y="4160332"/>
+            <a:off x="7057048" y="4678492"/>
             <a:ext cx="761158" cy="261610"/>
           </a:xfrm>
           <a:prstGeom prst="rect">
@@ -7818,7 +7821,7 @@
         </p:nvSpPr>
         <p:spPr>
           <a:xfrm>
-            <a:off x="8892522" y="2791969"/>
+            <a:off x="8892522" y="3310129"/>
             <a:ext cx="202710" cy="637032"/>
           </a:xfrm>
           <a:prstGeom prst="rect">
@@ -7874,7 +7877,7 @@
         </p:nvSpPr>
         <p:spPr>
           <a:xfrm>
-            <a:off x="8892522" y="4115160"/>
+            <a:off x="8892522" y="4633320"/>
             <a:ext cx="202710" cy="150139"/>
           </a:xfrm>
           <a:prstGeom prst="rect">
@@ -7930,7 +7933,7 @@
         </p:nvSpPr>
         <p:spPr>
           <a:xfrm>
-            <a:off x="8777257" y="3494265"/>
+            <a:off x="8777257" y="4012425"/>
             <a:ext cx="761158" cy="261610"/>
           </a:xfrm>
           <a:prstGeom prst="rect">
@@ -7965,7 +7968,7 @@
         </p:nvSpPr>
         <p:spPr>
           <a:xfrm>
-            <a:off x="8777257" y="4321631"/>
+            <a:off x="8777257" y="4839791"/>
             <a:ext cx="761158" cy="261610"/>
           </a:xfrm>
           <a:prstGeom prst="rect">
@@ -8000,7 +8003,7 @@
         </p:nvSpPr>
         <p:spPr>
           <a:xfrm>
-            <a:off x="7930896" y="3164444"/>
+            <a:off x="7930896" y="3682604"/>
             <a:ext cx="812806" cy="172546"/>
           </a:xfrm>
           <a:prstGeom prst="rightArrow">
@@ -8047,7 +8050,7 @@
         </p:nvSpPr>
         <p:spPr>
           <a:xfrm>
-            <a:off x="7836612" y="2765513"/>
+            <a:off x="7836612" y="3283673"/>
             <a:ext cx="1321224" cy="430887"/>
           </a:xfrm>
           <a:prstGeom prst="rect">
@@ -8091,7 +8094,7 @@
         </p:nvSpPr>
         <p:spPr>
           <a:xfrm>
-            <a:off x="7951207" y="4250345"/>
+            <a:off x="7951207" y="4768505"/>
             <a:ext cx="812806" cy="172546"/>
           </a:xfrm>
           <a:prstGeom prst="rightArrow">
@@ -8138,7 +8141,7 @@
         </p:nvSpPr>
         <p:spPr>
           <a:xfrm>
-            <a:off x="7856923" y="3851414"/>
+            <a:off x="7856923" y="4369574"/>
             <a:ext cx="1321224" cy="430887"/>
           </a:xfrm>
           <a:prstGeom prst="rect">
@@ -8209,7 +8212,7 @@
         <p:spPr>
           <a:xfrm>
             <a:off x="1260072" y="2833575"/>
-            <a:ext cx="608076" cy="261610"/>
+            <a:ext cx="608076" cy="307777"/>
           </a:xfrm>
           <a:prstGeom prst="rect">
             <a:avLst/>
@@ -8223,10 +8226,10 @@
           <a:lstStyle/>
           <a:p>
             <a:r>
-              <a:rPr lang="en-US" altLang="zh-CN" sz="1100" dirty="0"/>
+              <a:rPr lang="en-US" altLang="zh-CN" sz="1400" dirty="0"/>
               <a:t>n*1</a:t>
             </a:r>
-            <a:endParaRPr lang="zh-CN" altLang="en-US" sz="1100" dirty="0"/>
+            <a:endParaRPr lang="zh-CN" altLang="en-US" sz="1400" dirty="0"/>
           </a:p>
         </p:txBody>
       </p:sp>
@@ -8244,8 +8247,8 @@
         </p:nvSpPr>
         <p:spPr>
           <a:xfrm>
-            <a:off x="3020853" y="2825600"/>
-            <a:ext cx="608076" cy="261610"/>
+            <a:off x="2975664" y="2758651"/>
+            <a:ext cx="608076" cy="307777"/>
           </a:xfrm>
           <a:prstGeom prst="rect">
             <a:avLst/>
@@ -8259,10 +8262,10 @@
           <a:lstStyle/>
           <a:p>
             <a:r>
-              <a:rPr lang="en-US" altLang="zh-CN" sz="1100" dirty="0"/>
+              <a:rPr lang="en-US" altLang="zh-CN" sz="1400" dirty="0"/>
               <a:t>n*64</a:t>
             </a:r>
-            <a:endParaRPr lang="zh-CN" altLang="en-US" sz="1100" dirty="0"/>
+            <a:endParaRPr lang="zh-CN" altLang="en-US" sz="1400" dirty="0"/>
           </a:p>
         </p:txBody>
       </p:sp>
@@ -8281,7 +8284,7 @@
         <p:spPr>
           <a:xfrm>
             <a:off x="6977642" y="2900089"/>
-            <a:ext cx="608076" cy="261610"/>
+            <a:ext cx="608076" cy="307777"/>
           </a:xfrm>
           <a:prstGeom prst="rect">
             <a:avLst/>
@@ -8295,10 +8298,10 @@
           <a:lstStyle/>
           <a:p>
             <a:r>
-              <a:rPr lang="en-US" altLang="zh-CN" sz="1100" dirty="0"/>
+              <a:rPr lang="en-US" altLang="zh-CN" sz="1400" dirty="0"/>
               <a:t>n*16</a:t>
             </a:r>
-            <a:endParaRPr lang="zh-CN" altLang="en-US" sz="1100" dirty="0"/>
+            <a:endParaRPr lang="zh-CN" altLang="en-US" sz="1400" dirty="0"/>
           </a:p>
         </p:txBody>
       </p:sp>
@@ -8354,7 +8357,7 @@
           <a:lstStyle/>
           <a:p>
             <a:pPr algn="ctr"/>
-            <a:endParaRPr lang="zh-CN" altLang="en-US"/>
+            <a:endParaRPr lang="zh-CN" altLang="en-US" sz="2400"/>
           </a:p>
         </p:txBody>
       </p:sp>
@@ -8410,7 +8413,7 @@
           <a:lstStyle/>
           <a:p>
             <a:pPr algn="ctr"/>
-            <a:endParaRPr lang="zh-CN" altLang="en-US"/>
+            <a:endParaRPr lang="zh-CN" altLang="en-US" sz="2400"/>
           </a:p>
         </p:txBody>
       </p:sp>
@@ -8466,7 +8469,7 @@
           <a:lstStyle/>
           <a:p>
             <a:pPr algn="ctr"/>
-            <a:endParaRPr lang="zh-CN" altLang="en-US"/>
+            <a:endParaRPr lang="zh-CN" altLang="en-US" sz="2400"/>
           </a:p>
         </p:txBody>
       </p:sp>
@@ -8485,7 +8488,7 @@
         <p:spPr>
           <a:xfrm>
             <a:off x="1309274" y="3298195"/>
-            <a:ext cx="761159" cy="261610"/>
+            <a:ext cx="974232" cy="307777"/>
           </a:xfrm>
           <a:prstGeom prst="rect">
             <a:avLst/>
@@ -8499,7 +8502,7 @@
           <a:lstStyle/>
           <a:p>
             <a:r>
-              <a:rPr lang="zh-CN" altLang="en-US" sz="1100" dirty="0"/>
+              <a:rPr lang="zh-CN" altLang="en-US" sz="1400" dirty="0"/>
               <a:t>输入特征</a:t>
             </a:r>
           </a:p>
@@ -8520,9 +8523,9 @@
         <p:grpSpPr>
           <a:xfrm>
             <a:off x="1735836" y="1527973"/>
-            <a:ext cx="1049380" cy="1614896"/>
+            <a:ext cx="1049380" cy="1661063"/>
             <a:chOff x="1735836" y="1527973"/>
-            <a:chExt cx="1049380" cy="1614896"/>
+            <a:chExt cx="1049380" cy="1661063"/>
           </a:xfrm>
         </p:grpSpPr>
         <p:pic>
@@ -8591,9 +8594,9 @@
           <p:grpSpPr>
             <a:xfrm>
               <a:off x="2021231" y="2794981"/>
-              <a:ext cx="608076" cy="347888"/>
+              <a:ext cx="608076" cy="394055"/>
               <a:chOff x="2021231" y="2794981"/>
-              <a:chExt cx="608076" cy="347888"/>
+              <a:chExt cx="608076" cy="394055"/>
             </a:xfrm>
           </p:grpSpPr>
           <p:sp>
@@ -8644,7 +8647,7 @@
               <a:lstStyle/>
               <a:p>
                 <a:pPr algn="ctr"/>
-                <a:endParaRPr lang="zh-CN" altLang="en-US"/>
+                <a:endParaRPr lang="zh-CN" altLang="en-US" sz="2400"/>
               </a:p>
             </p:txBody>
           </p:sp>
@@ -8663,7 +8666,7 @@
             <p:spPr>
               <a:xfrm>
                 <a:off x="2021231" y="2881259"/>
-                <a:ext cx="608076" cy="261610"/>
+                <a:ext cx="608076" cy="307777"/>
               </a:xfrm>
               <a:prstGeom prst="rect">
                 <a:avLst/>
@@ -8677,10 +8680,10 @@
               <a:lstStyle/>
               <a:p>
                 <a:r>
-                  <a:rPr lang="en-US" altLang="zh-CN" sz="1100" dirty="0"/>
+                  <a:rPr lang="en-US" altLang="zh-CN" sz="1400" dirty="0"/>
                   <a:t>1*64</a:t>
                 </a:r>
-                <a:endParaRPr lang="zh-CN" altLang="en-US" sz="1100" dirty="0"/>
+                <a:endParaRPr lang="zh-CN" altLang="en-US" sz="1400" dirty="0"/>
               </a:p>
             </p:txBody>
           </p:sp>
@@ -8701,7 +8704,7 @@
         <p:spPr>
           <a:xfrm>
             <a:off x="2771170" y="3411923"/>
-            <a:ext cx="955798" cy="261610"/>
+            <a:ext cx="1129484" cy="307777"/>
           </a:xfrm>
           <a:prstGeom prst="rect">
             <a:avLst/>
@@ -8715,14 +8718,14 @@
           <a:lstStyle/>
           <a:p>
             <a:r>
-              <a:rPr lang="zh-CN" altLang="en-US" sz="1100" dirty="0"/>
+              <a:rPr lang="zh-CN" altLang="en-US" sz="1400" dirty="0"/>
               <a:t>隐层特征</a:t>
             </a:r>
             <a:r>
-              <a:rPr lang="en-US" altLang="zh-CN" sz="1100" dirty="0"/>
+              <a:rPr lang="en-US" altLang="zh-CN" sz="1400" dirty="0"/>
               <a:t>1</a:t>
             </a:r>
-            <a:endParaRPr lang="zh-CN" altLang="en-US" sz="1100" dirty="0"/>
+            <a:endParaRPr lang="zh-CN" altLang="en-US" sz="1400" dirty="0"/>
           </a:p>
         </p:txBody>
       </p:sp>
@@ -8741,9 +8744,9 @@
         <p:grpSpPr>
           <a:xfrm>
             <a:off x="5377303" y="1526490"/>
-            <a:ext cx="1049380" cy="1614896"/>
+            <a:ext cx="1112675" cy="1863495"/>
             <a:chOff x="1735836" y="1527973"/>
-            <a:chExt cx="1049380" cy="1614896"/>
+            <a:chExt cx="1112675" cy="1863495"/>
           </a:xfrm>
         </p:grpSpPr>
         <p:pic>
@@ -8811,10 +8814,10 @@
           </p:nvGrpSpPr>
           <p:grpSpPr>
             <a:xfrm>
-              <a:off x="2021231" y="2794981"/>
-              <a:ext cx="608076" cy="347888"/>
-              <a:chOff x="2021231" y="2794981"/>
-              <a:chExt cx="608076" cy="347888"/>
+              <a:off x="2092031" y="2797844"/>
+              <a:ext cx="756480" cy="593624"/>
+              <a:chOff x="2092031" y="2797844"/>
+              <a:chExt cx="756480" cy="593624"/>
             </a:xfrm>
           </p:grpSpPr>
           <p:sp>
@@ -8831,8 +8834,8 @@
             </p:nvSpPr>
             <p:spPr>
               <a:xfrm>
-                <a:off x="2102437" y="2794981"/>
-                <a:ext cx="316177" cy="79248"/>
+                <a:off x="2248189" y="2797844"/>
+                <a:ext cx="168639" cy="293712"/>
               </a:xfrm>
               <a:prstGeom prst="rect">
                 <a:avLst/>
@@ -8865,7 +8868,7 @@
               <a:lstStyle/>
               <a:p>
                 <a:pPr algn="ctr"/>
-                <a:endParaRPr lang="zh-CN" altLang="en-US"/>
+                <a:endParaRPr lang="zh-CN" altLang="en-US" sz="2400"/>
               </a:p>
             </p:txBody>
           </p:sp>
@@ -8883,8 +8886,8 @@
             </p:nvSpPr>
             <p:spPr>
               <a:xfrm>
-                <a:off x="2021231" y="2881259"/>
-                <a:ext cx="608076" cy="261610"/>
+                <a:off x="2092031" y="3083691"/>
+                <a:ext cx="756480" cy="307777"/>
               </a:xfrm>
               <a:prstGeom prst="rect">
                 <a:avLst/>
@@ -8898,18 +8901,18 @@
               <a:lstStyle/>
               <a:p>
                 <a:r>
-                  <a:rPr lang="en-US" altLang="zh-CN" sz="1100" dirty="0"/>
+                  <a:rPr lang="en-US" altLang="zh-CN" sz="1400" dirty="0"/>
                   <a:t>64</a:t>
                 </a:r>
                 <a:r>
-                  <a:rPr lang="zh-CN" altLang="en-US" sz="1100" dirty="0"/>
+                  <a:rPr lang="zh-CN" altLang="en-US" sz="1400" dirty="0"/>
                   <a:t>*</a:t>
                 </a:r>
                 <a:r>
-                  <a:rPr lang="en-US" altLang="zh-CN" sz="1100" dirty="0"/>
+                  <a:rPr lang="en-US" altLang="zh-CN" sz="1400" dirty="0"/>
                   <a:t>16</a:t>
                 </a:r>
-                <a:endParaRPr lang="zh-CN" altLang="en-US" sz="1100" dirty="0"/>
+                <a:endParaRPr lang="zh-CN" altLang="en-US" sz="1400" dirty="0"/>
               </a:p>
             </p:txBody>
           </p:sp>
@@ -8930,7 +8933,7 @@
         <p:spPr>
           <a:xfrm>
             <a:off x="6537251" y="3361971"/>
-            <a:ext cx="973021" cy="261610"/>
+            <a:ext cx="1129484" cy="307777"/>
           </a:xfrm>
           <a:prstGeom prst="rect">
             <a:avLst/>
@@ -8944,14 +8947,14 @@
           <a:lstStyle/>
           <a:p>
             <a:r>
-              <a:rPr lang="zh-CN" altLang="en-US" sz="1100" dirty="0"/>
+              <a:rPr lang="zh-CN" altLang="en-US" sz="1400" dirty="0"/>
               <a:t>隐层特征</a:t>
             </a:r>
             <a:r>
-              <a:rPr lang="en-US" altLang="zh-CN" sz="1100" dirty="0"/>
+              <a:rPr lang="en-US" altLang="zh-CN" sz="1400" dirty="0"/>
               <a:t>3</a:t>
             </a:r>
-            <a:endParaRPr lang="zh-CN" altLang="en-US" sz="1100" dirty="0"/>
+            <a:endParaRPr lang="zh-CN" altLang="en-US" sz="1400" dirty="0"/>
           </a:p>
         </p:txBody>
       </p:sp>
@@ -8998,7 +9001,7 @@
           <a:lstStyle/>
           <a:p>
             <a:pPr algn="ctr"/>
-            <a:endParaRPr lang="zh-CN" altLang="en-US"/>
+            <a:endParaRPr lang="zh-CN" altLang="en-US" sz="2400"/>
           </a:p>
         </p:txBody>
       </p:sp>
@@ -9045,7 +9048,7 @@
           <a:lstStyle/>
           <a:p>
             <a:pPr algn="ctr"/>
-            <a:endParaRPr lang="zh-CN" altLang="en-US"/>
+            <a:endParaRPr lang="zh-CN" altLang="en-US" sz="2400"/>
           </a:p>
         </p:txBody>
       </p:sp>
@@ -9092,7 +9095,7 @@
           <a:lstStyle/>
           <a:p>
             <a:pPr algn="ctr"/>
-            <a:endParaRPr lang="zh-CN" altLang="en-US"/>
+            <a:endParaRPr lang="zh-CN" altLang="en-US" sz="2400"/>
           </a:p>
         </p:txBody>
       </p:sp>
@@ -9148,7 +9151,7 @@
           <a:lstStyle/>
           <a:p>
             <a:pPr algn="ctr"/>
-            <a:endParaRPr lang="zh-CN" altLang="en-US"/>
+            <a:endParaRPr lang="zh-CN" altLang="en-US" sz="2400"/>
           </a:p>
         </p:txBody>
       </p:sp>
@@ -9195,7 +9198,7 @@
           <a:lstStyle/>
           <a:p>
             <a:pPr algn="ctr"/>
-            <a:endParaRPr lang="zh-CN" altLang="en-US"/>
+            <a:endParaRPr lang="zh-CN" altLang="en-US" sz="2400"/>
           </a:p>
         </p:txBody>
       </p:sp>
@@ -9214,7 +9217,7 @@
         <p:spPr>
           <a:xfrm>
             <a:off x="3726971" y="4070071"/>
-            <a:ext cx="761159" cy="261610"/>
+            <a:ext cx="922531" cy="307777"/>
           </a:xfrm>
           <a:prstGeom prst="rect">
             <a:avLst/>
@@ -9228,7 +9231,7 @@
           <a:lstStyle/>
           <a:p>
             <a:r>
-              <a:rPr lang="zh-CN" altLang="en-US" sz="1100" dirty="0"/>
+              <a:rPr lang="zh-CN" altLang="en-US" sz="1400" dirty="0"/>
               <a:t>编码过程</a:t>
             </a:r>
           </a:p>
@@ -9249,7 +9252,7 @@
         <p:spPr>
           <a:xfrm>
             <a:off x="8579905" y="2710214"/>
-            <a:ext cx="608076" cy="261610"/>
+            <a:ext cx="608076" cy="307777"/>
           </a:xfrm>
           <a:prstGeom prst="rect">
             <a:avLst/>
@@ -9263,10 +9266,10 @@
           <a:lstStyle/>
           <a:p>
             <a:r>
-              <a:rPr lang="en-US" altLang="zh-CN" sz="1100" dirty="0"/>
+              <a:rPr lang="en-US" altLang="zh-CN" sz="1400" dirty="0"/>
               <a:t>n*n</a:t>
             </a:r>
-            <a:endParaRPr lang="zh-CN" altLang="en-US" sz="1100" dirty="0"/>
+            <a:endParaRPr lang="zh-CN" altLang="en-US" sz="1400" dirty="0"/>
           </a:p>
         </p:txBody>
       </p:sp>
@@ -9285,7 +9288,7 @@
         <p:spPr>
           <a:xfrm>
             <a:off x="8479536" y="3361971"/>
-            <a:ext cx="973021" cy="261610"/>
+            <a:ext cx="973021" cy="307777"/>
           </a:xfrm>
           <a:prstGeom prst="rect">
             <a:avLst/>
@@ -9299,7 +9302,7 @@
           <a:lstStyle/>
           <a:p>
             <a:r>
-              <a:rPr lang="zh-CN" altLang="en-US" sz="1100" dirty="0"/>
+              <a:rPr lang="zh-CN" altLang="en-US" sz="1400" dirty="0"/>
               <a:t>邻接矩阵</a:t>
             </a:r>
           </a:p>
@@ -9319,8 +9322,8 @@
         </p:nvSpPr>
         <p:spPr>
           <a:xfrm>
-            <a:off x="7324607" y="2411357"/>
-            <a:ext cx="973021" cy="261610"/>
+            <a:off x="7330862" y="2319030"/>
+            <a:ext cx="973021" cy="307777"/>
           </a:xfrm>
           <a:prstGeom prst="rect">
             <a:avLst/>
@@ -9334,7 +9337,7 @@
           <a:lstStyle/>
           <a:p>
             <a:r>
-              <a:rPr lang="zh-CN" altLang="en-US" sz="1100" dirty="0"/>
+              <a:rPr lang="zh-CN" altLang="en-US" sz="1400" dirty="0"/>
               <a:t>邻边预测</a:t>
             </a:r>
           </a:p>
@@ -9383,7 +9386,7 @@
           <a:lstStyle/>
           <a:p>
             <a:pPr algn="ctr"/>
-            <a:endParaRPr lang="zh-CN" altLang="en-US"/>
+            <a:endParaRPr lang="zh-CN" altLang="en-US" sz="2400"/>
           </a:p>
         </p:txBody>
       </p:sp>
@@ -9401,8 +9404,8 @@
         </p:nvSpPr>
         <p:spPr>
           <a:xfrm>
-            <a:off x="7438169" y="4080586"/>
-            <a:ext cx="761160" cy="261610"/>
+            <a:off x="7438168" y="4080586"/>
+            <a:ext cx="1041367" cy="307777"/>
           </a:xfrm>
           <a:prstGeom prst="rect">
             <a:avLst/>
@@ -9416,7 +9419,7 @@
           <a:lstStyle/>
           <a:p>
             <a:r>
-              <a:rPr lang="zh-CN" altLang="en-US" sz="1100" dirty="0"/>
+              <a:rPr lang="zh-CN" altLang="en-US" sz="1400" dirty="0"/>
               <a:t>解码过程</a:t>
             </a:r>
           </a:p>
@@ -9437,9 +9440,9 @@
         <p:grpSpPr>
           <a:xfrm>
             <a:off x="3547319" y="1488396"/>
-            <a:ext cx="1113538" cy="1614896"/>
+            <a:ext cx="1113538" cy="1862357"/>
             <a:chOff x="3493108" y="1479050"/>
-            <a:chExt cx="1113538" cy="1614896"/>
+            <a:chExt cx="1113538" cy="1862357"/>
           </a:xfrm>
         </p:grpSpPr>
         <p:grpSp>
@@ -9457,9 +9460,9 @@
           <p:grpSpPr>
             <a:xfrm>
               <a:off x="3496048" y="1479050"/>
-              <a:ext cx="1049380" cy="1614896"/>
+              <a:ext cx="1049380" cy="1862357"/>
               <a:chOff x="1735836" y="1527973"/>
-              <a:chExt cx="1049380" cy="1614896"/>
+              <a:chExt cx="1049380" cy="1862357"/>
             </a:xfrm>
           </p:grpSpPr>
           <p:pic>
@@ -9527,10 +9530,10 @@
             </p:nvGrpSpPr>
             <p:grpSpPr>
               <a:xfrm>
-                <a:off x="2021231" y="2794981"/>
-                <a:ext cx="608076" cy="347888"/>
-                <a:chOff x="2021231" y="2794981"/>
-                <a:chExt cx="608076" cy="347888"/>
+                <a:off x="2007891" y="2794980"/>
+                <a:ext cx="689116" cy="595350"/>
+                <a:chOff x="2007891" y="2794980"/>
+                <a:chExt cx="689116" cy="595350"/>
               </a:xfrm>
             </p:grpSpPr>
             <p:sp>
@@ -9547,8 +9550,8 @@
               </p:nvSpPr>
               <p:spPr>
                 <a:xfrm>
-                  <a:off x="2102437" y="2794981"/>
-                  <a:ext cx="316177" cy="79248"/>
+                  <a:off x="2102437" y="2794980"/>
+                  <a:ext cx="316177" cy="287573"/>
                 </a:xfrm>
                 <a:prstGeom prst="rect">
                   <a:avLst/>
@@ -9581,7 +9584,7 @@
                 <a:lstStyle/>
                 <a:p>
                   <a:pPr algn="ctr"/>
-                  <a:endParaRPr lang="zh-CN" altLang="en-US"/>
+                  <a:endParaRPr lang="zh-CN" altLang="en-US" sz="2400"/>
                 </a:p>
               </p:txBody>
             </p:sp>
@@ -9599,8 +9602,8 @@
               </p:nvSpPr>
               <p:spPr>
                 <a:xfrm>
-                  <a:off x="2021231" y="2881259"/>
-                  <a:ext cx="608076" cy="261610"/>
+                  <a:off x="2007891" y="3082553"/>
+                  <a:ext cx="689116" cy="307777"/>
                 </a:xfrm>
                 <a:prstGeom prst="rect">
                   <a:avLst/>
@@ -9614,18 +9617,18 @@
                 <a:lstStyle/>
                 <a:p>
                   <a:r>
-                    <a:rPr lang="en-US" altLang="zh-CN" sz="1100" dirty="0"/>
+                    <a:rPr lang="en-US" altLang="zh-CN" sz="1400" dirty="0"/>
                     <a:t>64</a:t>
                   </a:r>
                   <a:r>
-                    <a:rPr lang="zh-CN" altLang="en-US" sz="1100" dirty="0"/>
+                    <a:rPr lang="zh-CN" altLang="en-US" sz="1400" dirty="0"/>
                     <a:t>*</a:t>
                   </a:r>
                   <a:r>
-                    <a:rPr lang="en-US" altLang="zh-CN" sz="1100" dirty="0"/>
+                    <a:rPr lang="en-US" altLang="zh-CN" sz="1400" dirty="0"/>
                     <a:t>64</a:t>
                   </a:r>
-                  <a:endParaRPr lang="zh-CN" altLang="en-US" sz="1100" dirty="0"/>
+                  <a:endParaRPr lang="zh-CN" altLang="en-US" sz="1400" dirty="0"/>
                 </a:p>
               </p:txBody>
             </p:sp>
@@ -9674,7 +9677,7 @@
             <a:lstStyle/>
             <a:p>
               <a:pPr algn="ctr"/>
-              <a:endParaRPr lang="zh-CN" altLang="en-US"/>
+              <a:endParaRPr lang="zh-CN" altLang="en-US" sz="2400" dirty="0"/>
             </a:p>
           </p:txBody>
         </p:sp>
@@ -9693,8 +9696,8 @@
         </p:nvSpPr>
         <p:spPr>
           <a:xfrm>
-            <a:off x="4841159" y="2781367"/>
-            <a:ext cx="608076" cy="261610"/>
+            <a:off x="4828612" y="2727370"/>
+            <a:ext cx="608076" cy="307777"/>
           </a:xfrm>
           <a:prstGeom prst="rect">
             <a:avLst/>
@@ -9708,10 +9711,10 @@
           <a:lstStyle/>
           <a:p>
             <a:r>
-              <a:rPr lang="en-US" altLang="zh-CN" sz="1100" dirty="0"/>
+              <a:rPr lang="en-US" altLang="zh-CN" sz="1400" dirty="0"/>
               <a:t>n*64</a:t>
             </a:r>
-            <a:endParaRPr lang="zh-CN" altLang="en-US" sz="1100" dirty="0"/>
+            <a:endParaRPr lang="zh-CN" altLang="en-US" sz="1400" dirty="0"/>
           </a:p>
         </p:txBody>
       </p:sp>
@@ -9767,7 +9770,7 @@
           <a:lstStyle/>
           <a:p>
             <a:pPr algn="ctr"/>
-            <a:endParaRPr lang="zh-CN" altLang="en-US"/>
+            <a:endParaRPr lang="zh-CN" altLang="en-US" sz="2400"/>
           </a:p>
         </p:txBody>
       </p:sp>
@@ -9786,7 +9789,7 @@
         <p:spPr>
           <a:xfrm>
             <a:off x="4649502" y="3357362"/>
-            <a:ext cx="955798" cy="261610"/>
+            <a:ext cx="1005248" cy="307777"/>
           </a:xfrm>
           <a:prstGeom prst="rect">
             <a:avLst/>
@@ -9800,14 +9803,586 @@
           <a:lstStyle/>
           <a:p>
             <a:r>
-              <a:rPr lang="zh-CN" altLang="en-US" sz="1100" dirty="0"/>
+              <a:rPr lang="zh-CN" altLang="en-US" sz="1400" dirty="0"/>
               <a:t>隐层特征</a:t>
             </a:r>
             <a:r>
-              <a:rPr lang="en-US" altLang="zh-CN" sz="1100" dirty="0"/>
+              <a:rPr lang="en-US" altLang="zh-CN" sz="1400" dirty="0"/>
               <a:t>2</a:t>
             </a:r>
-            <a:endParaRPr lang="zh-CN" altLang="en-US" sz="1100" dirty="0"/>
+            <a:endParaRPr lang="zh-CN" altLang="en-US" sz="1400" dirty="0"/>
+          </a:p>
+        </p:txBody>
+      </p:sp>
+      <p:sp>
+        <p:nvSpPr>
+          <p:cNvPr id="2" name="矩形 1">
+            <a:extLst>
+              <a:ext uri="{FF2B5EF4-FFF2-40B4-BE49-F238E27FC236}">
+                <a16:creationId xmlns:a16="http://schemas.microsoft.com/office/drawing/2014/main" id="{79B78B11-60C9-4247-8F61-C3A33E8C2306}"/>
+              </a:ext>
+            </a:extLst>
+          </p:cNvPr>
+          <p:cNvSpPr/>
+          <p:nvPr/>
+        </p:nvSpPr>
+        <p:spPr>
+          <a:xfrm>
+            <a:off x="6643258" y="2164578"/>
+            <a:ext cx="461115" cy="55831"/>
+          </a:xfrm>
+          <a:prstGeom prst="rect">
+            <a:avLst/>
+          </a:prstGeom>
+          <a:scene3d>
+            <a:camera prst="isometricOffAxis2Right"/>
+            <a:lightRig rig="threePt" dir="t"/>
+          </a:scene3d>
+        </p:spPr>
+        <p:style>
+          <a:lnRef idx="2">
+            <a:schemeClr val="accent1">
+              <a:shade val="50000"/>
+            </a:schemeClr>
+          </a:lnRef>
+          <a:fillRef idx="1">
+            <a:schemeClr val="accent1"/>
+          </a:fillRef>
+          <a:effectRef idx="0">
+            <a:schemeClr val="accent1"/>
+          </a:effectRef>
+          <a:fontRef idx="minor">
+            <a:schemeClr val="lt1"/>
+          </a:fontRef>
+        </p:style>
+        <p:txBody>
+          <a:bodyPr rtlCol="0" anchor="ctr">
+            <a:scene3d>
+              <a:camera prst="isometricOffAxis1Right"/>
+              <a:lightRig rig="threePt" dir="t"/>
+            </a:scene3d>
+          </a:bodyPr>
+          <a:lstStyle/>
+          <a:p>
+            <a:pPr algn="ctr"/>
+            <a:endParaRPr lang="zh-CN" altLang="en-US" sz="2400"/>
+          </a:p>
+        </p:txBody>
+      </p:sp>
+      <p:sp>
+        <p:nvSpPr>
+          <p:cNvPr id="43" name="矩形 42">
+            <a:extLst>
+              <a:ext uri="{FF2B5EF4-FFF2-40B4-BE49-F238E27FC236}">
+                <a16:creationId xmlns:a16="http://schemas.microsoft.com/office/drawing/2014/main" id="{A0842BA7-A51D-4B87-A512-5399B3675EE3}"/>
+              </a:ext>
+            </a:extLst>
+          </p:cNvPr>
+          <p:cNvSpPr/>
+          <p:nvPr/>
+        </p:nvSpPr>
+        <p:spPr>
+          <a:xfrm>
+            <a:off x="6640874" y="2669229"/>
+            <a:ext cx="461115" cy="55831"/>
+          </a:xfrm>
+          <a:prstGeom prst="rect">
+            <a:avLst/>
+          </a:prstGeom>
+          <a:scene3d>
+            <a:camera prst="isometricOffAxis2Right"/>
+            <a:lightRig rig="threePt" dir="t"/>
+          </a:scene3d>
+        </p:spPr>
+        <p:style>
+          <a:lnRef idx="2">
+            <a:schemeClr val="accent4">
+              <a:shade val="50000"/>
+            </a:schemeClr>
+          </a:lnRef>
+          <a:fillRef idx="1">
+            <a:schemeClr val="accent4"/>
+          </a:fillRef>
+          <a:effectRef idx="0">
+            <a:schemeClr val="accent4"/>
+          </a:effectRef>
+          <a:fontRef idx="minor">
+            <a:schemeClr val="lt1"/>
+          </a:fontRef>
+        </p:style>
+        <p:txBody>
+          <a:bodyPr rtlCol="0" anchor="ctr">
+            <a:scene3d>
+              <a:camera prst="isometricOffAxis1Right"/>
+              <a:lightRig rig="threePt" dir="t"/>
+            </a:scene3d>
+          </a:bodyPr>
+          <a:lstStyle/>
+          <a:p>
+            <a:pPr algn="ctr"/>
+            <a:endParaRPr lang="zh-CN" altLang="en-US" sz="2400"/>
+          </a:p>
+        </p:txBody>
+      </p:sp>
+      <p:sp>
+        <p:nvSpPr>
+          <p:cNvPr id="3" name="矩形 2">
+            <a:extLst>
+              <a:ext uri="{FF2B5EF4-FFF2-40B4-BE49-F238E27FC236}">
+                <a16:creationId xmlns:a16="http://schemas.microsoft.com/office/drawing/2014/main" id="{A5B30152-518D-4240-A9E6-C1A785E4EBE8}"/>
+              </a:ext>
+            </a:extLst>
+          </p:cNvPr>
+          <p:cNvSpPr/>
+          <p:nvPr/>
+        </p:nvSpPr>
+        <p:spPr>
+          <a:xfrm>
+            <a:off x="8966046" y="1938528"/>
+            <a:ext cx="56034" cy="60960"/>
+          </a:xfrm>
+          <a:prstGeom prst="rect">
+            <a:avLst/>
+          </a:prstGeom>
+          <a:scene3d>
+            <a:camera prst="isometricOffAxis2Right"/>
+            <a:lightRig rig="threePt" dir="t"/>
+          </a:scene3d>
+        </p:spPr>
+        <p:style>
+          <a:lnRef idx="2">
+            <a:schemeClr val="accent1">
+              <a:shade val="50000"/>
+            </a:schemeClr>
+          </a:lnRef>
+          <a:fillRef idx="1">
+            <a:schemeClr val="accent1"/>
+          </a:fillRef>
+          <a:effectRef idx="0">
+            <a:schemeClr val="accent1"/>
+          </a:effectRef>
+          <a:fontRef idx="minor">
+            <a:schemeClr val="lt1"/>
+          </a:fontRef>
+        </p:style>
+        <p:txBody>
+          <a:bodyPr rtlCol="0" anchor="ctr"/>
+          <a:lstStyle/>
+          <a:p>
+            <a:pPr algn="ctr"/>
+            <a:endParaRPr lang="zh-CN" altLang="en-US" sz="2400"/>
+          </a:p>
+        </p:txBody>
+      </p:sp>
+      <p:cxnSp>
+        <p:nvCxnSpPr>
+          <p:cNvPr id="5" name="连接符: 曲线 4">
+            <a:extLst>
+              <a:ext uri="{FF2B5EF4-FFF2-40B4-BE49-F238E27FC236}">
+                <a16:creationId xmlns:a16="http://schemas.microsoft.com/office/drawing/2014/main" id="{03F99E5A-7302-4AB5-87E7-991B8D771265}"/>
+              </a:ext>
+            </a:extLst>
+          </p:cNvPr>
+          <p:cNvCxnSpPr>
+            <a:cxnSpLocks/>
+            <a:stCxn id="2" idx="0"/>
+            <a:endCxn id="51" idx="0"/>
+          </p:cNvCxnSpPr>
+          <p:nvPr/>
+        </p:nvCxnSpPr>
+        <p:spPr>
+          <a:xfrm rot="5400000" flipH="1" flipV="1">
+            <a:off x="7247770" y="1515056"/>
+            <a:ext cx="275568" cy="1023477"/>
+          </a:xfrm>
+          <a:prstGeom prst="curvedConnector3">
+            <a:avLst>
+              <a:gd name="adj1" fmla="val 182956"/>
+            </a:avLst>
+          </a:prstGeom>
+          <a:ln>
+            <a:tailEnd type="triangle"/>
+          </a:ln>
+        </p:spPr>
+        <p:style>
+          <a:lnRef idx="1">
+            <a:schemeClr val="accent1"/>
+          </a:lnRef>
+          <a:fillRef idx="0">
+            <a:schemeClr val="accent1"/>
+          </a:fillRef>
+          <a:effectRef idx="0">
+            <a:schemeClr val="accent1"/>
+          </a:effectRef>
+          <a:fontRef idx="minor">
+            <a:schemeClr val="tx1"/>
+          </a:fontRef>
+        </p:style>
+      </p:cxnSp>
+      <p:cxnSp>
+        <p:nvCxnSpPr>
+          <p:cNvPr id="10" name="连接符: 曲线 9">
+            <a:extLst>
+              <a:ext uri="{FF2B5EF4-FFF2-40B4-BE49-F238E27FC236}">
+                <a16:creationId xmlns:a16="http://schemas.microsoft.com/office/drawing/2014/main" id="{8CD89BAE-4F9A-4821-B7EF-410B2B78F443}"/>
+              </a:ext>
+            </a:extLst>
+          </p:cNvPr>
+          <p:cNvCxnSpPr>
+            <a:cxnSpLocks/>
+            <a:stCxn id="43" idx="0"/>
+            <a:endCxn id="52" idx="2"/>
+          </p:cNvCxnSpPr>
+          <p:nvPr/>
+        </p:nvCxnSpPr>
+        <p:spPr>
+          <a:xfrm rot="5400000" flipH="1" flipV="1">
+            <a:off x="6984689" y="1985192"/>
+            <a:ext cx="570781" cy="797295"/>
+          </a:xfrm>
+          <a:prstGeom prst="curvedConnector3">
+            <a:avLst>
+              <a:gd name="adj1" fmla="val 50000"/>
+            </a:avLst>
+          </a:prstGeom>
+          <a:ln>
+            <a:tailEnd type="triangle"/>
+          </a:ln>
+        </p:spPr>
+        <p:style>
+          <a:lnRef idx="1">
+            <a:schemeClr val="accent1"/>
+          </a:lnRef>
+          <a:fillRef idx="0">
+            <a:schemeClr val="accent1"/>
+          </a:fillRef>
+          <a:effectRef idx="0">
+            <a:schemeClr val="accent1"/>
+          </a:effectRef>
+          <a:fontRef idx="minor">
+            <a:schemeClr val="tx1"/>
+          </a:fontRef>
+        </p:style>
+      </p:cxnSp>
+      <p:grpSp>
+        <p:nvGrpSpPr>
+          <p:cNvPr id="15" name="组合 14">
+            <a:extLst>
+              <a:ext uri="{FF2B5EF4-FFF2-40B4-BE49-F238E27FC236}">
+                <a16:creationId xmlns:a16="http://schemas.microsoft.com/office/drawing/2014/main" id="{39E306AC-EF36-4844-A18B-3C9430E11BFD}"/>
+              </a:ext>
+            </a:extLst>
+          </p:cNvPr>
+          <p:cNvGrpSpPr/>
+          <p:nvPr/>
+        </p:nvGrpSpPr>
+        <p:grpSpPr>
+          <a:xfrm>
+            <a:off x="7438169" y="1889010"/>
+            <a:ext cx="689681" cy="209438"/>
+            <a:chOff x="7438169" y="1889010"/>
+            <a:chExt cx="689681" cy="209438"/>
+          </a:xfrm>
+        </p:grpSpPr>
+        <p:sp>
+          <p:nvSpPr>
+            <p:cNvPr id="51" name="矩形 50">
+              <a:extLst>
+                <a:ext uri="{FF2B5EF4-FFF2-40B4-BE49-F238E27FC236}">
+                  <a16:creationId xmlns:a16="http://schemas.microsoft.com/office/drawing/2014/main" id="{7AC0DEA9-C60A-45A7-96A2-DAB78E377138}"/>
+                </a:ext>
+              </a:extLst>
+            </p:cNvPr>
+            <p:cNvSpPr/>
+            <p:nvPr/>
+          </p:nvSpPr>
+          <p:spPr>
+            <a:xfrm>
+              <a:off x="7666735" y="1889010"/>
+              <a:ext cx="461115" cy="55831"/>
+            </a:xfrm>
+            <a:prstGeom prst="rect">
+              <a:avLst/>
+            </a:prstGeom>
+            <a:scene3d>
+              <a:camera prst="isometricOffAxis2Right"/>
+              <a:lightRig rig="threePt" dir="t"/>
+            </a:scene3d>
+          </p:spPr>
+          <p:style>
+            <a:lnRef idx="2">
+              <a:schemeClr val="accent1">
+                <a:shade val="50000"/>
+              </a:schemeClr>
+            </a:lnRef>
+            <a:fillRef idx="1">
+              <a:schemeClr val="accent1"/>
+            </a:fillRef>
+            <a:effectRef idx="0">
+              <a:schemeClr val="accent1"/>
+            </a:effectRef>
+            <a:fontRef idx="minor">
+              <a:schemeClr val="lt1"/>
+            </a:fontRef>
+          </p:style>
+          <p:txBody>
+            <a:bodyPr rtlCol="0" anchor="ctr">
+              <a:scene3d>
+                <a:camera prst="isometricOffAxis1Right"/>
+                <a:lightRig rig="threePt" dir="t"/>
+              </a:scene3d>
+            </a:bodyPr>
+            <a:lstStyle/>
+            <a:p>
+              <a:pPr algn="ctr"/>
+              <a:endParaRPr lang="zh-CN" altLang="en-US" sz="2400"/>
+            </a:p>
+          </p:txBody>
+        </p:sp>
+        <p:sp>
+          <p:nvSpPr>
+            <p:cNvPr id="52" name="矩形 51">
+              <a:extLst>
+                <a:ext uri="{FF2B5EF4-FFF2-40B4-BE49-F238E27FC236}">
+                  <a16:creationId xmlns:a16="http://schemas.microsoft.com/office/drawing/2014/main" id="{2F370EBD-D8E1-4F0A-A8B7-20D287ACA3CD}"/>
+                </a:ext>
+              </a:extLst>
+            </p:cNvPr>
+            <p:cNvSpPr/>
+            <p:nvPr/>
+          </p:nvSpPr>
+          <p:spPr>
+            <a:xfrm>
+              <a:off x="7438169" y="2042617"/>
+              <a:ext cx="461115" cy="55831"/>
+            </a:xfrm>
+            <a:prstGeom prst="rect">
+              <a:avLst/>
+            </a:prstGeom>
+            <a:scene3d>
+              <a:camera prst="isometricOffAxis2Right"/>
+              <a:lightRig rig="threePt" dir="t"/>
+            </a:scene3d>
+          </p:spPr>
+          <p:style>
+            <a:lnRef idx="2">
+              <a:schemeClr val="accent4">
+                <a:shade val="50000"/>
+              </a:schemeClr>
+            </a:lnRef>
+            <a:fillRef idx="1">
+              <a:schemeClr val="accent4"/>
+            </a:fillRef>
+            <a:effectRef idx="0">
+              <a:schemeClr val="accent4"/>
+            </a:effectRef>
+            <a:fontRef idx="minor">
+              <a:schemeClr val="lt1"/>
+            </a:fontRef>
+          </p:style>
+          <p:txBody>
+            <a:bodyPr rtlCol="0" anchor="ctr">
+              <a:scene3d>
+                <a:camera prst="isometricOffAxis1Right"/>
+                <a:lightRig rig="threePt" dir="t"/>
+              </a:scene3d>
+            </a:bodyPr>
+            <a:lstStyle/>
+            <a:p>
+              <a:pPr algn="ctr"/>
+              <a:endParaRPr lang="zh-CN" altLang="en-US" sz="2400"/>
+            </a:p>
+          </p:txBody>
+        </p:sp>
+      </p:grpSp>
+      <p:cxnSp>
+        <p:nvCxnSpPr>
+          <p:cNvPr id="20" name="连接符: 曲线 19">
+            <a:extLst>
+              <a:ext uri="{FF2B5EF4-FFF2-40B4-BE49-F238E27FC236}">
+                <a16:creationId xmlns:a16="http://schemas.microsoft.com/office/drawing/2014/main" id="{170CD4CC-4C1F-4C3C-A9DC-FBC5DAADB777}"/>
+              </a:ext>
+            </a:extLst>
+          </p:cNvPr>
+          <p:cNvCxnSpPr>
+            <a:cxnSpLocks/>
+          </p:cNvCxnSpPr>
+          <p:nvPr/>
+        </p:nvCxnSpPr>
+        <p:spPr>
+          <a:xfrm>
+            <a:off x="7867168" y="1992539"/>
+            <a:ext cx="1098878" cy="1988"/>
+          </a:xfrm>
+          <a:prstGeom prst="curvedConnector3">
+            <a:avLst/>
+          </a:prstGeom>
+          <a:ln>
+            <a:tailEnd type="triangle"/>
+          </a:ln>
+        </p:spPr>
+        <p:style>
+          <a:lnRef idx="1">
+            <a:schemeClr val="accent1"/>
+          </a:lnRef>
+          <a:fillRef idx="0">
+            <a:schemeClr val="accent1"/>
+          </a:fillRef>
+          <a:effectRef idx="0">
+            <a:schemeClr val="accent1"/>
+          </a:effectRef>
+          <a:fontRef idx="minor">
+            <a:schemeClr val="tx1"/>
+          </a:fontRef>
+        </p:style>
+      </p:cxnSp>
+      <p:sp>
+        <p:nvSpPr>
+          <p:cNvPr id="65" name="椭圆 64">
+            <a:extLst>
+              <a:ext uri="{FF2B5EF4-FFF2-40B4-BE49-F238E27FC236}">
+                <a16:creationId xmlns:a16="http://schemas.microsoft.com/office/drawing/2014/main" id="{FB8F8A31-1695-4F66-B599-FACF40AF7FD6}"/>
+              </a:ext>
+            </a:extLst>
+          </p:cNvPr>
+          <p:cNvSpPr/>
+          <p:nvPr/>
+        </p:nvSpPr>
+        <p:spPr>
+          <a:xfrm>
+            <a:off x="7127087" y="2200386"/>
+            <a:ext cx="219437" cy="219437"/>
+          </a:xfrm>
+          <a:prstGeom prst="ellipse">
+            <a:avLst/>
+          </a:prstGeom>
+        </p:spPr>
+        <p:style>
+          <a:lnRef idx="2">
+            <a:schemeClr val="accent1">
+              <a:shade val="50000"/>
+            </a:schemeClr>
+          </a:lnRef>
+          <a:fillRef idx="1">
+            <a:schemeClr val="accent1"/>
+          </a:fillRef>
+          <a:effectRef idx="0">
+            <a:schemeClr val="accent1"/>
+          </a:effectRef>
+          <a:fontRef idx="minor">
+            <a:schemeClr val="lt1"/>
+          </a:fontRef>
+        </p:style>
+        <p:txBody>
+          <a:bodyPr rtlCol="0" anchor="ctr"/>
+          <a:lstStyle/>
+          <a:p>
+            <a:pPr algn="ctr"/>
+            <a:r>
+              <a:rPr lang="en-US" altLang="zh-CN" sz="1400" dirty="0"/>
+              <a:t>1</a:t>
+            </a:r>
+            <a:endParaRPr lang="zh-CN" altLang="en-US" sz="1400" dirty="0"/>
+          </a:p>
+        </p:txBody>
+      </p:sp>
+      <p:sp>
+        <p:nvSpPr>
+          <p:cNvPr id="66" name="椭圆 65">
+            <a:extLst>
+              <a:ext uri="{FF2B5EF4-FFF2-40B4-BE49-F238E27FC236}">
+                <a16:creationId xmlns:a16="http://schemas.microsoft.com/office/drawing/2014/main" id="{ADD9A26E-D98B-4364-B1C9-5AF26D76D108}"/>
+              </a:ext>
+            </a:extLst>
+          </p:cNvPr>
+          <p:cNvSpPr/>
+          <p:nvPr/>
+        </p:nvSpPr>
+        <p:spPr>
+          <a:xfrm>
+            <a:off x="7528725" y="1548432"/>
+            <a:ext cx="219437" cy="219437"/>
+          </a:xfrm>
+          <a:prstGeom prst="ellipse">
+            <a:avLst/>
+          </a:prstGeom>
+        </p:spPr>
+        <p:style>
+          <a:lnRef idx="2">
+            <a:schemeClr val="accent1">
+              <a:shade val="50000"/>
+            </a:schemeClr>
+          </a:lnRef>
+          <a:fillRef idx="1">
+            <a:schemeClr val="accent1"/>
+          </a:fillRef>
+          <a:effectRef idx="0">
+            <a:schemeClr val="accent1"/>
+          </a:effectRef>
+          <a:fontRef idx="minor">
+            <a:schemeClr val="lt1"/>
+          </a:fontRef>
+        </p:style>
+        <p:txBody>
+          <a:bodyPr rtlCol="0" anchor="ctr"/>
+          <a:lstStyle/>
+          <a:p>
+            <a:pPr algn="ctr"/>
+            <a:r>
+              <a:rPr lang="en-US" altLang="zh-CN" sz="1400" dirty="0"/>
+              <a:t>2</a:t>
+            </a:r>
+            <a:endParaRPr lang="zh-CN" altLang="en-US" sz="1400" dirty="0"/>
+          </a:p>
+        </p:txBody>
+      </p:sp>
+      <p:sp>
+        <p:nvSpPr>
+          <p:cNvPr id="67" name="椭圆 66">
+            <a:extLst>
+              <a:ext uri="{FF2B5EF4-FFF2-40B4-BE49-F238E27FC236}">
+                <a16:creationId xmlns:a16="http://schemas.microsoft.com/office/drawing/2014/main" id="{7313F188-F6A8-4E81-841C-E41BB4443CE4}"/>
+              </a:ext>
+            </a:extLst>
+          </p:cNvPr>
+          <p:cNvSpPr/>
+          <p:nvPr/>
+        </p:nvSpPr>
+        <p:spPr>
+          <a:xfrm>
+            <a:off x="8193355" y="1852837"/>
+            <a:ext cx="219437" cy="219437"/>
+          </a:xfrm>
+          <a:prstGeom prst="ellipse">
+            <a:avLst/>
+          </a:prstGeom>
+        </p:spPr>
+        <p:style>
+          <a:lnRef idx="2">
+            <a:schemeClr val="accent1">
+              <a:shade val="50000"/>
+            </a:schemeClr>
+          </a:lnRef>
+          <a:fillRef idx="1">
+            <a:schemeClr val="accent1"/>
+          </a:fillRef>
+          <a:effectRef idx="0">
+            <a:schemeClr val="accent1"/>
+          </a:effectRef>
+          <a:fontRef idx="minor">
+            <a:schemeClr val="lt1"/>
+          </a:fontRef>
+        </p:style>
+        <p:txBody>
+          <a:bodyPr rtlCol="0" anchor="ctr"/>
+          <a:lstStyle/>
+          <a:p>
+            <a:pPr algn="ctr"/>
+            <a:r>
+              <a:rPr lang="en-US" altLang="zh-CN" sz="1400" dirty="0"/>
+              <a:t>3</a:t>
+            </a:r>
+            <a:endParaRPr lang="zh-CN" altLang="en-US" sz="1400" dirty="0"/>
           </a:p>
         </p:txBody>
       </p:sp>
@@ -9815,6 +10390,7825 @@
     <p:extLst>
       <p:ext uri="{BB962C8B-B14F-4D97-AF65-F5344CB8AC3E}">
         <p14:creationId xmlns:p14="http://schemas.microsoft.com/office/powerpoint/2010/main" val="1459607578"/>
+      </p:ext>
+    </p:extLst>
+  </p:cSld>
+  <p:clrMapOvr>
+    <a:masterClrMapping/>
+  </p:clrMapOvr>
+</p:sld>
+</file>
+
+<file path=ppt/slides/slide12.xml><?xml version="1.0" encoding="utf-8"?>
+<p:sld xmlns:a="http://schemas.openxmlformats.org/drawingml/2006/main" xmlns:r="http://schemas.openxmlformats.org/officeDocument/2006/relationships" xmlns:p="http://schemas.openxmlformats.org/presentationml/2006/main">
+  <p:cSld>
+    <p:spTree>
+      <p:nvGrpSpPr>
+        <p:cNvPr id="1" name=""/>
+        <p:cNvGrpSpPr/>
+        <p:nvPr/>
+      </p:nvGrpSpPr>
+      <p:grpSpPr>
+        <a:xfrm>
+          <a:off x="0" y="0"/>
+          <a:ext cx="0" cy="0"/>
+          <a:chOff x="0" y="0"/>
+          <a:chExt cx="0" cy="0"/>
+        </a:xfrm>
+      </p:grpSpPr>
+      <p:grpSp>
+        <p:nvGrpSpPr>
+          <p:cNvPr id="56" name="组合 55">
+            <a:extLst>
+              <a:ext uri="{FF2B5EF4-FFF2-40B4-BE49-F238E27FC236}">
+                <a16:creationId xmlns:a16="http://schemas.microsoft.com/office/drawing/2014/main" id="{1CE1B4A3-5231-4EC2-A1CA-4E5E5CA8CAD9}"/>
+              </a:ext>
+            </a:extLst>
+          </p:cNvPr>
+          <p:cNvGrpSpPr/>
+          <p:nvPr/>
+        </p:nvGrpSpPr>
+        <p:grpSpPr>
+          <a:xfrm>
+            <a:off x="909203" y="1151472"/>
+            <a:ext cx="1295508" cy="2419244"/>
+            <a:chOff x="909203" y="3211920"/>
+            <a:chExt cx="1295508" cy="2419244"/>
+          </a:xfrm>
+        </p:grpSpPr>
+        <p:sp>
+          <p:nvSpPr>
+            <p:cNvPr id="57" name="矩形 56">
+              <a:extLst>
+                <a:ext uri="{FF2B5EF4-FFF2-40B4-BE49-F238E27FC236}">
+                  <a16:creationId xmlns:a16="http://schemas.microsoft.com/office/drawing/2014/main" id="{F4C25669-5BDF-4FBF-BFA4-9F8F37A2E5BD}"/>
+                </a:ext>
+              </a:extLst>
+            </p:cNvPr>
+            <p:cNvSpPr/>
+            <p:nvPr/>
+          </p:nvSpPr>
+          <p:spPr>
+            <a:xfrm>
+              <a:off x="909203" y="3211920"/>
+              <a:ext cx="1189047" cy="1408176"/>
+            </a:xfrm>
+            <a:prstGeom prst="rect">
+              <a:avLst/>
+            </a:prstGeom>
+            <a:noFill/>
+            <a:ln>
+              <a:solidFill>
+                <a:schemeClr val="tx1"/>
+              </a:solidFill>
+            </a:ln>
+            <a:scene3d>
+              <a:camera prst="isometricOffAxis2Right"/>
+              <a:lightRig rig="threePt" dir="t"/>
+            </a:scene3d>
+          </p:spPr>
+          <p:style>
+            <a:lnRef idx="2">
+              <a:schemeClr val="accent6">
+                <a:shade val="50000"/>
+              </a:schemeClr>
+            </a:lnRef>
+            <a:fillRef idx="1">
+              <a:schemeClr val="accent6"/>
+            </a:fillRef>
+            <a:effectRef idx="0">
+              <a:schemeClr val="accent6"/>
+            </a:effectRef>
+            <a:fontRef idx="minor">
+              <a:schemeClr val="lt1"/>
+            </a:fontRef>
+          </p:style>
+          <p:txBody>
+            <a:bodyPr rtlCol="0" anchor="ctr"/>
+            <a:lstStyle/>
+            <a:p>
+              <a:pPr algn="ctr"/>
+              <a:endParaRPr lang="zh-CN" altLang="en-US" sz="2400"/>
+            </a:p>
+          </p:txBody>
+        </p:sp>
+        <p:sp>
+          <p:nvSpPr>
+            <p:cNvPr id="58" name="文本框 57">
+              <a:extLst>
+                <a:ext uri="{FF2B5EF4-FFF2-40B4-BE49-F238E27FC236}">
+                  <a16:creationId xmlns:a16="http://schemas.microsoft.com/office/drawing/2014/main" id="{8722A301-678E-499D-BDF8-0DF73F499942}"/>
+                </a:ext>
+              </a:extLst>
+            </p:cNvPr>
+            <p:cNvSpPr txBox="1"/>
+            <p:nvPr/>
+          </p:nvSpPr>
+          <p:spPr>
+            <a:xfrm>
+              <a:off x="958348" y="5107944"/>
+              <a:ext cx="961748" cy="523220"/>
+            </a:xfrm>
+            <a:prstGeom prst="rect">
+              <a:avLst/>
+            </a:prstGeom>
+            <a:noFill/>
+          </p:spPr>
+          <p:txBody>
+            <a:bodyPr wrap="square" rtlCol="0">
+              <a:spAutoFit/>
+            </a:bodyPr>
+            <a:lstStyle/>
+            <a:p>
+              <a:r>
+                <a:rPr lang="zh-CN" altLang="en-US" sz="1400" dirty="0"/>
+                <a:t>初始结点特征矩阵</a:t>
+              </a:r>
+            </a:p>
+          </p:txBody>
+        </p:sp>
+        <p:sp>
+          <p:nvSpPr>
+            <p:cNvPr id="59" name="文本框 58">
+              <a:extLst>
+                <a:ext uri="{FF2B5EF4-FFF2-40B4-BE49-F238E27FC236}">
+                  <a16:creationId xmlns:a16="http://schemas.microsoft.com/office/drawing/2014/main" id="{6230BC44-9E4C-4698-9D79-B0C5EF032DB9}"/>
+                </a:ext>
+              </a:extLst>
+            </p:cNvPr>
+            <p:cNvSpPr txBox="1"/>
+            <p:nvPr/>
+          </p:nvSpPr>
+          <p:spPr>
+            <a:xfrm>
+              <a:off x="1169220" y="4717545"/>
+              <a:ext cx="1035491" cy="307777"/>
+            </a:xfrm>
+            <a:prstGeom prst="rect">
+              <a:avLst/>
+            </a:prstGeom>
+            <a:noFill/>
+          </p:spPr>
+          <p:txBody>
+            <a:bodyPr wrap="square" rtlCol="0">
+              <a:spAutoFit/>
+            </a:bodyPr>
+            <a:lstStyle/>
+            <a:p>
+              <a:r>
+                <a:rPr lang="en-US" altLang="zh-CN" sz="1400" dirty="0"/>
+                <a:t>n</a:t>
+              </a:r>
+              <a:r>
+                <a:rPr lang="zh-CN" altLang="en-US" sz="1400" dirty="0"/>
+                <a:t>*</a:t>
+              </a:r>
+              <a:r>
+                <a:rPr lang="en-US" altLang="zh-CN" sz="1400" dirty="0"/>
+                <a:t>80</a:t>
+              </a:r>
+              <a:endParaRPr lang="zh-CN" altLang="en-US" sz="1400" dirty="0"/>
+            </a:p>
+          </p:txBody>
+        </p:sp>
+      </p:grpSp>
+      <p:grpSp>
+        <p:nvGrpSpPr>
+          <p:cNvPr id="60" name="组合 59">
+            <a:extLst>
+              <a:ext uri="{FF2B5EF4-FFF2-40B4-BE49-F238E27FC236}">
+                <a16:creationId xmlns:a16="http://schemas.microsoft.com/office/drawing/2014/main" id="{C1BB757D-1032-4100-A384-FD8457B5FAF5}"/>
+              </a:ext>
+            </a:extLst>
+          </p:cNvPr>
+          <p:cNvGrpSpPr/>
+          <p:nvPr/>
+        </p:nvGrpSpPr>
+        <p:grpSpPr>
+          <a:xfrm>
+            <a:off x="1853397" y="987570"/>
+            <a:ext cx="1282709" cy="1602883"/>
+            <a:chOff x="1853397" y="3048018"/>
+            <a:chExt cx="1282709" cy="1602883"/>
+          </a:xfrm>
+        </p:grpSpPr>
+        <p:pic>
+          <p:nvPicPr>
+            <p:cNvPr id="61" name="Picture 2" descr="查看源图像">
+              <a:extLst>
+                <a:ext uri="{FF2B5EF4-FFF2-40B4-BE49-F238E27FC236}">
+                  <a16:creationId xmlns:a16="http://schemas.microsoft.com/office/drawing/2014/main" id="{B06E71A6-1D06-4CB2-8C65-C3F899EFA178}"/>
+                </a:ext>
+              </a:extLst>
+            </p:cNvPr>
+            <p:cNvPicPr>
+              <a:picLocks noChangeAspect="1" noChangeArrowheads="1"/>
+            </p:cNvPicPr>
+            <p:nvPr/>
+          </p:nvPicPr>
+          <p:blipFill>
+            <a:blip r:embed="rId2">
+              <a:extLst>
+                <a:ext uri="{28A0092B-C50C-407E-A947-70E740481C1C}">
+                  <a14:useLocalDpi xmlns:a14="http://schemas.microsoft.com/office/drawing/2010/main" val="0"/>
+                </a:ext>
+              </a:extLst>
+            </a:blip>
+            <a:srcRect/>
+            <a:stretch>
+              <a:fillRect/>
+            </a:stretch>
+          </p:blipFill>
+          <p:spPr bwMode="auto">
+            <a:xfrm>
+              <a:off x="1953206" y="3048018"/>
+              <a:ext cx="1049380" cy="1217281"/>
+            </a:xfrm>
+            <a:prstGeom prst="rect">
+              <a:avLst/>
+            </a:prstGeom>
+            <a:noFill/>
+            <a:scene3d>
+              <a:camera prst="isometricOffAxis2Right"/>
+              <a:lightRig rig="threePt" dir="t"/>
+            </a:scene3d>
+            <a:extLst>
+              <a:ext uri="{909E8E84-426E-40DD-AFC4-6F175D3DCCD1}">
+                <a14:hiddenFill xmlns:a14="http://schemas.microsoft.com/office/drawing/2010/main">
+                  <a:solidFill>
+                    <a:srgbClr val="FFFFFF"/>
+                  </a:solidFill>
+                </a14:hiddenFill>
+              </a:ext>
+            </a:extLst>
+          </p:spPr>
+        </p:pic>
+        <p:sp>
+          <p:nvSpPr>
+            <p:cNvPr id="62" name="箭头: 右 61">
+              <a:extLst>
+                <a:ext uri="{FF2B5EF4-FFF2-40B4-BE49-F238E27FC236}">
+                  <a16:creationId xmlns:a16="http://schemas.microsoft.com/office/drawing/2014/main" id="{338BA542-508E-441D-A2ED-FAA55123E88C}"/>
+                </a:ext>
+              </a:extLst>
+            </p:cNvPr>
+            <p:cNvSpPr/>
+            <p:nvPr/>
+          </p:nvSpPr>
+          <p:spPr>
+            <a:xfrm>
+              <a:off x="1853397" y="4214639"/>
+              <a:ext cx="1113538" cy="123814"/>
+            </a:xfrm>
+            <a:prstGeom prst="rightArrow">
+              <a:avLst/>
+            </a:prstGeom>
+            <a:noFill/>
+          </p:spPr>
+          <p:style>
+            <a:lnRef idx="2">
+              <a:schemeClr val="accent1">
+                <a:shade val="50000"/>
+              </a:schemeClr>
+            </a:lnRef>
+            <a:fillRef idx="1">
+              <a:schemeClr val="accent1"/>
+            </a:fillRef>
+            <a:effectRef idx="0">
+              <a:schemeClr val="accent1"/>
+            </a:effectRef>
+            <a:fontRef idx="minor">
+              <a:schemeClr val="lt1"/>
+            </a:fontRef>
+          </p:style>
+          <p:txBody>
+            <a:bodyPr rtlCol="0" anchor="ctr"/>
+            <a:lstStyle/>
+            <a:p>
+              <a:pPr algn="ctr"/>
+              <a:endParaRPr lang="zh-CN" altLang="en-US" sz="2400"/>
+            </a:p>
+          </p:txBody>
+        </p:sp>
+        <p:sp>
+          <p:nvSpPr>
+            <p:cNvPr id="63" name="文本框 62">
+              <a:extLst>
+                <a:ext uri="{FF2B5EF4-FFF2-40B4-BE49-F238E27FC236}">
+                  <a16:creationId xmlns:a16="http://schemas.microsoft.com/office/drawing/2014/main" id="{B337B89E-B196-433E-A7BE-4B86F8983FCC}"/>
+                </a:ext>
+              </a:extLst>
+            </p:cNvPr>
+            <p:cNvSpPr txBox="1"/>
+            <p:nvPr/>
+          </p:nvSpPr>
+          <p:spPr>
+            <a:xfrm>
+              <a:off x="1876529" y="4343124"/>
+              <a:ext cx="1259577" cy="307777"/>
+            </a:xfrm>
+            <a:prstGeom prst="rect">
+              <a:avLst/>
+            </a:prstGeom>
+            <a:noFill/>
+          </p:spPr>
+          <p:txBody>
+            <a:bodyPr wrap="square" rtlCol="0">
+              <a:spAutoFit/>
+            </a:bodyPr>
+            <a:lstStyle/>
+            <a:p>
+              <a:r>
+                <a:rPr lang="zh-CN" altLang="en-US" sz="1400" dirty="0"/>
+                <a:t>结点特征更新</a:t>
+              </a:r>
+            </a:p>
+          </p:txBody>
+        </p:sp>
+      </p:grpSp>
+      <p:grpSp>
+        <p:nvGrpSpPr>
+          <p:cNvPr id="64" name="组合 63">
+            <a:extLst>
+              <a:ext uri="{FF2B5EF4-FFF2-40B4-BE49-F238E27FC236}">
+                <a16:creationId xmlns:a16="http://schemas.microsoft.com/office/drawing/2014/main" id="{DE235F52-13EF-4426-BAC4-F33544E3133E}"/>
+              </a:ext>
+            </a:extLst>
+          </p:cNvPr>
+          <p:cNvGrpSpPr/>
+          <p:nvPr/>
+        </p:nvGrpSpPr>
+        <p:grpSpPr>
+          <a:xfrm>
+            <a:off x="2820468" y="1128999"/>
+            <a:ext cx="1259577" cy="2101044"/>
+            <a:chOff x="881267" y="3211920"/>
+            <a:chExt cx="1259577" cy="2101044"/>
+          </a:xfrm>
+        </p:grpSpPr>
+        <p:sp>
+          <p:nvSpPr>
+            <p:cNvPr id="65" name="矩形 64">
+              <a:extLst>
+                <a:ext uri="{FF2B5EF4-FFF2-40B4-BE49-F238E27FC236}">
+                  <a16:creationId xmlns:a16="http://schemas.microsoft.com/office/drawing/2014/main" id="{081D334D-4224-4406-8552-0D67B6411976}"/>
+                </a:ext>
+              </a:extLst>
+            </p:cNvPr>
+            <p:cNvSpPr/>
+            <p:nvPr/>
+          </p:nvSpPr>
+          <p:spPr>
+            <a:xfrm>
+              <a:off x="909203" y="3211920"/>
+              <a:ext cx="1189047" cy="1408176"/>
+            </a:xfrm>
+            <a:prstGeom prst="rect">
+              <a:avLst/>
+            </a:prstGeom>
+            <a:noFill/>
+            <a:ln>
+              <a:solidFill>
+                <a:schemeClr val="tx1"/>
+              </a:solidFill>
+            </a:ln>
+            <a:scene3d>
+              <a:camera prst="isometricOffAxis2Right"/>
+              <a:lightRig rig="threePt" dir="t"/>
+            </a:scene3d>
+          </p:spPr>
+          <p:style>
+            <a:lnRef idx="2">
+              <a:schemeClr val="accent6">
+                <a:shade val="50000"/>
+              </a:schemeClr>
+            </a:lnRef>
+            <a:fillRef idx="1">
+              <a:schemeClr val="accent6"/>
+            </a:fillRef>
+            <a:effectRef idx="0">
+              <a:schemeClr val="accent6"/>
+            </a:effectRef>
+            <a:fontRef idx="minor">
+              <a:schemeClr val="lt1"/>
+            </a:fontRef>
+          </p:style>
+          <p:txBody>
+            <a:bodyPr rtlCol="0" anchor="ctr"/>
+            <a:lstStyle/>
+            <a:p>
+              <a:pPr algn="ctr"/>
+              <a:endParaRPr lang="zh-CN" altLang="en-US" sz="2400"/>
+            </a:p>
+          </p:txBody>
+        </p:sp>
+        <p:sp>
+          <p:nvSpPr>
+            <p:cNvPr id="66" name="文本框 65">
+              <a:extLst>
+                <a:ext uri="{FF2B5EF4-FFF2-40B4-BE49-F238E27FC236}">
+                  <a16:creationId xmlns:a16="http://schemas.microsoft.com/office/drawing/2014/main" id="{9A1449BB-525B-4520-8BF9-CAE9BE130365}"/>
+                </a:ext>
+              </a:extLst>
+            </p:cNvPr>
+            <p:cNvSpPr txBox="1"/>
+            <p:nvPr/>
+          </p:nvSpPr>
+          <p:spPr>
+            <a:xfrm>
+              <a:off x="881267" y="5005187"/>
+              <a:ext cx="1259577" cy="307777"/>
+            </a:xfrm>
+            <a:prstGeom prst="rect">
+              <a:avLst/>
+            </a:prstGeom>
+            <a:noFill/>
+          </p:spPr>
+          <p:txBody>
+            <a:bodyPr wrap="square" rtlCol="0">
+              <a:spAutoFit/>
+            </a:bodyPr>
+            <a:lstStyle/>
+            <a:p>
+              <a:r>
+                <a:rPr lang="zh-CN" altLang="en-US" sz="1400" dirty="0"/>
+                <a:t>隐层结点特征</a:t>
+              </a:r>
+            </a:p>
+          </p:txBody>
+        </p:sp>
+        <p:sp>
+          <p:nvSpPr>
+            <p:cNvPr id="67" name="文本框 66">
+              <a:extLst>
+                <a:ext uri="{FF2B5EF4-FFF2-40B4-BE49-F238E27FC236}">
+                  <a16:creationId xmlns:a16="http://schemas.microsoft.com/office/drawing/2014/main" id="{3DD016DF-3E13-4758-8026-1AE2A8D56FDE}"/>
+                </a:ext>
+              </a:extLst>
+            </p:cNvPr>
+            <p:cNvSpPr txBox="1"/>
+            <p:nvPr/>
+          </p:nvSpPr>
+          <p:spPr>
+            <a:xfrm>
+              <a:off x="1232680" y="4710344"/>
+              <a:ext cx="761158" cy="307777"/>
+            </a:xfrm>
+            <a:prstGeom prst="rect">
+              <a:avLst/>
+            </a:prstGeom>
+            <a:noFill/>
+          </p:spPr>
+          <p:txBody>
+            <a:bodyPr wrap="square" rtlCol="0">
+              <a:spAutoFit/>
+            </a:bodyPr>
+            <a:lstStyle/>
+            <a:p>
+              <a:r>
+                <a:rPr lang="en-US" altLang="zh-CN" sz="1400" dirty="0"/>
+                <a:t>n*64</a:t>
+              </a:r>
+              <a:endParaRPr lang="zh-CN" altLang="en-US" sz="1400" dirty="0"/>
+            </a:p>
+          </p:txBody>
+        </p:sp>
+      </p:grpSp>
+      <p:grpSp>
+        <p:nvGrpSpPr>
+          <p:cNvPr id="68" name="组合 67">
+            <a:extLst>
+              <a:ext uri="{FF2B5EF4-FFF2-40B4-BE49-F238E27FC236}">
+                <a16:creationId xmlns:a16="http://schemas.microsoft.com/office/drawing/2014/main" id="{2B63DBF0-0634-4A9A-B667-3BC041625FA9}"/>
+              </a:ext>
+            </a:extLst>
+          </p:cNvPr>
+          <p:cNvGrpSpPr/>
+          <p:nvPr/>
+        </p:nvGrpSpPr>
+        <p:grpSpPr>
+          <a:xfrm>
+            <a:off x="3816894" y="1075049"/>
+            <a:ext cx="1321224" cy="1589789"/>
+            <a:chOff x="1787919" y="3048018"/>
+            <a:chExt cx="1321224" cy="1589789"/>
+          </a:xfrm>
+        </p:grpSpPr>
+        <p:pic>
+          <p:nvPicPr>
+            <p:cNvPr id="69" name="Picture 2" descr="查看源图像">
+              <a:extLst>
+                <a:ext uri="{FF2B5EF4-FFF2-40B4-BE49-F238E27FC236}">
+                  <a16:creationId xmlns:a16="http://schemas.microsoft.com/office/drawing/2014/main" id="{4AFCA15A-F7EA-4EBC-9388-B8A3BAAC581A}"/>
+                </a:ext>
+              </a:extLst>
+            </p:cNvPr>
+            <p:cNvPicPr>
+              <a:picLocks noChangeAspect="1" noChangeArrowheads="1"/>
+            </p:cNvPicPr>
+            <p:nvPr/>
+          </p:nvPicPr>
+          <p:blipFill>
+            <a:blip r:embed="rId2">
+              <a:extLst>
+                <a:ext uri="{28A0092B-C50C-407E-A947-70E740481C1C}">
+                  <a14:useLocalDpi xmlns:a14="http://schemas.microsoft.com/office/drawing/2010/main" val="0"/>
+                </a:ext>
+              </a:extLst>
+            </a:blip>
+            <a:srcRect/>
+            <a:stretch>
+              <a:fillRect/>
+            </a:stretch>
+          </p:blipFill>
+          <p:spPr bwMode="auto">
+            <a:xfrm>
+              <a:off x="1953206" y="3048018"/>
+              <a:ext cx="1049380" cy="1217281"/>
+            </a:xfrm>
+            <a:prstGeom prst="rect">
+              <a:avLst/>
+            </a:prstGeom>
+            <a:noFill/>
+            <a:scene3d>
+              <a:camera prst="isometricOffAxis2Right"/>
+              <a:lightRig rig="threePt" dir="t"/>
+            </a:scene3d>
+            <a:extLst>
+              <a:ext uri="{909E8E84-426E-40DD-AFC4-6F175D3DCCD1}">
+                <a14:hiddenFill xmlns:a14="http://schemas.microsoft.com/office/drawing/2010/main">
+                  <a:solidFill>
+                    <a:srgbClr val="FFFFFF"/>
+                  </a:solidFill>
+                </a14:hiddenFill>
+              </a:ext>
+            </a:extLst>
+          </p:spPr>
+        </p:pic>
+        <p:sp>
+          <p:nvSpPr>
+            <p:cNvPr id="70" name="箭头: 右 69">
+              <a:extLst>
+                <a:ext uri="{FF2B5EF4-FFF2-40B4-BE49-F238E27FC236}">
+                  <a16:creationId xmlns:a16="http://schemas.microsoft.com/office/drawing/2014/main" id="{3DDF9683-8AC6-452B-89B2-7AF5FED8C8C5}"/>
+                </a:ext>
+              </a:extLst>
+            </p:cNvPr>
+            <p:cNvSpPr/>
+            <p:nvPr/>
+          </p:nvSpPr>
+          <p:spPr>
+            <a:xfrm>
+              <a:off x="1853397" y="4214639"/>
+              <a:ext cx="1113538" cy="123814"/>
+            </a:xfrm>
+            <a:prstGeom prst="rightArrow">
+              <a:avLst/>
+            </a:prstGeom>
+            <a:noFill/>
+          </p:spPr>
+          <p:style>
+            <a:lnRef idx="2">
+              <a:schemeClr val="accent1">
+                <a:shade val="50000"/>
+              </a:schemeClr>
+            </a:lnRef>
+            <a:fillRef idx="1">
+              <a:schemeClr val="accent1"/>
+            </a:fillRef>
+            <a:effectRef idx="0">
+              <a:schemeClr val="accent1"/>
+            </a:effectRef>
+            <a:fontRef idx="minor">
+              <a:schemeClr val="lt1"/>
+            </a:fontRef>
+          </p:style>
+          <p:txBody>
+            <a:bodyPr rtlCol="0" anchor="ctr"/>
+            <a:lstStyle/>
+            <a:p>
+              <a:pPr algn="ctr"/>
+              <a:endParaRPr lang="zh-CN" altLang="en-US" sz="2400"/>
+            </a:p>
+          </p:txBody>
+        </p:sp>
+        <p:sp>
+          <p:nvSpPr>
+            <p:cNvPr id="71" name="文本框 70">
+              <a:extLst>
+                <a:ext uri="{FF2B5EF4-FFF2-40B4-BE49-F238E27FC236}">
+                  <a16:creationId xmlns:a16="http://schemas.microsoft.com/office/drawing/2014/main" id="{94713EFB-BBCF-452C-8561-90CF39C6815F}"/>
+                </a:ext>
+              </a:extLst>
+            </p:cNvPr>
+            <p:cNvSpPr txBox="1"/>
+            <p:nvPr/>
+          </p:nvSpPr>
+          <p:spPr>
+            <a:xfrm>
+              <a:off x="1787919" y="4330030"/>
+              <a:ext cx="1321224" cy="307777"/>
+            </a:xfrm>
+            <a:prstGeom prst="rect">
+              <a:avLst/>
+            </a:prstGeom>
+            <a:noFill/>
+          </p:spPr>
+          <p:txBody>
+            <a:bodyPr wrap="square" rtlCol="0">
+              <a:spAutoFit/>
+            </a:bodyPr>
+            <a:lstStyle/>
+            <a:p>
+              <a:r>
+                <a:rPr lang="zh-CN" altLang="en-US" sz="1400" dirty="0"/>
+                <a:t>结点特征更新</a:t>
+              </a:r>
+            </a:p>
+          </p:txBody>
+        </p:sp>
+      </p:grpSp>
+      <p:grpSp>
+        <p:nvGrpSpPr>
+          <p:cNvPr id="72" name="组合 71">
+            <a:extLst>
+              <a:ext uri="{FF2B5EF4-FFF2-40B4-BE49-F238E27FC236}">
+                <a16:creationId xmlns:a16="http://schemas.microsoft.com/office/drawing/2014/main" id="{EB27678C-78B0-4343-936B-59DF960DE025}"/>
+              </a:ext>
+            </a:extLst>
+          </p:cNvPr>
+          <p:cNvGrpSpPr/>
+          <p:nvPr/>
+        </p:nvGrpSpPr>
+        <p:grpSpPr>
+          <a:xfrm>
+            <a:off x="4054929" y="1066409"/>
+            <a:ext cx="2293324" cy="4102758"/>
+            <a:chOff x="-46533" y="3211920"/>
+            <a:chExt cx="2293324" cy="4102758"/>
+          </a:xfrm>
+        </p:grpSpPr>
+        <p:sp>
+          <p:nvSpPr>
+            <p:cNvPr id="73" name="矩形 72">
+              <a:extLst>
+                <a:ext uri="{FF2B5EF4-FFF2-40B4-BE49-F238E27FC236}">
+                  <a16:creationId xmlns:a16="http://schemas.microsoft.com/office/drawing/2014/main" id="{D305537C-99C2-4140-ABB3-DEB52CC4B0A1}"/>
+                </a:ext>
+              </a:extLst>
+            </p:cNvPr>
+            <p:cNvSpPr/>
+            <p:nvPr/>
+          </p:nvSpPr>
+          <p:spPr>
+            <a:xfrm>
+              <a:off x="909203" y="3211920"/>
+              <a:ext cx="1189047" cy="1408176"/>
+            </a:xfrm>
+            <a:prstGeom prst="rect">
+              <a:avLst/>
+            </a:prstGeom>
+            <a:noFill/>
+            <a:ln>
+              <a:solidFill>
+                <a:schemeClr val="tx1"/>
+              </a:solidFill>
+            </a:ln>
+            <a:scene3d>
+              <a:camera prst="isometricOffAxis2Right"/>
+              <a:lightRig rig="threePt" dir="t"/>
+            </a:scene3d>
+          </p:spPr>
+          <p:style>
+            <a:lnRef idx="2">
+              <a:schemeClr val="accent6">
+                <a:shade val="50000"/>
+              </a:schemeClr>
+            </a:lnRef>
+            <a:fillRef idx="1">
+              <a:schemeClr val="accent6"/>
+            </a:fillRef>
+            <a:effectRef idx="0">
+              <a:schemeClr val="accent6"/>
+            </a:effectRef>
+            <a:fontRef idx="minor">
+              <a:schemeClr val="lt1"/>
+            </a:fontRef>
+          </p:style>
+          <p:txBody>
+            <a:bodyPr rtlCol="0" anchor="ctr"/>
+            <a:lstStyle/>
+            <a:p>
+              <a:pPr algn="ctr"/>
+              <a:endParaRPr lang="zh-CN" altLang="en-US" sz="2400"/>
+            </a:p>
+          </p:txBody>
+        </p:sp>
+        <p:sp>
+          <p:nvSpPr>
+            <p:cNvPr id="74" name="文本框 73">
+              <a:extLst>
+                <a:ext uri="{FF2B5EF4-FFF2-40B4-BE49-F238E27FC236}">
+                  <a16:creationId xmlns:a16="http://schemas.microsoft.com/office/drawing/2014/main" id="{DAA09E07-11AD-4E0B-BE75-2B495C805546}"/>
+                </a:ext>
+              </a:extLst>
+            </p:cNvPr>
+            <p:cNvSpPr txBox="1"/>
+            <p:nvPr/>
+          </p:nvSpPr>
+          <p:spPr>
+            <a:xfrm>
+              <a:off x="869379" y="4977857"/>
+              <a:ext cx="1377412" cy="307777"/>
+            </a:xfrm>
+            <a:prstGeom prst="rect">
+              <a:avLst/>
+            </a:prstGeom>
+            <a:noFill/>
+          </p:spPr>
+          <p:txBody>
+            <a:bodyPr wrap="square" rtlCol="0">
+              <a:spAutoFit/>
+            </a:bodyPr>
+            <a:lstStyle/>
+            <a:p>
+              <a:r>
+                <a:rPr lang="zh-CN" altLang="en-US" sz="1400" dirty="0"/>
+                <a:t>隐层结点特征</a:t>
+              </a:r>
+            </a:p>
+          </p:txBody>
+        </p:sp>
+        <p:sp>
+          <p:nvSpPr>
+            <p:cNvPr id="75" name="文本框 74">
+              <a:extLst>
+                <a:ext uri="{FF2B5EF4-FFF2-40B4-BE49-F238E27FC236}">
+                  <a16:creationId xmlns:a16="http://schemas.microsoft.com/office/drawing/2014/main" id="{6C143069-EEC6-42D7-AF49-C00161FCC042}"/>
+                </a:ext>
+              </a:extLst>
+            </p:cNvPr>
+            <p:cNvSpPr txBox="1"/>
+            <p:nvPr/>
+          </p:nvSpPr>
+          <p:spPr>
+            <a:xfrm>
+              <a:off x="1232680" y="4710344"/>
+              <a:ext cx="761158" cy="307777"/>
+            </a:xfrm>
+            <a:prstGeom prst="rect">
+              <a:avLst/>
+            </a:prstGeom>
+            <a:noFill/>
+          </p:spPr>
+          <p:txBody>
+            <a:bodyPr wrap="square" rtlCol="0">
+              <a:spAutoFit/>
+            </a:bodyPr>
+            <a:lstStyle/>
+            <a:p>
+              <a:r>
+                <a:rPr lang="en-US" altLang="zh-CN" sz="1400" dirty="0"/>
+                <a:t>n*64</a:t>
+              </a:r>
+              <a:endParaRPr lang="zh-CN" altLang="en-US" sz="1400" dirty="0"/>
+            </a:p>
+          </p:txBody>
+        </p:sp>
+        <p:sp>
+          <p:nvSpPr>
+            <p:cNvPr id="145" name="文本框 144">
+              <a:extLst>
+                <a:ext uri="{FF2B5EF4-FFF2-40B4-BE49-F238E27FC236}">
+                  <a16:creationId xmlns:a16="http://schemas.microsoft.com/office/drawing/2014/main" id="{5E1C8399-99B1-4751-8D89-0CEB08F34634}"/>
+                </a:ext>
+              </a:extLst>
+            </p:cNvPr>
+            <p:cNvSpPr txBox="1"/>
+            <p:nvPr/>
+          </p:nvSpPr>
+          <p:spPr>
+            <a:xfrm>
+              <a:off x="-46533" y="7006901"/>
+              <a:ext cx="1377412" cy="307777"/>
+            </a:xfrm>
+            <a:prstGeom prst="rect">
+              <a:avLst/>
+            </a:prstGeom>
+            <a:noFill/>
+          </p:spPr>
+          <p:txBody>
+            <a:bodyPr wrap="square" rtlCol="0">
+              <a:spAutoFit/>
+            </a:bodyPr>
+            <a:lstStyle/>
+            <a:p>
+              <a:r>
+                <a:rPr lang="zh-CN" altLang="en-US" sz="1400" dirty="0"/>
+                <a:t>损失</a:t>
+              </a:r>
+            </a:p>
+          </p:txBody>
+        </p:sp>
+      </p:grpSp>
+      <p:grpSp>
+        <p:nvGrpSpPr>
+          <p:cNvPr id="77" name="组合 76">
+            <a:extLst>
+              <a:ext uri="{FF2B5EF4-FFF2-40B4-BE49-F238E27FC236}">
+                <a16:creationId xmlns:a16="http://schemas.microsoft.com/office/drawing/2014/main" id="{52239275-581C-43F5-8250-9997087D6609}"/>
+              </a:ext>
+            </a:extLst>
+          </p:cNvPr>
+          <p:cNvGrpSpPr/>
+          <p:nvPr/>
+        </p:nvGrpSpPr>
+        <p:grpSpPr>
+          <a:xfrm>
+            <a:off x="6490698" y="1938495"/>
+            <a:ext cx="1799178" cy="468675"/>
+            <a:chOff x="5801850" y="4011835"/>
+            <a:chExt cx="1799178" cy="468675"/>
+          </a:xfrm>
+        </p:grpSpPr>
+        <p:sp>
+          <p:nvSpPr>
+            <p:cNvPr id="78" name="矩形 77">
+              <a:extLst>
+                <a:ext uri="{FF2B5EF4-FFF2-40B4-BE49-F238E27FC236}">
+                  <a16:creationId xmlns:a16="http://schemas.microsoft.com/office/drawing/2014/main" id="{8F8EE08E-082C-47D9-A65C-A53666B83530}"/>
+                </a:ext>
+              </a:extLst>
+            </p:cNvPr>
+            <p:cNvSpPr/>
+            <p:nvPr/>
+          </p:nvSpPr>
+          <p:spPr>
+            <a:xfrm>
+              <a:off x="5801850" y="4373748"/>
+              <a:ext cx="1232828" cy="106762"/>
+            </a:xfrm>
+            <a:prstGeom prst="rect">
+              <a:avLst/>
+            </a:prstGeom>
+            <a:solidFill>
+              <a:schemeClr val="accent4">
+                <a:lumMod val="40000"/>
+                <a:lumOff val="60000"/>
+              </a:schemeClr>
+            </a:solidFill>
+            <a:ln>
+              <a:solidFill>
+                <a:schemeClr val="tx1"/>
+              </a:solidFill>
+            </a:ln>
+            <a:scene3d>
+              <a:camera prst="isometricOffAxis2Right"/>
+              <a:lightRig rig="threePt" dir="t"/>
+            </a:scene3d>
+          </p:spPr>
+          <p:style>
+            <a:lnRef idx="2">
+              <a:schemeClr val="accent6">
+                <a:shade val="50000"/>
+              </a:schemeClr>
+            </a:lnRef>
+            <a:fillRef idx="1">
+              <a:schemeClr val="accent6"/>
+            </a:fillRef>
+            <a:effectRef idx="0">
+              <a:schemeClr val="accent6"/>
+            </a:effectRef>
+            <a:fontRef idx="minor">
+              <a:schemeClr val="lt1"/>
+            </a:fontRef>
+          </p:style>
+          <p:txBody>
+            <a:bodyPr rtlCol="0" anchor="ctr"/>
+            <a:lstStyle/>
+            <a:p>
+              <a:pPr algn="ctr"/>
+              <a:endParaRPr lang="zh-CN" altLang="en-US" sz="2400" dirty="0"/>
+            </a:p>
+          </p:txBody>
+        </p:sp>
+        <p:sp>
+          <p:nvSpPr>
+            <p:cNvPr id="79" name="矩形 78">
+              <a:extLst>
+                <a:ext uri="{FF2B5EF4-FFF2-40B4-BE49-F238E27FC236}">
+                  <a16:creationId xmlns:a16="http://schemas.microsoft.com/office/drawing/2014/main" id="{E4BAF596-E341-4C65-8191-83B151730083}"/>
+                </a:ext>
+              </a:extLst>
+            </p:cNvPr>
+            <p:cNvSpPr/>
+            <p:nvPr/>
+          </p:nvSpPr>
+          <p:spPr>
+            <a:xfrm>
+              <a:off x="6368200" y="4011835"/>
+              <a:ext cx="1232828" cy="106762"/>
+            </a:xfrm>
+            <a:prstGeom prst="rect">
+              <a:avLst/>
+            </a:prstGeom>
+            <a:solidFill>
+              <a:schemeClr val="accent4">
+                <a:lumMod val="75000"/>
+              </a:schemeClr>
+            </a:solidFill>
+            <a:ln>
+              <a:solidFill>
+                <a:schemeClr val="tx1"/>
+              </a:solidFill>
+            </a:ln>
+            <a:scene3d>
+              <a:camera prst="isometricOffAxis2Right"/>
+              <a:lightRig rig="threePt" dir="t"/>
+            </a:scene3d>
+          </p:spPr>
+          <p:style>
+            <a:lnRef idx="2">
+              <a:schemeClr val="accent6">
+                <a:shade val="50000"/>
+              </a:schemeClr>
+            </a:lnRef>
+            <a:fillRef idx="1">
+              <a:schemeClr val="accent6"/>
+            </a:fillRef>
+            <a:effectRef idx="0">
+              <a:schemeClr val="accent6"/>
+            </a:effectRef>
+            <a:fontRef idx="minor">
+              <a:schemeClr val="lt1"/>
+            </a:fontRef>
+          </p:style>
+          <p:txBody>
+            <a:bodyPr rtlCol="0" anchor="ctr"/>
+            <a:lstStyle/>
+            <a:p>
+              <a:pPr algn="ctr"/>
+              <a:endParaRPr lang="zh-CN" altLang="en-US" sz="2400"/>
+            </a:p>
+          </p:txBody>
+        </p:sp>
+      </p:grpSp>
+      <p:sp>
+        <p:nvSpPr>
+          <p:cNvPr id="80" name="箭头: 右 79">
+            <a:extLst>
+              <a:ext uri="{FF2B5EF4-FFF2-40B4-BE49-F238E27FC236}">
+                <a16:creationId xmlns:a16="http://schemas.microsoft.com/office/drawing/2014/main" id="{3570EC5C-44D1-43D5-A97F-E074F790D5F7}"/>
+              </a:ext>
+            </a:extLst>
+          </p:cNvPr>
+          <p:cNvSpPr/>
+          <p:nvPr/>
+        </p:nvSpPr>
+        <p:spPr>
+          <a:xfrm>
+            <a:off x="5965838" y="2069563"/>
+            <a:ext cx="1113538" cy="123814"/>
+          </a:xfrm>
+          <a:prstGeom prst="rightArrow">
+            <a:avLst/>
+          </a:prstGeom>
+          <a:noFill/>
+        </p:spPr>
+        <p:style>
+          <a:lnRef idx="2">
+            <a:schemeClr val="accent1">
+              <a:shade val="50000"/>
+            </a:schemeClr>
+          </a:lnRef>
+          <a:fillRef idx="1">
+            <a:schemeClr val="accent1"/>
+          </a:fillRef>
+          <a:effectRef idx="0">
+            <a:schemeClr val="accent1"/>
+          </a:effectRef>
+          <a:fontRef idx="minor">
+            <a:schemeClr val="lt1"/>
+          </a:fontRef>
+        </p:style>
+        <p:txBody>
+          <a:bodyPr rtlCol="0" anchor="ctr"/>
+          <a:lstStyle/>
+          <a:p>
+            <a:pPr algn="ctr"/>
+            <a:endParaRPr lang="zh-CN" altLang="en-US" sz="2400"/>
+          </a:p>
+        </p:txBody>
+      </p:sp>
+      <p:sp>
+        <p:nvSpPr>
+          <p:cNvPr id="81" name="文本框 80">
+            <a:extLst>
+              <a:ext uri="{FF2B5EF4-FFF2-40B4-BE49-F238E27FC236}">
+                <a16:creationId xmlns:a16="http://schemas.microsoft.com/office/drawing/2014/main" id="{F2CD3037-5820-408D-9EF7-07D02FE76055}"/>
+              </a:ext>
+            </a:extLst>
+          </p:cNvPr>
+          <p:cNvSpPr txBox="1"/>
+          <p:nvPr/>
+        </p:nvSpPr>
+        <p:spPr>
+          <a:xfrm>
+            <a:off x="5887228" y="1323081"/>
+            <a:ext cx="1321224" cy="738664"/>
+          </a:xfrm>
+          <a:prstGeom prst="rect">
+            <a:avLst/>
+          </a:prstGeom>
+          <a:noFill/>
+        </p:spPr>
+        <p:txBody>
+          <a:bodyPr wrap="square" rtlCol="0">
+            <a:spAutoFit/>
+          </a:bodyPr>
+          <a:lstStyle/>
+          <a:p>
+            <a:r>
+              <a:rPr lang="zh-CN" altLang="en-US" sz="1400" dirty="0"/>
+              <a:t>结点</a:t>
+            </a:r>
+            <a:endParaRPr lang="en-US" altLang="zh-CN" sz="1400" dirty="0"/>
+          </a:p>
+          <a:p>
+            <a:r>
+              <a:rPr lang="zh-CN" altLang="en-US" sz="1400" dirty="0"/>
+              <a:t>平均值池化</a:t>
+            </a:r>
+            <a:endParaRPr lang="en-US" altLang="zh-CN" sz="1400" dirty="0"/>
+          </a:p>
+          <a:p>
+            <a:r>
+              <a:rPr lang="zh-CN" altLang="en-US" sz="1400" dirty="0"/>
+              <a:t>最大值池化</a:t>
+            </a:r>
+          </a:p>
+        </p:txBody>
+      </p:sp>
+      <p:sp>
+        <p:nvSpPr>
+          <p:cNvPr id="82" name="文本框 81">
+            <a:extLst>
+              <a:ext uri="{FF2B5EF4-FFF2-40B4-BE49-F238E27FC236}">
+                <a16:creationId xmlns:a16="http://schemas.microsoft.com/office/drawing/2014/main" id="{C57A5550-52A6-47C4-85FB-2AA63083B36C}"/>
+              </a:ext>
+            </a:extLst>
+          </p:cNvPr>
+          <p:cNvSpPr txBox="1"/>
+          <p:nvPr/>
+        </p:nvSpPr>
+        <p:spPr>
+          <a:xfrm>
+            <a:off x="6945717" y="2611417"/>
+            <a:ext cx="918465" cy="307777"/>
+          </a:xfrm>
+          <a:prstGeom prst="rect">
+            <a:avLst/>
+          </a:prstGeom>
+          <a:noFill/>
+        </p:spPr>
+        <p:txBody>
+          <a:bodyPr wrap="square" rtlCol="0">
+            <a:spAutoFit/>
+          </a:bodyPr>
+          <a:lstStyle/>
+          <a:p>
+            <a:r>
+              <a:rPr lang="zh-CN" altLang="en-US" sz="1400" dirty="0"/>
+              <a:t>子图特征</a:t>
+            </a:r>
+          </a:p>
+        </p:txBody>
+      </p:sp>
+      <p:sp>
+        <p:nvSpPr>
+          <p:cNvPr id="83" name="矩形 82">
+            <a:extLst>
+              <a:ext uri="{FF2B5EF4-FFF2-40B4-BE49-F238E27FC236}">
+                <a16:creationId xmlns:a16="http://schemas.microsoft.com/office/drawing/2014/main" id="{8389B09D-3A8A-451D-954B-DE5542D2361F}"/>
+              </a:ext>
+            </a:extLst>
+          </p:cNvPr>
+          <p:cNvSpPr/>
+          <p:nvPr/>
+        </p:nvSpPr>
+        <p:spPr>
+          <a:xfrm>
+            <a:off x="8892522" y="1249681"/>
+            <a:ext cx="202710" cy="637032"/>
+          </a:xfrm>
+          <a:prstGeom prst="rect">
+            <a:avLst/>
+          </a:prstGeom>
+          <a:noFill/>
+          <a:ln>
+            <a:solidFill>
+              <a:schemeClr val="tx1"/>
+            </a:solidFill>
+          </a:ln>
+          <a:scene3d>
+            <a:camera prst="isometricOffAxis2Right"/>
+            <a:lightRig rig="threePt" dir="t"/>
+          </a:scene3d>
+        </p:spPr>
+        <p:style>
+          <a:lnRef idx="2">
+            <a:schemeClr val="accent6">
+              <a:shade val="50000"/>
+            </a:schemeClr>
+          </a:lnRef>
+          <a:fillRef idx="1">
+            <a:schemeClr val="accent6"/>
+          </a:fillRef>
+          <a:effectRef idx="0">
+            <a:schemeClr val="accent6"/>
+          </a:effectRef>
+          <a:fontRef idx="minor">
+            <a:schemeClr val="lt1"/>
+          </a:fontRef>
+        </p:style>
+        <p:txBody>
+          <a:bodyPr rtlCol="0" anchor="ctr"/>
+          <a:lstStyle/>
+          <a:p>
+            <a:pPr algn="ctr"/>
+            <a:endParaRPr lang="zh-CN" altLang="en-US" sz="2400"/>
+          </a:p>
+        </p:txBody>
+      </p:sp>
+      <p:sp>
+        <p:nvSpPr>
+          <p:cNvPr id="84" name="矩形 83">
+            <a:extLst>
+              <a:ext uri="{FF2B5EF4-FFF2-40B4-BE49-F238E27FC236}">
+                <a16:creationId xmlns:a16="http://schemas.microsoft.com/office/drawing/2014/main" id="{4DDA39E9-4B26-41E6-A465-E0FBDAF11716}"/>
+              </a:ext>
+            </a:extLst>
+          </p:cNvPr>
+          <p:cNvSpPr/>
+          <p:nvPr/>
+        </p:nvSpPr>
+        <p:spPr>
+          <a:xfrm>
+            <a:off x="8892522" y="2572872"/>
+            <a:ext cx="202710" cy="150139"/>
+          </a:xfrm>
+          <a:prstGeom prst="rect">
+            <a:avLst/>
+          </a:prstGeom>
+          <a:noFill/>
+          <a:ln>
+            <a:solidFill>
+              <a:schemeClr val="tx1"/>
+            </a:solidFill>
+          </a:ln>
+          <a:scene3d>
+            <a:camera prst="isometricOffAxis2Right"/>
+            <a:lightRig rig="threePt" dir="t"/>
+          </a:scene3d>
+        </p:spPr>
+        <p:style>
+          <a:lnRef idx="2">
+            <a:schemeClr val="accent6">
+              <a:shade val="50000"/>
+            </a:schemeClr>
+          </a:lnRef>
+          <a:fillRef idx="1">
+            <a:schemeClr val="accent6"/>
+          </a:fillRef>
+          <a:effectRef idx="0">
+            <a:schemeClr val="accent6"/>
+          </a:effectRef>
+          <a:fontRef idx="minor">
+            <a:schemeClr val="lt1"/>
+          </a:fontRef>
+        </p:style>
+        <p:txBody>
+          <a:bodyPr rtlCol="0" anchor="ctr"/>
+          <a:lstStyle/>
+          <a:p>
+            <a:pPr algn="ctr"/>
+            <a:endParaRPr lang="zh-CN" altLang="en-US" sz="2400"/>
+          </a:p>
+        </p:txBody>
+      </p:sp>
+      <p:sp>
+        <p:nvSpPr>
+          <p:cNvPr id="86" name="文本框 85">
+            <a:extLst>
+              <a:ext uri="{FF2B5EF4-FFF2-40B4-BE49-F238E27FC236}">
+                <a16:creationId xmlns:a16="http://schemas.microsoft.com/office/drawing/2014/main" id="{837F08FA-6F07-434B-8292-6280094F828A}"/>
+              </a:ext>
+            </a:extLst>
+          </p:cNvPr>
+          <p:cNvSpPr txBox="1"/>
+          <p:nvPr/>
+        </p:nvSpPr>
+        <p:spPr>
+          <a:xfrm>
+            <a:off x="8611746" y="1855560"/>
+            <a:ext cx="1031208" cy="307777"/>
+          </a:xfrm>
+          <a:prstGeom prst="rect">
+            <a:avLst/>
+          </a:prstGeom>
+          <a:noFill/>
+        </p:spPr>
+        <p:txBody>
+          <a:bodyPr wrap="square" rtlCol="0">
+            <a:spAutoFit/>
+          </a:bodyPr>
+          <a:lstStyle/>
+          <a:p>
+            <a:r>
+              <a:rPr lang="zh-CN" altLang="en-US" sz="1400" dirty="0"/>
+              <a:t>分类结果</a:t>
+            </a:r>
+          </a:p>
+        </p:txBody>
+      </p:sp>
+      <p:sp>
+        <p:nvSpPr>
+          <p:cNvPr id="89" name="文本框 88">
+            <a:extLst>
+              <a:ext uri="{FF2B5EF4-FFF2-40B4-BE49-F238E27FC236}">
+                <a16:creationId xmlns:a16="http://schemas.microsoft.com/office/drawing/2014/main" id="{9A67F1C6-D3FA-4DC4-B5DB-8DCC58BF27A1}"/>
+              </a:ext>
+            </a:extLst>
+          </p:cNvPr>
+          <p:cNvSpPr txBox="1"/>
+          <p:nvPr/>
+        </p:nvSpPr>
+        <p:spPr>
+          <a:xfrm>
+            <a:off x="8710141" y="2796047"/>
+            <a:ext cx="1150319" cy="307777"/>
+          </a:xfrm>
+          <a:prstGeom prst="rect">
+            <a:avLst/>
+          </a:prstGeom>
+          <a:noFill/>
+        </p:spPr>
+        <p:txBody>
+          <a:bodyPr wrap="square" rtlCol="0">
+            <a:spAutoFit/>
+          </a:bodyPr>
+          <a:lstStyle/>
+          <a:p>
+            <a:r>
+              <a:rPr lang="zh-CN" altLang="en-US" sz="1400" dirty="0"/>
+              <a:t>评分</a:t>
+            </a:r>
+          </a:p>
+        </p:txBody>
+      </p:sp>
+      <p:sp>
+        <p:nvSpPr>
+          <p:cNvPr id="92" name="箭头: 右 91">
+            <a:extLst>
+              <a:ext uri="{FF2B5EF4-FFF2-40B4-BE49-F238E27FC236}">
+                <a16:creationId xmlns:a16="http://schemas.microsoft.com/office/drawing/2014/main" id="{8F847106-974B-4015-9A54-570C1477BB5B}"/>
+              </a:ext>
+            </a:extLst>
+          </p:cNvPr>
+          <p:cNvSpPr/>
+          <p:nvPr/>
+        </p:nvSpPr>
+        <p:spPr>
+          <a:xfrm>
+            <a:off x="7930896" y="1622156"/>
+            <a:ext cx="812806" cy="172546"/>
+          </a:xfrm>
+          <a:prstGeom prst="rightArrow">
+            <a:avLst/>
+          </a:prstGeom>
+          <a:noFill/>
+        </p:spPr>
+        <p:style>
+          <a:lnRef idx="2">
+            <a:schemeClr val="accent1">
+              <a:shade val="50000"/>
+            </a:schemeClr>
+          </a:lnRef>
+          <a:fillRef idx="1">
+            <a:schemeClr val="accent1"/>
+          </a:fillRef>
+          <a:effectRef idx="0">
+            <a:schemeClr val="accent1"/>
+          </a:effectRef>
+          <a:fontRef idx="minor">
+            <a:schemeClr val="lt1"/>
+          </a:fontRef>
+        </p:style>
+        <p:txBody>
+          <a:bodyPr rtlCol="0" anchor="ctr"/>
+          <a:lstStyle/>
+          <a:p>
+            <a:pPr algn="ctr"/>
+            <a:endParaRPr lang="zh-CN" altLang="en-US" sz="2400"/>
+          </a:p>
+        </p:txBody>
+      </p:sp>
+      <p:sp>
+        <p:nvSpPr>
+          <p:cNvPr id="95" name="文本框 94">
+            <a:extLst>
+              <a:ext uri="{FF2B5EF4-FFF2-40B4-BE49-F238E27FC236}">
+                <a16:creationId xmlns:a16="http://schemas.microsoft.com/office/drawing/2014/main" id="{D9364F5D-6381-47D0-80A7-13D01FC74100}"/>
+              </a:ext>
+            </a:extLst>
+          </p:cNvPr>
+          <p:cNvSpPr txBox="1"/>
+          <p:nvPr/>
+        </p:nvSpPr>
+        <p:spPr>
+          <a:xfrm>
+            <a:off x="7806126" y="1120868"/>
+            <a:ext cx="1321224" cy="523220"/>
+          </a:xfrm>
+          <a:prstGeom prst="rect">
+            <a:avLst/>
+          </a:prstGeom>
+          <a:noFill/>
+        </p:spPr>
+        <p:txBody>
+          <a:bodyPr wrap="square" rtlCol="0">
+            <a:spAutoFit/>
+          </a:bodyPr>
+          <a:lstStyle/>
+          <a:p>
+            <a:r>
+              <a:rPr lang="zh-CN" altLang="en-US" sz="1400" dirty="0"/>
+              <a:t>两层感知器</a:t>
+            </a:r>
+            <a:r>
+              <a:rPr lang="en-US" altLang="zh-CN" sz="1400" dirty="0"/>
+              <a:t>+</a:t>
+            </a:r>
+            <a:r>
+              <a:rPr lang="en-US" altLang="zh-CN" sz="1400" dirty="0" err="1"/>
+              <a:t>softmax</a:t>
+            </a:r>
+            <a:endParaRPr lang="zh-CN" altLang="en-US" sz="1400" dirty="0"/>
+          </a:p>
+        </p:txBody>
+      </p:sp>
+      <p:sp>
+        <p:nvSpPr>
+          <p:cNvPr id="96" name="箭头: 右 95">
+            <a:extLst>
+              <a:ext uri="{FF2B5EF4-FFF2-40B4-BE49-F238E27FC236}">
+                <a16:creationId xmlns:a16="http://schemas.microsoft.com/office/drawing/2014/main" id="{29D257E6-E65C-4D3D-8C2D-AC4F96BC5874}"/>
+              </a:ext>
+            </a:extLst>
+          </p:cNvPr>
+          <p:cNvSpPr/>
+          <p:nvPr/>
+        </p:nvSpPr>
+        <p:spPr>
+          <a:xfrm>
+            <a:off x="7951207" y="2708057"/>
+            <a:ext cx="812806" cy="172546"/>
+          </a:xfrm>
+          <a:prstGeom prst="rightArrow">
+            <a:avLst/>
+          </a:prstGeom>
+          <a:noFill/>
+        </p:spPr>
+        <p:style>
+          <a:lnRef idx="2">
+            <a:schemeClr val="accent1">
+              <a:shade val="50000"/>
+            </a:schemeClr>
+          </a:lnRef>
+          <a:fillRef idx="1">
+            <a:schemeClr val="accent1"/>
+          </a:fillRef>
+          <a:effectRef idx="0">
+            <a:schemeClr val="accent1"/>
+          </a:effectRef>
+          <a:fontRef idx="minor">
+            <a:schemeClr val="lt1"/>
+          </a:fontRef>
+        </p:style>
+        <p:txBody>
+          <a:bodyPr rtlCol="0" anchor="ctr"/>
+          <a:lstStyle/>
+          <a:p>
+            <a:pPr algn="ctr"/>
+            <a:endParaRPr lang="zh-CN" altLang="en-US" sz="2400"/>
+          </a:p>
+        </p:txBody>
+      </p:sp>
+      <p:sp>
+        <p:nvSpPr>
+          <p:cNvPr id="97" name="文本框 96">
+            <a:extLst>
+              <a:ext uri="{FF2B5EF4-FFF2-40B4-BE49-F238E27FC236}">
+                <a16:creationId xmlns:a16="http://schemas.microsoft.com/office/drawing/2014/main" id="{0117D993-FEC7-400D-A9A7-E225F07D8A68}"/>
+              </a:ext>
+            </a:extLst>
+          </p:cNvPr>
+          <p:cNvSpPr txBox="1"/>
+          <p:nvPr/>
+        </p:nvSpPr>
+        <p:spPr>
+          <a:xfrm>
+            <a:off x="7816881" y="2227957"/>
+            <a:ext cx="1321224" cy="523220"/>
+          </a:xfrm>
+          <a:prstGeom prst="rect">
+            <a:avLst/>
+          </a:prstGeom>
+          <a:noFill/>
+        </p:spPr>
+        <p:txBody>
+          <a:bodyPr wrap="square" rtlCol="0">
+            <a:spAutoFit/>
+          </a:bodyPr>
+          <a:lstStyle/>
+          <a:p>
+            <a:r>
+              <a:rPr lang="zh-CN" altLang="en-US" sz="1400" dirty="0"/>
+              <a:t>两层感知器</a:t>
+            </a:r>
+            <a:r>
+              <a:rPr lang="en-US" altLang="zh-CN" sz="1400" dirty="0"/>
+              <a:t>+sigmoid</a:t>
+            </a:r>
+            <a:endParaRPr lang="zh-CN" altLang="en-US" sz="1400" dirty="0"/>
+          </a:p>
+        </p:txBody>
+      </p:sp>
+      <p:sp>
+        <p:nvSpPr>
+          <p:cNvPr id="98" name="椭圆 97">
+            <a:extLst>
+              <a:ext uri="{FF2B5EF4-FFF2-40B4-BE49-F238E27FC236}">
+                <a16:creationId xmlns:a16="http://schemas.microsoft.com/office/drawing/2014/main" id="{CF6E15C7-A344-45F2-835A-EA70FFFA2212}"/>
+              </a:ext>
+            </a:extLst>
+          </p:cNvPr>
+          <p:cNvSpPr/>
+          <p:nvPr/>
+        </p:nvSpPr>
+        <p:spPr>
+          <a:xfrm>
+            <a:off x="7489228" y="1755795"/>
+            <a:ext cx="219437" cy="219437"/>
+          </a:xfrm>
+          <a:prstGeom prst="ellipse">
+            <a:avLst/>
+          </a:prstGeom>
+        </p:spPr>
+        <p:style>
+          <a:lnRef idx="2">
+            <a:schemeClr val="accent1">
+              <a:shade val="50000"/>
+            </a:schemeClr>
+          </a:lnRef>
+          <a:fillRef idx="1">
+            <a:schemeClr val="accent1"/>
+          </a:fillRef>
+          <a:effectRef idx="0">
+            <a:schemeClr val="accent1"/>
+          </a:effectRef>
+          <a:fontRef idx="minor">
+            <a:schemeClr val="lt1"/>
+          </a:fontRef>
+        </p:style>
+        <p:txBody>
+          <a:bodyPr rtlCol="0" anchor="ctr"/>
+          <a:lstStyle/>
+          <a:p>
+            <a:pPr algn="ctr"/>
+            <a:r>
+              <a:rPr lang="en-US" altLang="zh-CN" sz="1400" dirty="0"/>
+              <a:t>2</a:t>
+            </a:r>
+            <a:endParaRPr lang="zh-CN" altLang="en-US" sz="1400" dirty="0"/>
+          </a:p>
+        </p:txBody>
+      </p:sp>
+      <p:sp>
+        <p:nvSpPr>
+          <p:cNvPr id="99" name="椭圆 98">
+            <a:extLst>
+              <a:ext uri="{FF2B5EF4-FFF2-40B4-BE49-F238E27FC236}">
+                <a16:creationId xmlns:a16="http://schemas.microsoft.com/office/drawing/2014/main" id="{824DC66A-E400-41D8-A1AA-BBAEBFB98B9A}"/>
+              </a:ext>
+            </a:extLst>
+          </p:cNvPr>
+          <p:cNvSpPr/>
+          <p:nvPr/>
+        </p:nvSpPr>
+        <p:spPr>
+          <a:xfrm>
+            <a:off x="6791959" y="2193377"/>
+            <a:ext cx="219437" cy="219437"/>
+          </a:xfrm>
+          <a:prstGeom prst="ellipse">
+            <a:avLst/>
+          </a:prstGeom>
+        </p:spPr>
+        <p:style>
+          <a:lnRef idx="2">
+            <a:schemeClr val="accent1">
+              <a:shade val="50000"/>
+            </a:schemeClr>
+          </a:lnRef>
+          <a:fillRef idx="1">
+            <a:schemeClr val="accent1"/>
+          </a:fillRef>
+          <a:effectRef idx="0">
+            <a:schemeClr val="accent1"/>
+          </a:effectRef>
+          <a:fontRef idx="minor">
+            <a:schemeClr val="lt1"/>
+          </a:fontRef>
+        </p:style>
+        <p:txBody>
+          <a:bodyPr rtlCol="0" anchor="ctr"/>
+          <a:lstStyle/>
+          <a:p>
+            <a:pPr algn="ctr"/>
+            <a:r>
+              <a:rPr lang="en-US" altLang="zh-CN" sz="1400" dirty="0"/>
+              <a:t>1</a:t>
+            </a:r>
+            <a:endParaRPr lang="zh-CN" altLang="en-US" sz="1400" dirty="0"/>
+          </a:p>
+        </p:txBody>
+      </p:sp>
+      <p:cxnSp>
+        <p:nvCxnSpPr>
+          <p:cNvPr id="100" name="直接连接符 99">
+            <a:extLst>
+              <a:ext uri="{FF2B5EF4-FFF2-40B4-BE49-F238E27FC236}">
+                <a16:creationId xmlns:a16="http://schemas.microsoft.com/office/drawing/2014/main" id="{FF92C46D-8A4E-4253-B1BB-55C522AACABE}"/>
+              </a:ext>
+            </a:extLst>
+          </p:cNvPr>
+          <p:cNvCxnSpPr/>
+          <p:nvPr/>
+        </p:nvCxnSpPr>
+        <p:spPr>
+          <a:xfrm>
+            <a:off x="1012078" y="3639324"/>
+            <a:ext cx="8644128" cy="0"/>
+          </a:xfrm>
+          <a:prstGeom prst="line">
+            <a:avLst/>
+          </a:prstGeom>
+          <a:ln w="19050">
+            <a:solidFill>
+              <a:schemeClr val="tx2">
+                <a:lumMod val="50000"/>
+              </a:schemeClr>
+            </a:solidFill>
+            <a:prstDash val="dash"/>
+          </a:ln>
+        </p:spPr>
+        <p:style>
+          <a:lnRef idx="1">
+            <a:schemeClr val="accent1"/>
+          </a:lnRef>
+          <a:fillRef idx="0">
+            <a:schemeClr val="accent1"/>
+          </a:fillRef>
+          <a:effectRef idx="0">
+            <a:schemeClr val="accent1"/>
+          </a:effectRef>
+          <a:fontRef idx="minor">
+            <a:schemeClr val="tx1"/>
+          </a:fontRef>
+        </p:style>
+      </p:cxnSp>
+      <p:sp>
+        <p:nvSpPr>
+          <p:cNvPr id="101" name="矩形 100">
+            <a:extLst>
+              <a:ext uri="{FF2B5EF4-FFF2-40B4-BE49-F238E27FC236}">
+                <a16:creationId xmlns:a16="http://schemas.microsoft.com/office/drawing/2014/main" id="{A4622126-53A9-479C-B964-AA20D1709008}"/>
+              </a:ext>
+            </a:extLst>
+          </p:cNvPr>
+          <p:cNvSpPr/>
+          <p:nvPr/>
+        </p:nvSpPr>
+        <p:spPr>
+          <a:xfrm>
+            <a:off x="1067865" y="4138526"/>
+            <a:ext cx="202710" cy="611119"/>
+          </a:xfrm>
+          <a:prstGeom prst="rect">
+            <a:avLst/>
+          </a:prstGeom>
+          <a:solidFill>
+            <a:schemeClr val="accent4">
+              <a:lumMod val="40000"/>
+              <a:lumOff val="60000"/>
+            </a:schemeClr>
+          </a:solidFill>
+          <a:ln>
+            <a:solidFill>
+              <a:schemeClr val="tx1"/>
+            </a:solidFill>
+          </a:ln>
+          <a:scene3d>
+            <a:camera prst="isometricOffAxis2Right"/>
+            <a:lightRig rig="threePt" dir="t"/>
+          </a:scene3d>
+        </p:spPr>
+        <p:style>
+          <a:lnRef idx="2">
+            <a:schemeClr val="accent6">
+              <a:shade val="50000"/>
+            </a:schemeClr>
+          </a:lnRef>
+          <a:fillRef idx="1">
+            <a:schemeClr val="accent6"/>
+          </a:fillRef>
+          <a:effectRef idx="0">
+            <a:schemeClr val="accent6"/>
+          </a:effectRef>
+          <a:fontRef idx="minor">
+            <a:schemeClr val="lt1"/>
+          </a:fontRef>
+        </p:style>
+        <p:txBody>
+          <a:bodyPr rtlCol="0" anchor="ctr"/>
+          <a:lstStyle/>
+          <a:p>
+            <a:pPr algn="ctr"/>
+            <a:endParaRPr lang="zh-CN" altLang="en-US" sz="2400"/>
+          </a:p>
+        </p:txBody>
+      </p:sp>
+      <p:sp>
+        <p:nvSpPr>
+          <p:cNvPr id="104" name="矩形 103">
+            <a:extLst>
+              <a:ext uri="{FF2B5EF4-FFF2-40B4-BE49-F238E27FC236}">
+                <a16:creationId xmlns:a16="http://schemas.microsoft.com/office/drawing/2014/main" id="{F1227123-3BDF-4F93-B469-52383BE4DEAE}"/>
+              </a:ext>
+            </a:extLst>
+          </p:cNvPr>
+          <p:cNvSpPr/>
+          <p:nvPr/>
+        </p:nvSpPr>
+        <p:spPr>
+          <a:xfrm>
+            <a:off x="1067865" y="4746671"/>
+            <a:ext cx="202710" cy="502175"/>
+          </a:xfrm>
+          <a:prstGeom prst="rect">
+            <a:avLst/>
+          </a:prstGeom>
+          <a:solidFill>
+            <a:schemeClr val="accent4">
+              <a:lumMod val="75000"/>
+            </a:schemeClr>
+          </a:solidFill>
+          <a:ln>
+            <a:solidFill>
+              <a:schemeClr val="tx1"/>
+            </a:solidFill>
+          </a:ln>
+          <a:scene3d>
+            <a:camera prst="isometricOffAxis2Right"/>
+            <a:lightRig rig="threePt" dir="t"/>
+          </a:scene3d>
+        </p:spPr>
+        <p:style>
+          <a:lnRef idx="2">
+            <a:schemeClr val="accent6">
+              <a:shade val="50000"/>
+            </a:schemeClr>
+          </a:lnRef>
+          <a:fillRef idx="1">
+            <a:schemeClr val="accent6"/>
+          </a:fillRef>
+          <a:effectRef idx="0">
+            <a:schemeClr val="accent6"/>
+          </a:effectRef>
+          <a:fontRef idx="minor">
+            <a:schemeClr val="lt1"/>
+          </a:fontRef>
+        </p:style>
+        <p:txBody>
+          <a:bodyPr rtlCol="0" anchor="ctr"/>
+          <a:lstStyle/>
+          <a:p>
+            <a:pPr algn="ctr"/>
+            <a:endParaRPr lang="zh-CN" altLang="en-US" sz="2400"/>
+          </a:p>
+        </p:txBody>
+      </p:sp>
+      <p:sp>
+        <p:nvSpPr>
+          <p:cNvPr id="105" name="椭圆 104">
+            <a:extLst>
+              <a:ext uri="{FF2B5EF4-FFF2-40B4-BE49-F238E27FC236}">
+                <a16:creationId xmlns:a16="http://schemas.microsoft.com/office/drawing/2014/main" id="{1A81C5F3-12AE-40F1-9956-83AB8A23BB08}"/>
+              </a:ext>
+            </a:extLst>
+          </p:cNvPr>
+          <p:cNvSpPr/>
+          <p:nvPr/>
+        </p:nvSpPr>
+        <p:spPr>
+          <a:xfrm>
+            <a:off x="949783" y="4277633"/>
+            <a:ext cx="219437" cy="219437"/>
+          </a:xfrm>
+          <a:prstGeom prst="ellipse">
+            <a:avLst/>
+          </a:prstGeom>
+        </p:spPr>
+        <p:style>
+          <a:lnRef idx="2">
+            <a:schemeClr val="accent1">
+              <a:shade val="50000"/>
+            </a:schemeClr>
+          </a:lnRef>
+          <a:fillRef idx="1">
+            <a:schemeClr val="accent1"/>
+          </a:fillRef>
+          <a:effectRef idx="0">
+            <a:schemeClr val="accent1"/>
+          </a:effectRef>
+          <a:fontRef idx="minor">
+            <a:schemeClr val="lt1"/>
+          </a:fontRef>
+        </p:style>
+        <p:txBody>
+          <a:bodyPr rtlCol="0" anchor="ctr"/>
+          <a:lstStyle/>
+          <a:p>
+            <a:pPr algn="ctr"/>
+            <a:r>
+              <a:rPr lang="en-US" altLang="zh-CN" sz="1400" dirty="0"/>
+              <a:t>3</a:t>
+            </a:r>
+            <a:endParaRPr lang="zh-CN" altLang="en-US" sz="1400" dirty="0"/>
+          </a:p>
+        </p:txBody>
+      </p:sp>
+      <p:sp>
+        <p:nvSpPr>
+          <p:cNvPr id="106" name="椭圆 105">
+            <a:extLst>
+              <a:ext uri="{FF2B5EF4-FFF2-40B4-BE49-F238E27FC236}">
+                <a16:creationId xmlns:a16="http://schemas.microsoft.com/office/drawing/2014/main" id="{DCFD6BCA-51CE-4C1F-9751-E51086279D70}"/>
+              </a:ext>
+            </a:extLst>
+          </p:cNvPr>
+          <p:cNvSpPr/>
+          <p:nvPr/>
+        </p:nvSpPr>
+        <p:spPr>
+          <a:xfrm>
+            <a:off x="944905" y="4918023"/>
+            <a:ext cx="219437" cy="219437"/>
+          </a:xfrm>
+          <a:prstGeom prst="ellipse">
+            <a:avLst/>
+          </a:prstGeom>
+        </p:spPr>
+        <p:style>
+          <a:lnRef idx="2">
+            <a:schemeClr val="accent1">
+              <a:shade val="50000"/>
+            </a:schemeClr>
+          </a:lnRef>
+          <a:fillRef idx="1">
+            <a:schemeClr val="accent1"/>
+          </a:fillRef>
+          <a:effectRef idx="0">
+            <a:schemeClr val="accent1"/>
+          </a:effectRef>
+          <a:fontRef idx="minor">
+            <a:schemeClr val="lt1"/>
+          </a:fontRef>
+        </p:style>
+        <p:txBody>
+          <a:bodyPr rtlCol="0" anchor="ctr"/>
+          <a:lstStyle/>
+          <a:p>
+            <a:pPr algn="ctr"/>
+            <a:r>
+              <a:rPr lang="en-US" altLang="zh-CN" sz="1400" dirty="0"/>
+              <a:t>4</a:t>
+            </a:r>
+            <a:endParaRPr lang="zh-CN" altLang="en-US" sz="1400" dirty="0"/>
+          </a:p>
+        </p:txBody>
+      </p:sp>
+      <p:sp>
+        <p:nvSpPr>
+          <p:cNvPr id="107" name="矩形 106">
+            <a:extLst>
+              <a:ext uri="{FF2B5EF4-FFF2-40B4-BE49-F238E27FC236}">
+                <a16:creationId xmlns:a16="http://schemas.microsoft.com/office/drawing/2014/main" id="{27C1A99B-15C6-44FA-8B49-B28E2583050B}"/>
+              </a:ext>
+            </a:extLst>
+          </p:cNvPr>
+          <p:cNvSpPr/>
+          <p:nvPr/>
+        </p:nvSpPr>
+        <p:spPr>
+          <a:xfrm>
+            <a:off x="1984912" y="3816962"/>
+            <a:ext cx="202710" cy="929703"/>
+          </a:xfrm>
+          <a:prstGeom prst="rect">
+            <a:avLst/>
+          </a:prstGeom>
+          <a:solidFill>
+            <a:schemeClr val="tx2">
+              <a:lumMod val="40000"/>
+              <a:lumOff val="60000"/>
+            </a:schemeClr>
+          </a:solidFill>
+          <a:ln>
+            <a:solidFill>
+              <a:schemeClr val="tx1"/>
+            </a:solidFill>
+          </a:ln>
+          <a:scene3d>
+            <a:camera prst="isometricOffAxis2Right"/>
+            <a:lightRig rig="threePt" dir="t"/>
+          </a:scene3d>
+        </p:spPr>
+        <p:style>
+          <a:lnRef idx="2">
+            <a:schemeClr val="accent6">
+              <a:shade val="50000"/>
+            </a:schemeClr>
+          </a:lnRef>
+          <a:fillRef idx="1">
+            <a:schemeClr val="accent6"/>
+          </a:fillRef>
+          <a:effectRef idx="0">
+            <a:schemeClr val="accent6"/>
+          </a:effectRef>
+          <a:fontRef idx="minor">
+            <a:schemeClr val="lt1"/>
+          </a:fontRef>
+        </p:style>
+        <p:txBody>
+          <a:bodyPr rtlCol="0" anchor="ctr"/>
+          <a:lstStyle/>
+          <a:p>
+            <a:pPr algn="ctr"/>
+            <a:endParaRPr lang="zh-CN" altLang="en-US" sz="2400"/>
+          </a:p>
+        </p:txBody>
+      </p:sp>
+      <p:sp>
+        <p:nvSpPr>
+          <p:cNvPr id="108" name="矩形 107">
+            <a:extLst>
+              <a:ext uri="{FF2B5EF4-FFF2-40B4-BE49-F238E27FC236}">
+                <a16:creationId xmlns:a16="http://schemas.microsoft.com/office/drawing/2014/main" id="{65F09516-9629-4D67-B32D-0A7A3815DC2E}"/>
+              </a:ext>
+            </a:extLst>
+          </p:cNvPr>
+          <p:cNvSpPr/>
+          <p:nvPr/>
+        </p:nvSpPr>
+        <p:spPr>
+          <a:xfrm>
+            <a:off x="2764225" y="3788867"/>
+            <a:ext cx="202710" cy="929703"/>
+          </a:xfrm>
+          <a:prstGeom prst="rect">
+            <a:avLst/>
+          </a:prstGeom>
+          <a:solidFill>
+            <a:schemeClr val="tx2">
+              <a:lumMod val="40000"/>
+              <a:lumOff val="60000"/>
+            </a:schemeClr>
+          </a:solidFill>
+          <a:ln>
+            <a:solidFill>
+              <a:schemeClr val="tx1"/>
+            </a:solidFill>
+          </a:ln>
+          <a:scene3d>
+            <a:camera prst="isometricOffAxis2Right"/>
+            <a:lightRig rig="threePt" dir="t"/>
+          </a:scene3d>
+        </p:spPr>
+        <p:style>
+          <a:lnRef idx="2">
+            <a:schemeClr val="accent6">
+              <a:shade val="50000"/>
+            </a:schemeClr>
+          </a:lnRef>
+          <a:fillRef idx="1">
+            <a:schemeClr val="accent6"/>
+          </a:fillRef>
+          <a:effectRef idx="0">
+            <a:schemeClr val="accent6"/>
+          </a:effectRef>
+          <a:fontRef idx="minor">
+            <a:schemeClr val="lt1"/>
+          </a:fontRef>
+        </p:style>
+        <p:txBody>
+          <a:bodyPr rtlCol="0" anchor="ctr"/>
+          <a:lstStyle/>
+          <a:p>
+            <a:pPr algn="ctr"/>
+            <a:endParaRPr lang="zh-CN" altLang="en-US" sz="2400"/>
+          </a:p>
+        </p:txBody>
+      </p:sp>
+      <p:sp>
+        <p:nvSpPr>
+          <p:cNvPr id="118" name="矩形 117">
+            <a:extLst>
+              <a:ext uri="{FF2B5EF4-FFF2-40B4-BE49-F238E27FC236}">
+                <a16:creationId xmlns:a16="http://schemas.microsoft.com/office/drawing/2014/main" id="{3A95792E-F984-4FE3-9C48-4F13365DC203}"/>
+              </a:ext>
+            </a:extLst>
+          </p:cNvPr>
+          <p:cNvSpPr/>
+          <p:nvPr/>
+        </p:nvSpPr>
+        <p:spPr>
+          <a:xfrm>
+            <a:off x="3510681" y="3937149"/>
+            <a:ext cx="202710" cy="498832"/>
+          </a:xfrm>
+          <a:prstGeom prst="rect">
+            <a:avLst/>
+          </a:prstGeom>
+          <a:solidFill>
+            <a:schemeClr val="tx2">
+              <a:lumMod val="40000"/>
+              <a:lumOff val="60000"/>
+            </a:schemeClr>
+          </a:solidFill>
+          <a:ln>
+            <a:solidFill>
+              <a:schemeClr val="tx1"/>
+            </a:solidFill>
+          </a:ln>
+          <a:scene3d>
+            <a:camera prst="isometricOffAxis2Right"/>
+            <a:lightRig rig="threePt" dir="t"/>
+          </a:scene3d>
+        </p:spPr>
+        <p:style>
+          <a:lnRef idx="2">
+            <a:schemeClr val="accent6">
+              <a:shade val="50000"/>
+            </a:schemeClr>
+          </a:lnRef>
+          <a:fillRef idx="1">
+            <a:schemeClr val="accent6"/>
+          </a:fillRef>
+          <a:effectRef idx="0">
+            <a:schemeClr val="accent6"/>
+          </a:effectRef>
+          <a:fontRef idx="minor">
+            <a:schemeClr val="lt1"/>
+          </a:fontRef>
+        </p:style>
+        <p:txBody>
+          <a:bodyPr rtlCol="0" anchor="ctr"/>
+          <a:lstStyle/>
+          <a:p>
+            <a:pPr algn="ctr"/>
+            <a:endParaRPr lang="zh-CN" altLang="en-US" sz="2400"/>
+          </a:p>
+        </p:txBody>
+      </p:sp>
+      <p:sp>
+        <p:nvSpPr>
+          <p:cNvPr id="130" name="箭头: 右 129">
+            <a:extLst>
+              <a:ext uri="{FF2B5EF4-FFF2-40B4-BE49-F238E27FC236}">
+                <a16:creationId xmlns:a16="http://schemas.microsoft.com/office/drawing/2014/main" id="{BE8FD164-5E62-4D30-9A1C-FD3956CE1826}"/>
+              </a:ext>
+            </a:extLst>
+          </p:cNvPr>
+          <p:cNvSpPr/>
+          <p:nvPr/>
+        </p:nvSpPr>
+        <p:spPr>
+          <a:xfrm rot="19488137">
+            <a:off x="1297618" y="4407413"/>
+            <a:ext cx="721389" cy="80211"/>
+          </a:xfrm>
+          <a:prstGeom prst="rightArrow">
+            <a:avLst/>
+          </a:prstGeom>
+          <a:noFill/>
+        </p:spPr>
+        <p:style>
+          <a:lnRef idx="2">
+            <a:schemeClr val="accent1">
+              <a:shade val="50000"/>
+            </a:schemeClr>
+          </a:lnRef>
+          <a:fillRef idx="1">
+            <a:schemeClr val="accent1"/>
+          </a:fillRef>
+          <a:effectRef idx="0">
+            <a:schemeClr val="accent1"/>
+          </a:effectRef>
+          <a:fontRef idx="minor">
+            <a:schemeClr val="lt1"/>
+          </a:fontRef>
+        </p:style>
+        <p:txBody>
+          <a:bodyPr rtlCol="0" anchor="ctr"/>
+          <a:lstStyle/>
+          <a:p>
+            <a:pPr algn="ctr"/>
+            <a:endParaRPr lang="zh-CN" altLang="en-US" sz="2400"/>
+          </a:p>
+        </p:txBody>
+      </p:sp>
+      <p:sp>
+        <p:nvSpPr>
+          <p:cNvPr id="134" name="箭头: 右 133">
+            <a:extLst>
+              <a:ext uri="{FF2B5EF4-FFF2-40B4-BE49-F238E27FC236}">
+                <a16:creationId xmlns:a16="http://schemas.microsoft.com/office/drawing/2014/main" id="{0165C3F8-3AE5-485A-B4B4-827F118CF242}"/>
+              </a:ext>
+            </a:extLst>
+          </p:cNvPr>
+          <p:cNvSpPr/>
+          <p:nvPr/>
+        </p:nvSpPr>
+        <p:spPr>
+          <a:xfrm rot="2892318">
+            <a:off x="1250042" y="5002200"/>
+            <a:ext cx="721389" cy="80211"/>
+          </a:xfrm>
+          <a:prstGeom prst="rightArrow">
+            <a:avLst/>
+          </a:prstGeom>
+          <a:noFill/>
+        </p:spPr>
+        <p:style>
+          <a:lnRef idx="2">
+            <a:schemeClr val="accent1">
+              <a:shade val="50000"/>
+            </a:schemeClr>
+          </a:lnRef>
+          <a:fillRef idx="1">
+            <a:schemeClr val="accent1"/>
+          </a:fillRef>
+          <a:effectRef idx="0">
+            <a:schemeClr val="accent1"/>
+          </a:effectRef>
+          <a:fontRef idx="minor">
+            <a:schemeClr val="lt1"/>
+          </a:fontRef>
+        </p:style>
+        <p:txBody>
+          <a:bodyPr rtlCol="0" anchor="ctr"/>
+          <a:lstStyle/>
+          <a:p>
+            <a:pPr algn="ctr"/>
+            <a:endParaRPr lang="zh-CN" altLang="en-US" sz="2400"/>
+          </a:p>
+        </p:txBody>
+      </p:sp>
+      <p:sp>
+        <p:nvSpPr>
+          <p:cNvPr id="135" name="矩形 134">
+            <a:extLst>
+              <a:ext uri="{FF2B5EF4-FFF2-40B4-BE49-F238E27FC236}">
+                <a16:creationId xmlns:a16="http://schemas.microsoft.com/office/drawing/2014/main" id="{199E8CC2-5B61-4E99-8938-B3DA508D899B}"/>
+              </a:ext>
+            </a:extLst>
+          </p:cNvPr>
+          <p:cNvSpPr/>
+          <p:nvPr/>
+        </p:nvSpPr>
+        <p:spPr>
+          <a:xfrm>
+            <a:off x="1976178" y="4907646"/>
+            <a:ext cx="202710" cy="929703"/>
+          </a:xfrm>
+          <a:prstGeom prst="rect">
+            <a:avLst/>
+          </a:prstGeom>
+          <a:solidFill>
+            <a:schemeClr val="accent3">
+              <a:lumMod val="40000"/>
+              <a:lumOff val="60000"/>
+            </a:schemeClr>
+          </a:solidFill>
+          <a:ln>
+            <a:solidFill>
+              <a:schemeClr val="tx1"/>
+            </a:solidFill>
+          </a:ln>
+          <a:scene3d>
+            <a:camera prst="isometricOffAxis2Right"/>
+            <a:lightRig rig="threePt" dir="t"/>
+          </a:scene3d>
+        </p:spPr>
+        <p:style>
+          <a:lnRef idx="2">
+            <a:schemeClr val="accent6">
+              <a:shade val="50000"/>
+            </a:schemeClr>
+          </a:lnRef>
+          <a:fillRef idx="1">
+            <a:schemeClr val="accent6"/>
+          </a:fillRef>
+          <a:effectRef idx="0">
+            <a:schemeClr val="accent6"/>
+          </a:effectRef>
+          <a:fontRef idx="minor">
+            <a:schemeClr val="lt1"/>
+          </a:fontRef>
+        </p:style>
+        <p:txBody>
+          <a:bodyPr rtlCol="0" anchor="ctr"/>
+          <a:lstStyle/>
+          <a:p>
+            <a:pPr algn="ctr"/>
+            <a:endParaRPr lang="zh-CN" altLang="en-US" sz="2400"/>
+          </a:p>
+        </p:txBody>
+      </p:sp>
+      <p:sp>
+        <p:nvSpPr>
+          <p:cNvPr id="136" name="矩形 135">
+            <a:extLst>
+              <a:ext uri="{FF2B5EF4-FFF2-40B4-BE49-F238E27FC236}">
+                <a16:creationId xmlns:a16="http://schemas.microsoft.com/office/drawing/2014/main" id="{E10FE9AF-0102-417A-9F9B-C446AB39FF75}"/>
+              </a:ext>
+            </a:extLst>
+          </p:cNvPr>
+          <p:cNvSpPr/>
+          <p:nvPr/>
+        </p:nvSpPr>
+        <p:spPr>
+          <a:xfrm>
+            <a:off x="2764225" y="4907645"/>
+            <a:ext cx="202710" cy="929703"/>
+          </a:xfrm>
+          <a:prstGeom prst="rect">
+            <a:avLst/>
+          </a:prstGeom>
+          <a:solidFill>
+            <a:schemeClr val="accent3">
+              <a:lumMod val="40000"/>
+              <a:lumOff val="60000"/>
+            </a:schemeClr>
+          </a:solidFill>
+          <a:ln>
+            <a:solidFill>
+              <a:schemeClr val="tx1"/>
+            </a:solidFill>
+          </a:ln>
+          <a:scene3d>
+            <a:camera prst="isometricOffAxis2Right"/>
+            <a:lightRig rig="threePt" dir="t"/>
+          </a:scene3d>
+        </p:spPr>
+        <p:style>
+          <a:lnRef idx="2">
+            <a:schemeClr val="accent6">
+              <a:shade val="50000"/>
+            </a:schemeClr>
+          </a:lnRef>
+          <a:fillRef idx="1">
+            <a:schemeClr val="accent6"/>
+          </a:fillRef>
+          <a:effectRef idx="0">
+            <a:schemeClr val="accent6"/>
+          </a:effectRef>
+          <a:fontRef idx="minor">
+            <a:schemeClr val="lt1"/>
+          </a:fontRef>
+        </p:style>
+        <p:txBody>
+          <a:bodyPr rtlCol="0" anchor="ctr"/>
+          <a:lstStyle/>
+          <a:p>
+            <a:pPr algn="ctr"/>
+            <a:endParaRPr lang="zh-CN" altLang="en-US" sz="2400"/>
+          </a:p>
+        </p:txBody>
+      </p:sp>
+      <p:sp>
+        <p:nvSpPr>
+          <p:cNvPr id="137" name="矩形 136">
+            <a:extLst>
+              <a:ext uri="{FF2B5EF4-FFF2-40B4-BE49-F238E27FC236}">
+                <a16:creationId xmlns:a16="http://schemas.microsoft.com/office/drawing/2014/main" id="{BB125A0A-8E7F-4D3B-92A5-AFBBFD3CC35E}"/>
+              </a:ext>
+            </a:extLst>
+          </p:cNvPr>
+          <p:cNvSpPr/>
+          <p:nvPr/>
+        </p:nvSpPr>
+        <p:spPr>
+          <a:xfrm>
+            <a:off x="3532789" y="5232637"/>
+            <a:ext cx="202710" cy="160602"/>
+          </a:xfrm>
+          <a:prstGeom prst="rect">
+            <a:avLst/>
+          </a:prstGeom>
+          <a:solidFill>
+            <a:schemeClr val="accent3">
+              <a:lumMod val="40000"/>
+              <a:lumOff val="60000"/>
+            </a:schemeClr>
+          </a:solidFill>
+          <a:ln>
+            <a:solidFill>
+              <a:schemeClr val="tx1"/>
+            </a:solidFill>
+          </a:ln>
+          <a:scene3d>
+            <a:camera prst="isometricOffAxis2Right"/>
+            <a:lightRig rig="threePt" dir="t"/>
+          </a:scene3d>
+        </p:spPr>
+        <p:style>
+          <a:lnRef idx="2">
+            <a:schemeClr val="accent6">
+              <a:shade val="50000"/>
+            </a:schemeClr>
+          </a:lnRef>
+          <a:fillRef idx="1">
+            <a:schemeClr val="accent6"/>
+          </a:fillRef>
+          <a:effectRef idx="0">
+            <a:schemeClr val="accent6"/>
+          </a:effectRef>
+          <a:fontRef idx="minor">
+            <a:schemeClr val="lt1"/>
+          </a:fontRef>
+        </p:style>
+        <p:txBody>
+          <a:bodyPr rtlCol="0" anchor="ctr"/>
+          <a:lstStyle/>
+          <a:p>
+            <a:pPr algn="ctr"/>
+            <a:endParaRPr lang="zh-CN" altLang="en-US" sz="2400"/>
+          </a:p>
+        </p:txBody>
+      </p:sp>
+      <p:sp>
+        <p:nvSpPr>
+          <p:cNvPr id="139" name="箭头: 右 138">
+            <a:extLst>
+              <a:ext uri="{FF2B5EF4-FFF2-40B4-BE49-F238E27FC236}">
+                <a16:creationId xmlns:a16="http://schemas.microsoft.com/office/drawing/2014/main" id="{5C860BD2-718E-4C6B-A0BB-5066A1F5A106}"/>
+              </a:ext>
+            </a:extLst>
+          </p:cNvPr>
+          <p:cNvSpPr/>
+          <p:nvPr/>
+        </p:nvSpPr>
+        <p:spPr>
+          <a:xfrm>
+            <a:off x="2187622" y="4181064"/>
+            <a:ext cx="576603" cy="92212"/>
+          </a:xfrm>
+          <a:prstGeom prst="rightArrow">
+            <a:avLst/>
+          </a:prstGeom>
+          <a:noFill/>
+        </p:spPr>
+        <p:style>
+          <a:lnRef idx="2">
+            <a:schemeClr val="accent1">
+              <a:shade val="50000"/>
+            </a:schemeClr>
+          </a:lnRef>
+          <a:fillRef idx="1">
+            <a:schemeClr val="accent1"/>
+          </a:fillRef>
+          <a:effectRef idx="0">
+            <a:schemeClr val="accent1"/>
+          </a:effectRef>
+          <a:fontRef idx="minor">
+            <a:schemeClr val="lt1"/>
+          </a:fontRef>
+        </p:style>
+        <p:txBody>
+          <a:bodyPr rtlCol="0" anchor="ctr"/>
+          <a:lstStyle/>
+          <a:p>
+            <a:pPr algn="ctr"/>
+            <a:endParaRPr lang="zh-CN" altLang="en-US" sz="2400"/>
+          </a:p>
+        </p:txBody>
+      </p:sp>
+      <p:sp>
+        <p:nvSpPr>
+          <p:cNvPr id="140" name="箭头: 右 139">
+            <a:extLst>
+              <a:ext uri="{FF2B5EF4-FFF2-40B4-BE49-F238E27FC236}">
+                <a16:creationId xmlns:a16="http://schemas.microsoft.com/office/drawing/2014/main" id="{1B1E36B4-4249-41DC-B58A-4134C2F7C76D}"/>
+              </a:ext>
+            </a:extLst>
+          </p:cNvPr>
+          <p:cNvSpPr/>
+          <p:nvPr/>
+        </p:nvSpPr>
+        <p:spPr>
+          <a:xfrm>
+            <a:off x="2198371" y="5254921"/>
+            <a:ext cx="576603" cy="92212"/>
+          </a:xfrm>
+          <a:prstGeom prst="rightArrow">
+            <a:avLst/>
+          </a:prstGeom>
+          <a:noFill/>
+        </p:spPr>
+        <p:style>
+          <a:lnRef idx="2">
+            <a:schemeClr val="accent1">
+              <a:shade val="50000"/>
+            </a:schemeClr>
+          </a:lnRef>
+          <a:fillRef idx="1">
+            <a:schemeClr val="accent1"/>
+          </a:fillRef>
+          <a:effectRef idx="0">
+            <a:schemeClr val="accent1"/>
+          </a:effectRef>
+          <a:fontRef idx="minor">
+            <a:schemeClr val="lt1"/>
+          </a:fontRef>
+        </p:style>
+        <p:txBody>
+          <a:bodyPr rtlCol="0" anchor="ctr"/>
+          <a:lstStyle/>
+          <a:p>
+            <a:pPr algn="ctr"/>
+            <a:endParaRPr lang="zh-CN" altLang="en-US" sz="2400"/>
+          </a:p>
+        </p:txBody>
+      </p:sp>
+      <p:sp>
+        <p:nvSpPr>
+          <p:cNvPr id="141" name="箭头: 右 140">
+            <a:extLst>
+              <a:ext uri="{FF2B5EF4-FFF2-40B4-BE49-F238E27FC236}">
+                <a16:creationId xmlns:a16="http://schemas.microsoft.com/office/drawing/2014/main" id="{DB9A438A-3666-4492-8760-EF3AD8C76CE1}"/>
+              </a:ext>
+            </a:extLst>
+          </p:cNvPr>
+          <p:cNvSpPr/>
+          <p:nvPr/>
+        </p:nvSpPr>
+        <p:spPr>
+          <a:xfrm>
+            <a:off x="2975669" y="5245734"/>
+            <a:ext cx="576603" cy="92212"/>
+          </a:xfrm>
+          <a:prstGeom prst="rightArrow">
+            <a:avLst/>
+          </a:prstGeom>
+          <a:noFill/>
+        </p:spPr>
+        <p:style>
+          <a:lnRef idx="2">
+            <a:schemeClr val="accent1">
+              <a:shade val="50000"/>
+            </a:schemeClr>
+          </a:lnRef>
+          <a:fillRef idx="1">
+            <a:schemeClr val="accent1"/>
+          </a:fillRef>
+          <a:effectRef idx="0">
+            <a:schemeClr val="accent1"/>
+          </a:effectRef>
+          <a:fontRef idx="minor">
+            <a:schemeClr val="lt1"/>
+          </a:fontRef>
+        </p:style>
+        <p:txBody>
+          <a:bodyPr rtlCol="0" anchor="ctr"/>
+          <a:lstStyle/>
+          <a:p>
+            <a:pPr algn="ctr"/>
+            <a:endParaRPr lang="zh-CN" altLang="en-US" sz="2400"/>
+          </a:p>
+        </p:txBody>
+      </p:sp>
+      <p:sp>
+        <p:nvSpPr>
+          <p:cNvPr id="142" name="箭头: 右 141">
+            <a:extLst>
+              <a:ext uri="{FF2B5EF4-FFF2-40B4-BE49-F238E27FC236}">
+                <a16:creationId xmlns:a16="http://schemas.microsoft.com/office/drawing/2014/main" id="{9682FE98-E27F-4646-ACBA-3807B73B2F49}"/>
+              </a:ext>
+            </a:extLst>
+          </p:cNvPr>
+          <p:cNvSpPr/>
+          <p:nvPr/>
+        </p:nvSpPr>
+        <p:spPr>
+          <a:xfrm>
+            <a:off x="2934078" y="4170442"/>
+            <a:ext cx="576603" cy="92212"/>
+          </a:xfrm>
+          <a:prstGeom prst="rightArrow">
+            <a:avLst/>
+          </a:prstGeom>
+          <a:noFill/>
+        </p:spPr>
+        <p:style>
+          <a:lnRef idx="2">
+            <a:schemeClr val="accent1">
+              <a:shade val="50000"/>
+            </a:schemeClr>
+          </a:lnRef>
+          <a:fillRef idx="1">
+            <a:schemeClr val="accent1"/>
+          </a:fillRef>
+          <a:effectRef idx="0">
+            <a:schemeClr val="accent1"/>
+          </a:effectRef>
+          <a:fontRef idx="minor">
+            <a:schemeClr val="lt1"/>
+          </a:fontRef>
+        </p:style>
+        <p:txBody>
+          <a:bodyPr rtlCol="0" anchor="ctr"/>
+          <a:lstStyle/>
+          <a:p>
+            <a:pPr algn="ctr"/>
+            <a:endParaRPr lang="zh-CN" altLang="en-US" sz="2400"/>
+          </a:p>
+        </p:txBody>
+      </p:sp>
+      <p:sp>
+        <p:nvSpPr>
+          <p:cNvPr id="143" name="右大括号 142">
+            <a:extLst>
+              <a:ext uri="{FF2B5EF4-FFF2-40B4-BE49-F238E27FC236}">
+                <a16:creationId xmlns:a16="http://schemas.microsoft.com/office/drawing/2014/main" id="{ACD9AAEE-0869-4288-AAFD-E99BB3C0B116}"/>
+              </a:ext>
+            </a:extLst>
+          </p:cNvPr>
+          <p:cNvSpPr/>
+          <p:nvPr/>
+        </p:nvSpPr>
+        <p:spPr>
+          <a:xfrm>
+            <a:off x="3896142" y="4048606"/>
+            <a:ext cx="132048" cy="1299430"/>
+          </a:xfrm>
+          <a:prstGeom prst="rightBrace">
+            <a:avLst>
+              <a:gd name="adj1" fmla="val 86117"/>
+              <a:gd name="adj2" fmla="val 50469"/>
+            </a:avLst>
+          </a:prstGeom>
+          <a:ln w="19050"/>
+        </p:spPr>
+        <p:style>
+          <a:lnRef idx="1">
+            <a:schemeClr val="accent1"/>
+          </a:lnRef>
+          <a:fillRef idx="0">
+            <a:schemeClr val="accent1"/>
+          </a:fillRef>
+          <a:effectRef idx="0">
+            <a:schemeClr val="accent1"/>
+          </a:effectRef>
+          <a:fontRef idx="minor">
+            <a:schemeClr val="tx1"/>
+          </a:fontRef>
+        </p:style>
+        <p:txBody>
+          <a:bodyPr rtlCol="0" anchor="ctr"/>
+          <a:lstStyle/>
+          <a:p>
+            <a:pPr algn="ctr"/>
+            <a:endParaRPr lang="zh-CN" altLang="en-US" sz="2400"/>
+          </a:p>
+        </p:txBody>
+      </p:sp>
+      <p:sp>
+        <p:nvSpPr>
+          <p:cNvPr id="144" name="矩形 143">
+            <a:extLst>
+              <a:ext uri="{FF2B5EF4-FFF2-40B4-BE49-F238E27FC236}">
+                <a16:creationId xmlns:a16="http://schemas.microsoft.com/office/drawing/2014/main" id="{2AFF65FD-186B-43B2-88FB-51613C806D57}"/>
+              </a:ext>
+            </a:extLst>
+          </p:cNvPr>
+          <p:cNvSpPr/>
+          <p:nvPr/>
+        </p:nvSpPr>
+        <p:spPr>
+          <a:xfrm>
+            <a:off x="4202737" y="4638269"/>
+            <a:ext cx="202710" cy="160602"/>
+          </a:xfrm>
+          <a:prstGeom prst="rect">
+            <a:avLst/>
+          </a:prstGeom>
+          <a:solidFill>
+            <a:schemeClr val="accent3">
+              <a:lumMod val="40000"/>
+              <a:lumOff val="60000"/>
+            </a:schemeClr>
+          </a:solidFill>
+          <a:ln>
+            <a:solidFill>
+              <a:schemeClr val="tx1"/>
+            </a:solidFill>
+          </a:ln>
+          <a:scene3d>
+            <a:camera prst="isometricOffAxis2Right"/>
+            <a:lightRig rig="threePt" dir="t"/>
+          </a:scene3d>
+        </p:spPr>
+        <p:style>
+          <a:lnRef idx="2">
+            <a:schemeClr val="accent6">
+              <a:shade val="50000"/>
+            </a:schemeClr>
+          </a:lnRef>
+          <a:fillRef idx="1">
+            <a:schemeClr val="accent6"/>
+          </a:fillRef>
+          <a:effectRef idx="0">
+            <a:schemeClr val="accent6"/>
+          </a:effectRef>
+          <a:fontRef idx="minor">
+            <a:schemeClr val="lt1"/>
+          </a:fontRef>
+        </p:style>
+        <p:txBody>
+          <a:bodyPr rtlCol="0" anchor="ctr"/>
+          <a:lstStyle/>
+          <a:p>
+            <a:pPr algn="ctr"/>
+            <a:endParaRPr lang="zh-CN" altLang="en-US" sz="2400"/>
+          </a:p>
+        </p:txBody>
+      </p:sp>
+      <p:sp>
+        <p:nvSpPr>
+          <p:cNvPr id="146" name="文本框 145">
+            <a:extLst>
+              <a:ext uri="{FF2B5EF4-FFF2-40B4-BE49-F238E27FC236}">
+                <a16:creationId xmlns:a16="http://schemas.microsoft.com/office/drawing/2014/main" id="{128C2DBC-316B-412D-A5C7-1CFC18B2455E}"/>
+              </a:ext>
+            </a:extLst>
+          </p:cNvPr>
+          <p:cNvSpPr txBox="1"/>
+          <p:nvPr/>
+        </p:nvSpPr>
+        <p:spPr>
+          <a:xfrm>
+            <a:off x="3422053" y="5484719"/>
+            <a:ext cx="1150319" cy="307777"/>
+          </a:xfrm>
+          <a:prstGeom prst="rect">
+            <a:avLst/>
+          </a:prstGeom>
+          <a:noFill/>
+        </p:spPr>
+        <p:txBody>
+          <a:bodyPr wrap="square" rtlCol="0">
+            <a:spAutoFit/>
+          </a:bodyPr>
+          <a:lstStyle/>
+          <a:p>
+            <a:r>
+              <a:rPr lang="zh-CN" altLang="en-US" sz="1400" dirty="0"/>
+              <a:t>评分</a:t>
+            </a:r>
+          </a:p>
+        </p:txBody>
+      </p:sp>
+      <p:sp>
+        <p:nvSpPr>
+          <p:cNvPr id="147" name="文本框 146">
+            <a:extLst>
+              <a:ext uri="{FF2B5EF4-FFF2-40B4-BE49-F238E27FC236}">
+                <a16:creationId xmlns:a16="http://schemas.microsoft.com/office/drawing/2014/main" id="{F3379601-043F-416D-B7B9-B6C8930BAC05}"/>
+              </a:ext>
+            </a:extLst>
+          </p:cNvPr>
+          <p:cNvSpPr txBox="1"/>
+          <p:nvPr/>
+        </p:nvSpPr>
+        <p:spPr>
+          <a:xfrm>
+            <a:off x="3118540" y="4502263"/>
+            <a:ext cx="1031208" cy="307777"/>
+          </a:xfrm>
+          <a:prstGeom prst="rect">
+            <a:avLst/>
+          </a:prstGeom>
+          <a:noFill/>
+        </p:spPr>
+        <p:txBody>
+          <a:bodyPr wrap="square" rtlCol="0">
+            <a:spAutoFit/>
+          </a:bodyPr>
+          <a:lstStyle/>
+          <a:p>
+            <a:r>
+              <a:rPr lang="zh-CN" altLang="en-US" sz="1400" dirty="0"/>
+              <a:t>分类结果</a:t>
+            </a:r>
+          </a:p>
+        </p:txBody>
+      </p:sp>
+    </p:spTree>
+    <p:extLst>
+      <p:ext uri="{BB962C8B-B14F-4D97-AF65-F5344CB8AC3E}">
+        <p14:creationId xmlns:p14="http://schemas.microsoft.com/office/powerpoint/2010/main" val="884274494"/>
+      </p:ext>
+    </p:extLst>
+  </p:cSld>
+  <p:clrMapOvr>
+    <a:masterClrMapping/>
+  </p:clrMapOvr>
+</p:sld>
+</file>
+
+<file path=ppt/slides/slide13.xml><?xml version="1.0" encoding="utf-8"?>
+<p:sld xmlns:a="http://schemas.openxmlformats.org/drawingml/2006/main" xmlns:r="http://schemas.openxmlformats.org/officeDocument/2006/relationships" xmlns:p="http://schemas.openxmlformats.org/presentationml/2006/main">
+  <p:cSld>
+    <p:spTree>
+      <p:nvGrpSpPr>
+        <p:cNvPr id="1" name=""/>
+        <p:cNvGrpSpPr/>
+        <p:nvPr/>
+      </p:nvGrpSpPr>
+      <p:grpSpPr>
+        <a:xfrm>
+          <a:off x="0" y="0"/>
+          <a:ext cx="0" cy="0"/>
+          <a:chOff x="0" y="0"/>
+          <a:chExt cx="0" cy="0"/>
+        </a:xfrm>
+      </p:grpSpPr>
+      <p:grpSp>
+        <p:nvGrpSpPr>
+          <p:cNvPr id="36" name="组合 35">
+            <a:extLst>
+              <a:ext uri="{FF2B5EF4-FFF2-40B4-BE49-F238E27FC236}">
+                <a16:creationId xmlns:a16="http://schemas.microsoft.com/office/drawing/2014/main" id="{DCB921C6-CCDF-4D05-8274-0FA6D3AB78C3}"/>
+              </a:ext>
+            </a:extLst>
+          </p:cNvPr>
+          <p:cNvGrpSpPr/>
+          <p:nvPr/>
+        </p:nvGrpSpPr>
+        <p:grpSpPr>
+          <a:xfrm>
+            <a:off x="1309002" y="395649"/>
+            <a:ext cx="1189047" cy="2384438"/>
+            <a:chOff x="909203" y="3211920"/>
+            <a:chExt cx="1189047" cy="2015994"/>
+          </a:xfrm>
+        </p:grpSpPr>
+        <p:sp>
+          <p:nvSpPr>
+            <p:cNvPr id="37" name="矩形 36">
+              <a:extLst>
+                <a:ext uri="{FF2B5EF4-FFF2-40B4-BE49-F238E27FC236}">
+                  <a16:creationId xmlns:a16="http://schemas.microsoft.com/office/drawing/2014/main" id="{6334A3AA-1431-4A4A-BE03-DC38673B6758}"/>
+                </a:ext>
+              </a:extLst>
+            </p:cNvPr>
+            <p:cNvSpPr/>
+            <p:nvPr/>
+          </p:nvSpPr>
+          <p:spPr>
+            <a:xfrm>
+              <a:off x="909203" y="3211920"/>
+              <a:ext cx="1189047" cy="1408176"/>
+            </a:xfrm>
+            <a:prstGeom prst="rect">
+              <a:avLst/>
+            </a:prstGeom>
+            <a:noFill/>
+            <a:ln>
+              <a:solidFill>
+                <a:schemeClr val="tx1"/>
+              </a:solidFill>
+            </a:ln>
+            <a:scene3d>
+              <a:camera prst="isometricOffAxis2Right"/>
+              <a:lightRig rig="threePt" dir="t"/>
+            </a:scene3d>
+          </p:spPr>
+          <p:style>
+            <a:lnRef idx="2">
+              <a:schemeClr val="accent6">
+                <a:shade val="50000"/>
+              </a:schemeClr>
+            </a:lnRef>
+            <a:fillRef idx="1">
+              <a:schemeClr val="accent6"/>
+            </a:fillRef>
+            <a:effectRef idx="0">
+              <a:schemeClr val="accent6"/>
+            </a:effectRef>
+            <a:fontRef idx="minor">
+              <a:schemeClr val="lt1"/>
+            </a:fontRef>
+          </p:style>
+          <p:txBody>
+            <a:bodyPr rtlCol="0" anchor="ctr"/>
+            <a:lstStyle/>
+            <a:p>
+              <a:pPr algn="ctr"/>
+              <a:endParaRPr lang="zh-CN" altLang="en-US" sz="2400"/>
+            </a:p>
+          </p:txBody>
+        </p:sp>
+        <p:sp>
+          <p:nvSpPr>
+            <p:cNvPr id="38" name="文本框 37">
+              <a:extLst>
+                <a:ext uri="{FF2B5EF4-FFF2-40B4-BE49-F238E27FC236}">
+                  <a16:creationId xmlns:a16="http://schemas.microsoft.com/office/drawing/2014/main" id="{4B81FC73-B6C5-4BA3-A3A5-ADE72A22BDFF}"/>
+                </a:ext>
+              </a:extLst>
+            </p:cNvPr>
+            <p:cNvSpPr txBox="1"/>
+            <p:nvPr/>
+          </p:nvSpPr>
+          <p:spPr>
+            <a:xfrm>
+              <a:off x="1012134" y="4785542"/>
+              <a:ext cx="994536" cy="442372"/>
+            </a:xfrm>
+            <a:prstGeom prst="rect">
+              <a:avLst/>
+            </a:prstGeom>
+            <a:noFill/>
+          </p:spPr>
+          <p:txBody>
+            <a:bodyPr wrap="square" rtlCol="0">
+              <a:spAutoFit/>
+            </a:bodyPr>
+            <a:lstStyle/>
+            <a:p>
+              <a:r>
+                <a:rPr lang="zh-CN" altLang="en-US" sz="1400" dirty="0"/>
+                <a:t>初始邻边特征矩阵</a:t>
+              </a:r>
+            </a:p>
+          </p:txBody>
+        </p:sp>
+        <p:sp>
+          <p:nvSpPr>
+            <p:cNvPr id="39" name="文本框 38">
+              <a:extLst>
+                <a:ext uri="{FF2B5EF4-FFF2-40B4-BE49-F238E27FC236}">
+                  <a16:creationId xmlns:a16="http://schemas.microsoft.com/office/drawing/2014/main" id="{668FB459-268F-479E-BD9D-6FDFF5287225}"/>
+                </a:ext>
+              </a:extLst>
+            </p:cNvPr>
+            <p:cNvSpPr txBox="1"/>
+            <p:nvPr/>
+          </p:nvSpPr>
+          <p:spPr>
+            <a:xfrm>
+              <a:off x="1195077" y="4245215"/>
+              <a:ext cx="761158" cy="260219"/>
+            </a:xfrm>
+            <a:prstGeom prst="rect">
+              <a:avLst/>
+            </a:prstGeom>
+            <a:noFill/>
+          </p:spPr>
+          <p:txBody>
+            <a:bodyPr wrap="square" rtlCol="0">
+              <a:spAutoFit/>
+            </a:bodyPr>
+            <a:lstStyle/>
+            <a:p>
+              <a:r>
+                <a:rPr lang="en-US" altLang="zh-CN" sz="1400" dirty="0"/>
+                <a:t>m*12</a:t>
+              </a:r>
+              <a:endParaRPr lang="zh-CN" altLang="en-US" sz="1400" dirty="0"/>
+            </a:p>
+          </p:txBody>
+        </p:sp>
+      </p:grpSp>
+      <p:grpSp>
+        <p:nvGrpSpPr>
+          <p:cNvPr id="40" name="组合 39">
+            <a:extLst>
+              <a:ext uri="{FF2B5EF4-FFF2-40B4-BE49-F238E27FC236}">
+                <a16:creationId xmlns:a16="http://schemas.microsoft.com/office/drawing/2014/main" id="{7BDE92AA-69A4-457A-9799-B8BB8A7B02CE}"/>
+              </a:ext>
+            </a:extLst>
+          </p:cNvPr>
+          <p:cNvGrpSpPr/>
+          <p:nvPr/>
+        </p:nvGrpSpPr>
+        <p:grpSpPr>
+          <a:xfrm>
+            <a:off x="2146702" y="566935"/>
+            <a:ext cx="1331759" cy="1589789"/>
+            <a:chOff x="1777383" y="3048018"/>
+            <a:chExt cx="1331759" cy="1589789"/>
+          </a:xfrm>
+        </p:grpSpPr>
+        <p:pic>
+          <p:nvPicPr>
+            <p:cNvPr id="41" name="Picture 2" descr="查看源图像">
+              <a:extLst>
+                <a:ext uri="{FF2B5EF4-FFF2-40B4-BE49-F238E27FC236}">
+                  <a16:creationId xmlns:a16="http://schemas.microsoft.com/office/drawing/2014/main" id="{D71883AA-38B3-46F6-A674-D846460DB51A}"/>
+                </a:ext>
+              </a:extLst>
+            </p:cNvPr>
+            <p:cNvPicPr>
+              <a:picLocks noChangeAspect="1" noChangeArrowheads="1"/>
+            </p:cNvPicPr>
+            <p:nvPr/>
+          </p:nvPicPr>
+          <p:blipFill>
+            <a:blip r:embed="rId2">
+              <a:extLst>
+                <a:ext uri="{28A0092B-C50C-407E-A947-70E740481C1C}">
+                  <a14:useLocalDpi xmlns:a14="http://schemas.microsoft.com/office/drawing/2010/main" val="0"/>
+                </a:ext>
+              </a:extLst>
+            </a:blip>
+            <a:srcRect/>
+            <a:stretch>
+              <a:fillRect/>
+            </a:stretch>
+          </p:blipFill>
+          <p:spPr bwMode="auto">
+            <a:xfrm>
+              <a:off x="1953206" y="3048018"/>
+              <a:ext cx="1049380" cy="1217281"/>
+            </a:xfrm>
+            <a:prstGeom prst="rect">
+              <a:avLst/>
+            </a:prstGeom>
+            <a:noFill/>
+            <a:scene3d>
+              <a:camera prst="isometricOffAxis2Right"/>
+              <a:lightRig rig="threePt" dir="t"/>
+            </a:scene3d>
+            <a:extLst>
+              <a:ext uri="{909E8E84-426E-40DD-AFC4-6F175D3DCCD1}">
+                <a14:hiddenFill xmlns:a14="http://schemas.microsoft.com/office/drawing/2010/main">
+                  <a:solidFill>
+                    <a:srgbClr val="FFFFFF"/>
+                  </a:solidFill>
+                </a14:hiddenFill>
+              </a:ext>
+            </a:extLst>
+          </p:spPr>
+        </p:pic>
+        <p:sp>
+          <p:nvSpPr>
+            <p:cNvPr id="42" name="箭头: 右 41">
+              <a:extLst>
+                <a:ext uri="{FF2B5EF4-FFF2-40B4-BE49-F238E27FC236}">
+                  <a16:creationId xmlns:a16="http://schemas.microsoft.com/office/drawing/2014/main" id="{07ADE61E-E272-4ECB-961D-3FA5CA4D5D1B}"/>
+                </a:ext>
+              </a:extLst>
+            </p:cNvPr>
+            <p:cNvSpPr/>
+            <p:nvPr/>
+          </p:nvSpPr>
+          <p:spPr>
+            <a:xfrm>
+              <a:off x="1853397" y="4214639"/>
+              <a:ext cx="1113538" cy="123814"/>
+            </a:xfrm>
+            <a:prstGeom prst="rightArrow">
+              <a:avLst/>
+            </a:prstGeom>
+            <a:noFill/>
+          </p:spPr>
+          <p:style>
+            <a:lnRef idx="2">
+              <a:schemeClr val="accent1">
+                <a:shade val="50000"/>
+              </a:schemeClr>
+            </a:lnRef>
+            <a:fillRef idx="1">
+              <a:schemeClr val="accent1"/>
+            </a:fillRef>
+            <a:effectRef idx="0">
+              <a:schemeClr val="accent1"/>
+            </a:effectRef>
+            <a:fontRef idx="minor">
+              <a:schemeClr val="lt1"/>
+            </a:fontRef>
+          </p:style>
+          <p:txBody>
+            <a:bodyPr rtlCol="0" anchor="ctr"/>
+            <a:lstStyle/>
+            <a:p>
+              <a:pPr algn="ctr"/>
+              <a:endParaRPr lang="zh-CN" altLang="en-US" sz="2400"/>
+            </a:p>
+          </p:txBody>
+        </p:sp>
+        <p:sp>
+          <p:nvSpPr>
+            <p:cNvPr id="43" name="文本框 42">
+              <a:extLst>
+                <a:ext uri="{FF2B5EF4-FFF2-40B4-BE49-F238E27FC236}">
+                  <a16:creationId xmlns:a16="http://schemas.microsoft.com/office/drawing/2014/main" id="{DC07775A-9C67-4D02-AC14-3882E3A3EAEB}"/>
+                </a:ext>
+              </a:extLst>
+            </p:cNvPr>
+            <p:cNvSpPr txBox="1"/>
+            <p:nvPr/>
+          </p:nvSpPr>
+          <p:spPr>
+            <a:xfrm>
+              <a:off x="1777383" y="4330030"/>
+              <a:ext cx="1331759" cy="307777"/>
+            </a:xfrm>
+            <a:prstGeom prst="rect">
+              <a:avLst/>
+            </a:prstGeom>
+            <a:noFill/>
+          </p:spPr>
+          <p:txBody>
+            <a:bodyPr wrap="square" rtlCol="0">
+              <a:spAutoFit/>
+            </a:bodyPr>
+            <a:lstStyle/>
+            <a:p>
+              <a:r>
+                <a:rPr lang="zh-CN" altLang="en-US" sz="1400" dirty="0"/>
+                <a:t>邻边特征聚合</a:t>
+              </a:r>
+            </a:p>
+          </p:txBody>
+        </p:sp>
+      </p:grpSp>
+      <p:grpSp>
+        <p:nvGrpSpPr>
+          <p:cNvPr id="44" name="组合 43">
+            <a:extLst>
+              <a:ext uri="{FF2B5EF4-FFF2-40B4-BE49-F238E27FC236}">
+                <a16:creationId xmlns:a16="http://schemas.microsoft.com/office/drawing/2014/main" id="{9972A2C6-EBED-438E-98F6-5752078B2420}"/>
+              </a:ext>
+            </a:extLst>
+          </p:cNvPr>
+          <p:cNvGrpSpPr/>
+          <p:nvPr/>
+        </p:nvGrpSpPr>
+        <p:grpSpPr>
+          <a:xfrm>
+            <a:off x="2789997" y="3429000"/>
+            <a:ext cx="1255865" cy="1725733"/>
+            <a:chOff x="855438" y="3211920"/>
+            <a:chExt cx="1255865" cy="2068992"/>
+          </a:xfrm>
+        </p:grpSpPr>
+        <p:sp>
+          <p:nvSpPr>
+            <p:cNvPr id="45" name="矩形 44">
+              <a:extLst>
+                <a:ext uri="{FF2B5EF4-FFF2-40B4-BE49-F238E27FC236}">
+                  <a16:creationId xmlns:a16="http://schemas.microsoft.com/office/drawing/2014/main" id="{EAD39BAE-104A-4466-9158-BCE5089DAC19}"/>
+                </a:ext>
+              </a:extLst>
+            </p:cNvPr>
+            <p:cNvSpPr/>
+            <p:nvPr/>
+          </p:nvSpPr>
+          <p:spPr>
+            <a:xfrm>
+              <a:off x="909203" y="3211920"/>
+              <a:ext cx="1189047" cy="1408176"/>
+            </a:xfrm>
+            <a:prstGeom prst="rect">
+              <a:avLst/>
+            </a:prstGeom>
+            <a:noFill/>
+            <a:ln>
+              <a:solidFill>
+                <a:schemeClr val="tx1"/>
+              </a:solidFill>
+            </a:ln>
+            <a:scene3d>
+              <a:camera prst="isometricOffAxis2Right"/>
+              <a:lightRig rig="threePt" dir="t"/>
+            </a:scene3d>
+          </p:spPr>
+          <p:style>
+            <a:lnRef idx="2">
+              <a:schemeClr val="accent6">
+                <a:shade val="50000"/>
+              </a:schemeClr>
+            </a:lnRef>
+            <a:fillRef idx="1">
+              <a:schemeClr val="accent6"/>
+            </a:fillRef>
+            <a:effectRef idx="0">
+              <a:schemeClr val="accent6"/>
+            </a:effectRef>
+            <a:fontRef idx="minor">
+              <a:schemeClr val="lt1"/>
+            </a:fontRef>
+          </p:style>
+          <p:txBody>
+            <a:bodyPr rtlCol="0" anchor="ctr"/>
+            <a:lstStyle/>
+            <a:p>
+              <a:pPr algn="ctr"/>
+              <a:endParaRPr lang="zh-CN" altLang="en-US" sz="2400"/>
+            </a:p>
+          </p:txBody>
+        </p:sp>
+        <p:sp>
+          <p:nvSpPr>
+            <p:cNvPr id="46" name="文本框 45">
+              <a:extLst>
+                <a:ext uri="{FF2B5EF4-FFF2-40B4-BE49-F238E27FC236}">
+                  <a16:creationId xmlns:a16="http://schemas.microsoft.com/office/drawing/2014/main" id="{43272F20-BEAC-4DF4-B738-DF76D6D514CF}"/>
+                </a:ext>
+              </a:extLst>
+            </p:cNvPr>
+            <p:cNvSpPr txBox="1"/>
+            <p:nvPr/>
+          </p:nvSpPr>
+          <p:spPr>
+            <a:xfrm>
+              <a:off x="855438" y="4911916"/>
+              <a:ext cx="1255865" cy="368996"/>
+            </a:xfrm>
+            <a:prstGeom prst="rect">
+              <a:avLst/>
+            </a:prstGeom>
+            <a:noFill/>
+          </p:spPr>
+          <p:txBody>
+            <a:bodyPr wrap="square" rtlCol="0">
+              <a:spAutoFit/>
+            </a:bodyPr>
+            <a:lstStyle/>
+            <a:p>
+              <a:r>
+                <a:rPr lang="zh-CN" altLang="en-US" sz="1400" dirty="0"/>
+                <a:t>隐层结点特征</a:t>
+              </a:r>
+            </a:p>
+          </p:txBody>
+        </p:sp>
+        <p:sp>
+          <p:nvSpPr>
+            <p:cNvPr id="47" name="文本框 46">
+              <a:extLst>
+                <a:ext uri="{FF2B5EF4-FFF2-40B4-BE49-F238E27FC236}">
+                  <a16:creationId xmlns:a16="http://schemas.microsoft.com/office/drawing/2014/main" id="{DFDA42CE-EA6E-49CC-BF50-7BB83EDB9F0F}"/>
+                </a:ext>
+              </a:extLst>
+            </p:cNvPr>
+            <p:cNvSpPr txBox="1"/>
+            <p:nvPr/>
+          </p:nvSpPr>
+          <p:spPr>
+            <a:xfrm>
+              <a:off x="1226463" y="4075103"/>
+              <a:ext cx="761158" cy="368996"/>
+            </a:xfrm>
+            <a:prstGeom prst="rect">
+              <a:avLst/>
+            </a:prstGeom>
+            <a:noFill/>
+          </p:spPr>
+          <p:txBody>
+            <a:bodyPr wrap="square" rtlCol="0">
+              <a:spAutoFit/>
+            </a:bodyPr>
+            <a:lstStyle/>
+            <a:p>
+              <a:r>
+                <a:rPr lang="en-US" altLang="zh-CN" sz="1400" dirty="0"/>
+                <a:t>n*64</a:t>
+              </a:r>
+              <a:endParaRPr lang="zh-CN" altLang="en-US" sz="1400" dirty="0"/>
+            </a:p>
+          </p:txBody>
+        </p:sp>
+      </p:grpSp>
+      <p:grpSp>
+        <p:nvGrpSpPr>
+          <p:cNvPr id="48" name="组合 47">
+            <a:extLst>
+              <a:ext uri="{FF2B5EF4-FFF2-40B4-BE49-F238E27FC236}">
+                <a16:creationId xmlns:a16="http://schemas.microsoft.com/office/drawing/2014/main" id="{CE19818E-C617-4AD7-8350-5779A81F3744}"/>
+              </a:ext>
+            </a:extLst>
+          </p:cNvPr>
+          <p:cNvGrpSpPr/>
+          <p:nvPr/>
+        </p:nvGrpSpPr>
+        <p:grpSpPr>
+          <a:xfrm>
+            <a:off x="4971906" y="3407345"/>
+            <a:ext cx="1321905" cy="1581783"/>
+            <a:chOff x="909203" y="3211920"/>
+            <a:chExt cx="1321905" cy="2056879"/>
+          </a:xfrm>
+        </p:grpSpPr>
+        <p:sp>
+          <p:nvSpPr>
+            <p:cNvPr id="49" name="矩形 48">
+              <a:extLst>
+                <a:ext uri="{FF2B5EF4-FFF2-40B4-BE49-F238E27FC236}">
+                  <a16:creationId xmlns:a16="http://schemas.microsoft.com/office/drawing/2014/main" id="{47C0311A-AD65-468E-97AA-8E4F5879949D}"/>
+                </a:ext>
+              </a:extLst>
+            </p:cNvPr>
+            <p:cNvSpPr/>
+            <p:nvPr/>
+          </p:nvSpPr>
+          <p:spPr>
+            <a:xfrm>
+              <a:off x="909203" y="3211920"/>
+              <a:ext cx="1189047" cy="1408176"/>
+            </a:xfrm>
+            <a:prstGeom prst="rect">
+              <a:avLst/>
+            </a:prstGeom>
+            <a:noFill/>
+            <a:ln>
+              <a:solidFill>
+                <a:schemeClr val="tx1"/>
+              </a:solidFill>
+            </a:ln>
+            <a:scene3d>
+              <a:camera prst="isometricOffAxis2Right"/>
+              <a:lightRig rig="threePt" dir="t"/>
+            </a:scene3d>
+          </p:spPr>
+          <p:style>
+            <a:lnRef idx="2">
+              <a:schemeClr val="accent6">
+                <a:shade val="50000"/>
+              </a:schemeClr>
+            </a:lnRef>
+            <a:fillRef idx="1">
+              <a:schemeClr val="accent6"/>
+            </a:fillRef>
+            <a:effectRef idx="0">
+              <a:schemeClr val="accent6"/>
+            </a:effectRef>
+            <a:fontRef idx="minor">
+              <a:schemeClr val="lt1"/>
+            </a:fontRef>
+          </p:style>
+          <p:txBody>
+            <a:bodyPr rtlCol="0" anchor="ctr"/>
+            <a:lstStyle/>
+            <a:p>
+              <a:pPr algn="ctr"/>
+              <a:endParaRPr lang="zh-CN" altLang="en-US" sz="2400"/>
+            </a:p>
+          </p:txBody>
+        </p:sp>
+        <p:sp>
+          <p:nvSpPr>
+            <p:cNvPr id="50" name="文本框 49">
+              <a:extLst>
+                <a:ext uri="{FF2B5EF4-FFF2-40B4-BE49-F238E27FC236}">
+                  <a16:creationId xmlns:a16="http://schemas.microsoft.com/office/drawing/2014/main" id="{388A908E-2631-4A02-9062-A8F1434F0740}"/>
+                </a:ext>
+              </a:extLst>
+            </p:cNvPr>
+            <p:cNvSpPr txBox="1"/>
+            <p:nvPr/>
+          </p:nvSpPr>
+          <p:spPr>
+            <a:xfrm>
+              <a:off x="975243" y="4868580"/>
+              <a:ext cx="1255865" cy="400219"/>
+            </a:xfrm>
+            <a:prstGeom prst="rect">
+              <a:avLst/>
+            </a:prstGeom>
+            <a:noFill/>
+          </p:spPr>
+          <p:txBody>
+            <a:bodyPr wrap="square" rtlCol="0">
+              <a:spAutoFit/>
+            </a:bodyPr>
+            <a:lstStyle/>
+            <a:p>
+              <a:r>
+                <a:rPr lang="zh-CN" altLang="en-US" sz="1400" dirty="0"/>
+                <a:t>隐层结点特征</a:t>
+              </a:r>
+            </a:p>
+          </p:txBody>
+        </p:sp>
+        <p:sp>
+          <p:nvSpPr>
+            <p:cNvPr id="51" name="文本框 50">
+              <a:extLst>
+                <a:ext uri="{FF2B5EF4-FFF2-40B4-BE49-F238E27FC236}">
+                  <a16:creationId xmlns:a16="http://schemas.microsoft.com/office/drawing/2014/main" id="{38279BBA-E725-4F50-8343-6D75EE3D69CD}"/>
+                </a:ext>
+              </a:extLst>
+            </p:cNvPr>
+            <p:cNvSpPr txBox="1"/>
+            <p:nvPr/>
+          </p:nvSpPr>
+          <p:spPr>
+            <a:xfrm>
+              <a:off x="1216855" y="4054054"/>
+              <a:ext cx="761158" cy="400219"/>
+            </a:xfrm>
+            <a:prstGeom prst="rect">
+              <a:avLst/>
+            </a:prstGeom>
+            <a:noFill/>
+          </p:spPr>
+          <p:txBody>
+            <a:bodyPr wrap="square" rtlCol="0">
+              <a:spAutoFit/>
+            </a:bodyPr>
+            <a:lstStyle/>
+            <a:p>
+              <a:r>
+                <a:rPr lang="en-US" altLang="zh-CN" sz="1400" dirty="0"/>
+                <a:t>n*64</a:t>
+              </a:r>
+              <a:endParaRPr lang="zh-CN" altLang="en-US" sz="1400" dirty="0"/>
+            </a:p>
+          </p:txBody>
+        </p:sp>
+      </p:grpSp>
+      <p:grpSp>
+        <p:nvGrpSpPr>
+          <p:cNvPr id="52" name="组合 51">
+            <a:extLst>
+              <a:ext uri="{FF2B5EF4-FFF2-40B4-BE49-F238E27FC236}">
+                <a16:creationId xmlns:a16="http://schemas.microsoft.com/office/drawing/2014/main" id="{4276F53E-D687-4446-95E9-4C66E4EBBAEC}"/>
+              </a:ext>
+            </a:extLst>
+          </p:cNvPr>
+          <p:cNvGrpSpPr/>
+          <p:nvPr/>
+        </p:nvGrpSpPr>
+        <p:grpSpPr>
+          <a:xfrm>
+            <a:off x="6490698" y="4078191"/>
+            <a:ext cx="1799178" cy="468675"/>
+            <a:chOff x="5801850" y="4011835"/>
+            <a:chExt cx="1799178" cy="468675"/>
+          </a:xfrm>
+        </p:grpSpPr>
+        <p:sp>
+          <p:nvSpPr>
+            <p:cNvPr id="53" name="矩形 52">
+              <a:extLst>
+                <a:ext uri="{FF2B5EF4-FFF2-40B4-BE49-F238E27FC236}">
+                  <a16:creationId xmlns:a16="http://schemas.microsoft.com/office/drawing/2014/main" id="{2FBE6290-3949-4FCC-9196-B88D775C7F86}"/>
+                </a:ext>
+              </a:extLst>
+            </p:cNvPr>
+            <p:cNvSpPr/>
+            <p:nvPr/>
+          </p:nvSpPr>
+          <p:spPr>
+            <a:xfrm>
+              <a:off x="5801850" y="4373748"/>
+              <a:ext cx="1232828" cy="106762"/>
+            </a:xfrm>
+            <a:prstGeom prst="rect">
+              <a:avLst/>
+            </a:prstGeom>
+            <a:noFill/>
+            <a:ln>
+              <a:solidFill>
+                <a:schemeClr val="tx1"/>
+              </a:solidFill>
+            </a:ln>
+            <a:scene3d>
+              <a:camera prst="isometricOffAxis2Right"/>
+              <a:lightRig rig="threePt" dir="t"/>
+            </a:scene3d>
+          </p:spPr>
+          <p:style>
+            <a:lnRef idx="2">
+              <a:schemeClr val="accent6">
+                <a:shade val="50000"/>
+              </a:schemeClr>
+            </a:lnRef>
+            <a:fillRef idx="1">
+              <a:schemeClr val="accent6"/>
+            </a:fillRef>
+            <a:effectRef idx="0">
+              <a:schemeClr val="accent6"/>
+            </a:effectRef>
+            <a:fontRef idx="minor">
+              <a:schemeClr val="lt1"/>
+            </a:fontRef>
+          </p:style>
+          <p:txBody>
+            <a:bodyPr rtlCol="0" anchor="ctr"/>
+            <a:lstStyle/>
+            <a:p>
+              <a:pPr algn="ctr"/>
+              <a:endParaRPr lang="zh-CN" altLang="en-US" sz="2400" dirty="0"/>
+            </a:p>
+          </p:txBody>
+        </p:sp>
+        <p:sp>
+          <p:nvSpPr>
+            <p:cNvPr id="54" name="矩形 53">
+              <a:extLst>
+                <a:ext uri="{FF2B5EF4-FFF2-40B4-BE49-F238E27FC236}">
+                  <a16:creationId xmlns:a16="http://schemas.microsoft.com/office/drawing/2014/main" id="{09CAFF42-DACC-493E-9967-FC27C0DF3C32}"/>
+                </a:ext>
+              </a:extLst>
+            </p:cNvPr>
+            <p:cNvSpPr/>
+            <p:nvPr/>
+          </p:nvSpPr>
+          <p:spPr>
+            <a:xfrm>
+              <a:off x="6368200" y="4011835"/>
+              <a:ext cx="1232828" cy="106762"/>
+            </a:xfrm>
+            <a:prstGeom prst="rect">
+              <a:avLst/>
+            </a:prstGeom>
+            <a:noFill/>
+            <a:ln>
+              <a:solidFill>
+                <a:schemeClr val="tx1"/>
+              </a:solidFill>
+            </a:ln>
+            <a:scene3d>
+              <a:camera prst="isometricOffAxis2Right"/>
+              <a:lightRig rig="threePt" dir="t"/>
+            </a:scene3d>
+          </p:spPr>
+          <p:style>
+            <a:lnRef idx="2">
+              <a:schemeClr val="accent6">
+                <a:shade val="50000"/>
+              </a:schemeClr>
+            </a:lnRef>
+            <a:fillRef idx="1">
+              <a:schemeClr val="accent6"/>
+            </a:fillRef>
+            <a:effectRef idx="0">
+              <a:schemeClr val="accent6"/>
+            </a:effectRef>
+            <a:fontRef idx="minor">
+              <a:schemeClr val="lt1"/>
+            </a:fontRef>
+          </p:style>
+          <p:txBody>
+            <a:bodyPr rtlCol="0" anchor="ctr"/>
+            <a:lstStyle/>
+            <a:p>
+              <a:pPr algn="ctr"/>
+              <a:endParaRPr lang="zh-CN" altLang="en-US" sz="2400"/>
+            </a:p>
+          </p:txBody>
+        </p:sp>
+      </p:grpSp>
+      <p:sp>
+        <p:nvSpPr>
+          <p:cNvPr id="55" name="箭头: 右 54">
+            <a:extLst>
+              <a:ext uri="{FF2B5EF4-FFF2-40B4-BE49-F238E27FC236}">
+                <a16:creationId xmlns:a16="http://schemas.microsoft.com/office/drawing/2014/main" id="{9C77FFB9-1894-4A3F-B629-50A58C38C219}"/>
+              </a:ext>
+            </a:extLst>
+          </p:cNvPr>
+          <p:cNvSpPr/>
+          <p:nvPr/>
+        </p:nvSpPr>
+        <p:spPr>
+          <a:xfrm>
+            <a:off x="6001452" y="4184953"/>
+            <a:ext cx="1113538" cy="123814"/>
+          </a:xfrm>
+          <a:prstGeom prst="rightArrow">
+            <a:avLst/>
+          </a:prstGeom>
+          <a:noFill/>
+        </p:spPr>
+        <p:style>
+          <a:lnRef idx="2">
+            <a:schemeClr val="accent1">
+              <a:shade val="50000"/>
+            </a:schemeClr>
+          </a:lnRef>
+          <a:fillRef idx="1">
+            <a:schemeClr val="accent1"/>
+          </a:fillRef>
+          <a:effectRef idx="0">
+            <a:schemeClr val="accent1"/>
+          </a:effectRef>
+          <a:fontRef idx="minor">
+            <a:schemeClr val="lt1"/>
+          </a:fontRef>
+        </p:style>
+        <p:txBody>
+          <a:bodyPr rtlCol="0" anchor="ctr"/>
+          <a:lstStyle/>
+          <a:p>
+            <a:pPr algn="ctr"/>
+            <a:endParaRPr lang="zh-CN" altLang="en-US" sz="2400"/>
+          </a:p>
+        </p:txBody>
+      </p:sp>
+      <p:sp>
+        <p:nvSpPr>
+          <p:cNvPr id="76" name="文本框 75">
+            <a:extLst>
+              <a:ext uri="{FF2B5EF4-FFF2-40B4-BE49-F238E27FC236}">
+                <a16:creationId xmlns:a16="http://schemas.microsoft.com/office/drawing/2014/main" id="{AAF39F26-AC7B-4668-AE3B-95FF8B413804}"/>
+              </a:ext>
+            </a:extLst>
+          </p:cNvPr>
+          <p:cNvSpPr txBox="1"/>
+          <p:nvPr/>
+        </p:nvSpPr>
+        <p:spPr>
+          <a:xfrm>
+            <a:off x="5908366" y="3429000"/>
+            <a:ext cx="1321224" cy="738664"/>
+          </a:xfrm>
+          <a:prstGeom prst="rect">
+            <a:avLst/>
+          </a:prstGeom>
+          <a:noFill/>
+        </p:spPr>
+        <p:txBody>
+          <a:bodyPr wrap="square" rtlCol="0">
+            <a:spAutoFit/>
+          </a:bodyPr>
+          <a:lstStyle/>
+          <a:p>
+            <a:r>
+              <a:rPr lang="zh-CN" altLang="en-US" sz="1400" dirty="0"/>
+              <a:t>结点</a:t>
+            </a:r>
+            <a:endParaRPr lang="en-US" altLang="zh-CN" sz="1400" dirty="0"/>
+          </a:p>
+          <a:p>
+            <a:r>
+              <a:rPr lang="zh-CN" altLang="en-US" sz="1400" dirty="0"/>
+              <a:t>平均值池化</a:t>
+            </a:r>
+            <a:endParaRPr lang="en-US" altLang="zh-CN" sz="1400" dirty="0"/>
+          </a:p>
+          <a:p>
+            <a:r>
+              <a:rPr lang="zh-CN" altLang="en-US" sz="1400" dirty="0"/>
+              <a:t>最大值池化</a:t>
+            </a:r>
+          </a:p>
+        </p:txBody>
+      </p:sp>
+      <p:sp>
+        <p:nvSpPr>
+          <p:cNvPr id="85" name="文本框 84">
+            <a:extLst>
+              <a:ext uri="{FF2B5EF4-FFF2-40B4-BE49-F238E27FC236}">
+                <a16:creationId xmlns:a16="http://schemas.microsoft.com/office/drawing/2014/main" id="{0A1C027F-F836-49EA-9F7B-D7B1BB500323}"/>
+              </a:ext>
+            </a:extLst>
+          </p:cNvPr>
+          <p:cNvSpPr txBox="1"/>
+          <p:nvPr/>
+        </p:nvSpPr>
+        <p:spPr>
+          <a:xfrm>
+            <a:off x="6891213" y="4635820"/>
+            <a:ext cx="926993" cy="307777"/>
+          </a:xfrm>
+          <a:prstGeom prst="rect">
+            <a:avLst/>
+          </a:prstGeom>
+          <a:noFill/>
+        </p:spPr>
+        <p:txBody>
+          <a:bodyPr wrap="square" rtlCol="0">
+            <a:spAutoFit/>
+          </a:bodyPr>
+          <a:lstStyle/>
+          <a:p>
+            <a:r>
+              <a:rPr lang="zh-CN" altLang="en-US" sz="1400" dirty="0"/>
+              <a:t>子图特征</a:t>
+            </a:r>
+          </a:p>
+        </p:txBody>
+      </p:sp>
+      <p:sp>
+        <p:nvSpPr>
+          <p:cNvPr id="87" name="矩形 86">
+            <a:extLst>
+              <a:ext uri="{FF2B5EF4-FFF2-40B4-BE49-F238E27FC236}">
+                <a16:creationId xmlns:a16="http://schemas.microsoft.com/office/drawing/2014/main" id="{D05D6C7D-11D3-45BB-8743-FD5CAAAEEA31}"/>
+              </a:ext>
+            </a:extLst>
+          </p:cNvPr>
+          <p:cNvSpPr/>
+          <p:nvPr/>
+        </p:nvSpPr>
+        <p:spPr>
+          <a:xfrm>
+            <a:off x="8892522" y="3267457"/>
+            <a:ext cx="202710" cy="637032"/>
+          </a:xfrm>
+          <a:prstGeom prst="rect">
+            <a:avLst/>
+          </a:prstGeom>
+          <a:noFill/>
+          <a:ln>
+            <a:solidFill>
+              <a:schemeClr val="tx1"/>
+            </a:solidFill>
+          </a:ln>
+          <a:scene3d>
+            <a:camera prst="isometricOffAxis2Right"/>
+            <a:lightRig rig="threePt" dir="t"/>
+          </a:scene3d>
+        </p:spPr>
+        <p:style>
+          <a:lnRef idx="2">
+            <a:schemeClr val="accent6">
+              <a:shade val="50000"/>
+            </a:schemeClr>
+          </a:lnRef>
+          <a:fillRef idx="1">
+            <a:schemeClr val="accent6"/>
+          </a:fillRef>
+          <a:effectRef idx="0">
+            <a:schemeClr val="accent6"/>
+          </a:effectRef>
+          <a:fontRef idx="minor">
+            <a:schemeClr val="lt1"/>
+          </a:fontRef>
+        </p:style>
+        <p:txBody>
+          <a:bodyPr rtlCol="0" anchor="ctr"/>
+          <a:lstStyle/>
+          <a:p>
+            <a:pPr algn="ctr"/>
+            <a:endParaRPr lang="zh-CN" altLang="en-US" sz="2400"/>
+          </a:p>
+        </p:txBody>
+      </p:sp>
+      <p:sp>
+        <p:nvSpPr>
+          <p:cNvPr id="88" name="矩形 87">
+            <a:extLst>
+              <a:ext uri="{FF2B5EF4-FFF2-40B4-BE49-F238E27FC236}">
+                <a16:creationId xmlns:a16="http://schemas.microsoft.com/office/drawing/2014/main" id="{C569C1C5-E519-48CB-92A4-6DB30608DD64}"/>
+              </a:ext>
+            </a:extLst>
+          </p:cNvPr>
+          <p:cNvSpPr/>
+          <p:nvPr/>
+        </p:nvSpPr>
+        <p:spPr>
+          <a:xfrm>
+            <a:off x="8892522" y="4590648"/>
+            <a:ext cx="202710" cy="150139"/>
+          </a:xfrm>
+          <a:prstGeom prst="rect">
+            <a:avLst/>
+          </a:prstGeom>
+          <a:noFill/>
+          <a:ln>
+            <a:solidFill>
+              <a:schemeClr val="tx1"/>
+            </a:solidFill>
+          </a:ln>
+          <a:scene3d>
+            <a:camera prst="isometricOffAxis2Right"/>
+            <a:lightRig rig="threePt" dir="t"/>
+          </a:scene3d>
+        </p:spPr>
+        <p:style>
+          <a:lnRef idx="2">
+            <a:schemeClr val="accent6">
+              <a:shade val="50000"/>
+            </a:schemeClr>
+          </a:lnRef>
+          <a:fillRef idx="1">
+            <a:schemeClr val="accent6"/>
+          </a:fillRef>
+          <a:effectRef idx="0">
+            <a:schemeClr val="accent6"/>
+          </a:effectRef>
+          <a:fontRef idx="minor">
+            <a:schemeClr val="lt1"/>
+          </a:fontRef>
+        </p:style>
+        <p:txBody>
+          <a:bodyPr rtlCol="0" anchor="ctr"/>
+          <a:lstStyle/>
+          <a:p>
+            <a:pPr algn="ctr"/>
+            <a:endParaRPr lang="zh-CN" altLang="en-US" sz="2400"/>
+          </a:p>
+        </p:txBody>
+      </p:sp>
+      <p:sp>
+        <p:nvSpPr>
+          <p:cNvPr id="90" name="文本框 89">
+            <a:extLst>
+              <a:ext uri="{FF2B5EF4-FFF2-40B4-BE49-F238E27FC236}">
+                <a16:creationId xmlns:a16="http://schemas.microsoft.com/office/drawing/2014/main" id="{C00E9EEE-B657-4F2C-A2DF-C9AA1E7E616E}"/>
+              </a:ext>
+            </a:extLst>
+          </p:cNvPr>
+          <p:cNvSpPr txBox="1"/>
+          <p:nvPr/>
+        </p:nvSpPr>
+        <p:spPr>
+          <a:xfrm>
+            <a:off x="8626149" y="3901075"/>
+            <a:ext cx="938165" cy="307777"/>
+          </a:xfrm>
+          <a:prstGeom prst="rect">
+            <a:avLst/>
+          </a:prstGeom>
+          <a:noFill/>
+        </p:spPr>
+        <p:txBody>
+          <a:bodyPr wrap="square" rtlCol="0">
+            <a:spAutoFit/>
+          </a:bodyPr>
+          <a:lstStyle/>
+          <a:p>
+            <a:r>
+              <a:rPr lang="zh-CN" altLang="en-US" sz="1400" dirty="0"/>
+              <a:t>分类结果</a:t>
+            </a:r>
+          </a:p>
+        </p:txBody>
+      </p:sp>
+      <p:sp>
+        <p:nvSpPr>
+          <p:cNvPr id="91" name="文本框 90">
+            <a:extLst>
+              <a:ext uri="{FF2B5EF4-FFF2-40B4-BE49-F238E27FC236}">
+                <a16:creationId xmlns:a16="http://schemas.microsoft.com/office/drawing/2014/main" id="{095FC7B9-3E46-43FD-BC41-6136C52068BC}"/>
+              </a:ext>
+            </a:extLst>
+          </p:cNvPr>
+          <p:cNvSpPr txBox="1"/>
+          <p:nvPr/>
+        </p:nvSpPr>
+        <p:spPr>
+          <a:xfrm>
+            <a:off x="8796464" y="4816267"/>
+            <a:ext cx="761158" cy="307777"/>
+          </a:xfrm>
+          <a:prstGeom prst="rect">
+            <a:avLst/>
+          </a:prstGeom>
+          <a:noFill/>
+        </p:spPr>
+        <p:txBody>
+          <a:bodyPr wrap="square" rtlCol="0">
+            <a:spAutoFit/>
+          </a:bodyPr>
+          <a:lstStyle/>
+          <a:p>
+            <a:r>
+              <a:rPr lang="zh-CN" altLang="en-US" sz="1400" dirty="0"/>
+              <a:t>评分</a:t>
+            </a:r>
+          </a:p>
+        </p:txBody>
+      </p:sp>
+      <p:sp>
+        <p:nvSpPr>
+          <p:cNvPr id="93" name="箭头: 右 92">
+            <a:extLst>
+              <a:ext uri="{FF2B5EF4-FFF2-40B4-BE49-F238E27FC236}">
+                <a16:creationId xmlns:a16="http://schemas.microsoft.com/office/drawing/2014/main" id="{EB434D66-62CD-4070-8FEA-2C01023C1A25}"/>
+              </a:ext>
+            </a:extLst>
+          </p:cNvPr>
+          <p:cNvSpPr/>
+          <p:nvPr/>
+        </p:nvSpPr>
+        <p:spPr>
+          <a:xfrm>
+            <a:off x="7930896" y="3639932"/>
+            <a:ext cx="812806" cy="172546"/>
+          </a:xfrm>
+          <a:prstGeom prst="rightArrow">
+            <a:avLst/>
+          </a:prstGeom>
+          <a:noFill/>
+        </p:spPr>
+        <p:style>
+          <a:lnRef idx="2">
+            <a:schemeClr val="accent1">
+              <a:shade val="50000"/>
+            </a:schemeClr>
+          </a:lnRef>
+          <a:fillRef idx="1">
+            <a:schemeClr val="accent1"/>
+          </a:fillRef>
+          <a:effectRef idx="0">
+            <a:schemeClr val="accent1"/>
+          </a:effectRef>
+          <a:fontRef idx="minor">
+            <a:schemeClr val="lt1"/>
+          </a:fontRef>
+        </p:style>
+        <p:txBody>
+          <a:bodyPr rtlCol="0" anchor="ctr"/>
+          <a:lstStyle/>
+          <a:p>
+            <a:pPr algn="ctr"/>
+            <a:endParaRPr lang="zh-CN" altLang="en-US" sz="2400"/>
+          </a:p>
+        </p:txBody>
+      </p:sp>
+      <p:sp>
+        <p:nvSpPr>
+          <p:cNvPr id="94" name="文本框 93">
+            <a:extLst>
+              <a:ext uri="{FF2B5EF4-FFF2-40B4-BE49-F238E27FC236}">
+                <a16:creationId xmlns:a16="http://schemas.microsoft.com/office/drawing/2014/main" id="{38A5495E-00E0-425C-B7A6-1A2BDCB5DB56}"/>
+              </a:ext>
+            </a:extLst>
+          </p:cNvPr>
+          <p:cNvSpPr txBox="1"/>
+          <p:nvPr/>
+        </p:nvSpPr>
+        <p:spPr>
+          <a:xfrm>
+            <a:off x="7836368" y="3153192"/>
+            <a:ext cx="1321224" cy="523220"/>
+          </a:xfrm>
+          <a:prstGeom prst="rect">
+            <a:avLst/>
+          </a:prstGeom>
+          <a:noFill/>
+        </p:spPr>
+        <p:txBody>
+          <a:bodyPr wrap="square" rtlCol="0">
+            <a:spAutoFit/>
+          </a:bodyPr>
+          <a:lstStyle/>
+          <a:p>
+            <a:r>
+              <a:rPr lang="zh-CN" altLang="en-US" sz="1400" dirty="0"/>
+              <a:t>两层感知器</a:t>
+            </a:r>
+            <a:r>
+              <a:rPr lang="en-US" altLang="zh-CN" sz="1400" dirty="0"/>
+              <a:t>+</a:t>
+            </a:r>
+            <a:r>
+              <a:rPr lang="en-US" altLang="zh-CN" sz="1400" dirty="0" err="1"/>
+              <a:t>softmax</a:t>
+            </a:r>
+            <a:endParaRPr lang="zh-CN" altLang="en-US" sz="1400" dirty="0"/>
+          </a:p>
+        </p:txBody>
+      </p:sp>
+      <p:sp>
+        <p:nvSpPr>
+          <p:cNvPr id="98" name="箭头: 右 97">
+            <a:extLst>
+              <a:ext uri="{FF2B5EF4-FFF2-40B4-BE49-F238E27FC236}">
+                <a16:creationId xmlns:a16="http://schemas.microsoft.com/office/drawing/2014/main" id="{CB6B51C0-C636-4B4B-81AF-104DF7ED8BBA}"/>
+              </a:ext>
+            </a:extLst>
+          </p:cNvPr>
+          <p:cNvSpPr/>
+          <p:nvPr/>
+        </p:nvSpPr>
+        <p:spPr>
+          <a:xfrm>
+            <a:off x="7951207" y="4725833"/>
+            <a:ext cx="812806" cy="172546"/>
+          </a:xfrm>
+          <a:prstGeom prst="rightArrow">
+            <a:avLst/>
+          </a:prstGeom>
+          <a:noFill/>
+        </p:spPr>
+        <p:style>
+          <a:lnRef idx="2">
+            <a:schemeClr val="accent1">
+              <a:shade val="50000"/>
+            </a:schemeClr>
+          </a:lnRef>
+          <a:fillRef idx="1">
+            <a:schemeClr val="accent1"/>
+          </a:fillRef>
+          <a:effectRef idx="0">
+            <a:schemeClr val="accent1"/>
+          </a:effectRef>
+          <a:fontRef idx="minor">
+            <a:schemeClr val="lt1"/>
+          </a:fontRef>
+        </p:style>
+        <p:txBody>
+          <a:bodyPr rtlCol="0" anchor="ctr"/>
+          <a:lstStyle/>
+          <a:p>
+            <a:pPr algn="ctr"/>
+            <a:endParaRPr lang="zh-CN" altLang="en-US" sz="2400"/>
+          </a:p>
+        </p:txBody>
+      </p:sp>
+      <p:sp>
+        <p:nvSpPr>
+          <p:cNvPr id="99" name="文本框 98">
+            <a:extLst>
+              <a:ext uri="{FF2B5EF4-FFF2-40B4-BE49-F238E27FC236}">
+                <a16:creationId xmlns:a16="http://schemas.microsoft.com/office/drawing/2014/main" id="{A12E5B3B-D6CF-4ED1-A23D-6A190FEF7BFA}"/>
+              </a:ext>
+            </a:extLst>
+          </p:cNvPr>
+          <p:cNvSpPr txBox="1"/>
+          <p:nvPr/>
+        </p:nvSpPr>
+        <p:spPr>
+          <a:xfrm>
+            <a:off x="7795675" y="4217567"/>
+            <a:ext cx="1321224" cy="523220"/>
+          </a:xfrm>
+          <a:prstGeom prst="rect">
+            <a:avLst/>
+          </a:prstGeom>
+          <a:noFill/>
+        </p:spPr>
+        <p:txBody>
+          <a:bodyPr wrap="square" rtlCol="0">
+            <a:spAutoFit/>
+          </a:bodyPr>
+          <a:lstStyle/>
+          <a:p>
+            <a:r>
+              <a:rPr lang="zh-CN" altLang="en-US" sz="1400" dirty="0"/>
+              <a:t>两层感知器</a:t>
+            </a:r>
+            <a:r>
+              <a:rPr lang="en-US" altLang="zh-CN" sz="1400" dirty="0"/>
+              <a:t>+sigmoid</a:t>
+            </a:r>
+            <a:endParaRPr lang="zh-CN" altLang="en-US" sz="1400" dirty="0"/>
+          </a:p>
+        </p:txBody>
+      </p:sp>
+      <p:grpSp>
+        <p:nvGrpSpPr>
+          <p:cNvPr id="100" name="组合 99">
+            <a:extLst>
+              <a:ext uri="{FF2B5EF4-FFF2-40B4-BE49-F238E27FC236}">
+                <a16:creationId xmlns:a16="http://schemas.microsoft.com/office/drawing/2014/main" id="{21201342-26C5-42BC-8BBC-4B721411539C}"/>
+              </a:ext>
+            </a:extLst>
+          </p:cNvPr>
+          <p:cNvGrpSpPr/>
+          <p:nvPr/>
+        </p:nvGrpSpPr>
+        <p:grpSpPr>
+          <a:xfrm>
+            <a:off x="3309806" y="726512"/>
+            <a:ext cx="1189047" cy="2037917"/>
+            <a:chOff x="909203" y="3211920"/>
+            <a:chExt cx="1189047" cy="2368000"/>
+          </a:xfrm>
+        </p:grpSpPr>
+        <p:sp>
+          <p:nvSpPr>
+            <p:cNvPr id="101" name="矩形 100">
+              <a:extLst>
+                <a:ext uri="{FF2B5EF4-FFF2-40B4-BE49-F238E27FC236}">
+                  <a16:creationId xmlns:a16="http://schemas.microsoft.com/office/drawing/2014/main" id="{8B7D2EDD-612F-40A5-971B-A0F77801DBEC}"/>
+                </a:ext>
+              </a:extLst>
+            </p:cNvPr>
+            <p:cNvSpPr/>
+            <p:nvPr/>
+          </p:nvSpPr>
+          <p:spPr>
+            <a:xfrm>
+              <a:off x="909203" y="3211920"/>
+              <a:ext cx="1189047" cy="1408176"/>
+            </a:xfrm>
+            <a:prstGeom prst="rect">
+              <a:avLst/>
+            </a:prstGeom>
+            <a:noFill/>
+            <a:ln>
+              <a:solidFill>
+                <a:schemeClr val="tx1"/>
+              </a:solidFill>
+            </a:ln>
+            <a:scene3d>
+              <a:camera prst="isometricOffAxis2Right"/>
+              <a:lightRig rig="threePt" dir="t"/>
+            </a:scene3d>
+          </p:spPr>
+          <p:style>
+            <a:lnRef idx="2">
+              <a:schemeClr val="accent6">
+                <a:shade val="50000"/>
+              </a:schemeClr>
+            </a:lnRef>
+            <a:fillRef idx="1">
+              <a:schemeClr val="accent6"/>
+            </a:fillRef>
+            <a:effectRef idx="0">
+              <a:schemeClr val="accent6"/>
+            </a:effectRef>
+            <a:fontRef idx="minor">
+              <a:schemeClr val="lt1"/>
+            </a:fontRef>
+          </p:style>
+          <p:txBody>
+            <a:bodyPr rtlCol="0" anchor="ctr"/>
+            <a:lstStyle/>
+            <a:p>
+              <a:pPr algn="ctr"/>
+              <a:endParaRPr lang="zh-CN" altLang="en-US" sz="2400"/>
+            </a:p>
+          </p:txBody>
+        </p:sp>
+        <p:sp>
+          <p:nvSpPr>
+            <p:cNvPr id="102" name="文本框 101">
+              <a:extLst>
+                <a:ext uri="{FF2B5EF4-FFF2-40B4-BE49-F238E27FC236}">
+                  <a16:creationId xmlns:a16="http://schemas.microsoft.com/office/drawing/2014/main" id="{8ED263E6-36A7-4E11-B45D-CF5B7901D0A4}"/>
+                </a:ext>
+              </a:extLst>
+            </p:cNvPr>
+            <p:cNvSpPr txBox="1"/>
+            <p:nvPr/>
+          </p:nvSpPr>
+          <p:spPr>
+            <a:xfrm>
+              <a:off x="999516" y="4971954"/>
+              <a:ext cx="917781" cy="607966"/>
+            </a:xfrm>
+            <a:prstGeom prst="rect">
+              <a:avLst/>
+            </a:prstGeom>
+            <a:noFill/>
+          </p:spPr>
+          <p:txBody>
+            <a:bodyPr wrap="square" rtlCol="0">
+              <a:spAutoFit/>
+            </a:bodyPr>
+            <a:lstStyle/>
+            <a:p>
+              <a:r>
+                <a:rPr lang="zh-CN" altLang="en-US" sz="1400" dirty="0"/>
+                <a:t>初始结点特征矩阵</a:t>
+              </a:r>
+            </a:p>
+          </p:txBody>
+        </p:sp>
+        <p:sp>
+          <p:nvSpPr>
+            <p:cNvPr id="103" name="文本框 102">
+              <a:extLst>
+                <a:ext uri="{FF2B5EF4-FFF2-40B4-BE49-F238E27FC236}">
+                  <a16:creationId xmlns:a16="http://schemas.microsoft.com/office/drawing/2014/main" id="{E50AA908-C692-4ACA-97B6-30DD2BB02822}"/>
+                </a:ext>
+              </a:extLst>
+            </p:cNvPr>
+            <p:cNvSpPr txBox="1"/>
+            <p:nvPr/>
+          </p:nvSpPr>
+          <p:spPr>
+            <a:xfrm>
+              <a:off x="1249105" y="4143726"/>
+              <a:ext cx="761158" cy="357628"/>
+            </a:xfrm>
+            <a:prstGeom prst="rect">
+              <a:avLst/>
+            </a:prstGeom>
+            <a:noFill/>
+          </p:spPr>
+          <p:txBody>
+            <a:bodyPr wrap="square" rtlCol="0">
+              <a:spAutoFit/>
+            </a:bodyPr>
+            <a:lstStyle/>
+            <a:p>
+              <a:r>
+                <a:rPr lang="en-US" altLang="zh-CN" sz="1400" dirty="0"/>
+                <a:t>n*12</a:t>
+              </a:r>
+              <a:endParaRPr lang="zh-CN" altLang="en-US" sz="1400" dirty="0"/>
+            </a:p>
+          </p:txBody>
+        </p:sp>
+      </p:grpSp>
+      <p:grpSp>
+        <p:nvGrpSpPr>
+          <p:cNvPr id="104" name="组合 103">
+            <a:extLst>
+              <a:ext uri="{FF2B5EF4-FFF2-40B4-BE49-F238E27FC236}">
+                <a16:creationId xmlns:a16="http://schemas.microsoft.com/office/drawing/2014/main" id="{3E9A0C2F-ACFF-41A0-9FDA-6916C8D662EF}"/>
+              </a:ext>
+            </a:extLst>
+          </p:cNvPr>
+          <p:cNvGrpSpPr/>
+          <p:nvPr/>
+        </p:nvGrpSpPr>
+        <p:grpSpPr>
+          <a:xfrm>
+            <a:off x="1051151" y="3292507"/>
+            <a:ext cx="1199963" cy="1939259"/>
+            <a:chOff x="898287" y="3211920"/>
+            <a:chExt cx="1199963" cy="2253362"/>
+          </a:xfrm>
+        </p:grpSpPr>
+        <p:sp>
+          <p:nvSpPr>
+            <p:cNvPr id="105" name="矩形 104">
+              <a:extLst>
+                <a:ext uri="{FF2B5EF4-FFF2-40B4-BE49-F238E27FC236}">
+                  <a16:creationId xmlns:a16="http://schemas.microsoft.com/office/drawing/2014/main" id="{EF06293C-F147-4FFB-BE50-FDB373B19D1B}"/>
+                </a:ext>
+              </a:extLst>
+            </p:cNvPr>
+            <p:cNvSpPr/>
+            <p:nvPr/>
+          </p:nvSpPr>
+          <p:spPr>
+            <a:xfrm>
+              <a:off x="909203" y="3211920"/>
+              <a:ext cx="1189047" cy="1408176"/>
+            </a:xfrm>
+            <a:prstGeom prst="rect">
+              <a:avLst/>
+            </a:prstGeom>
+            <a:noFill/>
+            <a:ln>
+              <a:solidFill>
+                <a:schemeClr val="tx1"/>
+              </a:solidFill>
+            </a:ln>
+            <a:scene3d>
+              <a:camera prst="isometricOffAxis2Right"/>
+              <a:lightRig rig="threePt" dir="t"/>
+            </a:scene3d>
+          </p:spPr>
+          <p:style>
+            <a:lnRef idx="2">
+              <a:schemeClr val="accent6">
+                <a:shade val="50000"/>
+              </a:schemeClr>
+            </a:lnRef>
+            <a:fillRef idx="1">
+              <a:schemeClr val="accent6"/>
+            </a:fillRef>
+            <a:effectRef idx="0">
+              <a:schemeClr val="accent6"/>
+            </a:effectRef>
+            <a:fontRef idx="minor">
+              <a:schemeClr val="lt1"/>
+            </a:fontRef>
+          </p:style>
+          <p:txBody>
+            <a:bodyPr rtlCol="0" anchor="ctr"/>
+            <a:lstStyle/>
+            <a:p>
+              <a:pPr algn="ctr"/>
+              <a:endParaRPr lang="zh-CN" altLang="en-US" sz="2400"/>
+            </a:p>
+          </p:txBody>
+        </p:sp>
+        <p:sp>
+          <p:nvSpPr>
+            <p:cNvPr id="106" name="文本框 105">
+              <a:extLst>
+                <a:ext uri="{FF2B5EF4-FFF2-40B4-BE49-F238E27FC236}">
+                  <a16:creationId xmlns:a16="http://schemas.microsoft.com/office/drawing/2014/main" id="{A58D2F7A-D45F-4AAA-A170-394F5963A33A}"/>
+                </a:ext>
+              </a:extLst>
+            </p:cNvPr>
+            <p:cNvSpPr txBox="1"/>
+            <p:nvPr/>
+          </p:nvSpPr>
+          <p:spPr>
+            <a:xfrm>
+              <a:off x="898287" y="4857316"/>
+              <a:ext cx="1008094" cy="607966"/>
+            </a:xfrm>
+            <a:prstGeom prst="rect">
+              <a:avLst/>
+            </a:prstGeom>
+            <a:noFill/>
+          </p:spPr>
+          <p:txBody>
+            <a:bodyPr wrap="square" rtlCol="0">
+              <a:spAutoFit/>
+            </a:bodyPr>
+            <a:lstStyle/>
+            <a:p>
+              <a:r>
+                <a:rPr lang="zh-CN" altLang="en-US" sz="1400" dirty="0"/>
+                <a:t>初始结点特征矩阵</a:t>
+              </a:r>
+            </a:p>
+          </p:txBody>
+        </p:sp>
+        <p:sp>
+          <p:nvSpPr>
+            <p:cNvPr id="107" name="文本框 106">
+              <a:extLst>
+                <a:ext uri="{FF2B5EF4-FFF2-40B4-BE49-F238E27FC236}">
+                  <a16:creationId xmlns:a16="http://schemas.microsoft.com/office/drawing/2014/main" id="{3FDB490C-1396-4438-A919-17BFA8049085}"/>
+                </a:ext>
+              </a:extLst>
+            </p:cNvPr>
+            <p:cNvSpPr txBox="1"/>
+            <p:nvPr/>
+          </p:nvSpPr>
+          <p:spPr>
+            <a:xfrm>
+              <a:off x="1214459" y="4069187"/>
+              <a:ext cx="761158" cy="357628"/>
+            </a:xfrm>
+            <a:prstGeom prst="rect">
+              <a:avLst/>
+            </a:prstGeom>
+            <a:noFill/>
+          </p:spPr>
+          <p:txBody>
+            <a:bodyPr wrap="square" rtlCol="0">
+              <a:spAutoFit/>
+            </a:bodyPr>
+            <a:lstStyle/>
+            <a:p>
+              <a:r>
+                <a:rPr lang="en-US" altLang="zh-CN" sz="1400" dirty="0"/>
+                <a:t>n*12</a:t>
+              </a:r>
+              <a:endParaRPr lang="zh-CN" altLang="en-US" sz="1400" dirty="0"/>
+            </a:p>
+          </p:txBody>
+        </p:sp>
+      </p:grpSp>
+      <p:grpSp>
+        <p:nvGrpSpPr>
+          <p:cNvPr id="108" name="组合 107">
+            <a:extLst>
+              <a:ext uri="{FF2B5EF4-FFF2-40B4-BE49-F238E27FC236}">
+                <a16:creationId xmlns:a16="http://schemas.microsoft.com/office/drawing/2014/main" id="{52B1CC44-31A9-4DCB-A922-0169E798E8AB}"/>
+              </a:ext>
+            </a:extLst>
+          </p:cNvPr>
+          <p:cNvGrpSpPr/>
+          <p:nvPr/>
+        </p:nvGrpSpPr>
+        <p:grpSpPr>
+          <a:xfrm>
+            <a:off x="1900429" y="2956583"/>
+            <a:ext cx="1349295" cy="1785600"/>
+            <a:chOff x="1785086" y="3048018"/>
+            <a:chExt cx="1349295" cy="1785600"/>
+          </a:xfrm>
+        </p:grpSpPr>
+        <p:pic>
+          <p:nvPicPr>
+            <p:cNvPr id="109" name="Picture 2" descr="查看源图像">
+              <a:extLst>
+                <a:ext uri="{FF2B5EF4-FFF2-40B4-BE49-F238E27FC236}">
+                  <a16:creationId xmlns:a16="http://schemas.microsoft.com/office/drawing/2014/main" id="{7159E276-3969-4119-AAC4-A46C0A2BE58B}"/>
+                </a:ext>
+              </a:extLst>
+            </p:cNvPr>
+            <p:cNvPicPr>
+              <a:picLocks noChangeAspect="1" noChangeArrowheads="1"/>
+            </p:cNvPicPr>
+            <p:nvPr/>
+          </p:nvPicPr>
+          <p:blipFill>
+            <a:blip r:embed="rId2">
+              <a:extLst>
+                <a:ext uri="{28A0092B-C50C-407E-A947-70E740481C1C}">
+                  <a14:useLocalDpi xmlns:a14="http://schemas.microsoft.com/office/drawing/2010/main" val="0"/>
+                </a:ext>
+              </a:extLst>
+            </a:blip>
+            <a:srcRect/>
+            <a:stretch>
+              <a:fillRect/>
+            </a:stretch>
+          </p:blipFill>
+          <p:spPr bwMode="auto">
+            <a:xfrm>
+              <a:off x="1953206" y="3048018"/>
+              <a:ext cx="1049380" cy="1217281"/>
+            </a:xfrm>
+            <a:prstGeom prst="rect">
+              <a:avLst/>
+            </a:prstGeom>
+            <a:noFill/>
+            <a:scene3d>
+              <a:camera prst="isometricOffAxis2Right"/>
+              <a:lightRig rig="threePt" dir="t"/>
+            </a:scene3d>
+            <a:extLst>
+              <a:ext uri="{909E8E84-426E-40DD-AFC4-6F175D3DCCD1}">
+                <a14:hiddenFill xmlns:a14="http://schemas.microsoft.com/office/drawing/2010/main">
+                  <a:solidFill>
+                    <a:srgbClr val="FFFFFF"/>
+                  </a:solidFill>
+                </a14:hiddenFill>
+              </a:ext>
+            </a:extLst>
+          </p:spPr>
+        </p:pic>
+        <p:sp>
+          <p:nvSpPr>
+            <p:cNvPr id="110" name="箭头: 右 109">
+              <a:extLst>
+                <a:ext uri="{FF2B5EF4-FFF2-40B4-BE49-F238E27FC236}">
+                  <a16:creationId xmlns:a16="http://schemas.microsoft.com/office/drawing/2014/main" id="{FBA2937B-54E5-4DA4-B565-29B50460992C}"/>
+                </a:ext>
+              </a:extLst>
+            </p:cNvPr>
+            <p:cNvSpPr/>
+            <p:nvPr/>
+          </p:nvSpPr>
+          <p:spPr>
+            <a:xfrm>
+              <a:off x="1853397" y="4214639"/>
+              <a:ext cx="1113538" cy="123814"/>
+            </a:xfrm>
+            <a:prstGeom prst="rightArrow">
+              <a:avLst/>
+            </a:prstGeom>
+            <a:noFill/>
+          </p:spPr>
+          <p:style>
+            <a:lnRef idx="2">
+              <a:schemeClr val="accent1">
+                <a:shade val="50000"/>
+              </a:schemeClr>
+            </a:lnRef>
+            <a:fillRef idx="1">
+              <a:schemeClr val="accent1"/>
+            </a:fillRef>
+            <a:effectRef idx="0">
+              <a:schemeClr val="accent1"/>
+            </a:effectRef>
+            <a:fontRef idx="minor">
+              <a:schemeClr val="lt1"/>
+            </a:fontRef>
+          </p:style>
+          <p:txBody>
+            <a:bodyPr rtlCol="0" anchor="ctr"/>
+            <a:lstStyle/>
+            <a:p>
+              <a:pPr algn="ctr"/>
+              <a:endParaRPr lang="zh-CN" altLang="en-US" sz="2400"/>
+            </a:p>
+          </p:txBody>
+        </p:sp>
+        <p:sp>
+          <p:nvSpPr>
+            <p:cNvPr id="111" name="文本框 110">
+              <a:extLst>
+                <a:ext uri="{FF2B5EF4-FFF2-40B4-BE49-F238E27FC236}">
+                  <a16:creationId xmlns:a16="http://schemas.microsoft.com/office/drawing/2014/main" id="{15F0B3BC-6B34-4802-A9BD-5AE1E0D6E4FD}"/>
+                </a:ext>
+              </a:extLst>
+            </p:cNvPr>
+            <p:cNvSpPr txBox="1"/>
+            <p:nvPr/>
+          </p:nvSpPr>
+          <p:spPr>
+            <a:xfrm>
+              <a:off x="1785086" y="4310398"/>
+              <a:ext cx="1349295" cy="523220"/>
+            </a:xfrm>
+            <a:prstGeom prst="rect">
+              <a:avLst/>
+            </a:prstGeom>
+            <a:noFill/>
+          </p:spPr>
+          <p:txBody>
+            <a:bodyPr wrap="square" rtlCol="0">
+              <a:spAutoFit/>
+            </a:bodyPr>
+            <a:lstStyle/>
+            <a:p>
+              <a:r>
+                <a:rPr lang="zh-CN" altLang="en-US" sz="1400" dirty="0"/>
+                <a:t>邻边特征更新</a:t>
+              </a:r>
+              <a:endParaRPr lang="en-US" altLang="zh-CN" sz="1400" dirty="0"/>
+            </a:p>
+            <a:p>
+              <a:r>
+                <a:rPr lang="zh-CN" altLang="en-US" sz="1400" dirty="0"/>
+                <a:t>结点特征聚合</a:t>
+              </a:r>
+            </a:p>
+          </p:txBody>
+        </p:sp>
+      </p:grpSp>
+      <p:grpSp>
+        <p:nvGrpSpPr>
+          <p:cNvPr id="112" name="组合 111">
+            <a:extLst>
+              <a:ext uri="{FF2B5EF4-FFF2-40B4-BE49-F238E27FC236}">
+                <a16:creationId xmlns:a16="http://schemas.microsoft.com/office/drawing/2014/main" id="{D719015C-DDCD-41C9-954A-E8D5C7192135}"/>
+              </a:ext>
+            </a:extLst>
+          </p:cNvPr>
+          <p:cNvGrpSpPr/>
+          <p:nvPr/>
+        </p:nvGrpSpPr>
+        <p:grpSpPr>
+          <a:xfrm>
+            <a:off x="3845948" y="2980956"/>
+            <a:ext cx="1349295" cy="1750448"/>
+            <a:chOff x="1784645" y="3048018"/>
+            <a:chExt cx="1349295" cy="1750448"/>
+          </a:xfrm>
+        </p:grpSpPr>
+        <p:pic>
+          <p:nvPicPr>
+            <p:cNvPr id="113" name="Picture 2" descr="查看源图像">
+              <a:extLst>
+                <a:ext uri="{FF2B5EF4-FFF2-40B4-BE49-F238E27FC236}">
+                  <a16:creationId xmlns:a16="http://schemas.microsoft.com/office/drawing/2014/main" id="{6707BC8C-5C93-4C05-A505-759057A92FA5}"/>
+                </a:ext>
+              </a:extLst>
+            </p:cNvPr>
+            <p:cNvPicPr>
+              <a:picLocks noChangeAspect="1" noChangeArrowheads="1"/>
+            </p:cNvPicPr>
+            <p:nvPr/>
+          </p:nvPicPr>
+          <p:blipFill>
+            <a:blip r:embed="rId2">
+              <a:extLst>
+                <a:ext uri="{28A0092B-C50C-407E-A947-70E740481C1C}">
+                  <a14:useLocalDpi xmlns:a14="http://schemas.microsoft.com/office/drawing/2010/main" val="0"/>
+                </a:ext>
+              </a:extLst>
+            </a:blip>
+            <a:srcRect/>
+            <a:stretch>
+              <a:fillRect/>
+            </a:stretch>
+          </p:blipFill>
+          <p:spPr bwMode="auto">
+            <a:xfrm>
+              <a:off x="1953206" y="3048018"/>
+              <a:ext cx="1049380" cy="1217281"/>
+            </a:xfrm>
+            <a:prstGeom prst="rect">
+              <a:avLst/>
+            </a:prstGeom>
+            <a:noFill/>
+            <a:scene3d>
+              <a:camera prst="isometricOffAxis2Right"/>
+              <a:lightRig rig="threePt" dir="t"/>
+            </a:scene3d>
+            <a:extLst>
+              <a:ext uri="{909E8E84-426E-40DD-AFC4-6F175D3DCCD1}">
+                <a14:hiddenFill xmlns:a14="http://schemas.microsoft.com/office/drawing/2010/main">
+                  <a:solidFill>
+                    <a:srgbClr val="FFFFFF"/>
+                  </a:solidFill>
+                </a14:hiddenFill>
+              </a:ext>
+            </a:extLst>
+          </p:spPr>
+        </p:pic>
+        <p:sp>
+          <p:nvSpPr>
+            <p:cNvPr id="114" name="箭头: 右 113">
+              <a:extLst>
+                <a:ext uri="{FF2B5EF4-FFF2-40B4-BE49-F238E27FC236}">
+                  <a16:creationId xmlns:a16="http://schemas.microsoft.com/office/drawing/2014/main" id="{A0B87A55-EEA6-4702-99E0-6A53FC74371D}"/>
+                </a:ext>
+              </a:extLst>
+            </p:cNvPr>
+            <p:cNvSpPr/>
+            <p:nvPr/>
+          </p:nvSpPr>
+          <p:spPr>
+            <a:xfrm>
+              <a:off x="1853397" y="4214639"/>
+              <a:ext cx="1113538" cy="123814"/>
+            </a:xfrm>
+            <a:prstGeom prst="rightArrow">
+              <a:avLst/>
+            </a:prstGeom>
+            <a:noFill/>
+          </p:spPr>
+          <p:style>
+            <a:lnRef idx="2">
+              <a:schemeClr val="accent1">
+                <a:shade val="50000"/>
+              </a:schemeClr>
+            </a:lnRef>
+            <a:fillRef idx="1">
+              <a:schemeClr val="accent1"/>
+            </a:fillRef>
+            <a:effectRef idx="0">
+              <a:schemeClr val="accent1"/>
+            </a:effectRef>
+            <a:fontRef idx="minor">
+              <a:schemeClr val="lt1"/>
+            </a:fontRef>
+          </p:style>
+          <p:txBody>
+            <a:bodyPr rtlCol="0" anchor="ctr"/>
+            <a:lstStyle/>
+            <a:p>
+              <a:pPr algn="ctr"/>
+              <a:endParaRPr lang="zh-CN" altLang="en-US" sz="2400"/>
+            </a:p>
+          </p:txBody>
+        </p:sp>
+        <p:sp>
+          <p:nvSpPr>
+            <p:cNvPr id="115" name="文本框 114">
+              <a:extLst>
+                <a:ext uri="{FF2B5EF4-FFF2-40B4-BE49-F238E27FC236}">
+                  <a16:creationId xmlns:a16="http://schemas.microsoft.com/office/drawing/2014/main" id="{692234A3-DA0F-436A-BFCA-CE7082FA1782}"/>
+                </a:ext>
+              </a:extLst>
+            </p:cNvPr>
+            <p:cNvSpPr txBox="1"/>
+            <p:nvPr/>
+          </p:nvSpPr>
+          <p:spPr>
+            <a:xfrm>
+              <a:off x="1784645" y="4275246"/>
+              <a:ext cx="1349295" cy="523220"/>
+            </a:xfrm>
+            <a:prstGeom prst="rect">
+              <a:avLst/>
+            </a:prstGeom>
+            <a:noFill/>
+          </p:spPr>
+          <p:txBody>
+            <a:bodyPr wrap="square" rtlCol="0">
+              <a:spAutoFit/>
+            </a:bodyPr>
+            <a:lstStyle/>
+            <a:p>
+              <a:r>
+                <a:rPr lang="zh-CN" altLang="en-US" sz="1400" dirty="0"/>
+                <a:t>邻边特征更新</a:t>
+              </a:r>
+              <a:endParaRPr lang="en-US" altLang="zh-CN" sz="1400" dirty="0"/>
+            </a:p>
+            <a:p>
+              <a:r>
+                <a:rPr lang="zh-CN" altLang="en-US" sz="1400" dirty="0"/>
+                <a:t>结点特征聚合</a:t>
+              </a:r>
+            </a:p>
+          </p:txBody>
+        </p:sp>
+      </p:grpSp>
+      <p:sp>
+        <p:nvSpPr>
+          <p:cNvPr id="2" name="椭圆 1">
+            <a:extLst>
+              <a:ext uri="{FF2B5EF4-FFF2-40B4-BE49-F238E27FC236}">
+                <a16:creationId xmlns:a16="http://schemas.microsoft.com/office/drawing/2014/main" id="{0A00263D-A0E3-43B8-B88E-246C45BBE3A6}"/>
+              </a:ext>
+            </a:extLst>
+          </p:cNvPr>
+          <p:cNvSpPr/>
+          <p:nvPr/>
+        </p:nvSpPr>
+        <p:spPr>
+          <a:xfrm>
+            <a:off x="4615729" y="1205280"/>
+            <a:ext cx="412509" cy="412509"/>
+          </a:xfrm>
+          <a:prstGeom prst="ellipse">
+            <a:avLst/>
+          </a:prstGeom>
+        </p:spPr>
+        <p:style>
+          <a:lnRef idx="2">
+            <a:schemeClr val="accent1">
+              <a:shade val="50000"/>
+            </a:schemeClr>
+          </a:lnRef>
+          <a:fillRef idx="1">
+            <a:schemeClr val="accent1"/>
+          </a:fillRef>
+          <a:effectRef idx="0">
+            <a:schemeClr val="accent1"/>
+          </a:effectRef>
+          <a:fontRef idx="minor">
+            <a:schemeClr val="lt1"/>
+          </a:fontRef>
+        </p:style>
+        <p:txBody>
+          <a:bodyPr rtlCol="0" anchor="ctr"/>
+          <a:lstStyle/>
+          <a:p>
+            <a:pPr algn="ctr"/>
+            <a:r>
+              <a:rPr lang="en-US" altLang="zh-CN" dirty="0"/>
+              <a:t>1</a:t>
+            </a:r>
+            <a:endParaRPr lang="zh-CN" altLang="en-US" dirty="0"/>
+          </a:p>
+        </p:txBody>
+      </p:sp>
+      <p:sp>
+        <p:nvSpPr>
+          <p:cNvPr id="116" name="椭圆 115">
+            <a:extLst>
+              <a:ext uri="{FF2B5EF4-FFF2-40B4-BE49-F238E27FC236}">
+                <a16:creationId xmlns:a16="http://schemas.microsoft.com/office/drawing/2014/main" id="{849CBA24-CFA1-47D9-A45D-B78FF3C9184A}"/>
+              </a:ext>
+            </a:extLst>
+          </p:cNvPr>
+          <p:cNvSpPr/>
+          <p:nvPr/>
+        </p:nvSpPr>
+        <p:spPr>
+          <a:xfrm>
+            <a:off x="6715604" y="3177272"/>
+            <a:ext cx="412509" cy="412509"/>
+          </a:xfrm>
+          <a:prstGeom prst="ellipse">
+            <a:avLst/>
+          </a:prstGeom>
+        </p:spPr>
+        <p:style>
+          <a:lnRef idx="2">
+            <a:schemeClr val="accent1">
+              <a:shade val="50000"/>
+            </a:schemeClr>
+          </a:lnRef>
+          <a:fillRef idx="1">
+            <a:schemeClr val="accent1"/>
+          </a:fillRef>
+          <a:effectRef idx="0">
+            <a:schemeClr val="accent1"/>
+          </a:effectRef>
+          <a:fontRef idx="minor">
+            <a:schemeClr val="lt1"/>
+          </a:fontRef>
+        </p:style>
+        <p:txBody>
+          <a:bodyPr rtlCol="0" anchor="ctr"/>
+          <a:lstStyle/>
+          <a:p>
+            <a:pPr algn="ctr"/>
+            <a:r>
+              <a:rPr lang="en-US" altLang="zh-CN" dirty="0"/>
+              <a:t>2</a:t>
+            </a:r>
+            <a:endParaRPr lang="zh-CN" altLang="en-US" dirty="0"/>
+          </a:p>
+        </p:txBody>
+      </p:sp>
+      <p:cxnSp>
+        <p:nvCxnSpPr>
+          <p:cNvPr id="4" name="直接连接符 3">
+            <a:extLst>
+              <a:ext uri="{FF2B5EF4-FFF2-40B4-BE49-F238E27FC236}">
+                <a16:creationId xmlns:a16="http://schemas.microsoft.com/office/drawing/2014/main" id="{249DA237-4DFE-4370-92C1-3E2053F395F5}"/>
+              </a:ext>
+            </a:extLst>
+          </p:cNvPr>
+          <p:cNvCxnSpPr/>
+          <p:nvPr/>
+        </p:nvCxnSpPr>
+        <p:spPr>
+          <a:xfrm>
+            <a:off x="999744" y="2810268"/>
+            <a:ext cx="8644128" cy="0"/>
+          </a:xfrm>
+          <a:prstGeom prst="line">
+            <a:avLst/>
+          </a:prstGeom>
+          <a:ln w="19050">
+            <a:solidFill>
+              <a:schemeClr val="tx2">
+                <a:lumMod val="50000"/>
+              </a:schemeClr>
+            </a:solidFill>
+            <a:prstDash val="dash"/>
+          </a:ln>
+        </p:spPr>
+        <p:style>
+          <a:lnRef idx="1">
+            <a:schemeClr val="accent1"/>
+          </a:lnRef>
+          <a:fillRef idx="0">
+            <a:schemeClr val="accent1"/>
+          </a:fillRef>
+          <a:effectRef idx="0">
+            <a:schemeClr val="accent1"/>
+          </a:effectRef>
+          <a:fontRef idx="minor">
+            <a:schemeClr val="tx1"/>
+          </a:fontRef>
+        </p:style>
+      </p:cxnSp>
+    </p:spTree>
+    <p:extLst>
+      <p:ext uri="{BB962C8B-B14F-4D97-AF65-F5344CB8AC3E}">
+        <p14:creationId xmlns:p14="http://schemas.microsoft.com/office/powerpoint/2010/main" val="1918987011"/>
+      </p:ext>
+    </p:extLst>
+  </p:cSld>
+  <p:clrMapOvr>
+    <a:masterClrMapping/>
+  </p:clrMapOvr>
+</p:sld>
+</file>
+
+<file path=ppt/slides/slide14.xml><?xml version="1.0" encoding="utf-8"?>
+<p:sld xmlns:a="http://schemas.openxmlformats.org/drawingml/2006/main" xmlns:r="http://schemas.openxmlformats.org/officeDocument/2006/relationships" xmlns:p="http://schemas.openxmlformats.org/presentationml/2006/main">
+  <p:cSld>
+    <p:spTree>
+      <p:nvGrpSpPr>
+        <p:cNvPr id="1" name=""/>
+        <p:cNvGrpSpPr/>
+        <p:nvPr/>
+      </p:nvGrpSpPr>
+      <p:grpSpPr>
+        <a:xfrm>
+          <a:off x="0" y="0"/>
+          <a:ext cx="0" cy="0"/>
+          <a:chOff x="0" y="0"/>
+          <a:chExt cx="0" cy="0"/>
+        </a:xfrm>
+      </p:grpSpPr>
+      <p:grpSp>
+        <p:nvGrpSpPr>
+          <p:cNvPr id="56" name="组合 55">
+            <a:extLst>
+              <a:ext uri="{FF2B5EF4-FFF2-40B4-BE49-F238E27FC236}">
+                <a16:creationId xmlns:a16="http://schemas.microsoft.com/office/drawing/2014/main" id="{654A1B04-0083-4D99-83B2-AECC038EDA9F}"/>
+              </a:ext>
+            </a:extLst>
+          </p:cNvPr>
+          <p:cNvGrpSpPr/>
+          <p:nvPr/>
+        </p:nvGrpSpPr>
+        <p:grpSpPr>
+          <a:xfrm>
+            <a:off x="6643828" y="3743953"/>
+            <a:ext cx="1799178" cy="468675"/>
+            <a:chOff x="5801850" y="4011835"/>
+            <a:chExt cx="1799178" cy="468675"/>
+          </a:xfrm>
+        </p:grpSpPr>
+        <p:sp>
+          <p:nvSpPr>
+            <p:cNvPr id="57" name="矩形 56">
+              <a:extLst>
+                <a:ext uri="{FF2B5EF4-FFF2-40B4-BE49-F238E27FC236}">
+                  <a16:creationId xmlns:a16="http://schemas.microsoft.com/office/drawing/2014/main" id="{6924C066-7168-4CA1-8ADD-BA9D4848ACA4}"/>
+                </a:ext>
+              </a:extLst>
+            </p:cNvPr>
+            <p:cNvSpPr/>
+            <p:nvPr/>
+          </p:nvSpPr>
+          <p:spPr>
+            <a:xfrm>
+              <a:off x="5801850" y="4373748"/>
+              <a:ext cx="1232828" cy="106762"/>
+            </a:xfrm>
+            <a:prstGeom prst="rect">
+              <a:avLst/>
+            </a:prstGeom>
+            <a:solidFill>
+              <a:schemeClr val="accent4">
+                <a:lumMod val="40000"/>
+                <a:lumOff val="60000"/>
+              </a:schemeClr>
+            </a:solidFill>
+            <a:ln>
+              <a:solidFill>
+                <a:schemeClr val="tx1"/>
+              </a:solidFill>
+            </a:ln>
+            <a:scene3d>
+              <a:camera prst="isometricOffAxis2Right"/>
+              <a:lightRig rig="threePt" dir="t"/>
+            </a:scene3d>
+          </p:spPr>
+          <p:style>
+            <a:lnRef idx="2">
+              <a:schemeClr val="accent6">
+                <a:shade val="50000"/>
+              </a:schemeClr>
+            </a:lnRef>
+            <a:fillRef idx="1">
+              <a:schemeClr val="accent6"/>
+            </a:fillRef>
+            <a:effectRef idx="0">
+              <a:schemeClr val="accent6"/>
+            </a:effectRef>
+            <a:fontRef idx="minor">
+              <a:schemeClr val="lt1"/>
+            </a:fontRef>
+          </p:style>
+          <p:txBody>
+            <a:bodyPr rtlCol="0" anchor="ctr"/>
+            <a:lstStyle/>
+            <a:p>
+              <a:pPr algn="ctr"/>
+              <a:endParaRPr lang="zh-CN" altLang="en-US" sz="2400" dirty="0"/>
+            </a:p>
+          </p:txBody>
+        </p:sp>
+        <p:sp>
+          <p:nvSpPr>
+            <p:cNvPr id="58" name="矩形 57">
+              <a:extLst>
+                <a:ext uri="{FF2B5EF4-FFF2-40B4-BE49-F238E27FC236}">
+                  <a16:creationId xmlns:a16="http://schemas.microsoft.com/office/drawing/2014/main" id="{46E4E7B8-37F6-4F6F-B891-D654F1D3B5B8}"/>
+                </a:ext>
+              </a:extLst>
+            </p:cNvPr>
+            <p:cNvSpPr/>
+            <p:nvPr/>
+          </p:nvSpPr>
+          <p:spPr>
+            <a:xfrm>
+              <a:off x="6368200" y="4011835"/>
+              <a:ext cx="1232828" cy="106762"/>
+            </a:xfrm>
+            <a:prstGeom prst="rect">
+              <a:avLst/>
+            </a:prstGeom>
+            <a:solidFill>
+              <a:schemeClr val="accent4">
+                <a:lumMod val="75000"/>
+              </a:schemeClr>
+            </a:solidFill>
+            <a:ln>
+              <a:solidFill>
+                <a:schemeClr val="tx1"/>
+              </a:solidFill>
+            </a:ln>
+            <a:scene3d>
+              <a:camera prst="isometricOffAxis2Right"/>
+              <a:lightRig rig="threePt" dir="t"/>
+            </a:scene3d>
+          </p:spPr>
+          <p:style>
+            <a:lnRef idx="2">
+              <a:schemeClr val="accent6">
+                <a:shade val="50000"/>
+              </a:schemeClr>
+            </a:lnRef>
+            <a:fillRef idx="1">
+              <a:schemeClr val="accent6"/>
+            </a:fillRef>
+            <a:effectRef idx="0">
+              <a:schemeClr val="accent6"/>
+            </a:effectRef>
+            <a:fontRef idx="minor">
+              <a:schemeClr val="lt1"/>
+            </a:fontRef>
+          </p:style>
+          <p:txBody>
+            <a:bodyPr rtlCol="0" anchor="ctr"/>
+            <a:lstStyle/>
+            <a:p>
+              <a:pPr algn="ctr"/>
+              <a:endParaRPr lang="zh-CN" altLang="en-US" sz="2400"/>
+            </a:p>
+          </p:txBody>
+        </p:sp>
+      </p:grpSp>
+      <p:sp>
+        <p:nvSpPr>
+          <p:cNvPr id="59" name="箭头: 右 58">
+            <a:extLst>
+              <a:ext uri="{FF2B5EF4-FFF2-40B4-BE49-F238E27FC236}">
+                <a16:creationId xmlns:a16="http://schemas.microsoft.com/office/drawing/2014/main" id="{DE967B1C-316B-497F-BB8D-B24740E1F60B}"/>
+              </a:ext>
+            </a:extLst>
+          </p:cNvPr>
+          <p:cNvSpPr/>
+          <p:nvPr/>
+        </p:nvSpPr>
+        <p:spPr>
+          <a:xfrm>
+            <a:off x="6154582" y="3850715"/>
+            <a:ext cx="1113538" cy="123814"/>
+          </a:xfrm>
+          <a:prstGeom prst="rightArrow">
+            <a:avLst/>
+          </a:prstGeom>
+          <a:noFill/>
+        </p:spPr>
+        <p:style>
+          <a:lnRef idx="2">
+            <a:schemeClr val="accent1">
+              <a:shade val="50000"/>
+            </a:schemeClr>
+          </a:lnRef>
+          <a:fillRef idx="1">
+            <a:schemeClr val="accent1"/>
+          </a:fillRef>
+          <a:effectRef idx="0">
+            <a:schemeClr val="accent1"/>
+          </a:effectRef>
+          <a:fontRef idx="minor">
+            <a:schemeClr val="lt1"/>
+          </a:fontRef>
+        </p:style>
+        <p:txBody>
+          <a:bodyPr rtlCol="0" anchor="ctr"/>
+          <a:lstStyle/>
+          <a:p>
+            <a:pPr algn="ctr"/>
+            <a:endParaRPr lang="zh-CN" altLang="en-US" sz="2400"/>
+          </a:p>
+        </p:txBody>
+      </p:sp>
+      <p:sp>
+        <p:nvSpPr>
+          <p:cNvPr id="60" name="文本框 59">
+            <a:extLst>
+              <a:ext uri="{FF2B5EF4-FFF2-40B4-BE49-F238E27FC236}">
+                <a16:creationId xmlns:a16="http://schemas.microsoft.com/office/drawing/2014/main" id="{8F85A53E-9458-4358-BEF7-D1767803DE10}"/>
+              </a:ext>
+            </a:extLst>
+          </p:cNvPr>
+          <p:cNvSpPr txBox="1"/>
+          <p:nvPr/>
+        </p:nvSpPr>
+        <p:spPr>
+          <a:xfrm>
+            <a:off x="6087033" y="3110323"/>
+            <a:ext cx="1321224" cy="738664"/>
+          </a:xfrm>
+          <a:prstGeom prst="rect">
+            <a:avLst/>
+          </a:prstGeom>
+          <a:noFill/>
+        </p:spPr>
+        <p:txBody>
+          <a:bodyPr wrap="square" rtlCol="0">
+            <a:spAutoFit/>
+          </a:bodyPr>
+          <a:lstStyle/>
+          <a:p>
+            <a:r>
+              <a:rPr lang="zh-CN" altLang="en-US" sz="1400" dirty="0"/>
+              <a:t>结点</a:t>
+            </a:r>
+            <a:endParaRPr lang="en-US" altLang="zh-CN" sz="1400" dirty="0"/>
+          </a:p>
+          <a:p>
+            <a:r>
+              <a:rPr lang="zh-CN" altLang="en-US" sz="1400" dirty="0"/>
+              <a:t>平均值池化</a:t>
+            </a:r>
+            <a:endParaRPr lang="en-US" altLang="zh-CN" sz="1400" dirty="0"/>
+          </a:p>
+          <a:p>
+            <a:r>
+              <a:rPr lang="zh-CN" altLang="en-US" sz="1400" dirty="0"/>
+              <a:t>最大值池化</a:t>
+            </a:r>
+          </a:p>
+        </p:txBody>
+      </p:sp>
+      <p:sp>
+        <p:nvSpPr>
+          <p:cNvPr id="61" name="文本框 60">
+            <a:extLst>
+              <a:ext uri="{FF2B5EF4-FFF2-40B4-BE49-F238E27FC236}">
+                <a16:creationId xmlns:a16="http://schemas.microsoft.com/office/drawing/2014/main" id="{D0B681BC-4314-401B-B1BA-99A25D4EC92A}"/>
+              </a:ext>
+            </a:extLst>
+          </p:cNvPr>
+          <p:cNvSpPr txBox="1"/>
+          <p:nvPr/>
+        </p:nvSpPr>
+        <p:spPr>
+          <a:xfrm>
+            <a:off x="8196736" y="3448237"/>
+            <a:ext cx="761158" cy="523220"/>
+          </a:xfrm>
+          <a:prstGeom prst="rect">
+            <a:avLst/>
+          </a:prstGeom>
+          <a:noFill/>
+        </p:spPr>
+        <p:txBody>
+          <a:bodyPr wrap="square" rtlCol="0">
+            <a:spAutoFit/>
+          </a:bodyPr>
+          <a:lstStyle/>
+          <a:p>
+            <a:r>
+              <a:rPr lang="zh-CN" altLang="en-US" sz="1400" dirty="0"/>
+              <a:t>子图特征</a:t>
+            </a:r>
+          </a:p>
+        </p:txBody>
+      </p:sp>
+      <p:sp>
+        <p:nvSpPr>
+          <p:cNvPr id="62" name="矩形 61">
+            <a:extLst>
+              <a:ext uri="{FF2B5EF4-FFF2-40B4-BE49-F238E27FC236}">
+                <a16:creationId xmlns:a16="http://schemas.microsoft.com/office/drawing/2014/main" id="{5503D84F-B7A8-46B7-A643-84F1BF242D39}"/>
+              </a:ext>
+            </a:extLst>
+          </p:cNvPr>
+          <p:cNvSpPr/>
+          <p:nvPr/>
+        </p:nvSpPr>
+        <p:spPr>
+          <a:xfrm>
+            <a:off x="9979583" y="1825898"/>
+            <a:ext cx="202710" cy="637032"/>
+          </a:xfrm>
+          <a:prstGeom prst="rect">
+            <a:avLst/>
+          </a:prstGeom>
+          <a:noFill/>
+          <a:ln>
+            <a:solidFill>
+              <a:schemeClr val="tx1"/>
+            </a:solidFill>
+          </a:ln>
+          <a:scene3d>
+            <a:camera prst="isometricOffAxis2Right"/>
+            <a:lightRig rig="threePt" dir="t"/>
+          </a:scene3d>
+        </p:spPr>
+        <p:style>
+          <a:lnRef idx="2">
+            <a:schemeClr val="accent6">
+              <a:shade val="50000"/>
+            </a:schemeClr>
+          </a:lnRef>
+          <a:fillRef idx="1">
+            <a:schemeClr val="accent6"/>
+          </a:fillRef>
+          <a:effectRef idx="0">
+            <a:schemeClr val="accent6"/>
+          </a:effectRef>
+          <a:fontRef idx="minor">
+            <a:schemeClr val="lt1"/>
+          </a:fontRef>
+        </p:style>
+        <p:txBody>
+          <a:bodyPr rtlCol="0" anchor="ctr"/>
+          <a:lstStyle/>
+          <a:p>
+            <a:pPr algn="ctr"/>
+            <a:endParaRPr lang="zh-CN" altLang="en-US" sz="2400"/>
+          </a:p>
+        </p:txBody>
+      </p:sp>
+      <p:sp>
+        <p:nvSpPr>
+          <p:cNvPr id="63" name="矩形 62">
+            <a:extLst>
+              <a:ext uri="{FF2B5EF4-FFF2-40B4-BE49-F238E27FC236}">
+                <a16:creationId xmlns:a16="http://schemas.microsoft.com/office/drawing/2014/main" id="{897C471E-9AEB-4A53-B40A-EB6B4258189E}"/>
+              </a:ext>
+            </a:extLst>
+          </p:cNvPr>
+          <p:cNvSpPr/>
+          <p:nvPr/>
+        </p:nvSpPr>
+        <p:spPr>
+          <a:xfrm>
+            <a:off x="9979583" y="3149089"/>
+            <a:ext cx="202710" cy="150139"/>
+          </a:xfrm>
+          <a:prstGeom prst="rect">
+            <a:avLst/>
+          </a:prstGeom>
+          <a:noFill/>
+          <a:ln>
+            <a:solidFill>
+              <a:schemeClr val="tx1"/>
+            </a:solidFill>
+          </a:ln>
+          <a:scene3d>
+            <a:camera prst="isometricOffAxis2Right"/>
+            <a:lightRig rig="threePt" dir="t"/>
+          </a:scene3d>
+        </p:spPr>
+        <p:style>
+          <a:lnRef idx="2">
+            <a:schemeClr val="accent6">
+              <a:shade val="50000"/>
+            </a:schemeClr>
+          </a:lnRef>
+          <a:fillRef idx="1">
+            <a:schemeClr val="accent6"/>
+          </a:fillRef>
+          <a:effectRef idx="0">
+            <a:schemeClr val="accent6"/>
+          </a:effectRef>
+          <a:fontRef idx="minor">
+            <a:schemeClr val="lt1"/>
+          </a:fontRef>
+        </p:style>
+        <p:txBody>
+          <a:bodyPr rtlCol="0" anchor="ctr"/>
+          <a:lstStyle/>
+          <a:p>
+            <a:pPr algn="ctr"/>
+            <a:endParaRPr lang="zh-CN" altLang="en-US" sz="2400"/>
+          </a:p>
+        </p:txBody>
+      </p:sp>
+      <p:sp>
+        <p:nvSpPr>
+          <p:cNvPr id="64" name="文本框 63">
+            <a:extLst>
+              <a:ext uri="{FF2B5EF4-FFF2-40B4-BE49-F238E27FC236}">
+                <a16:creationId xmlns:a16="http://schemas.microsoft.com/office/drawing/2014/main" id="{6A0191B5-3904-4EDA-8057-975AE6554C24}"/>
+              </a:ext>
+            </a:extLst>
+          </p:cNvPr>
+          <p:cNvSpPr txBox="1"/>
+          <p:nvPr/>
+        </p:nvSpPr>
+        <p:spPr>
+          <a:xfrm>
+            <a:off x="9677371" y="2521234"/>
+            <a:ext cx="1103524" cy="307777"/>
+          </a:xfrm>
+          <a:prstGeom prst="rect">
+            <a:avLst/>
+          </a:prstGeom>
+          <a:noFill/>
+        </p:spPr>
+        <p:txBody>
+          <a:bodyPr wrap="square" rtlCol="0">
+            <a:spAutoFit/>
+          </a:bodyPr>
+          <a:lstStyle/>
+          <a:p>
+            <a:r>
+              <a:rPr lang="zh-CN" altLang="en-US" sz="1400" dirty="0"/>
+              <a:t>分类结果</a:t>
+            </a:r>
+          </a:p>
+        </p:txBody>
+      </p:sp>
+      <p:sp>
+        <p:nvSpPr>
+          <p:cNvPr id="65" name="文本框 64">
+            <a:extLst>
+              <a:ext uri="{FF2B5EF4-FFF2-40B4-BE49-F238E27FC236}">
+                <a16:creationId xmlns:a16="http://schemas.microsoft.com/office/drawing/2014/main" id="{1ABA30D1-0632-4EE9-8AB7-F8E8516554DC}"/>
+              </a:ext>
+            </a:extLst>
+          </p:cNvPr>
+          <p:cNvSpPr txBox="1"/>
+          <p:nvPr/>
+        </p:nvSpPr>
+        <p:spPr>
+          <a:xfrm>
+            <a:off x="9864318" y="3355560"/>
+            <a:ext cx="761158" cy="307777"/>
+          </a:xfrm>
+          <a:prstGeom prst="rect">
+            <a:avLst/>
+          </a:prstGeom>
+          <a:noFill/>
+        </p:spPr>
+        <p:txBody>
+          <a:bodyPr wrap="square" rtlCol="0">
+            <a:spAutoFit/>
+          </a:bodyPr>
+          <a:lstStyle/>
+          <a:p>
+            <a:r>
+              <a:rPr lang="zh-CN" altLang="en-US" sz="1400" dirty="0"/>
+              <a:t>评分</a:t>
+            </a:r>
+          </a:p>
+        </p:txBody>
+      </p:sp>
+      <p:sp>
+        <p:nvSpPr>
+          <p:cNvPr id="66" name="箭头: 右 65">
+            <a:extLst>
+              <a:ext uri="{FF2B5EF4-FFF2-40B4-BE49-F238E27FC236}">
+                <a16:creationId xmlns:a16="http://schemas.microsoft.com/office/drawing/2014/main" id="{123E7106-345F-4480-802C-6BF0345AB53D}"/>
+              </a:ext>
+            </a:extLst>
+          </p:cNvPr>
+          <p:cNvSpPr/>
+          <p:nvPr/>
+        </p:nvSpPr>
+        <p:spPr>
+          <a:xfrm>
+            <a:off x="9017957" y="2198373"/>
+            <a:ext cx="812806" cy="172546"/>
+          </a:xfrm>
+          <a:prstGeom prst="rightArrow">
+            <a:avLst/>
+          </a:prstGeom>
+          <a:noFill/>
+        </p:spPr>
+        <p:style>
+          <a:lnRef idx="2">
+            <a:schemeClr val="accent1">
+              <a:shade val="50000"/>
+            </a:schemeClr>
+          </a:lnRef>
+          <a:fillRef idx="1">
+            <a:schemeClr val="accent1"/>
+          </a:fillRef>
+          <a:effectRef idx="0">
+            <a:schemeClr val="accent1"/>
+          </a:effectRef>
+          <a:fontRef idx="minor">
+            <a:schemeClr val="lt1"/>
+          </a:fontRef>
+        </p:style>
+        <p:txBody>
+          <a:bodyPr rtlCol="0" anchor="ctr"/>
+          <a:lstStyle/>
+          <a:p>
+            <a:pPr algn="ctr"/>
+            <a:endParaRPr lang="zh-CN" altLang="en-US" sz="2400"/>
+          </a:p>
+        </p:txBody>
+      </p:sp>
+      <p:sp>
+        <p:nvSpPr>
+          <p:cNvPr id="67" name="文本框 66">
+            <a:extLst>
+              <a:ext uri="{FF2B5EF4-FFF2-40B4-BE49-F238E27FC236}">
+                <a16:creationId xmlns:a16="http://schemas.microsoft.com/office/drawing/2014/main" id="{64C22231-72FA-4722-BBE7-3D2628C7BD72}"/>
+              </a:ext>
+            </a:extLst>
+          </p:cNvPr>
+          <p:cNvSpPr txBox="1"/>
+          <p:nvPr/>
+        </p:nvSpPr>
+        <p:spPr>
+          <a:xfrm>
+            <a:off x="8907430" y="1671824"/>
+            <a:ext cx="1321224" cy="523220"/>
+          </a:xfrm>
+          <a:prstGeom prst="rect">
+            <a:avLst/>
+          </a:prstGeom>
+          <a:noFill/>
+        </p:spPr>
+        <p:txBody>
+          <a:bodyPr wrap="square" rtlCol="0">
+            <a:spAutoFit/>
+          </a:bodyPr>
+          <a:lstStyle/>
+          <a:p>
+            <a:r>
+              <a:rPr lang="zh-CN" altLang="en-US" sz="1400" dirty="0"/>
+              <a:t>两层感知器</a:t>
+            </a:r>
+            <a:r>
+              <a:rPr lang="en-US" altLang="zh-CN" sz="1400" dirty="0"/>
+              <a:t>+</a:t>
+            </a:r>
+            <a:r>
+              <a:rPr lang="en-US" altLang="zh-CN" sz="1400" dirty="0" err="1"/>
+              <a:t>softmax</a:t>
+            </a:r>
+            <a:endParaRPr lang="zh-CN" altLang="en-US" sz="1400" dirty="0"/>
+          </a:p>
+        </p:txBody>
+      </p:sp>
+      <p:sp>
+        <p:nvSpPr>
+          <p:cNvPr id="68" name="箭头: 右 67">
+            <a:extLst>
+              <a:ext uri="{FF2B5EF4-FFF2-40B4-BE49-F238E27FC236}">
+                <a16:creationId xmlns:a16="http://schemas.microsoft.com/office/drawing/2014/main" id="{F4CE763A-D14E-4C3B-8F72-1B75D7E1F0D2}"/>
+              </a:ext>
+            </a:extLst>
+          </p:cNvPr>
+          <p:cNvSpPr/>
+          <p:nvPr/>
+        </p:nvSpPr>
+        <p:spPr>
+          <a:xfrm>
+            <a:off x="9038268" y="3284274"/>
+            <a:ext cx="812806" cy="172546"/>
+          </a:xfrm>
+          <a:prstGeom prst="rightArrow">
+            <a:avLst/>
+          </a:prstGeom>
+          <a:noFill/>
+        </p:spPr>
+        <p:style>
+          <a:lnRef idx="2">
+            <a:schemeClr val="accent1">
+              <a:shade val="50000"/>
+            </a:schemeClr>
+          </a:lnRef>
+          <a:fillRef idx="1">
+            <a:schemeClr val="accent1"/>
+          </a:fillRef>
+          <a:effectRef idx="0">
+            <a:schemeClr val="accent1"/>
+          </a:effectRef>
+          <a:fontRef idx="minor">
+            <a:schemeClr val="lt1"/>
+          </a:fontRef>
+        </p:style>
+        <p:txBody>
+          <a:bodyPr rtlCol="0" anchor="ctr"/>
+          <a:lstStyle/>
+          <a:p>
+            <a:pPr algn="ctr"/>
+            <a:endParaRPr lang="zh-CN" altLang="en-US" sz="2400"/>
+          </a:p>
+        </p:txBody>
+      </p:sp>
+      <p:sp>
+        <p:nvSpPr>
+          <p:cNvPr id="69" name="文本框 68">
+            <a:extLst>
+              <a:ext uri="{FF2B5EF4-FFF2-40B4-BE49-F238E27FC236}">
+                <a16:creationId xmlns:a16="http://schemas.microsoft.com/office/drawing/2014/main" id="{94C0E8C0-5DE9-4F86-A817-DD5C71A5E9FF}"/>
+              </a:ext>
+            </a:extLst>
+          </p:cNvPr>
+          <p:cNvSpPr txBox="1"/>
+          <p:nvPr/>
+        </p:nvSpPr>
+        <p:spPr>
+          <a:xfrm>
+            <a:off x="8923673" y="2806540"/>
+            <a:ext cx="1321224" cy="523220"/>
+          </a:xfrm>
+          <a:prstGeom prst="rect">
+            <a:avLst/>
+          </a:prstGeom>
+          <a:noFill/>
+        </p:spPr>
+        <p:txBody>
+          <a:bodyPr wrap="square" rtlCol="0">
+            <a:spAutoFit/>
+          </a:bodyPr>
+          <a:lstStyle/>
+          <a:p>
+            <a:r>
+              <a:rPr lang="zh-CN" altLang="en-US" sz="1400" dirty="0"/>
+              <a:t>两层感知器</a:t>
+            </a:r>
+            <a:r>
+              <a:rPr lang="en-US" altLang="zh-CN" sz="1400" dirty="0"/>
+              <a:t>+sigmoid</a:t>
+            </a:r>
+            <a:endParaRPr lang="zh-CN" altLang="en-US" sz="1400" dirty="0"/>
+          </a:p>
+        </p:txBody>
+      </p:sp>
+      <p:grpSp>
+        <p:nvGrpSpPr>
+          <p:cNvPr id="70" name="组合 69">
+            <a:extLst>
+              <a:ext uri="{FF2B5EF4-FFF2-40B4-BE49-F238E27FC236}">
+                <a16:creationId xmlns:a16="http://schemas.microsoft.com/office/drawing/2014/main" id="{14A10011-DCCA-4E6B-B3EE-FCB049B8E603}"/>
+              </a:ext>
+            </a:extLst>
+          </p:cNvPr>
+          <p:cNvGrpSpPr/>
+          <p:nvPr/>
+        </p:nvGrpSpPr>
+        <p:grpSpPr>
+          <a:xfrm>
+            <a:off x="986513" y="425862"/>
+            <a:ext cx="1196647" cy="4802401"/>
+            <a:chOff x="986513" y="425862"/>
+            <a:chExt cx="1196647" cy="4802401"/>
+          </a:xfrm>
+        </p:grpSpPr>
+        <p:grpSp>
+          <p:nvGrpSpPr>
+            <p:cNvPr id="71" name="组合 70">
+              <a:extLst>
+                <a:ext uri="{FF2B5EF4-FFF2-40B4-BE49-F238E27FC236}">
+                  <a16:creationId xmlns:a16="http://schemas.microsoft.com/office/drawing/2014/main" id="{6E927E93-AD1C-40A1-9617-612006CCBD11}"/>
+                </a:ext>
+              </a:extLst>
+            </p:cNvPr>
+            <p:cNvGrpSpPr/>
+            <p:nvPr/>
+          </p:nvGrpSpPr>
+          <p:grpSpPr>
+            <a:xfrm>
+              <a:off x="994113" y="425862"/>
+              <a:ext cx="1189047" cy="2604918"/>
+              <a:chOff x="909203" y="3211920"/>
+              <a:chExt cx="1189047" cy="2202406"/>
+            </a:xfrm>
+          </p:grpSpPr>
+          <p:sp>
+            <p:nvSpPr>
+              <p:cNvPr id="77" name="矩形 76">
+                <a:extLst>
+                  <a:ext uri="{FF2B5EF4-FFF2-40B4-BE49-F238E27FC236}">
+                    <a16:creationId xmlns:a16="http://schemas.microsoft.com/office/drawing/2014/main" id="{61335520-A716-4DA5-A418-5D2E9FBD4BFD}"/>
+                  </a:ext>
+                </a:extLst>
+              </p:cNvPr>
+              <p:cNvSpPr/>
+              <p:nvPr/>
+            </p:nvSpPr>
+            <p:spPr>
+              <a:xfrm>
+                <a:off x="909203" y="3211920"/>
+                <a:ext cx="1189047" cy="1408176"/>
+              </a:xfrm>
+              <a:prstGeom prst="rect">
+                <a:avLst/>
+              </a:prstGeom>
+              <a:noFill/>
+              <a:ln>
+                <a:solidFill>
+                  <a:schemeClr val="tx1"/>
+                </a:solidFill>
+              </a:ln>
+              <a:scene3d>
+                <a:camera prst="isometricOffAxis2Right"/>
+                <a:lightRig rig="threePt" dir="t"/>
+              </a:scene3d>
+            </p:spPr>
+            <p:style>
+              <a:lnRef idx="2">
+                <a:schemeClr val="accent6">
+                  <a:shade val="50000"/>
+                </a:schemeClr>
+              </a:lnRef>
+              <a:fillRef idx="1">
+                <a:schemeClr val="accent6"/>
+              </a:fillRef>
+              <a:effectRef idx="0">
+                <a:schemeClr val="accent6"/>
+              </a:effectRef>
+              <a:fontRef idx="minor">
+                <a:schemeClr val="lt1"/>
+              </a:fontRef>
+            </p:style>
+            <p:txBody>
+              <a:bodyPr rtlCol="0" anchor="ctr"/>
+              <a:lstStyle/>
+              <a:p>
+                <a:pPr algn="ctr"/>
+                <a:endParaRPr lang="zh-CN" altLang="en-US" sz="2400"/>
+              </a:p>
+            </p:txBody>
+          </p:sp>
+          <p:sp>
+            <p:nvSpPr>
+              <p:cNvPr id="78" name="文本框 77">
+                <a:extLst>
+                  <a:ext uri="{FF2B5EF4-FFF2-40B4-BE49-F238E27FC236}">
+                    <a16:creationId xmlns:a16="http://schemas.microsoft.com/office/drawing/2014/main" id="{4B0C6F3E-006F-4907-8FAF-9A166877DD62}"/>
+                  </a:ext>
+                </a:extLst>
+              </p:cNvPr>
+              <p:cNvSpPr txBox="1"/>
+              <p:nvPr/>
+            </p:nvSpPr>
+            <p:spPr>
+              <a:xfrm>
+                <a:off x="997662" y="4971954"/>
+                <a:ext cx="919636" cy="442372"/>
+              </a:xfrm>
+              <a:prstGeom prst="rect">
+                <a:avLst/>
+              </a:prstGeom>
+              <a:noFill/>
+            </p:spPr>
+            <p:txBody>
+              <a:bodyPr wrap="square" rtlCol="0">
+                <a:spAutoFit/>
+              </a:bodyPr>
+              <a:lstStyle/>
+              <a:p>
+                <a:r>
+                  <a:rPr lang="zh-CN" altLang="en-US" sz="1400" dirty="0"/>
+                  <a:t>初始邻边特征矩阵</a:t>
+                </a:r>
+              </a:p>
+            </p:txBody>
+          </p:sp>
+          <p:sp>
+            <p:nvSpPr>
+              <p:cNvPr id="79" name="文本框 78">
+                <a:extLst>
+                  <a:ext uri="{FF2B5EF4-FFF2-40B4-BE49-F238E27FC236}">
+                    <a16:creationId xmlns:a16="http://schemas.microsoft.com/office/drawing/2014/main" id="{02B0B0C9-A103-4163-B75B-F4EFEF1849E9}"/>
+                  </a:ext>
+                </a:extLst>
+              </p:cNvPr>
+              <p:cNvSpPr txBox="1"/>
+              <p:nvPr/>
+            </p:nvSpPr>
+            <p:spPr>
+              <a:xfrm>
+                <a:off x="1170027" y="4251065"/>
+                <a:ext cx="761158" cy="260219"/>
+              </a:xfrm>
+              <a:prstGeom prst="rect">
+                <a:avLst/>
+              </a:prstGeom>
+              <a:noFill/>
+            </p:spPr>
+            <p:txBody>
+              <a:bodyPr wrap="square" rtlCol="0">
+                <a:spAutoFit/>
+              </a:bodyPr>
+              <a:lstStyle/>
+              <a:p>
+                <a:r>
+                  <a:rPr lang="en-US" altLang="zh-CN" sz="1400" dirty="0"/>
+                  <a:t>m*14</a:t>
+                </a:r>
+                <a:endParaRPr lang="zh-CN" altLang="en-US" sz="1400" dirty="0"/>
+              </a:p>
+            </p:txBody>
+          </p:sp>
+        </p:grpSp>
+        <p:grpSp>
+          <p:nvGrpSpPr>
+            <p:cNvPr id="72" name="组合 71">
+              <a:extLst>
+                <a:ext uri="{FF2B5EF4-FFF2-40B4-BE49-F238E27FC236}">
+                  <a16:creationId xmlns:a16="http://schemas.microsoft.com/office/drawing/2014/main" id="{56490004-9C98-4357-9D48-BB2BB764A34B}"/>
+                </a:ext>
+              </a:extLst>
+            </p:cNvPr>
+            <p:cNvGrpSpPr/>
+            <p:nvPr/>
+          </p:nvGrpSpPr>
+          <p:grpSpPr>
+            <a:xfrm>
+              <a:off x="986513" y="3311439"/>
+              <a:ext cx="1189047" cy="1916824"/>
+              <a:chOff x="909203" y="3211920"/>
+              <a:chExt cx="1189047" cy="2227293"/>
+            </a:xfrm>
+          </p:grpSpPr>
+          <p:sp>
+            <p:nvSpPr>
+              <p:cNvPr id="73" name="矩形 72">
+                <a:extLst>
+                  <a:ext uri="{FF2B5EF4-FFF2-40B4-BE49-F238E27FC236}">
+                    <a16:creationId xmlns:a16="http://schemas.microsoft.com/office/drawing/2014/main" id="{3A289441-CA4C-4129-928E-71054E0F9918}"/>
+                  </a:ext>
+                </a:extLst>
+              </p:cNvPr>
+              <p:cNvSpPr/>
+              <p:nvPr/>
+            </p:nvSpPr>
+            <p:spPr>
+              <a:xfrm>
+                <a:off x="909203" y="3211920"/>
+                <a:ext cx="1189047" cy="1408176"/>
+              </a:xfrm>
+              <a:prstGeom prst="rect">
+                <a:avLst/>
+              </a:prstGeom>
+              <a:noFill/>
+              <a:ln>
+                <a:solidFill>
+                  <a:schemeClr val="tx1"/>
+                </a:solidFill>
+              </a:ln>
+              <a:scene3d>
+                <a:camera prst="isometricOffAxis2Right"/>
+                <a:lightRig rig="threePt" dir="t"/>
+              </a:scene3d>
+            </p:spPr>
+            <p:style>
+              <a:lnRef idx="2">
+                <a:schemeClr val="accent6">
+                  <a:shade val="50000"/>
+                </a:schemeClr>
+              </a:lnRef>
+              <a:fillRef idx="1">
+                <a:schemeClr val="accent6"/>
+              </a:fillRef>
+              <a:effectRef idx="0">
+                <a:schemeClr val="accent6"/>
+              </a:effectRef>
+              <a:fontRef idx="minor">
+                <a:schemeClr val="lt1"/>
+              </a:fontRef>
+            </p:style>
+            <p:txBody>
+              <a:bodyPr rtlCol="0" anchor="ctr"/>
+              <a:lstStyle/>
+              <a:p>
+                <a:pPr algn="ctr"/>
+                <a:endParaRPr lang="zh-CN" altLang="en-US" sz="2400" dirty="0"/>
+              </a:p>
+            </p:txBody>
+          </p:sp>
+          <p:sp>
+            <p:nvSpPr>
+              <p:cNvPr id="74" name="文本框 73">
+                <a:extLst>
+                  <a:ext uri="{FF2B5EF4-FFF2-40B4-BE49-F238E27FC236}">
+                    <a16:creationId xmlns:a16="http://schemas.microsoft.com/office/drawing/2014/main" id="{B77FEBC0-AD2C-4CC7-9744-ED3A383153DB}"/>
+                  </a:ext>
+                </a:extLst>
+              </p:cNvPr>
+              <p:cNvSpPr txBox="1"/>
+              <p:nvPr/>
+            </p:nvSpPr>
+            <p:spPr>
+              <a:xfrm>
+                <a:off x="983175" y="4831247"/>
+                <a:ext cx="1049380" cy="607966"/>
+              </a:xfrm>
+              <a:prstGeom prst="rect">
+                <a:avLst/>
+              </a:prstGeom>
+              <a:noFill/>
+            </p:spPr>
+            <p:txBody>
+              <a:bodyPr wrap="square" rtlCol="0">
+                <a:spAutoFit/>
+              </a:bodyPr>
+              <a:lstStyle/>
+              <a:p>
+                <a:r>
+                  <a:rPr lang="zh-CN" altLang="en-US" sz="1400" dirty="0"/>
+                  <a:t>初始结点特征矩阵</a:t>
+                </a:r>
+              </a:p>
+            </p:txBody>
+          </p:sp>
+          <p:sp>
+            <p:nvSpPr>
+              <p:cNvPr id="75" name="文本框 74">
+                <a:extLst>
+                  <a:ext uri="{FF2B5EF4-FFF2-40B4-BE49-F238E27FC236}">
+                    <a16:creationId xmlns:a16="http://schemas.microsoft.com/office/drawing/2014/main" id="{A7F828D4-C3E8-4595-A8A3-B5747A9082E5}"/>
+                  </a:ext>
+                </a:extLst>
+              </p:cNvPr>
+              <p:cNvSpPr txBox="1"/>
+              <p:nvPr/>
+            </p:nvSpPr>
+            <p:spPr>
+              <a:xfrm>
+                <a:off x="1213661" y="4058309"/>
+                <a:ext cx="761158" cy="357628"/>
+              </a:xfrm>
+              <a:prstGeom prst="rect">
+                <a:avLst/>
+              </a:prstGeom>
+              <a:noFill/>
+            </p:spPr>
+            <p:txBody>
+              <a:bodyPr wrap="square" rtlCol="0">
+                <a:spAutoFit/>
+              </a:bodyPr>
+              <a:lstStyle/>
+              <a:p>
+                <a:r>
+                  <a:rPr lang="en-US" altLang="zh-CN" sz="1400" dirty="0"/>
+                  <a:t>n*82</a:t>
+                </a:r>
+                <a:endParaRPr lang="zh-CN" altLang="en-US" sz="1400" dirty="0"/>
+              </a:p>
+            </p:txBody>
+          </p:sp>
+        </p:grpSp>
+      </p:grpSp>
+      <p:grpSp>
+        <p:nvGrpSpPr>
+          <p:cNvPr id="80" name="组合 79">
+            <a:extLst>
+              <a:ext uri="{FF2B5EF4-FFF2-40B4-BE49-F238E27FC236}">
+                <a16:creationId xmlns:a16="http://schemas.microsoft.com/office/drawing/2014/main" id="{0959F905-5EAB-4266-B3E9-62E4F592B104}"/>
+              </a:ext>
+            </a:extLst>
+          </p:cNvPr>
+          <p:cNvGrpSpPr/>
+          <p:nvPr/>
+        </p:nvGrpSpPr>
+        <p:grpSpPr>
+          <a:xfrm>
+            <a:off x="2109865" y="54887"/>
+            <a:ext cx="2251063" cy="5520872"/>
+            <a:chOff x="2109865" y="54887"/>
+            <a:chExt cx="2251063" cy="5520872"/>
+          </a:xfrm>
+        </p:grpSpPr>
+        <p:grpSp>
+          <p:nvGrpSpPr>
+            <p:cNvPr id="81" name="组合 80">
+              <a:extLst>
+                <a:ext uri="{FF2B5EF4-FFF2-40B4-BE49-F238E27FC236}">
+                  <a16:creationId xmlns:a16="http://schemas.microsoft.com/office/drawing/2014/main" id="{A30B2866-9B99-4AEC-82CB-0511D0DD7CE5}"/>
+                </a:ext>
+              </a:extLst>
+            </p:cNvPr>
+            <p:cNvGrpSpPr/>
+            <p:nvPr/>
+          </p:nvGrpSpPr>
+          <p:grpSpPr>
+            <a:xfrm>
+              <a:off x="2251114" y="54887"/>
+              <a:ext cx="1113538" cy="1795217"/>
+              <a:chOff x="1853397" y="2543236"/>
+              <a:chExt cx="1113538" cy="1795217"/>
+            </a:xfrm>
+          </p:grpSpPr>
+          <p:pic>
+            <p:nvPicPr>
+              <p:cNvPr id="122" name="Picture 2" descr="查看源图像">
+                <a:extLst>
+                  <a:ext uri="{FF2B5EF4-FFF2-40B4-BE49-F238E27FC236}">
+                    <a16:creationId xmlns:a16="http://schemas.microsoft.com/office/drawing/2014/main" id="{E8D5902E-6353-4EE7-BD2C-29D9E8F55E04}"/>
+                  </a:ext>
+                </a:extLst>
+              </p:cNvPr>
+              <p:cNvPicPr>
+                <a:picLocks noChangeAspect="1" noChangeArrowheads="1"/>
+              </p:cNvPicPr>
+              <p:nvPr/>
+            </p:nvPicPr>
+            <p:blipFill>
+              <a:blip r:embed="rId2">
+                <a:extLst>
+                  <a:ext uri="{28A0092B-C50C-407E-A947-70E740481C1C}">
+                    <a14:useLocalDpi xmlns:a14="http://schemas.microsoft.com/office/drawing/2010/main" val="0"/>
+                  </a:ext>
+                </a:extLst>
+              </a:blip>
+              <a:srcRect/>
+              <a:stretch>
+                <a:fillRect/>
+              </a:stretch>
+            </p:blipFill>
+            <p:spPr bwMode="auto">
+              <a:xfrm>
+                <a:off x="1882725" y="2543236"/>
+                <a:ext cx="1049380" cy="1217281"/>
+              </a:xfrm>
+              <a:prstGeom prst="rect">
+                <a:avLst/>
+              </a:prstGeom>
+              <a:noFill/>
+              <a:scene3d>
+                <a:camera prst="isometricOffAxis2Right"/>
+                <a:lightRig rig="threePt" dir="t"/>
+              </a:scene3d>
+              <a:extLst>
+                <a:ext uri="{909E8E84-426E-40DD-AFC4-6F175D3DCCD1}">
+                  <a14:hiddenFill xmlns:a14="http://schemas.microsoft.com/office/drawing/2010/main">
+                    <a:solidFill>
+                      <a:srgbClr val="FFFFFF"/>
+                    </a:solidFill>
+                  </a14:hiddenFill>
+                </a:ext>
+              </a:extLst>
+            </p:spPr>
+          </p:pic>
+          <p:sp>
+            <p:nvSpPr>
+              <p:cNvPr id="123" name="箭头: 右 122">
+                <a:extLst>
+                  <a:ext uri="{FF2B5EF4-FFF2-40B4-BE49-F238E27FC236}">
+                    <a16:creationId xmlns:a16="http://schemas.microsoft.com/office/drawing/2014/main" id="{7EA9E53F-38D6-4163-AB12-364F7FE76A37}"/>
+                  </a:ext>
+                </a:extLst>
+              </p:cNvPr>
+              <p:cNvSpPr/>
+              <p:nvPr/>
+            </p:nvSpPr>
+            <p:spPr>
+              <a:xfrm>
+                <a:off x="1853397" y="4214639"/>
+                <a:ext cx="1113538" cy="123814"/>
+              </a:xfrm>
+              <a:prstGeom prst="rightArrow">
+                <a:avLst/>
+              </a:prstGeom>
+              <a:noFill/>
+            </p:spPr>
+            <p:style>
+              <a:lnRef idx="2">
+                <a:schemeClr val="accent1">
+                  <a:shade val="50000"/>
+                </a:schemeClr>
+              </a:lnRef>
+              <a:fillRef idx="1">
+                <a:schemeClr val="accent1"/>
+              </a:fillRef>
+              <a:effectRef idx="0">
+                <a:schemeClr val="accent1"/>
+              </a:effectRef>
+              <a:fontRef idx="minor">
+                <a:schemeClr val="lt1"/>
+              </a:fontRef>
+            </p:style>
+            <p:txBody>
+              <a:bodyPr rtlCol="0" anchor="ctr"/>
+              <a:lstStyle/>
+              <a:p>
+                <a:pPr algn="ctr"/>
+                <a:endParaRPr lang="zh-CN" altLang="en-US" sz="2400"/>
+              </a:p>
+            </p:txBody>
+          </p:sp>
+        </p:grpSp>
+        <p:grpSp>
+          <p:nvGrpSpPr>
+            <p:cNvPr id="82" name="组合 81">
+              <a:extLst>
+                <a:ext uri="{FF2B5EF4-FFF2-40B4-BE49-F238E27FC236}">
+                  <a16:creationId xmlns:a16="http://schemas.microsoft.com/office/drawing/2014/main" id="{4BDDE9EF-4BB6-4F3F-8BA3-824FD523A73A}"/>
+                </a:ext>
+              </a:extLst>
+            </p:cNvPr>
+            <p:cNvGrpSpPr/>
+            <p:nvPr/>
+          </p:nvGrpSpPr>
+          <p:grpSpPr>
+            <a:xfrm>
+              <a:off x="3109229" y="3141129"/>
+              <a:ext cx="1189047" cy="1810291"/>
+              <a:chOff x="988467" y="3218190"/>
+              <a:chExt cx="1189047" cy="2170370"/>
+            </a:xfrm>
+          </p:grpSpPr>
+          <p:sp>
+            <p:nvSpPr>
+              <p:cNvPr id="119" name="矩形 118">
+                <a:extLst>
+                  <a:ext uri="{FF2B5EF4-FFF2-40B4-BE49-F238E27FC236}">
+                    <a16:creationId xmlns:a16="http://schemas.microsoft.com/office/drawing/2014/main" id="{46CED004-E1B9-4B38-8A62-89910C873423}"/>
+                  </a:ext>
+                </a:extLst>
+              </p:cNvPr>
+              <p:cNvSpPr/>
+              <p:nvPr/>
+            </p:nvSpPr>
+            <p:spPr>
+              <a:xfrm>
+                <a:off x="988467" y="3218190"/>
+                <a:ext cx="1189047" cy="1408177"/>
+              </a:xfrm>
+              <a:prstGeom prst="rect">
+                <a:avLst/>
+              </a:prstGeom>
+              <a:noFill/>
+              <a:ln>
+                <a:solidFill>
+                  <a:schemeClr val="tx1"/>
+                </a:solidFill>
+              </a:ln>
+              <a:scene3d>
+                <a:camera prst="isometricOffAxis2Right"/>
+                <a:lightRig rig="threePt" dir="t"/>
+              </a:scene3d>
+            </p:spPr>
+            <p:style>
+              <a:lnRef idx="2">
+                <a:schemeClr val="accent6">
+                  <a:shade val="50000"/>
+                </a:schemeClr>
+              </a:lnRef>
+              <a:fillRef idx="1">
+                <a:schemeClr val="accent6"/>
+              </a:fillRef>
+              <a:effectRef idx="0">
+                <a:schemeClr val="accent6"/>
+              </a:effectRef>
+              <a:fontRef idx="minor">
+                <a:schemeClr val="lt1"/>
+              </a:fontRef>
+            </p:style>
+            <p:txBody>
+              <a:bodyPr rtlCol="0" anchor="ctr"/>
+              <a:lstStyle/>
+              <a:p>
+                <a:pPr algn="ctr"/>
+                <a:endParaRPr lang="zh-CN" altLang="en-US" sz="2400"/>
+              </a:p>
+            </p:txBody>
+          </p:sp>
+          <p:sp>
+            <p:nvSpPr>
+              <p:cNvPr id="120" name="文本框 119">
+                <a:extLst>
+                  <a:ext uri="{FF2B5EF4-FFF2-40B4-BE49-F238E27FC236}">
+                    <a16:creationId xmlns:a16="http://schemas.microsoft.com/office/drawing/2014/main" id="{D10B1358-2966-4017-B2D6-71D2A693FF8B}"/>
+                  </a:ext>
+                </a:extLst>
+              </p:cNvPr>
+              <p:cNvSpPr txBox="1"/>
+              <p:nvPr/>
+            </p:nvSpPr>
+            <p:spPr>
+              <a:xfrm>
+                <a:off x="1209060" y="4761268"/>
+                <a:ext cx="966405" cy="627292"/>
+              </a:xfrm>
+              <a:prstGeom prst="rect">
+                <a:avLst/>
+              </a:prstGeom>
+              <a:noFill/>
+            </p:spPr>
+            <p:txBody>
+              <a:bodyPr wrap="square" rtlCol="0">
+                <a:spAutoFit/>
+              </a:bodyPr>
+              <a:lstStyle/>
+              <a:p>
+                <a:r>
+                  <a:rPr lang="zh-CN" altLang="en-US" sz="1400" dirty="0"/>
+                  <a:t>结点特征矩阵隐层</a:t>
+                </a:r>
+              </a:p>
+            </p:txBody>
+          </p:sp>
+          <p:sp>
+            <p:nvSpPr>
+              <p:cNvPr id="121" name="文本框 120">
+                <a:extLst>
+                  <a:ext uri="{FF2B5EF4-FFF2-40B4-BE49-F238E27FC236}">
+                    <a16:creationId xmlns:a16="http://schemas.microsoft.com/office/drawing/2014/main" id="{A10F303B-9B06-4730-8E6D-AF826ABEDB28}"/>
+                  </a:ext>
+                </a:extLst>
+              </p:cNvPr>
+              <p:cNvSpPr txBox="1"/>
+              <p:nvPr/>
+            </p:nvSpPr>
+            <p:spPr>
+              <a:xfrm>
+                <a:off x="1308035" y="4105215"/>
+                <a:ext cx="602862" cy="368996"/>
+              </a:xfrm>
+              <a:prstGeom prst="rect">
+                <a:avLst/>
+              </a:prstGeom>
+              <a:noFill/>
+            </p:spPr>
+            <p:txBody>
+              <a:bodyPr wrap="square" rtlCol="0">
+                <a:spAutoFit/>
+              </a:bodyPr>
+              <a:lstStyle/>
+              <a:p>
+                <a:r>
+                  <a:rPr lang="en-US" altLang="zh-CN" sz="1400" dirty="0"/>
+                  <a:t>n*64</a:t>
+                </a:r>
+                <a:endParaRPr lang="zh-CN" altLang="en-US" sz="1400" dirty="0"/>
+              </a:p>
+            </p:txBody>
+          </p:sp>
+        </p:grpSp>
+        <p:grpSp>
+          <p:nvGrpSpPr>
+            <p:cNvPr id="83" name="组合 82">
+              <a:extLst>
+                <a:ext uri="{FF2B5EF4-FFF2-40B4-BE49-F238E27FC236}">
+                  <a16:creationId xmlns:a16="http://schemas.microsoft.com/office/drawing/2014/main" id="{F3414D1C-7303-4D05-A974-D9E45AE06610}"/>
+                </a:ext>
+              </a:extLst>
+            </p:cNvPr>
+            <p:cNvGrpSpPr/>
+            <p:nvPr/>
+          </p:nvGrpSpPr>
+          <p:grpSpPr>
+            <a:xfrm>
+              <a:off x="2109865" y="1387578"/>
+              <a:ext cx="1686239" cy="4188181"/>
+              <a:chOff x="1872187" y="483089"/>
+              <a:chExt cx="1686239" cy="4188181"/>
+            </a:xfrm>
+          </p:grpSpPr>
+          <p:pic>
+            <p:nvPicPr>
+              <p:cNvPr id="97" name="Picture 2" descr="查看源图像">
+                <a:extLst>
+                  <a:ext uri="{FF2B5EF4-FFF2-40B4-BE49-F238E27FC236}">
+                    <a16:creationId xmlns:a16="http://schemas.microsoft.com/office/drawing/2014/main" id="{D6FC5FE9-2552-4699-BA99-AAF57F75AFF8}"/>
+                  </a:ext>
+                </a:extLst>
+              </p:cNvPr>
+              <p:cNvPicPr>
+                <a:picLocks noChangeAspect="1" noChangeArrowheads="1"/>
+              </p:cNvPicPr>
+              <p:nvPr/>
+            </p:nvPicPr>
+            <p:blipFill>
+              <a:blip r:embed="rId2">
+                <a:extLst>
+                  <a:ext uri="{28A0092B-C50C-407E-A947-70E740481C1C}">
+                    <a14:useLocalDpi xmlns:a14="http://schemas.microsoft.com/office/drawing/2010/main" val="0"/>
+                  </a:ext>
+                </a:extLst>
+              </a:blip>
+              <a:srcRect/>
+              <a:stretch>
+                <a:fillRect/>
+              </a:stretch>
+            </p:blipFill>
+            <p:spPr bwMode="auto">
+              <a:xfrm>
+                <a:off x="1872187" y="3453989"/>
+                <a:ext cx="1049380" cy="1217281"/>
+              </a:xfrm>
+              <a:prstGeom prst="rect">
+                <a:avLst/>
+              </a:prstGeom>
+              <a:noFill/>
+              <a:scene3d>
+                <a:camera prst="isometricOffAxis2Right"/>
+                <a:lightRig rig="threePt" dir="t"/>
+              </a:scene3d>
+              <a:extLst>
+                <a:ext uri="{909E8E84-426E-40DD-AFC4-6F175D3DCCD1}">
+                  <a14:hiddenFill xmlns:a14="http://schemas.microsoft.com/office/drawing/2010/main">
+                    <a:solidFill>
+                      <a:srgbClr val="FFFFFF"/>
+                    </a:solidFill>
+                  </a14:hiddenFill>
+                </a:ext>
+              </a:extLst>
+            </p:spPr>
+          </p:pic>
+          <p:sp>
+            <p:nvSpPr>
+              <p:cNvPr id="116" name="箭头: 右 115">
+                <a:extLst>
+                  <a:ext uri="{FF2B5EF4-FFF2-40B4-BE49-F238E27FC236}">
+                    <a16:creationId xmlns:a16="http://schemas.microsoft.com/office/drawing/2014/main" id="{E2F4D3EF-B7CD-4650-A37A-6932D3358DDE}"/>
+                  </a:ext>
+                </a:extLst>
+              </p:cNvPr>
+              <p:cNvSpPr/>
+              <p:nvPr/>
+            </p:nvSpPr>
+            <p:spPr>
+              <a:xfrm>
+                <a:off x="1957927" y="2909608"/>
+                <a:ext cx="1113538" cy="123814"/>
+              </a:xfrm>
+              <a:prstGeom prst="rightArrow">
+                <a:avLst/>
+              </a:prstGeom>
+              <a:noFill/>
+            </p:spPr>
+            <p:style>
+              <a:lnRef idx="2">
+                <a:schemeClr val="accent1">
+                  <a:shade val="50000"/>
+                </a:schemeClr>
+              </a:lnRef>
+              <a:fillRef idx="1">
+                <a:schemeClr val="accent1"/>
+              </a:fillRef>
+              <a:effectRef idx="0">
+                <a:schemeClr val="accent1"/>
+              </a:effectRef>
+              <a:fontRef idx="minor">
+                <a:schemeClr val="lt1"/>
+              </a:fontRef>
+            </p:style>
+            <p:txBody>
+              <a:bodyPr rtlCol="0" anchor="ctr"/>
+              <a:lstStyle/>
+              <a:p>
+                <a:pPr algn="ctr"/>
+                <a:endParaRPr lang="zh-CN" altLang="en-US" sz="2400"/>
+              </a:p>
+            </p:txBody>
+          </p:sp>
+          <p:sp>
+            <p:nvSpPr>
+              <p:cNvPr id="117" name="文本框 116">
+                <a:extLst>
+                  <a:ext uri="{FF2B5EF4-FFF2-40B4-BE49-F238E27FC236}">
+                    <a16:creationId xmlns:a16="http://schemas.microsoft.com/office/drawing/2014/main" id="{9286BFD4-D7E8-42D9-8314-D98222A42CA6}"/>
+                  </a:ext>
+                </a:extLst>
+              </p:cNvPr>
+              <p:cNvSpPr txBox="1"/>
+              <p:nvPr/>
+            </p:nvSpPr>
+            <p:spPr>
+              <a:xfrm>
+                <a:off x="2013150" y="3074482"/>
+                <a:ext cx="1452924" cy="307777"/>
+              </a:xfrm>
+              <a:prstGeom prst="rect">
+                <a:avLst/>
+              </a:prstGeom>
+              <a:noFill/>
+            </p:spPr>
+            <p:txBody>
+              <a:bodyPr wrap="square" rtlCol="0">
+                <a:spAutoFit/>
+              </a:bodyPr>
+              <a:lstStyle/>
+              <a:p>
+                <a:r>
+                  <a:rPr lang="zh-CN" altLang="en-US" sz="1400" dirty="0"/>
+                  <a:t>更新结点特征</a:t>
+                </a:r>
+              </a:p>
+            </p:txBody>
+          </p:sp>
+          <p:sp>
+            <p:nvSpPr>
+              <p:cNvPr id="118" name="文本框 117">
+                <a:extLst>
+                  <a:ext uri="{FF2B5EF4-FFF2-40B4-BE49-F238E27FC236}">
+                    <a16:creationId xmlns:a16="http://schemas.microsoft.com/office/drawing/2014/main" id="{60810FD9-AD93-4E07-9880-6BC361DAB98F}"/>
+                  </a:ext>
+                </a:extLst>
+              </p:cNvPr>
+              <p:cNvSpPr txBox="1"/>
+              <p:nvPr/>
+            </p:nvSpPr>
+            <p:spPr>
+              <a:xfrm>
+                <a:off x="2105502" y="483089"/>
+                <a:ext cx="1452924" cy="307777"/>
+              </a:xfrm>
+              <a:prstGeom prst="rect">
+                <a:avLst/>
+              </a:prstGeom>
+              <a:noFill/>
+            </p:spPr>
+            <p:txBody>
+              <a:bodyPr wrap="square" rtlCol="0">
+                <a:spAutoFit/>
+              </a:bodyPr>
+              <a:lstStyle/>
+              <a:p>
+                <a:r>
+                  <a:rPr lang="zh-CN" altLang="en-US" sz="1400" dirty="0"/>
+                  <a:t>更新邻边特征</a:t>
+                </a:r>
+              </a:p>
+            </p:txBody>
+          </p:sp>
+        </p:grpSp>
+        <p:grpSp>
+          <p:nvGrpSpPr>
+            <p:cNvPr id="84" name="组合 83">
+              <a:extLst>
+                <a:ext uri="{FF2B5EF4-FFF2-40B4-BE49-F238E27FC236}">
+                  <a16:creationId xmlns:a16="http://schemas.microsoft.com/office/drawing/2014/main" id="{A796B18A-C303-4BCD-9468-242B02CC4160}"/>
+                </a:ext>
+              </a:extLst>
+            </p:cNvPr>
+            <p:cNvGrpSpPr/>
+            <p:nvPr/>
+          </p:nvGrpSpPr>
+          <p:grpSpPr>
+            <a:xfrm>
+              <a:off x="3171881" y="369395"/>
+              <a:ext cx="1189047" cy="2293085"/>
+              <a:chOff x="909203" y="3211920"/>
+              <a:chExt cx="1189047" cy="1938756"/>
+            </a:xfrm>
+          </p:grpSpPr>
+          <p:sp>
+            <p:nvSpPr>
+              <p:cNvPr id="92" name="矩形 91">
+                <a:extLst>
+                  <a:ext uri="{FF2B5EF4-FFF2-40B4-BE49-F238E27FC236}">
+                    <a16:creationId xmlns:a16="http://schemas.microsoft.com/office/drawing/2014/main" id="{4503F4CA-2A8D-406E-BE91-98044AEB4608}"/>
+                  </a:ext>
+                </a:extLst>
+              </p:cNvPr>
+              <p:cNvSpPr/>
+              <p:nvPr/>
+            </p:nvSpPr>
+            <p:spPr>
+              <a:xfrm>
+                <a:off x="909203" y="3211920"/>
+                <a:ext cx="1189047" cy="1408176"/>
+              </a:xfrm>
+              <a:prstGeom prst="rect">
+                <a:avLst/>
+              </a:prstGeom>
+              <a:noFill/>
+              <a:ln>
+                <a:solidFill>
+                  <a:schemeClr val="tx1"/>
+                </a:solidFill>
+              </a:ln>
+              <a:scene3d>
+                <a:camera prst="isometricOffAxis2Right"/>
+                <a:lightRig rig="threePt" dir="t"/>
+              </a:scene3d>
+            </p:spPr>
+            <p:style>
+              <a:lnRef idx="2">
+                <a:schemeClr val="accent6">
+                  <a:shade val="50000"/>
+                </a:schemeClr>
+              </a:lnRef>
+              <a:fillRef idx="1">
+                <a:schemeClr val="accent6"/>
+              </a:fillRef>
+              <a:effectRef idx="0">
+                <a:schemeClr val="accent6"/>
+              </a:effectRef>
+              <a:fontRef idx="minor">
+                <a:schemeClr val="lt1"/>
+              </a:fontRef>
+            </p:style>
+            <p:txBody>
+              <a:bodyPr rtlCol="0" anchor="ctr"/>
+              <a:lstStyle/>
+              <a:p>
+                <a:pPr algn="ctr"/>
+                <a:endParaRPr lang="zh-CN" altLang="en-US" sz="2400"/>
+              </a:p>
+            </p:txBody>
+          </p:sp>
+          <p:sp>
+            <p:nvSpPr>
+              <p:cNvPr id="95" name="文本框 94">
+                <a:extLst>
+                  <a:ext uri="{FF2B5EF4-FFF2-40B4-BE49-F238E27FC236}">
+                    <a16:creationId xmlns:a16="http://schemas.microsoft.com/office/drawing/2014/main" id="{89B2AB5B-F1C5-4B40-904C-C7A475601FC2}"/>
+                  </a:ext>
+                </a:extLst>
+              </p:cNvPr>
+              <p:cNvSpPr txBox="1"/>
+              <p:nvPr/>
+            </p:nvSpPr>
+            <p:spPr>
+              <a:xfrm>
+                <a:off x="1067144" y="4708304"/>
+                <a:ext cx="956002" cy="442372"/>
+              </a:xfrm>
+              <a:prstGeom prst="rect">
+                <a:avLst/>
+              </a:prstGeom>
+              <a:noFill/>
+            </p:spPr>
+            <p:txBody>
+              <a:bodyPr wrap="square" rtlCol="0">
+                <a:spAutoFit/>
+              </a:bodyPr>
+              <a:lstStyle/>
+              <a:p>
+                <a:r>
+                  <a:rPr lang="zh-CN" altLang="en-US" sz="1400" dirty="0"/>
+                  <a:t>邻边特征矩阵隐层</a:t>
+                </a:r>
+              </a:p>
+            </p:txBody>
+          </p:sp>
+          <p:sp>
+            <p:nvSpPr>
+              <p:cNvPr id="96" name="文本框 95">
+                <a:extLst>
+                  <a:ext uri="{FF2B5EF4-FFF2-40B4-BE49-F238E27FC236}">
+                    <a16:creationId xmlns:a16="http://schemas.microsoft.com/office/drawing/2014/main" id="{FBDF9FDE-F9D2-48F6-95EC-92C1CC5C3F3F}"/>
+                  </a:ext>
+                </a:extLst>
+              </p:cNvPr>
+              <p:cNvSpPr txBox="1"/>
+              <p:nvPr/>
+            </p:nvSpPr>
+            <p:spPr>
+              <a:xfrm>
+                <a:off x="1244286" y="4189002"/>
+                <a:ext cx="761158" cy="260219"/>
+              </a:xfrm>
+              <a:prstGeom prst="rect">
+                <a:avLst/>
+              </a:prstGeom>
+              <a:noFill/>
+            </p:spPr>
+            <p:txBody>
+              <a:bodyPr wrap="square" rtlCol="0">
+                <a:spAutoFit/>
+              </a:bodyPr>
+              <a:lstStyle/>
+              <a:p>
+                <a:r>
+                  <a:rPr lang="en-US" altLang="zh-CN" sz="1400" dirty="0"/>
+                  <a:t>m*64</a:t>
+                </a:r>
+                <a:endParaRPr lang="zh-CN" altLang="en-US" sz="1400" dirty="0"/>
+              </a:p>
+            </p:txBody>
+          </p:sp>
+        </p:grpSp>
+        <p:sp>
+          <p:nvSpPr>
+            <p:cNvPr id="86" name="箭头: 右 85">
+              <a:extLst>
+                <a:ext uri="{FF2B5EF4-FFF2-40B4-BE49-F238E27FC236}">
+                  <a16:creationId xmlns:a16="http://schemas.microsoft.com/office/drawing/2014/main" id="{B2B8854B-700D-4786-8BCC-D6CDECB02C40}"/>
+                </a:ext>
+              </a:extLst>
+            </p:cNvPr>
+            <p:cNvSpPr/>
+            <p:nvPr/>
+          </p:nvSpPr>
+          <p:spPr>
+            <a:xfrm rot="18353353">
+              <a:off x="1802712" y="2618131"/>
+              <a:ext cx="1885408" cy="113758"/>
+            </a:xfrm>
+            <a:prstGeom prst="rightArrow">
+              <a:avLst>
+                <a:gd name="adj1" fmla="val 50000"/>
+                <a:gd name="adj2" fmla="val 93105"/>
+              </a:avLst>
+            </a:prstGeom>
+            <a:noFill/>
+          </p:spPr>
+          <p:style>
+            <a:lnRef idx="2">
+              <a:schemeClr val="accent3">
+                <a:shade val="50000"/>
+              </a:schemeClr>
+            </a:lnRef>
+            <a:fillRef idx="1">
+              <a:schemeClr val="accent3"/>
+            </a:fillRef>
+            <a:effectRef idx="0">
+              <a:schemeClr val="accent3"/>
+            </a:effectRef>
+            <a:fontRef idx="minor">
+              <a:schemeClr val="lt1"/>
+            </a:fontRef>
+          </p:style>
+          <p:txBody>
+            <a:bodyPr rtlCol="0" anchor="ctr"/>
+            <a:lstStyle/>
+            <a:p>
+              <a:pPr algn="ctr"/>
+              <a:endParaRPr lang="zh-CN" altLang="en-US" sz="2400"/>
+            </a:p>
+          </p:txBody>
+        </p:sp>
+        <p:sp>
+          <p:nvSpPr>
+            <p:cNvPr id="89" name="箭头: 右 88">
+              <a:extLst>
+                <a:ext uri="{FF2B5EF4-FFF2-40B4-BE49-F238E27FC236}">
+                  <a16:creationId xmlns:a16="http://schemas.microsoft.com/office/drawing/2014/main" id="{F5C2B4A8-B6EE-45FD-8B1D-F916189C53C9}"/>
+                </a:ext>
+              </a:extLst>
+            </p:cNvPr>
+            <p:cNvSpPr/>
+            <p:nvPr/>
+          </p:nvSpPr>
+          <p:spPr>
+            <a:xfrm rot="3469275">
+              <a:off x="1736886" y="2784952"/>
+              <a:ext cx="1903239" cy="132106"/>
+            </a:xfrm>
+            <a:prstGeom prst="rightArrow">
+              <a:avLst>
+                <a:gd name="adj1" fmla="val 50000"/>
+                <a:gd name="adj2" fmla="val 85205"/>
+              </a:avLst>
+            </a:prstGeom>
+            <a:noFill/>
+          </p:spPr>
+          <p:style>
+            <a:lnRef idx="2">
+              <a:schemeClr val="accent3">
+                <a:shade val="50000"/>
+              </a:schemeClr>
+            </a:lnRef>
+            <a:fillRef idx="1">
+              <a:schemeClr val="accent3"/>
+            </a:fillRef>
+            <a:effectRef idx="0">
+              <a:schemeClr val="accent3"/>
+            </a:effectRef>
+            <a:fontRef idx="minor">
+              <a:schemeClr val="lt1"/>
+            </a:fontRef>
+          </p:style>
+          <p:txBody>
+            <a:bodyPr rtlCol="0" anchor="ctr"/>
+            <a:lstStyle/>
+            <a:p>
+              <a:pPr algn="ctr"/>
+              <a:endParaRPr lang="zh-CN" altLang="en-US" sz="2400"/>
+            </a:p>
+          </p:txBody>
+        </p:sp>
+      </p:grpSp>
+      <p:grpSp>
+        <p:nvGrpSpPr>
+          <p:cNvPr id="124" name="组合 123">
+            <a:extLst>
+              <a:ext uri="{FF2B5EF4-FFF2-40B4-BE49-F238E27FC236}">
+                <a16:creationId xmlns:a16="http://schemas.microsoft.com/office/drawing/2014/main" id="{C36EE880-0D2B-4CBA-BA95-8510D4064B33}"/>
+              </a:ext>
+            </a:extLst>
+          </p:cNvPr>
+          <p:cNvGrpSpPr/>
+          <p:nvPr/>
+        </p:nvGrpSpPr>
+        <p:grpSpPr>
+          <a:xfrm>
+            <a:off x="4188223" y="90569"/>
+            <a:ext cx="2251063" cy="5520872"/>
+            <a:chOff x="2109865" y="54887"/>
+            <a:chExt cx="2251063" cy="5520872"/>
+          </a:xfrm>
+        </p:grpSpPr>
+        <p:grpSp>
+          <p:nvGrpSpPr>
+            <p:cNvPr id="125" name="组合 124">
+              <a:extLst>
+                <a:ext uri="{FF2B5EF4-FFF2-40B4-BE49-F238E27FC236}">
+                  <a16:creationId xmlns:a16="http://schemas.microsoft.com/office/drawing/2014/main" id="{E8123570-7B70-4959-A6A7-B24B51534DE6}"/>
+                </a:ext>
+              </a:extLst>
+            </p:cNvPr>
+            <p:cNvGrpSpPr/>
+            <p:nvPr/>
+          </p:nvGrpSpPr>
+          <p:grpSpPr>
+            <a:xfrm>
+              <a:off x="2251114" y="54887"/>
+              <a:ext cx="1113538" cy="1795217"/>
+              <a:chOff x="1853397" y="2543236"/>
+              <a:chExt cx="1113538" cy="1795217"/>
+            </a:xfrm>
+          </p:grpSpPr>
+          <p:pic>
+            <p:nvPicPr>
+              <p:cNvPr id="141" name="Picture 2" descr="查看源图像">
+                <a:extLst>
+                  <a:ext uri="{FF2B5EF4-FFF2-40B4-BE49-F238E27FC236}">
+                    <a16:creationId xmlns:a16="http://schemas.microsoft.com/office/drawing/2014/main" id="{ACC0C3A3-3C1F-41AE-AC97-B728B57C7853}"/>
+                  </a:ext>
+                </a:extLst>
+              </p:cNvPr>
+              <p:cNvPicPr>
+                <a:picLocks noChangeAspect="1" noChangeArrowheads="1"/>
+              </p:cNvPicPr>
+              <p:nvPr/>
+            </p:nvPicPr>
+            <p:blipFill>
+              <a:blip r:embed="rId2">
+                <a:extLst>
+                  <a:ext uri="{28A0092B-C50C-407E-A947-70E740481C1C}">
+                    <a14:useLocalDpi xmlns:a14="http://schemas.microsoft.com/office/drawing/2010/main" val="0"/>
+                  </a:ext>
+                </a:extLst>
+              </a:blip>
+              <a:srcRect/>
+              <a:stretch>
+                <a:fillRect/>
+              </a:stretch>
+            </p:blipFill>
+            <p:spPr bwMode="auto">
+              <a:xfrm>
+                <a:off x="1882725" y="2543236"/>
+                <a:ext cx="1049380" cy="1217281"/>
+              </a:xfrm>
+              <a:prstGeom prst="rect">
+                <a:avLst/>
+              </a:prstGeom>
+              <a:noFill/>
+              <a:scene3d>
+                <a:camera prst="isometricOffAxis2Right"/>
+                <a:lightRig rig="threePt" dir="t"/>
+              </a:scene3d>
+              <a:extLst>
+                <a:ext uri="{909E8E84-426E-40DD-AFC4-6F175D3DCCD1}">
+                  <a14:hiddenFill xmlns:a14="http://schemas.microsoft.com/office/drawing/2010/main">
+                    <a:solidFill>
+                      <a:srgbClr val="FFFFFF"/>
+                    </a:solidFill>
+                  </a14:hiddenFill>
+                </a:ext>
+              </a:extLst>
+            </p:spPr>
+          </p:pic>
+          <p:sp>
+            <p:nvSpPr>
+              <p:cNvPr id="142" name="箭头: 右 141">
+                <a:extLst>
+                  <a:ext uri="{FF2B5EF4-FFF2-40B4-BE49-F238E27FC236}">
+                    <a16:creationId xmlns:a16="http://schemas.microsoft.com/office/drawing/2014/main" id="{A2960765-6000-4B66-B753-06A2CA6513D7}"/>
+                  </a:ext>
+                </a:extLst>
+              </p:cNvPr>
+              <p:cNvSpPr/>
+              <p:nvPr/>
+            </p:nvSpPr>
+            <p:spPr>
+              <a:xfrm>
+                <a:off x="1853397" y="4214639"/>
+                <a:ext cx="1113538" cy="123814"/>
+              </a:xfrm>
+              <a:prstGeom prst="rightArrow">
+                <a:avLst/>
+              </a:prstGeom>
+              <a:noFill/>
+            </p:spPr>
+            <p:style>
+              <a:lnRef idx="2">
+                <a:schemeClr val="accent1">
+                  <a:shade val="50000"/>
+                </a:schemeClr>
+              </a:lnRef>
+              <a:fillRef idx="1">
+                <a:schemeClr val="accent1"/>
+              </a:fillRef>
+              <a:effectRef idx="0">
+                <a:schemeClr val="accent1"/>
+              </a:effectRef>
+              <a:fontRef idx="minor">
+                <a:schemeClr val="lt1"/>
+              </a:fontRef>
+            </p:style>
+            <p:txBody>
+              <a:bodyPr rtlCol="0" anchor="ctr"/>
+              <a:lstStyle/>
+              <a:p>
+                <a:pPr algn="ctr"/>
+                <a:endParaRPr lang="zh-CN" altLang="en-US" sz="2400"/>
+              </a:p>
+            </p:txBody>
+          </p:sp>
+        </p:grpSp>
+        <p:grpSp>
+          <p:nvGrpSpPr>
+            <p:cNvPr id="126" name="组合 125">
+              <a:extLst>
+                <a:ext uri="{FF2B5EF4-FFF2-40B4-BE49-F238E27FC236}">
+                  <a16:creationId xmlns:a16="http://schemas.microsoft.com/office/drawing/2014/main" id="{1A1BC5CC-42E1-4E53-95D2-B0D0C35EA2CE}"/>
+                </a:ext>
+              </a:extLst>
+            </p:cNvPr>
+            <p:cNvGrpSpPr/>
+            <p:nvPr/>
+          </p:nvGrpSpPr>
+          <p:grpSpPr>
+            <a:xfrm>
+              <a:off x="3109229" y="3141129"/>
+              <a:ext cx="1189047" cy="1798916"/>
+              <a:chOff x="988467" y="3218190"/>
+              <a:chExt cx="1189047" cy="2156732"/>
+            </a:xfrm>
+          </p:grpSpPr>
+          <p:sp>
+            <p:nvSpPr>
+              <p:cNvPr id="138" name="矩形 137">
+                <a:extLst>
+                  <a:ext uri="{FF2B5EF4-FFF2-40B4-BE49-F238E27FC236}">
+                    <a16:creationId xmlns:a16="http://schemas.microsoft.com/office/drawing/2014/main" id="{B13A8097-56AF-439C-B702-F95F93993268}"/>
+                  </a:ext>
+                </a:extLst>
+              </p:cNvPr>
+              <p:cNvSpPr/>
+              <p:nvPr/>
+            </p:nvSpPr>
+            <p:spPr>
+              <a:xfrm>
+                <a:off x="988467" y="3218190"/>
+                <a:ext cx="1189047" cy="1408177"/>
+              </a:xfrm>
+              <a:prstGeom prst="rect">
+                <a:avLst/>
+              </a:prstGeom>
+              <a:noFill/>
+              <a:ln>
+                <a:solidFill>
+                  <a:schemeClr val="tx1"/>
+                </a:solidFill>
+              </a:ln>
+              <a:scene3d>
+                <a:camera prst="isometricOffAxis2Right"/>
+                <a:lightRig rig="threePt" dir="t"/>
+              </a:scene3d>
+            </p:spPr>
+            <p:style>
+              <a:lnRef idx="2">
+                <a:schemeClr val="accent6">
+                  <a:shade val="50000"/>
+                </a:schemeClr>
+              </a:lnRef>
+              <a:fillRef idx="1">
+                <a:schemeClr val="accent6"/>
+              </a:fillRef>
+              <a:effectRef idx="0">
+                <a:schemeClr val="accent6"/>
+              </a:effectRef>
+              <a:fontRef idx="minor">
+                <a:schemeClr val="lt1"/>
+              </a:fontRef>
+            </p:style>
+            <p:txBody>
+              <a:bodyPr rtlCol="0" anchor="ctr"/>
+              <a:lstStyle/>
+              <a:p>
+                <a:pPr algn="ctr"/>
+                <a:endParaRPr lang="zh-CN" altLang="en-US" sz="2400"/>
+              </a:p>
+            </p:txBody>
+          </p:sp>
+          <p:sp>
+            <p:nvSpPr>
+              <p:cNvPr id="139" name="文本框 138">
+                <a:extLst>
+                  <a:ext uri="{FF2B5EF4-FFF2-40B4-BE49-F238E27FC236}">
+                    <a16:creationId xmlns:a16="http://schemas.microsoft.com/office/drawing/2014/main" id="{63A994FC-B3C5-419F-8314-0AD50BB607F7}"/>
+                  </a:ext>
+                </a:extLst>
+              </p:cNvPr>
+              <p:cNvSpPr txBox="1"/>
+              <p:nvPr/>
+            </p:nvSpPr>
+            <p:spPr>
+              <a:xfrm>
+                <a:off x="1188381" y="4747630"/>
+                <a:ext cx="941376" cy="627292"/>
+              </a:xfrm>
+              <a:prstGeom prst="rect">
+                <a:avLst/>
+              </a:prstGeom>
+              <a:noFill/>
+            </p:spPr>
+            <p:txBody>
+              <a:bodyPr wrap="square" rtlCol="0">
+                <a:spAutoFit/>
+              </a:bodyPr>
+              <a:lstStyle/>
+              <a:p>
+                <a:r>
+                  <a:rPr lang="zh-CN" altLang="en-US" sz="1400" dirty="0"/>
+                  <a:t>结点特征矩阵隐层</a:t>
+                </a:r>
+              </a:p>
+            </p:txBody>
+          </p:sp>
+          <p:sp>
+            <p:nvSpPr>
+              <p:cNvPr id="140" name="文本框 139">
+                <a:extLst>
+                  <a:ext uri="{FF2B5EF4-FFF2-40B4-BE49-F238E27FC236}">
+                    <a16:creationId xmlns:a16="http://schemas.microsoft.com/office/drawing/2014/main" id="{9BC8D078-467F-4EDF-AEFD-748035061ECE}"/>
+                  </a:ext>
+                </a:extLst>
+              </p:cNvPr>
+              <p:cNvSpPr txBox="1"/>
+              <p:nvPr/>
+            </p:nvSpPr>
+            <p:spPr>
+              <a:xfrm>
+                <a:off x="1326958" y="3980663"/>
+                <a:ext cx="602862" cy="368996"/>
+              </a:xfrm>
+              <a:prstGeom prst="rect">
+                <a:avLst/>
+              </a:prstGeom>
+              <a:noFill/>
+            </p:spPr>
+            <p:txBody>
+              <a:bodyPr wrap="square" rtlCol="0">
+                <a:spAutoFit/>
+              </a:bodyPr>
+              <a:lstStyle/>
+              <a:p>
+                <a:r>
+                  <a:rPr lang="en-US" altLang="zh-CN" sz="1400" dirty="0"/>
+                  <a:t>n*64</a:t>
+                </a:r>
+                <a:endParaRPr lang="zh-CN" altLang="en-US" sz="1400" dirty="0"/>
+              </a:p>
+            </p:txBody>
+          </p:sp>
+        </p:grpSp>
+        <p:grpSp>
+          <p:nvGrpSpPr>
+            <p:cNvPr id="127" name="组合 126">
+              <a:extLst>
+                <a:ext uri="{FF2B5EF4-FFF2-40B4-BE49-F238E27FC236}">
+                  <a16:creationId xmlns:a16="http://schemas.microsoft.com/office/drawing/2014/main" id="{501E5469-FB96-4133-B2D9-D762F12FEFC7}"/>
+                </a:ext>
+              </a:extLst>
+            </p:cNvPr>
+            <p:cNvGrpSpPr/>
+            <p:nvPr/>
+          </p:nvGrpSpPr>
+          <p:grpSpPr>
+            <a:xfrm>
+              <a:off x="2109865" y="1399931"/>
+              <a:ext cx="1610833" cy="4175828"/>
+              <a:chOff x="1872187" y="495442"/>
+              <a:chExt cx="1610833" cy="4175828"/>
+            </a:xfrm>
+          </p:grpSpPr>
+          <p:pic>
+            <p:nvPicPr>
+              <p:cNvPr id="134" name="Picture 2" descr="查看源图像">
+                <a:extLst>
+                  <a:ext uri="{FF2B5EF4-FFF2-40B4-BE49-F238E27FC236}">
+                    <a16:creationId xmlns:a16="http://schemas.microsoft.com/office/drawing/2014/main" id="{EE43B45A-7AAC-48F9-9C91-B522402442A4}"/>
+                  </a:ext>
+                </a:extLst>
+              </p:cNvPr>
+              <p:cNvPicPr>
+                <a:picLocks noChangeAspect="1" noChangeArrowheads="1"/>
+              </p:cNvPicPr>
+              <p:nvPr/>
+            </p:nvPicPr>
+            <p:blipFill>
+              <a:blip r:embed="rId2">
+                <a:extLst>
+                  <a:ext uri="{28A0092B-C50C-407E-A947-70E740481C1C}">
+                    <a14:useLocalDpi xmlns:a14="http://schemas.microsoft.com/office/drawing/2010/main" val="0"/>
+                  </a:ext>
+                </a:extLst>
+              </a:blip>
+              <a:srcRect/>
+              <a:stretch>
+                <a:fillRect/>
+              </a:stretch>
+            </p:blipFill>
+            <p:spPr bwMode="auto">
+              <a:xfrm>
+                <a:off x="1872187" y="3453989"/>
+                <a:ext cx="1049380" cy="1217281"/>
+              </a:xfrm>
+              <a:prstGeom prst="rect">
+                <a:avLst/>
+              </a:prstGeom>
+              <a:noFill/>
+              <a:scene3d>
+                <a:camera prst="isometricOffAxis2Right"/>
+                <a:lightRig rig="threePt" dir="t"/>
+              </a:scene3d>
+              <a:extLst>
+                <a:ext uri="{909E8E84-426E-40DD-AFC4-6F175D3DCCD1}">
+                  <a14:hiddenFill xmlns:a14="http://schemas.microsoft.com/office/drawing/2010/main">
+                    <a:solidFill>
+                      <a:srgbClr val="FFFFFF"/>
+                    </a:solidFill>
+                  </a14:hiddenFill>
+                </a:ext>
+              </a:extLst>
+            </p:spPr>
+          </p:pic>
+          <p:sp>
+            <p:nvSpPr>
+              <p:cNvPr id="135" name="箭头: 右 134">
+                <a:extLst>
+                  <a:ext uri="{FF2B5EF4-FFF2-40B4-BE49-F238E27FC236}">
+                    <a16:creationId xmlns:a16="http://schemas.microsoft.com/office/drawing/2014/main" id="{24DCC05F-08FD-474F-8987-83DCB66055E3}"/>
+                  </a:ext>
+                </a:extLst>
+              </p:cNvPr>
+              <p:cNvSpPr/>
+              <p:nvPr/>
+            </p:nvSpPr>
+            <p:spPr>
+              <a:xfrm>
+                <a:off x="1957927" y="2909608"/>
+                <a:ext cx="1113538" cy="123814"/>
+              </a:xfrm>
+              <a:prstGeom prst="rightArrow">
+                <a:avLst/>
+              </a:prstGeom>
+              <a:noFill/>
+            </p:spPr>
+            <p:style>
+              <a:lnRef idx="2">
+                <a:schemeClr val="accent1">
+                  <a:shade val="50000"/>
+                </a:schemeClr>
+              </a:lnRef>
+              <a:fillRef idx="1">
+                <a:schemeClr val="accent1"/>
+              </a:fillRef>
+              <a:effectRef idx="0">
+                <a:schemeClr val="accent1"/>
+              </a:effectRef>
+              <a:fontRef idx="minor">
+                <a:schemeClr val="lt1"/>
+              </a:fontRef>
+            </p:style>
+            <p:txBody>
+              <a:bodyPr rtlCol="0" anchor="ctr"/>
+              <a:lstStyle/>
+              <a:p>
+                <a:pPr algn="ctr"/>
+                <a:endParaRPr lang="zh-CN" altLang="en-US" sz="2400"/>
+              </a:p>
+            </p:txBody>
+          </p:sp>
+          <p:sp>
+            <p:nvSpPr>
+              <p:cNvPr id="136" name="文本框 135">
+                <a:extLst>
+                  <a:ext uri="{FF2B5EF4-FFF2-40B4-BE49-F238E27FC236}">
+                    <a16:creationId xmlns:a16="http://schemas.microsoft.com/office/drawing/2014/main" id="{6CCA267B-4704-4B93-8AC2-2098B81672DF}"/>
+                  </a:ext>
+                </a:extLst>
+              </p:cNvPr>
+              <p:cNvSpPr txBox="1"/>
+              <p:nvPr/>
+            </p:nvSpPr>
+            <p:spPr>
+              <a:xfrm>
+                <a:off x="2013436" y="3061068"/>
+                <a:ext cx="1452924" cy="307777"/>
+              </a:xfrm>
+              <a:prstGeom prst="rect">
+                <a:avLst/>
+              </a:prstGeom>
+              <a:noFill/>
+            </p:spPr>
+            <p:txBody>
+              <a:bodyPr wrap="square" rtlCol="0">
+                <a:spAutoFit/>
+              </a:bodyPr>
+              <a:lstStyle/>
+              <a:p>
+                <a:r>
+                  <a:rPr lang="zh-CN" altLang="en-US" sz="1400" dirty="0"/>
+                  <a:t>更新结点特征</a:t>
+                </a:r>
+              </a:p>
+            </p:txBody>
+          </p:sp>
+          <p:sp>
+            <p:nvSpPr>
+              <p:cNvPr id="137" name="文本框 136">
+                <a:extLst>
+                  <a:ext uri="{FF2B5EF4-FFF2-40B4-BE49-F238E27FC236}">
+                    <a16:creationId xmlns:a16="http://schemas.microsoft.com/office/drawing/2014/main" id="{F9D1DB30-4A22-4A38-8871-5149562772D5}"/>
+                  </a:ext>
+                </a:extLst>
+              </p:cNvPr>
+              <p:cNvSpPr txBox="1"/>
+              <p:nvPr/>
+            </p:nvSpPr>
+            <p:spPr>
+              <a:xfrm>
+                <a:off x="2030096" y="495442"/>
+                <a:ext cx="1452924" cy="307777"/>
+              </a:xfrm>
+              <a:prstGeom prst="rect">
+                <a:avLst/>
+              </a:prstGeom>
+              <a:noFill/>
+            </p:spPr>
+            <p:txBody>
+              <a:bodyPr wrap="square" rtlCol="0">
+                <a:spAutoFit/>
+              </a:bodyPr>
+              <a:lstStyle/>
+              <a:p>
+                <a:r>
+                  <a:rPr lang="zh-CN" altLang="en-US" sz="1400" dirty="0"/>
+                  <a:t>更新邻边特征</a:t>
+                </a:r>
+              </a:p>
+            </p:txBody>
+          </p:sp>
+        </p:grpSp>
+        <p:grpSp>
+          <p:nvGrpSpPr>
+            <p:cNvPr id="128" name="组合 127">
+              <a:extLst>
+                <a:ext uri="{FF2B5EF4-FFF2-40B4-BE49-F238E27FC236}">
+                  <a16:creationId xmlns:a16="http://schemas.microsoft.com/office/drawing/2014/main" id="{FB021FE3-67E1-441D-A654-FD2D638CA4BD}"/>
+                </a:ext>
+              </a:extLst>
+            </p:cNvPr>
+            <p:cNvGrpSpPr/>
+            <p:nvPr/>
+          </p:nvGrpSpPr>
+          <p:grpSpPr>
+            <a:xfrm>
+              <a:off x="3171881" y="369393"/>
+              <a:ext cx="1189047" cy="2293231"/>
+              <a:chOff x="909203" y="3211920"/>
+              <a:chExt cx="1189047" cy="1938880"/>
+            </a:xfrm>
+          </p:grpSpPr>
+          <p:sp>
+            <p:nvSpPr>
+              <p:cNvPr id="131" name="矩形 130">
+                <a:extLst>
+                  <a:ext uri="{FF2B5EF4-FFF2-40B4-BE49-F238E27FC236}">
+                    <a16:creationId xmlns:a16="http://schemas.microsoft.com/office/drawing/2014/main" id="{1EE53649-C5D5-4B86-9A0C-1812B6AF02B8}"/>
+                  </a:ext>
+                </a:extLst>
+              </p:cNvPr>
+              <p:cNvSpPr/>
+              <p:nvPr/>
+            </p:nvSpPr>
+            <p:spPr>
+              <a:xfrm>
+                <a:off x="909203" y="3211920"/>
+                <a:ext cx="1189047" cy="1408176"/>
+              </a:xfrm>
+              <a:prstGeom prst="rect">
+                <a:avLst/>
+              </a:prstGeom>
+              <a:noFill/>
+              <a:ln>
+                <a:solidFill>
+                  <a:schemeClr val="tx1"/>
+                </a:solidFill>
+              </a:ln>
+              <a:scene3d>
+                <a:camera prst="isometricOffAxis2Right"/>
+                <a:lightRig rig="threePt" dir="t"/>
+              </a:scene3d>
+            </p:spPr>
+            <p:style>
+              <a:lnRef idx="2">
+                <a:schemeClr val="accent6">
+                  <a:shade val="50000"/>
+                </a:schemeClr>
+              </a:lnRef>
+              <a:fillRef idx="1">
+                <a:schemeClr val="accent6"/>
+              </a:fillRef>
+              <a:effectRef idx="0">
+                <a:schemeClr val="accent6"/>
+              </a:effectRef>
+              <a:fontRef idx="minor">
+                <a:schemeClr val="lt1"/>
+              </a:fontRef>
+            </p:style>
+            <p:txBody>
+              <a:bodyPr rtlCol="0" anchor="ctr"/>
+              <a:lstStyle/>
+              <a:p>
+                <a:pPr algn="ctr"/>
+                <a:endParaRPr lang="zh-CN" altLang="en-US" sz="2400"/>
+              </a:p>
+            </p:txBody>
+          </p:sp>
+          <p:sp>
+            <p:nvSpPr>
+              <p:cNvPr id="132" name="文本框 131">
+                <a:extLst>
+                  <a:ext uri="{FF2B5EF4-FFF2-40B4-BE49-F238E27FC236}">
+                    <a16:creationId xmlns:a16="http://schemas.microsoft.com/office/drawing/2014/main" id="{9623C143-26FC-4A4C-BC02-EC8623C30C90}"/>
+                  </a:ext>
+                </a:extLst>
+              </p:cNvPr>
+              <p:cNvSpPr txBox="1"/>
+              <p:nvPr/>
+            </p:nvSpPr>
+            <p:spPr>
+              <a:xfrm>
+                <a:off x="1082784" y="4708428"/>
+                <a:ext cx="907865" cy="442372"/>
+              </a:xfrm>
+              <a:prstGeom prst="rect">
+                <a:avLst/>
+              </a:prstGeom>
+              <a:noFill/>
+            </p:spPr>
+            <p:txBody>
+              <a:bodyPr wrap="square" rtlCol="0">
+                <a:spAutoFit/>
+              </a:bodyPr>
+              <a:lstStyle/>
+              <a:p>
+                <a:r>
+                  <a:rPr lang="zh-CN" altLang="en-US" sz="1400" dirty="0"/>
+                  <a:t>邻边特征矩阵隐层</a:t>
+                </a:r>
+              </a:p>
+            </p:txBody>
+          </p:sp>
+          <p:sp>
+            <p:nvSpPr>
+              <p:cNvPr id="133" name="文本框 132">
+                <a:extLst>
+                  <a:ext uri="{FF2B5EF4-FFF2-40B4-BE49-F238E27FC236}">
+                    <a16:creationId xmlns:a16="http://schemas.microsoft.com/office/drawing/2014/main" id="{7FD6D2E2-F09B-43D5-919F-38C035CF7905}"/>
+                  </a:ext>
+                </a:extLst>
+              </p:cNvPr>
+              <p:cNvSpPr txBox="1"/>
+              <p:nvPr/>
+            </p:nvSpPr>
+            <p:spPr>
+              <a:xfrm>
+                <a:off x="1213077" y="4245811"/>
+                <a:ext cx="761158" cy="260219"/>
+              </a:xfrm>
+              <a:prstGeom prst="rect">
+                <a:avLst/>
+              </a:prstGeom>
+              <a:noFill/>
+            </p:spPr>
+            <p:txBody>
+              <a:bodyPr wrap="square" rtlCol="0">
+                <a:spAutoFit/>
+              </a:bodyPr>
+              <a:lstStyle/>
+              <a:p>
+                <a:r>
+                  <a:rPr lang="en-US" altLang="zh-CN" sz="1400" dirty="0"/>
+                  <a:t>m*64</a:t>
+                </a:r>
+                <a:endParaRPr lang="zh-CN" altLang="en-US" sz="1400" dirty="0"/>
+              </a:p>
+            </p:txBody>
+          </p:sp>
+        </p:grpSp>
+        <p:sp>
+          <p:nvSpPr>
+            <p:cNvPr id="129" name="箭头: 右 128">
+              <a:extLst>
+                <a:ext uri="{FF2B5EF4-FFF2-40B4-BE49-F238E27FC236}">
+                  <a16:creationId xmlns:a16="http://schemas.microsoft.com/office/drawing/2014/main" id="{959ECB43-CB03-4FD6-9DC5-F2CCF516B24E}"/>
+                </a:ext>
+              </a:extLst>
+            </p:cNvPr>
+            <p:cNvSpPr/>
+            <p:nvPr/>
+          </p:nvSpPr>
+          <p:spPr>
+            <a:xfrm rot="18353353">
+              <a:off x="1806912" y="2615986"/>
+              <a:ext cx="1885408" cy="124126"/>
+            </a:xfrm>
+            <a:prstGeom prst="rightArrow">
+              <a:avLst>
+                <a:gd name="adj1" fmla="val 50000"/>
+                <a:gd name="adj2" fmla="val 93105"/>
+              </a:avLst>
+            </a:prstGeom>
+            <a:noFill/>
+          </p:spPr>
+          <p:style>
+            <a:lnRef idx="2">
+              <a:schemeClr val="accent3">
+                <a:shade val="50000"/>
+              </a:schemeClr>
+            </a:lnRef>
+            <a:fillRef idx="1">
+              <a:schemeClr val="accent3"/>
+            </a:fillRef>
+            <a:effectRef idx="0">
+              <a:schemeClr val="accent3"/>
+            </a:effectRef>
+            <a:fontRef idx="minor">
+              <a:schemeClr val="lt1"/>
+            </a:fontRef>
+          </p:style>
+          <p:txBody>
+            <a:bodyPr rtlCol="0" anchor="ctr"/>
+            <a:lstStyle/>
+            <a:p>
+              <a:pPr algn="ctr"/>
+              <a:endParaRPr lang="zh-CN" altLang="en-US" sz="2400"/>
+            </a:p>
+          </p:txBody>
+        </p:sp>
+        <p:sp>
+          <p:nvSpPr>
+            <p:cNvPr id="130" name="箭头: 右 129">
+              <a:extLst>
+                <a:ext uri="{FF2B5EF4-FFF2-40B4-BE49-F238E27FC236}">
+                  <a16:creationId xmlns:a16="http://schemas.microsoft.com/office/drawing/2014/main" id="{CB04EF8D-F9AB-401F-BB0B-812D855D92B2}"/>
+                </a:ext>
+              </a:extLst>
+            </p:cNvPr>
+            <p:cNvSpPr/>
+            <p:nvPr/>
+          </p:nvSpPr>
+          <p:spPr>
+            <a:xfrm rot="3469275">
+              <a:off x="1736886" y="2784952"/>
+              <a:ext cx="1903239" cy="132106"/>
+            </a:xfrm>
+            <a:prstGeom prst="rightArrow">
+              <a:avLst>
+                <a:gd name="adj1" fmla="val 50000"/>
+                <a:gd name="adj2" fmla="val 85205"/>
+              </a:avLst>
+            </a:prstGeom>
+            <a:noFill/>
+          </p:spPr>
+          <p:style>
+            <a:lnRef idx="2">
+              <a:schemeClr val="accent3">
+                <a:shade val="50000"/>
+              </a:schemeClr>
+            </a:lnRef>
+            <a:fillRef idx="1">
+              <a:schemeClr val="accent3"/>
+            </a:fillRef>
+            <a:effectRef idx="0">
+              <a:schemeClr val="accent3"/>
+            </a:effectRef>
+            <a:fontRef idx="minor">
+              <a:schemeClr val="lt1"/>
+            </a:fontRef>
+          </p:style>
+          <p:txBody>
+            <a:bodyPr rtlCol="0" anchor="ctr"/>
+            <a:lstStyle/>
+            <a:p>
+              <a:pPr algn="ctr"/>
+              <a:endParaRPr lang="zh-CN" altLang="en-US" sz="2400"/>
+            </a:p>
+          </p:txBody>
+        </p:sp>
+      </p:grpSp>
+      <p:grpSp>
+        <p:nvGrpSpPr>
+          <p:cNvPr id="143" name="组合 142">
+            <a:extLst>
+              <a:ext uri="{FF2B5EF4-FFF2-40B4-BE49-F238E27FC236}">
+                <a16:creationId xmlns:a16="http://schemas.microsoft.com/office/drawing/2014/main" id="{2F384D32-F89B-4F4E-BE75-84771502A4D8}"/>
+              </a:ext>
+            </a:extLst>
+          </p:cNvPr>
+          <p:cNvGrpSpPr/>
+          <p:nvPr/>
+        </p:nvGrpSpPr>
+        <p:grpSpPr>
+          <a:xfrm>
+            <a:off x="6710557" y="1491952"/>
+            <a:ext cx="1799178" cy="468675"/>
+            <a:chOff x="5801850" y="4011835"/>
+            <a:chExt cx="1799178" cy="468675"/>
+          </a:xfrm>
+        </p:grpSpPr>
+        <p:sp>
+          <p:nvSpPr>
+            <p:cNvPr id="144" name="矩形 143">
+              <a:extLst>
+                <a:ext uri="{FF2B5EF4-FFF2-40B4-BE49-F238E27FC236}">
+                  <a16:creationId xmlns:a16="http://schemas.microsoft.com/office/drawing/2014/main" id="{5BCAE87F-E4BA-4CFF-83D9-D1296E8C85B4}"/>
+                </a:ext>
+              </a:extLst>
+            </p:cNvPr>
+            <p:cNvSpPr/>
+            <p:nvPr/>
+          </p:nvSpPr>
+          <p:spPr>
+            <a:xfrm>
+              <a:off x="5801850" y="4373748"/>
+              <a:ext cx="1232828" cy="106762"/>
+            </a:xfrm>
+            <a:prstGeom prst="rect">
+              <a:avLst/>
+            </a:prstGeom>
+            <a:solidFill>
+              <a:schemeClr val="accent1">
+                <a:lumMod val="60000"/>
+                <a:lumOff val="40000"/>
+              </a:schemeClr>
+            </a:solidFill>
+            <a:ln>
+              <a:solidFill>
+                <a:schemeClr val="tx1"/>
+              </a:solidFill>
+            </a:ln>
+            <a:scene3d>
+              <a:camera prst="isometricOffAxis2Right"/>
+              <a:lightRig rig="threePt" dir="t"/>
+            </a:scene3d>
+          </p:spPr>
+          <p:style>
+            <a:lnRef idx="2">
+              <a:schemeClr val="accent6">
+                <a:shade val="50000"/>
+              </a:schemeClr>
+            </a:lnRef>
+            <a:fillRef idx="1">
+              <a:schemeClr val="accent6"/>
+            </a:fillRef>
+            <a:effectRef idx="0">
+              <a:schemeClr val="accent6"/>
+            </a:effectRef>
+            <a:fontRef idx="minor">
+              <a:schemeClr val="lt1"/>
+            </a:fontRef>
+          </p:style>
+          <p:txBody>
+            <a:bodyPr rtlCol="0" anchor="ctr"/>
+            <a:lstStyle/>
+            <a:p>
+              <a:pPr algn="ctr"/>
+              <a:endParaRPr lang="zh-CN" altLang="en-US" sz="2400" dirty="0"/>
+            </a:p>
+          </p:txBody>
+        </p:sp>
+        <p:sp>
+          <p:nvSpPr>
+            <p:cNvPr id="145" name="矩形 144">
+              <a:extLst>
+                <a:ext uri="{FF2B5EF4-FFF2-40B4-BE49-F238E27FC236}">
+                  <a16:creationId xmlns:a16="http://schemas.microsoft.com/office/drawing/2014/main" id="{3D3AF563-9875-402E-A04C-5494558395F8}"/>
+                </a:ext>
+              </a:extLst>
+            </p:cNvPr>
+            <p:cNvSpPr/>
+            <p:nvPr/>
+          </p:nvSpPr>
+          <p:spPr>
+            <a:xfrm>
+              <a:off x="6368200" y="4011835"/>
+              <a:ext cx="1232828" cy="106762"/>
+            </a:xfrm>
+            <a:prstGeom prst="rect">
+              <a:avLst/>
+            </a:prstGeom>
+            <a:solidFill>
+              <a:schemeClr val="accent1">
+                <a:lumMod val="75000"/>
+              </a:schemeClr>
+            </a:solidFill>
+            <a:ln>
+              <a:solidFill>
+                <a:schemeClr val="tx1"/>
+              </a:solidFill>
+            </a:ln>
+            <a:scene3d>
+              <a:camera prst="isometricOffAxis2Right"/>
+              <a:lightRig rig="threePt" dir="t"/>
+            </a:scene3d>
+          </p:spPr>
+          <p:style>
+            <a:lnRef idx="2">
+              <a:schemeClr val="accent6">
+                <a:shade val="50000"/>
+              </a:schemeClr>
+            </a:lnRef>
+            <a:fillRef idx="1">
+              <a:schemeClr val="accent6"/>
+            </a:fillRef>
+            <a:effectRef idx="0">
+              <a:schemeClr val="accent6"/>
+            </a:effectRef>
+            <a:fontRef idx="minor">
+              <a:schemeClr val="lt1"/>
+            </a:fontRef>
+          </p:style>
+          <p:txBody>
+            <a:bodyPr rtlCol="0" anchor="ctr"/>
+            <a:lstStyle/>
+            <a:p>
+              <a:pPr algn="ctr"/>
+              <a:endParaRPr lang="zh-CN" altLang="en-US" sz="2400"/>
+            </a:p>
+          </p:txBody>
+        </p:sp>
+      </p:grpSp>
+      <p:sp>
+        <p:nvSpPr>
+          <p:cNvPr id="146" name="箭头: 右 145">
+            <a:extLst>
+              <a:ext uri="{FF2B5EF4-FFF2-40B4-BE49-F238E27FC236}">
+                <a16:creationId xmlns:a16="http://schemas.microsoft.com/office/drawing/2014/main" id="{5D4C2596-5E43-4C56-8511-7C7FD8A6236E}"/>
+              </a:ext>
+            </a:extLst>
+          </p:cNvPr>
+          <p:cNvSpPr/>
+          <p:nvPr/>
+        </p:nvSpPr>
+        <p:spPr>
+          <a:xfrm>
+            <a:off x="6221311" y="1598714"/>
+            <a:ext cx="1113538" cy="123814"/>
+          </a:xfrm>
+          <a:prstGeom prst="rightArrow">
+            <a:avLst/>
+          </a:prstGeom>
+          <a:noFill/>
+        </p:spPr>
+        <p:style>
+          <a:lnRef idx="2">
+            <a:schemeClr val="accent1">
+              <a:shade val="50000"/>
+            </a:schemeClr>
+          </a:lnRef>
+          <a:fillRef idx="1">
+            <a:schemeClr val="accent1"/>
+          </a:fillRef>
+          <a:effectRef idx="0">
+            <a:schemeClr val="accent1"/>
+          </a:effectRef>
+          <a:fontRef idx="minor">
+            <a:schemeClr val="lt1"/>
+          </a:fontRef>
+        </p:style>
+        <p:txBody>
+          <a:bodyPr rtlCol="0" anchor="ctr"/>
+          <a:lstStyle/>
+          <a:p>
+            <a:pPr algn="ctr"/>
+            <a:endParaRPr lang="zh-CN" altLang="en-US" sz="2400"/>
+          </a:p>
+        </p:txBody>
+      </p:sp>
+      <p:sp>
+        <p:nvSpPr>
+          <p:cNvPr id="147" name="文本框 146">
+            <a:extLst>
+              <a:ext uri="{FF2B5EF4-FFF2-40B4-BE49-F238E27FC236}">
+                <a16:creationId xmlns:a16="http://schemas.microsoft.com/office/drawing/2014/main" id="{7520A2C6-03A8-4F22-828E-7AD836D6FC66}"/>
+              </a:ext>
+            </a:extLst>
+          </p:cNvPr>
+          <p:cNvSpPr txBox="1"/>
+          <p:nvPr/>
+        </p:nvSpPr>
+        <p:spPr>
+          <a:xfrm>
+            <a:off x="6163622" y="898743"/>
+            <a:ext cx="1321224" cy="738664"/>
+          </a:xfrm>
+          <a:prstGeom prst="rect">
+            <a:avLst/>
+          </a:prstGeom>
+          <a:noFill/>
+        </p:spPr>
+        <p:txBody>
+          <a:bodyPr wrap="square" rtlCol="0">
+            <a:spAutoFit/>
+          </a:bodyPr>
+          <a:lstStyle/>
+          <a:p>
+            <a:r>
+              <a:rPr lang="zh-CN" altLang="en-US" sz="1400" dirty="0"/>
+              <a:t>邻边</a:t>
+            </a:r>
+            <a:endParaRPr lang="en-US" altLang="zh-CN" sz="1400" dirty="0"/>
+          </a:p>
+          <a:p>
+            <a:r>
+              <a:rPr lang="zh-CN" altLang="en-US" sz="1400" dirty="0"/>
+              <a:t>平均值池化</a:t>
+            </a:r>
+            <a:endParaRPr lang="en-US" altLang="zh-CN" sz="1400" dirty="0"/>
+          </a:p>
+          <a:p>
+            <a:r>
+              <a:rPr lang="zh-CN" altLang="en-US" sz="1400" dirty="0"/>
+              <a:t>最大值池化</a:t>
+            </a:r>
+          </a:p>
+        </p:txBody>
+      </p:sp>
+      <p:sp>
+        <p:nvSpPr>
+          <p:cNvPr id="148" name="右大括号 147">
+            <a:extLst>
+              <a:ext uri="{FF2B5EF4-FFF2-40B4-BE49-F238E27FC236}">
+                <a16:creationId xmlns:a16="http://schemas.microsoft.com/office/drawing/2014/main" id="{3C564F0B-3764-4AC8-B8AD-057C963BA1CC}"/>
+              </a:ext>
+            </a:extLst>
+          </p:cNvPr>
+          <p:cNvSpPr/>
+          <p:nvPr/>
+        </p:nvSpPr>
+        <p:spPr>
+          <a:xfrm>
+            <a:off x="8199120" y="1545333"/>
+            <a:ext cx="162578" cy="2158131"/>
+          </a:xfrm>
+          <a:prstGeom prst="rightBrace">
+            <a:avLst/>
+          </a:prstGeom>
+          <a:ln w="19050"/>
+        </p:spPr>
+        <p:style>
+          <a:lnRef idx="1">
+            <a:schemeClr val="accent1"/>
+          </a:lnRef>
+          <a:fillRef idx="0">
+            <a:schemeClr val="accent1"/>
+          </a:fillRef>
+          <a:effectRef idx="0">
+            <a:schemeClr val="accent1"/>
+          </a:effectRef>
+          <a:fontRef idx="minor">
+            <a:schemeClr val="tx1"/>
+          </a:fontRef>
+        </p:style>
+        <p:txBody>
+          <a:bodyPr rtlCol="0" anchor="ctr"/>
+          <a:lstStyle/>
+          <a:p>
+            <a:pPr algn="ctr"/>
+            <a:endParaRPr lang="zh-CN" altLang="en-US" sz="2400"/>
+          </a:p>
+        </p:txBody>
+      </p:sp>
+      <p:sp>
+        <p:nvSpPr>
+          <p:cNvPr id="149" name="矩形 148">
+            <a:extLst>
+              <a:ext uri="{FF2B5EF4-FFF2-40B4-BE49-F238E27FC236}">
+                <a16:creationId xmlns:a16="http://schemas.microsoft.com/office/drawing/2014/main" id="{6BE85541-45EB-4E6F-9947-A9C976CCB32A}"/>
+              </a:ext>
+            </a:extLst>
+          </p:cNvPr>
+          <p:cNvSpPr/>
+          <p:nvPr/>
+        </p:nvSpPr>
+        <p:spPr>
+          <a:xfrm>
+            <a:off x="8474414" y="1806050"/>
+            <a:ext cx="202710" cy="356735"/>
+          </a:xfrm>
+          <a:prstGeom prst="rect">
+            <a:avLst/>
+          </a:prstGeom>
+          <a:solidFill>
+            <a:schemeClr val="accent1">
+              <a:lumMod val="60000"/>
+              <a:lumOff val="40000"/>
+            </a:schemeClr>
+          </a:solidFill>
+          <a:ln>
+            <a:solidFill>
+              <a:schemeClr val="tx1"/>
+            </a:solidFill>
+          </a:ln>
+          <a:scene3d>
+            <a:camera prst="isometricOffAxis2Right"/>
+            <a:lightRig rig="threePt" dir="t"/>
+          </a:scene3d>
+        </p:spPr>
+        <p:style>
+          <a:lnRef idx="2">
+            <a:schemeClr val="accent6">
+              <a:shade val="50000"/>
+            </a:schemeClr>
+          </a:lnRef>
+          <a:fillRef idx="1">
+            <a:schemeClr val="accent6"/>
+          </a:fillRef>
+          <a:effectRef idx="0">
+            <a:schemeClr val="accent6"/>
+          </a:effectRef>
+          <a:fontRef idx="minor">
+            <a:schemeClr val="lt1"/>
+          </a:fontRef>
+        </p:style>
+        <p:txBody>
+          <a:bodyPr rtlCol="0" anchor="ctr"/>
+          <a:lstStyle/>
+          <a:p>
+            <a:pPr algn="ctr"/>
+            <a:endParaRPr lang="zh-CN" altLang="en-US" sz="2400"/>
+          </a:p>
+        </p:txBody>
+      </p:sp>
+      <p:sp>
+        <p:nvSpPr>
+          <p:cNvPr id="150" name="椭圆 149">
+            <a:extLst>
+              <a:ext uri="{FF2B5EF4-FFF2-40B4-BE49-F238E27FC236}">
+                <a16:creationId xmlns:a16="http://schemas.microsoft.com/office/drawing/2014/main" id="{266DF9A8-9CEF-47DC-ACA3-FB2A1B225588}"/>
+              </a:ext>
+            </a:extLst>
+          </p:cNvPr>
+          <p:cNvSpPr/>
+          <p:nvPr/>
+        </p:nvSpPr>
+        <p:spPr>
+          <a:xfrm>
+            <a:off x="2623958" y="1825898"/>
+            <a:ext cx="219437" cy="219437"/>
+          </a:xfrm>
+          <a:prstGeom prst="ellipse">
+            <a:avLst/>
+          </a:prstGeom>
+        </p:spPr>
+        <p:style>
+          <a:lnRef idx="2">
+            <a:schemeClr val="accent1">
+              <a:shade val="50000"/>
+            </a:schemeClr>
+          </a:lnRef>
+          <a:fillRef idx="1">
+            <a:schemeClr val="accent1"/>
+          </a:fillRef>
+          <a:effectRef idx="0">
+            <a:schemeClr val="accent1"/>
+          </a:effectRef>
+          <a:fontRef idx="minor">
+            <a:schemeClr val="lt1"/>
+          </a:fontRef>
+        </p:style>
+        <p:txBody>
+          <a:bodyPr rtlCol="0" anchor="ctr"/>
+          <a:lstStyle/>
+          <a:p>
+            <a:pPr algn="ctr"/>
+            <a:r>
+              <a:rPr lang="en-US" altLang="zh-CN" sz="1400" dirty="0"/>
+              <a:t>1</a:t>
+            </a:r>
+            <a:endParaRPr lang="zh-CN" altLang="en-US" sz="1400" dirty="0"/>
+          </a:p>
+        </p:txBody>
+      </p:sp>
+      <p:sp>
+        <p:nvSpPr>
+          <p:cNvPr id="151" name="椭圆 150">
+            <a:extLst>
+              <a:ext uri="{FF2B5EF4-FFF2-40B4-BE49-F238E27FC236}">
+                <a16:creationId xmlns:a16="http://schemas.microsoft.com/office/drawing/2014/main" id="{1B82B096-8364-4CC9-8F25-AA57ED14AA8C}"/>
+              </a:ext>
+            </a:extLst>
+          </p:cNvPr>
+          <p:cNvSpPr/>
+          <p:nvPr/>
+        </p:nvSpPr>
+        <p:spPr>
+          <a:xfrm>
+            <a:off x="3092129" y="2252645"/>
+            <a:ext cx="219437" cy="219437"/>
+          </a:xfrm>
+          <a:prstGeom prst="ellipse">
+            <a:avLst/>
+          </a:prstGeom>
+        </p:spPr>
+        <p:style>
+          <a:lnRef idx="2">
+            <a:schemeClr val="accent1">
+              <a:shade val="50000"/>
+            </a:schemeClr>
+          </a:lnRef>
+          <a:fillRef idx="1">
+            <a:schemeClr val="accent1"/>
+          </a:fillRef>
+          <a:effectRef idx="0">
+            <a:schemeClr val="accent1"/>
+          </a:effectRef>
+          <a:fontRef idx="minor">
+            <a:schemeClr val="lt1"/>
+          </a:fontRef>
+        </p:style>
+        <p:txBody>
+          <a:bodyPr rtlCol="0" anchor="ctr"/>
+          <a:lstStyle/>
+          <a:p>
+            <a:pPr algn="ctr"/>
+            <a:r>
+              <a:rPr lang="en-US" altLang="zh-CN" sz="1400" dirty="0"/>
+              <a:t>2</a:t>
+            </a:r>
+            <a:endParaRPr lang="zh-CN" altLang="en-US" sz="1400" dirty="0"/>
+          </a:p>
+        </p:txBody>
+      </p:sp>
+      <p:sp>
+        <p:nvSpPr>
+          <p:cNvPr id="152" name="椭圆 151">
+            <a:extLst>
+              <a:ext uri="{FF2B5EF4-FFF2-40B4-BE49-F238E27FC236}">
+                <a16:creationId xmlns:a16="http://schemas.microsoft.com/office/drawing/2014/main" id="{B2699486-CD03-4050-AAD9-5B7EE51EC9CC}"/>
+              </a:ext>
+            </a:extLst>
+          </p:cNvPr>
+          <p:cNvSpPr/>
+          <p:nvPr/>
+        </p:nvSpPr>
+        <p:spPr>
+          <a:xfrm>
+            <a:off x="3036272" y="3110323"/>
+            <a:ext cx="219437" cy="219437"/>
+          </a:xfrm>
+          <a:prstGeom prst="ellipse">
+            <a:avLst/>
+          </a:prstGeom>
+        </p:spPr>
+        <p:style>
+          <a:lnRef idx="2">
+            <a:schemeClr val="accent1">
+              <a:shade val="50000"/>
+            </a:schemeClr>
+          </a:lnRef>
+          <a:fillRef idx="1">
+            <a:schemeClr val="accent1"/>
+          </a:fillRef>
+          <a:effectRef idx="0">
+            <a:schemeClr val="accent1"/>
+          </a:effectRef>
+          <a:fontRef idx="minor">
+            <a:schemeClr val="lt1"/>
+          </a:fontRef>
+        </p:style>
+        <p:txBody>
+          <a:bodyPr rtlCol="0" anchor="ctr"/>
+          <a:lstStyle/>
+          <a:p>
+            <a:pPr algn="ctr"/>
+            <a:r>
+              <a:rPr lang="en-US" altLang="zh-CN" sz="1400" dirty="0"/>
+              <a:t>3</a:t>
+            </a:r>
+            <a:endParaRPr lang="zh-CN" altLang="en-US" sz="1400" dirty="0"/>
+          </a:p>
+        </p:txBody>
+      </p:sp>
+      <p:sp>
+        <p:nvSpPr>
+          <p:cNvPr id="153" name="椭圆 152">
+            <a:extLst>
+              <a:ext uri="{FF2B5EF4-FFF2-40B4-BE49-F238E27FC236}">
+                <a16:creationId xmlns:a16="http://schemas.microsoft.com/office/drawing/2014/main" id="{7F92E304-AF3F-4535-B71E-A31CCB8BEBFC}"/>
+              </a:ext>
+            </a:extLst>
+          </p:cNvPr>
+          <p:cNvSpPr/>
+          <p:nvPr/>
+        </p:nvSpPr>
+        <p:spPr>
+          <a:xfrm>
+            <a:off x="2622188" y="3587471"/>
+            <a:ext cx="219437" cy="219437"/>
+          </a:xfrm>
+          <a:prstGeom prst="ellipse">
+            <a:avLst/>
+          </a:prstGeom>
+        </p:spPr>
+        <p:style>
+          <a:lnRef idx="2">
+            <a:schemeClr val="accent1">
+              <a:shade val="50000"/>
+            </a:schemeClr>
+          </a:lnRef>
+          <a:fillRef idx="1">
+            <a:schemeClr val="accent1"/>
+          </a:fillRef>
+          <a:effectRef idx="0">
+            <a:schemeClr val="accent1"/>
+          </a:effectRef>
+          <a:fontRef idx="minor">
+            <a:schemeClr val="lt1"/>
+          </a:fontRef>
+        </p:style>
+        <p:txBody>
+          <a:bodyPr rtlCol="0" anchor="ctr"/>
+          <a:lstStyle/>
+          <a:p>
+            <a:pPr algn="ctr"/>
+            <a:r>
+              <a:rPr lang="en-US" altLang="zh-CN" sz="1400" dirty="0"/>
+              <a:t>4</a:t>
+            </a:r>
+            <a:endParaRPr lang="zh-CN" altLang="en-US" sz="1400" dirty="0"/>
+          </a:p>
+        </p:txBody>
+      </p:sp>
+      <p:sp>
+        <p:nvSpPr>
+          <p:cNvPr id="154" name="矩形 153">
+            <a:extLst>
+              <a:ext uri="{FF2B5EF4-FFF2-40B4-BE49-F238E27FC236}">
+                <a16:creationId xmlns:a16="http://schemas.microsoft.com/office/drawing/2014/main" id="{43A86EF4-BD51-40F1-81E5-D9D3CCCCA7DB}"/>
+              </a:ext>
+            </a:extLst>
+          </p:cNvPr>
+          <p:cNvSpPr/>
+          <p:nvPr/>
+        </p:nvSpPr>
+        <p:spPr>
+          <a:xfrm>
+            <a:off x="8475960" y="2170644"/>
+            <a:ext cx="202710" cy="356735"/>
+          </a:xfrm>
+          <a:prstGeom prst="rect">
+            <a:avLst/>
+          </a:prstGeom>
+          <a:solidFill>
+            <a:schemeClr val="accent1">
+              <a:lumMod val="75000"/>
+            </a:schemeClr>
+          </a:solidFill>
+          <a:ln>
+            <a:solidFill>
+              <a:schemeClr val="tx1"/>
+            </a:solidFill>
+          </a:ln>
+          <a:scene3d>
+            <a:camera prst="isometricOffAxis2Right"/>
+            <a:lightRig rig="threePt" dir="t"/>
+          </a:scene3d>
+        </p:spPr>
+        <p:style>
+          <a:lnRef idx="2">
+            <a:schemeClr val="accent6">
+              <a:shade val="50000"/>
+            </a:schemeClr>
+          </a:lnRef>
+          <a:fillRef idx="1">
+            <a:schemeClr val="accent6"/>
+          </a:fillRef>
+          <a:effectRef idx="0">
+            <a:schemeClr val="accent6"/>
+          </a:effectRef>
+          <a:fontRef idx="minor">
+            <a:schemeClr val="lt1"/>
+          </a:fontRef>
+        </p:style>
+        <p:txBody>
+          <a:bodyPr rtlCol="0" anchor="ctr"/>
+          <a:lstStyle/>
+          <a:p>
+            <a:pPr algn="ctr"/>
+            <a:endParaRPr lang="zh-CN" altLang="en-US" sz="2400"/>
+          </a:p>
+        </p:txBody>
+      </p:sp>
+      <p:sp>
+        <p:nvSpPr>
+          <p:cNvPr id="155" name="矩形 154">
+            <a:extLst>
+              <a:ext uri="{FF2B5EF4-FFF2-40B4-BE49-F238E27FC236}">
+                <a16:creationId xmlns:a16="http://schemas.microsoft.com/office/drawing/2014/main" id="{9953DCD0-3F0B-4234-9F5F-966C3905D7D0}"/>
+              </a:ext>
+            </a:extLst>
+          </p:cNvPr>
+          <p:cNvSpPr/>
+          <p:nvPr/>
+        </p:nvSpPr>
+        <p:spPr>
+          <a:xfrm>
+            <a:off x="8475960" y="2528714"/>
+            <a:ext cx="202710" cy="356735"/>
+          </a:xfrm>
+          <a:prstGeom prst="rect">
+            <a:avLst/>
+          </a:prstGeom>
+          <a:solidFill>
+            <a:schemeClr val="accent4">
+              <a:lumMod val="40000"/>
+              <a:lumOff val="60000"/>
+            </a:schemeClr>
+          </a:solidFill>
+          <a:ln>
+            <a:solidFill>
+              <a:schemeClr val="tx1"/>
+            </a:solidFill>
+          </a:ln>
+          <a:scene3d>
+            <a:camera prst="isometricOffAxis2Right"/>
+            <a:lightRig rig="threePt" dir="t"/>
+          </a:scene3d>
+        </p:spPr>
+        <p:style>
+          <a:lnRef idx="2">
+            <a:schemeClr val="accent6">
+              <a:shade val="50000"/>
+            </a:schemeClr>
+          </a:lnRef>
+          <a:fillRef idx="1">
+            <a:schemeClr val="accent6"/>
+          </a:fillRef>
+          <a:effectRef idx="0">
+            <a:schemeClr val="accent6"/>
+          </a:effectRef>
+          <a:fontRef idx="minor">
+            <a:schemeClr val="lt1"/>
+          </a:fontRef>
+        </p:style>
+        <p:txBody>
+          <a:bodyPr rtlCol="0" anchor="ctr"/>
+          <a:lstStyle/>
+          <a:p>
+            <a:pPr algn="ctr"/>
+            <a:endParaRPr lang="zh-CN" altLang="en-US" sz="2400"/>
+          </a:p>
+        </p:txBody>
+      </p:sp>
+      <p:sp>
+        <p:nvSpPr>
+          <p:cNvPr id="156" name="矩形 155">
+            <a:extLst>
+              <a:ext uri="{FF2B5EF4-FFF2-40B4-BE49-F238E27FC236}">
+                <a16:creationId xmlns:a16="http://schemas.microsoft.com/office/drawing/2014/main" id="{7EE8125D-B8DE-45BF-8688-9FAB8ABCD722}"/>
+              </a:ext>
+            </a:extLst>
+          </p:cNvPr>
+          <p:cNvSpPr/>
+          <p:nvPr/>
+        </p:nvSpPr>
+        <p:spPr>
+          <a:xfrm>
+            <a:off x="8475960" y="2882475"/>
+            <a:ext cx="202710" cy="356735"/>
+          </a:xfrm>
+          <a:prstGeom prst="rect">
+            <a:avLst/>
+          </a:prstGeom>
+          <a:solidFill>
+            <a:schemeClr val="accent4">
+              <a:lumMod val="75000"/>
+            </a:schemeClr>
+          </a:solidFill>
+          <a:ln>
+            <a:solidFill>
+              <a:schemeClr val="tx1"/>
+            </a:solidFill>
+          </a:ln>
+          <a:scene3d>
+            <a:camera prst="isometricOffAxis2Right"/>
+            <a:lightRig rig="threePt" dir="t"/>
+          </a:scene3d>
+        </p:spPr>
+        <p:style>
+          <a:lnRef idx="2">
+            <a:schemeClr val="accent6">
+              <a:shade val="50000"/>
+            </a:schemeClr>
+          </a:lnRef>
+          <a:fillRef idx="1">
+            <a:schemeClr val="accent6"/>
+          </a:fillRef>
+          <a:effectRef idx="0">
+            <a:schemeClr val="accent6"/>
+          </a:effectRef>
+          <a:fontRef idx="minor">
+            <a:schemeClr val="lt1"/>
+          </a:fontRef>
+        </p:style>
+        <p:txBody>
+          <a:bodyPr rtlCol="0" anchor="ctr"/>
+          <a:lstStyle/>
+          <a:p>
+            <a:pPr algn="ctr"/>
+            <a:endParaRPr lang="zh-CN" altLang="en-US" sz="2400"/>
+          </a:p>
+        </p:txBody>
+      </p:sp>
+    </p:spTree>
+    <p:extLst>
+      <p:ext uri="{BB962C8B-B14F-4D97-AF65-F5344CB8AC3E}">
+        <p14:creationId xmlns:p14="http://schemas.microsoft.com/office/powerpoint/2010/main" val="2419828670"/>
       </p:ext>
     </p:extLst>
   </p:cSld>
